--- a/doxygen/dox/Figures.pptx
+++ b/doxygen/dox/Figures.pptx
@@ -9,6 +9,12 @@
     <p:sldId id="257" r:id="rId3"/>
     <p:sldId id="258" r:id="rId4"/>
     <p:sldId id="259" r:id="rId5"/>
+    <p:sldId id="260" r:id="rId6"/>
+    <p:sldId id="261" r:id="rId7"/>
+    <p:sldId id="262" r:id="rId8"/>
+    <p:sldId id="263" r:id="rId9"/>
+    <p:sldId id="264" r:id="rId10"/>
+    <p:sldId id="265" r:id="rId11"/>
   </p:sldIdLst>
   <p:sldSz cx="12192000" cy="6858000"/>
   <p:notesSz cx="6858000" cy="9144000"/>
@@ -107,6 +113,11 @@
       </a:defRPr>
     </a:lvl9pPr>
   </p:defaultTextStyle>
+  <p:extLst>
+    <p:ext uri="{EFAFB233-063F-42B5-8137-9DF3F51BA10A}">
+      <p15:sldGuideLst xmlns:p15="http://schemas.microsoft.com/office/powerpoint/2012/main"/>
+    </p:ext>
+  </p:extLst>
 </p:presentation>
 </file>
 
@@ -257,7 +268,7 @@
           <a:p>
             <a:fld id="{D23F2A37-FA4E-404F-8684-2B916B73A0A7}" type="datetimeFigureOut">
               <a:rPr lang="en-US" smtClean="0"/>
-              <a:t>7/30/18</a:t>
+              <a:t>10/22/18</a:t>
             </a:fld>
             <a:endParaRPr lang="en-US"/>
           </a:p>
@@ -455,7 +466,7 @@
           <a:p>
             <a:fld id="{D23F2A37-FA4E-404F-8684-2B916B73A0A7}" type="datetimeFigureOut">
               <a:rPr lang="en-US" smtClean="0"/>
-              <a:t>7/30/18</a:t>
+              <a:t>10/22/18</a:t>
             </a:fld>
             <a:endParaRPr lang="en-US"/>
           </a:p>
@@ -663,7 +674,7 @@
           <a:p>
             <a:fld id="{D23F2A37-FA4E-404F-8684-2B916B73A0A7}" type="datetimeFigureOut">
               <a:rPr lang="en-US" smtClean="0"/>
-              <a:t>7/30/18</a:t>
+              <a:t>10/22/18</a:t>
             </a:fld>
             <a:endParaRPr lang="en-US"/>
           </a:p>
@@ -861,7 +872,7 @@
           <a:p>
             <a:fld id="{D23F2A37-FA4E-404F-8684-2B916B73A0A7}" type="datetimeFigureOut">
               <a:rPr lang="en-US" smtClean="0"/>
-              <a:t>7/30/18</a:t>
+              <a:t>10/22/18</a:t>
             </a:fld>
             <a:endParaRPr lang="en-US"/>
           </a:p>
@@ -1136,7 +1147,7 @@
           <a:p>
             <a:fld id="{D23F2A37-FA4E-404F-8684-2B916B73A0A7}" type="datetimeFigureOut">
               <a:rPr lang="en-US" smtClean="0"/>
-              <a:t>7/30/18</a:t>
+              <a:t>10/22/18</a:t>
             </a:fld>
             <a:endParaRPr lang="en-US"/>
           </a:p>
@@ -1401,7 +1412,7 @@
           <a:p>
             <a:fld id="{D23F2A37-FA4E-404F-8684-2B916B73A0A7}" type="datetimeFigureOut">
               <a:rPr lang="en-US" smtClean="0"/>
-              <a:t>7/30/18</a:t>
+              <a:t>10/22/18</a:t>
             </a:fld>
             <a:endParaRPr lang="en-US"/>
           </a:p>
@@ -1813,7 +1824,7 @@
           <a:p>
             <a:fld id="{D23F2A37-FA4E-404F-8684-2B916B73A0A7}" type="datetimeFigureOut">
               <a:rPr lang="en-US" smtClean="0"/>
-              <a:t>7/30/18</a:t>
+              <a:t>10/22/18</a:t>
             </a:fld>
             <a:endParaRPr lang="en-US"/>
           </a:p>
@@ -1954,7 +1965,7 @@
           <a:p>
             <a:fld id="{D23F2A37-FA4E-404F-8684-2B916B73A0A7}" type="datetimeFigureOut">
               <a:rPr lang="en-US" smtClean="0"/>
-              <a:t>7/30/18</a:t>
+              <a:t>10/22/18</a:t>
             </a:fld>
             <a:endParaRPr lang="en-US"/>
           </a:p>
@@ -2067,7 +2078,7 @@
           <a:p>
             <a:fld id="{D23F2A37-FA4E-404F-8684-2B916B73A0A7}" type="datetimeFigureOut">
               <a:rPr lang="en-US" smtClean="0"/>
-              <a:t>7/30/18</a:t>
+              <a:t>10/22/18</a:t>
             </a:fld>
             <a:endParaRPr lang="en-US"/>
           </a:p>
@@ -2378,7 +2389,7 @@
           <a:p>
             <a:fld id="{D23F2A37-FA4E-404F-8684-2B916B73A0A7}" type="datetimeFigureOut">
               <a:rPr lang="en-US" smtClean="0"/>
-              <a:t>7/30/18</a:t>
+              <a:t>10/22/18</a:t>
             </a:fld>
             <a:endParaRPr lang="en-US"/>
           </a:p>
@@ -2666,7 +2677,7 @@
           <a:p>
             <a:fld id="{D23F2A37-FA4E-404F-8684-2B916B73A0A7}" type="datetimeFigureOut">
               <a:rPr lang="en-US" smtClean="0"/>
-              <a:t>7/30/18</a:t>
+              <a:t>10/22/18</a:t>
             </a:fld>
             <a:endParaRPr lang="en-US"/>
           </a:p>
@@ -2907,7 +2918,7 @@
           <a:p>
             <a:fld id="{D23F2A37-FA4E-404F-8684-2B916B73A0A7}" type="datetimeFigureOut">
               <a:rPr lang="en-US" smtClean="0"/>
-              <a:t>7/30/18</a:t>
+              <a:t>10/22/18</a:t>
             </a:fld>
             <a:endParaRPr lang="en-US"/>
           </a:p>
@@ -4256,6 +4267,275 @@
 </p:sld>
 </file>
 
+<file path=ppt/slides/slide10.xml><?xml version="1.0" encoding="utf-8"?>
+<p:sld xmlns:a="http://schemas.openxmlformats.org/drawingml/2006/main" xmlns:r="http://schemas.openxmlformats.org/officeDocument/2006/relationships" xmlns:p="http://schemas.openxmlformats.org/presentationml/2006/main">
+  <p:cSld>
+    <p:spTree>
+      <p:nvGrpSpPr>
+        <p:cNvPr id="1" name=""/>
+        <p:cNvGrpSpPr/>
+        <p:nvPr/>
+      </p:nvGrpSpPr>
+      <p:grpSpPr>
+        <a:xfrm>
+          <a:off x="0" y="0"/>
+          <a:ext cx="0" cy="0"/>
+          <a:chOff x="0" y="0"/>
+          <a:chExt cx="0" cy="0"/>
+        </a:xfrm>
+      </p:grpSpPr>
+      <p:sp>
+        <p:nvSpPr>
+          <p:cNvPr id="5" name="TextBox 4">
+            <a:extLst>
+              <a:ext uri="{FF2B5EF4-FFF2-40B4-BE49-F238E27FC236}">
+                <a16:creationId xmlns:a16="http://schemas.microsoft.com/office/drawing/2014/main" id="{7ECE3259-435F-F948-BB15-71DA2B759A24}"/>
+              </a:ext>
+            </a:extLst>
+          </p:cNvPr>
+          <p:cNvSpPr txBox="1"/>
+          <p:nvPr/>
+        </p:nvSpPr>
+        <p:spPr>
+          <a:xfrm>
+            <a:off x="297711" y="340241"/>
+            <a:ext cx="8527312" cy="646331"/>
+          </a:xfrm>
+          <a:prstGeom prst="rect">
+            <a:avLst/>
+          </a:prstGeom>
+          <a:noFill/>
+        </p:spPr>
+        <p:txBody>
+          <a:bodyPr wrap="square" rtlCol="0">
+            <a:spAutoFit/>
+          </a:bodyPr>
+          <a:lstStyle/>
+          <a:p>
+            <a:r>
+              <a:rPr lang="en-US" sz="3600" dirty="0"/>
+              <a:t>CURIOUSLY RECURSIVE TEMPLATE PATTERN </a:t>
+            </a:r>
+            <a:endParaRPr lang="en-US" sz="3600" dirty="0">
+              <a:highlight>
+                <a:srgbClr val="FFFF00"/>
+              </a:highlight>
+            </a:endParaRPr>
+          </a:p>
+        </p:txBody>
+      </p:sp>
+      <p:sp>
+        <p:nvSpPr>
+          <p:cNvPr id="7" name="TextBox 6">
+            <a:extLst>
+              <a:ext uri="{FF2B5EF4-FFF2-40B4-BE49-F238E27FC236}">
+                <a16:creationId xmlns:a16="http://schemas.microsoft.com/office/drawing/2014/main" id="{3BC2CCBF-73E5-CA46-8F87-7742248FBBC7}"/>
+              </a:ext>
+            </a:extLst>
+          </p:cNvPr>
+          <p:cNvSpPr txBox="1"/>
+          <p:nvPr/>
+        </p:nvSpPr>
+        <p:spPr>
+          <a:xfrm>
+            <a:off x="595424" y="1024271"/>
+            <a:ext cx="11185450" cy="2862322"/>
+          </a:xfrm>
+          <a:prstGeom prst="rect">
+            <a:avLst/>
+          </a:prstGeom>
+          <a:noFill/>
+        </p:spPr>
+        <p:txBody>
+          <a:bodyPr wrap="square" rtlCol="0">
+            <a:spAutoFit/>
+          </a:bodyPr>
+          <a:lstStyle/>
+          <a:p>
+            <a:r>
+              <a:rPr lang="en-US" sz="3600" dirty="0"/>
+              <a:t>template&lt;</a:t>
+            </a:r>
+            <a:r>
+              <a:rPr lang="en-US" sz="3600" dirty="0" err="1"/>
+              <a:t>typename</a:t>
+            </a:r>
+            <a:r>
+              <a:rPr lang="en-US" sz="3600" dirty="0"/>
+              <a:t> Derived&gt;</a:t>
+            </a:r>
+          </a:p>
+          <a:p>
+            <a:r>
+              <a:rPr lang="en-US" sz="3600" dirty="0" err="1"/>
+              <a:t>struct</a:t>
+            </a:r>
+            <a:r>
+              <a:rPr lang="en-US" sz="3600" dirty="0"/>
+              <a:t> A</a:t>
+            </a:r>
+          </a:p>
+          <a:p>
+            <a:r>
+              <a:rPr lang="en-US" sz="3600" dirty="0">
+                <a:highlight>
+                  <a:srgbClr val="FFFF00"/>
+                </a:highlight>
+              </a:rPr>
+              <a:t>{</a:t>
+            </a:r>
+          </a:p>
+          <a:p>
+            <a:r>
+              <a:rPr lang="en-US" sz="3600" dirty="0">
+                <a:highlight>
+                  <a:srgbClr val="FFFF00"/>
+                </a:highlight>
+              </a:rPr>
+              <a:t>A clone(){return </a:t>
+            </a:r>
+            <a:r>
+              <a:rPr lang="en-US" sz="3600" dirty="0" err="1">
+                <a:highlight>
+                  <a:srgbClr val="FFFF00"/>
+                </a:highlight>
+              </a:rPr>
+              <a:t>static_cast</a:t>
+            </a:r>
+            <a:r>
+              <a:rPr lang="en-US" sz="3600" dirty="0">
+                <a:highlight>
+                  <a:srgbClr val="FFFF00"/>
+                </a:highlight>
+              </a:rPr>
+              <a:t>&lt;Derived*&gt;(*this);}</a:t>
+            </a:r>
+          </a:p>
+          <a:p>
+            <a:r>
+              <a:rPr lang="en-US" sz="3600" dirty="0">
+                <a:highlight>
+                  <a:srgbClr val="FFFF00"/>
+                </a:highlight>
+              </a:rPr>
+              <a:t>};</a:t>
+            </a:r>
+          </a:p>
+        </p:txBody>
+      </p:sp>
+      <p:sp>
+        <p:nvSpPr>
+          <p:cNvPr id="8" name="TextBox 7">
+            <a:extLst>
+              <a:ext uri="{FF2B5EF4-FFF2-40B4-BE49-F238E27FC236}">
+                <a16:creationId xmlns:a16="http://schemas.microsoft.com/office/drawing/2014/main" id="{E3730232-8693-6340-98BA-0F8C6A4CF27F}"/>
+              </a:ext>
+            </a:extLst>
+          </p:cNvPr>
+          <p:cNvSpPr txBox="1"/>
+          <p:nvPr/>
+        </p:nvSpPr>
+        <p:spPr>
+          <a:xfrm>
+            <a:off x="595424" y="3813546"/>
+            <a:ext cx="8527312" cy="1754326"/>
+          </a:xfrm>
+          <a:prstGeom prst="rect">
+            <a:avLst/>
+          </a:prstGeom>
+          <a:noFill/>
+        </p:spPr>
+        <p:txBody>
+          <a:bodyPr wrap="square" rtlCol="0">
+            <a:spAutoFit/>
+          </a:bodyPr>
+          <a:lstStyle/>
+          <a:p>
+            <a:r>
+              <a:rPr lang="en-US" sz="3600" dirty="0" err="1"/>
+              <a:t>struct</a:t>
+            </a:r>
+            <a:r>
+              <a:rPr lang="en-US" sz="3600" dirty="0"/>
+              <a:t> B : public A&lt;B&gt;</a:t>
+            </a:r>
+          </a:p>
+          <a:p>
+            <a:r>
+              <a:rPr lang="en-US" sz="3600" dirty="0">
+                <a:highlight>
+                  <a:srgbClr val="FFFF00"/>
+                </a:highlight>
+              </a:rPr>
+              <a:t>{</a:t>
+            </a:r>
+          </a:p>
+          <a:p>
+            <a:r>
+              <a:rPr lang="en-US" sz="3600" dirty="0">
+                <a:highlight>
+                  <a:srgbClr val="FFFF00"/>
+                </a:highlight>
+              </a:rPr>
+              <a:t>};</a:t>
+            </a:r>
+          </a:p>
+        </p:txBody>
+      </p:sp>
+      <p:sp>
+        <p:nvSpPr>
+          <p:cNvPr id="9" name="TextBox 8">
+            <a:extLst>
+              <a:ext uri="{FF2B5EF4-FFF2-40B4-BE49-F238E27FC236}">
+                <a16:creationId xmlns:a16="http://schemas.microsoft.com/office/drawing/2014/main" id="{4B83AB7F-EEDB-704B-B85F-7E60B8F697E7}"/>
+              </a:ext>
+            </a:extLst>
+          </p:cNvPr>
+          <p:cNvSpPr txBox="1"/>
+          <p:nvPr/>
+        </p:nvSpPr>
+        <p:spPr>
+          <a:xfrm>
+            <a:off x="595424" y="5661862"/>
+            <a:ext cx="8527312" cy="1200329"/>
+          </a:xfrm>
+          <a:prstGeom prst="rect">
+            <a:avLst/>
+          </a:prstGeom>
+          <a:noFill/>
+        </p:spPr>
+        <p:txBody>
+          <a:bodyPr wrap="square" rtlCol="0">
+            <a:spAutoFit/>
+          </a:bodyPr>
+          <a:lstStyle/>
+          <a:p>
+            <a:r>
+              <a:rPr lang="en-US" sz="3600" dirty="0"/>
+              <a:t>B b1;</a:t>
+            </a:r>
+          </a:p>
+          <a:p>
+            <a:r>
+              <a:rPr lang="en-US" sz="3600" dirty="0"/>
+              <a:t>B b2=b1.clone();</a:t>
+            </a:r>
+          </a:p>
+        </p:txBody>
+      </p:sp>
+    </p:spTree>
+    <p:extLst>
+      <p:ext uri="{BB962C8B-B14F-4D97-AF65-F5344CB8AC3E}">
+        <p14:creationId xmlns:p14="http://schemas.microsoft.com/office/powerpoint/2010/main" val="3241410713"/>
+      </p:ext>
+    </p:extLst>
+  </p:cSld>
+  <p:clrMapOvr>
+    <a:masterClrMapping/>
+  </p:clrMapOvr>
+</p:sld>
+</file>
+
 <file path=ppt/slides/slide2.xml><?xml version="1.0" encoding="utf-8"?>
 <p:sld xmlns:a="http://schemas.openxmlformats.org/drawingml/2006/main" xmlns:r="http://schemas.openxmlformats.org/officeDocument/2006/relationships" xmlns:p="http://schemas.openxmlformats.org/presentationml/2006/main">
   <p:cSld>
@@ -5808,7 +6088,7 @@
         </p:nvSpPr>
         <p:spPr>
           <a:xfrm rot="5400000">
-            <a:off x="4397794" y="2791228"/>
+            <a:off x="2473537" y="2544924"/>
             <a:ext cx="2455074" cy="537003"/>
           </a:xfrm>
           <a:prstGeom prst="rightArrow">
@@ -5863,7 +6143,7 @@
         </p:nvSpPr>
         <p:spPr>
           <a:xfrm rot="5400000">
-            <a:off x="7368468" y="2792527"/>
+            <a:off x="5433342" y="2537346"/>
             <a:ext cx="2455074" cy="537003"/>
           </a:xfrm>
           <a:prstGeom prst="rightArrow">
@@ -5918,7 +6198,7 @@
         </p:nvSpPr>
         <p:spPr>
           <a:xfrm rot="5400000">
-            <a:off x="1479122" y="2767618"/>
+            <a:off x="-456004" y="2512437"/>
             <a:ext cx="2455074" cy="537003"/>
           </a:xfrm>
           <a:prstGeom prst="rightArrow">
@@ -5973,7 +6253,7 @@
         </p:nvSpPr>
         <p:spPr>
           <a:xfrm rot="10800000">
-            <a:off x="2793524" y="4148758"/>
+            <a:off x="858398" y="3893577"/>
             <a:ext cx="2709669" cy="537003"/>
           </a:xfrm>
           <a:prstGeom prst="rightArrow">
@@ -6028,7 +6308,7 @@
         </p:nvSpPr>
         <p:spPr>
           <a:xfrm rot="10800000">
-            <a:off x="5745397" y="4127471"/>
+            <a:off x="3810271" y="3872290"/>
             <a:ext cx="2709669" cy="537003"/>
           </a:xfrm>
           <a:prstGeom prst="rightArrow">
@@ -6083,7 +6363,7 @@
         </p:nvSpPr>
         <p:spPr>
           <a:xfrm>
-            <a:off x="5760256" y="1408962"/>
+            <a:off x="3825130" y="1153781"/>
             <a:ext cx="2709669" cy="537003"/>
           </a:xfrm>
           <a:prstGeom prst="rightArrow">
@@ -6138,7 +6418,7 @@
         </p:nvSpPr>
         <p:spPr>
           <a:xfrm>
-            <a:off x="2818874" y="1403054"/>
+            <a:off x="890136" y="1152783"/>
             <a:ext cx="2709669" cy="537003"/>
           </a:xfrm>
           <a:prstGeom prst="rightArrow">
@@ -6193,7 +6473,7 @@
         </p:nvGrpSpPr>
         <p:grpSpPr>
           <a:xfrm>
-            <a:off x="2699988" y="1667539"/>
+            <a:off x="764862" y="1412358"/>
             <a:ext cx="2973562" cy="0"/>
             <a:chOff x="448759" y="4061637"/>
             <a:chExt cx="2973562" cy="0"/>
@@ -6308,7 +6588,7 @@
         </p:nvGrpSpPr>
         <p:grpSpPr>
           <a:xfrm>
-            <a:off x="5594245" y="1667539"/>
+            <a:off x="3659119" y="1412358"/>
             <a:ext cx="2973562" cy="0"/>
             <a:chOff x="448759" y="4061637"/>
             <a:chExt cx="2973562" cy="0"/>
@@ -6417,7 +6697,7 @@
         </p:nvGrpSpPr>
         <p:grpSpPr>
           <a:xfrm rot="5400000" flipV="1">
-            <a:off x="4456966" y="2775819"/>
+            <a:off x="2551547" y="2519455"/>
             <a:ext cx="2711307" cy="531368"/>
             <a:chOff x="448759" y="4061637"/>
             <a:chExt cx="2973562" cy="0"/>
@@ -6532,7 +6812,7 @@
         </p:nvGrpSpPr>
         <p:grpSpPr>
           <a:xfrm rot="16200000" flipV="1">
-            <a:off x="4003537" y="2758393"/>
+            <a:off x="2078136" y="2549941"/>
             <a:ext cx="2818817" cy="531368"/>
             <a:chOff x="448759" y="4061637"/>
             <a:chExt cx="2973562" cy="0"/>
@@ -6641,7 +6921,7 @@
         </p:nvGrpSpPr>
         <p:grpSpPr>
           <a:xfrm rot="10800000">
-            <a:off x="2706660" y="4397154"/>
+            <a:off x="771534" y="4141973"/>
             <a:ext cx="2973562" cy="0"/>
             <a:chOff x="448759" y="4061637"/>
             <a:chExt cx="2973562" cy="0"/>
@@ -6756,7 +7036,7 @@
         </p:nvGrpSpPr>
         <p:grpSpPr>
           <a:xfrm rot="10800000">
-            <a:off x="5729595" y="4374708"/>
+            <a:off x="3794469" y="4119527"/>
             <a:ext cx="2973562" cy="0"/>
             <a:chOff x="448759" y="4061637"/>
             <a:chExt cx="2973562" cy="0"/>
@@ -6865,7 +7145,7 @@
         </p:nvGrpSpPr>
         <p:grpSpPr>
           <a:xfrm rot="5400000" flipV="1">
-            <a:off x="7496230" y="2757509"/>
+            <a:off x="5561104" y="2502328"/>
             <a:ext cx="2711307" cy="531368"/>
             <a:chOff x="448759" y="4061637"/>
             <a:chExt cx="2973562" cy="0"/>
@@ -6974,7 +7254,7 @@
         </p:nvGrpSpPr>
         <p:grpSpPr>
           <a:xfrm rot="16200000" flipV="1">
-            <a:off x="1029524" y="2843159"/>
+            <a:off x="-905602" y="2587978"/>
             <a:ext cx="2818817" cy="531368"/>
             <a:chOff x="448759" y="4061637"/>
             <a:chExt cx="2973562" cy="0"/>
@@ -7089,7 +7369,7 @@
         </p:nvSpPr>
         <p:spPr>
           <a:xfrm>
-            <a:off x="2564638" y="1555898"/>
+            <a:off x="629512" y="1300717"/>
             <a:ext cx="233916" cy="233916"/>
           </a:xfrm>
           <a:prstGeom prst="ellipse">
@@ -7138,7 +7418,7 @@
         </p:nvSpPr>
         <p:spPr>
           <a:xfrm>
-            <a:off x="2564638" y="4270746"/>
+            <a:off x="629512" y="4015565"/>
             <a:ext cx="233916" cy="233916"/>
           </a:xfrm>
           <a:prstGeom prst="ellipse">
@@ -7187,7 +7467,7 @@
         </p:nvSpPr>
         <p:spPr>
           <a:xfrm>
-            <a:off x="5500726" y="4263657"/>
+            <a:off x="3565600" y="4008476"/>
             <a:ext cx="233916" cy="233916"/>
           </a:xfrm>
           <a:prstGeom prst="ellipse">
@@ -7236,7 +7516,7 @@
         </p:nvSpPr>
         <p:spPr>
           <a:xfrm>
-            <a:off x="8472114" y="4270746"/>
+            <a:off x="6536988" y="4015565"/>
             <a:ext cx="233916" cy="233916"/>
           </a:xfrm>
           <a:prstGeom prst="ellipse">
@@ -7285,7 +7565,7 @@
         </p:nvSpPr>
         <p:spPr>
           <a:xfrm>
-            <a:off x="5500726" y="1550581"/>
+            <a:off x="3565600" y="1295400"/>
             <a:ext cx="233916" cy="233916"/>
           </a:xfrm>
           <a:prstGeom prst="ellipse">
@@ -7334,7 +7614,7 @@
         </p:nvSpPr>
         <p:spPr>
           <a:xfrm>
-            <a:off x="8483428" y="1550581"/>
+            <a:off x="6548302" y="1295400"/>
             <a:ext cx="233916" cy="233916"/>
           </a:xfrm>
           <a:prstGeom prst="ellipse">
@@ -7383,7 +7663,7 @@
         </p:nvGrpSpPr>
         <p:grpSpPr>
           <a:xfrm>
-            <a:off x="2384420" y="1043193"/>
+            <a:off x="449294" y="788012"/>
             <a:ext cx="6690348" cy="3972167"/>
             <a:chOff x="2391912" y="2299724"/>
             <a:chExt cx="6690348" cy="3972167"/>
@@ -7600,6 +7880,94 @@
           </p:txBody>
         </p:sp>
       </p:grpSp>
+      <p:sp>
+        <p:nvSpPr>
+          <p:cNvPr id="2" name="Rectangle 1">
+            <a:extLst>
+              <a:ext uri="{FF2B5EF4-FFF2-40B4-BE49-F238E27FC236}">
+                <a16:creationId xmlns:a16="http://schemas.microsoft.com/office/drawing/2014/main" id="{2673183F-DBED-7E4B-9D3B-BE372E823E30}"/>
+              </a:ext>
+            </a:extLst>
+          </p:cNvPr>
+          <p:cNvSpPr/>
+          <p:nvPr/>
+        </p:nvSpPr>
+        <p:spPr>
+          <a:xfrm>
+            <a:off x="9781953" y="788012"/>
+            <a:ext cx="1913861" cy="3642568"/>
+          </a:xfrm>
+          <a:prstGeom prst="rect">
+            <a:avLst/>
+          </a:prstGeom>
+          <a:solidFill>
+            <a:schemeClr val="accent5">
+              <a:lumMod val="60000"/>
+              <a:lumOff val="40000"/>
+            </a:schemeClr>
+          </a:solidFill>
+        </p:spPr>
+        <p:style>
+          <a:lnRef idx="2">
+            <a:schemeClr val="accent1">
+              <a:shade val="50000"/>
+            </a:schemeClr>
+          </a:lnRef>
+          <a:fillRef idx="1">
+            <a:schemeClr val="accent1"/>
+          </a:fillRef>
+          <a:effectRef idx="0">
+            <a:schemeClr val="accent1"/>
+          </a:effectRef>
+          <a:fontRef idx="minor">
+            <a:schemeClr val="lt1"/>
+          </a:fontRef>
+        </p:style>
+        <p:txBody>
+          <a:bodyPr rtlCol="0" anchor="ctr"/>
+          <a:lstStyle/>
+          <a:p>
+            <a:pPr algn="ctr"/>
+            <a:endParaRPr lang="en-US" dirty="0"/>
+          </a:p>
+        </p:txBody>
+      </p:sp>
+      <p:sp>
+        <p:nvSpPr>
+          <p:cNvPr id="3" name="TextBox 2">
+            <a:extLst>
+              <a:ext uri="{FF2B5EF4-FFF2-40B4-BE49-F238E27FC236}">
+                <a16:creationId xmlns:a16="http://schemas.microsoft.com/office/drawing/2014/main" id="{6D395896-8795-3643-967D-9B08D66926D0}"/>
+              </a:ext>
+            </a:extLst>
+          </p:cNvPr>
+          <p:cNvSpPr txBox="1"/>
+          <p:nvPr/>
+        </p:nvSpPr>
+        <p:spPr>
+          <a:xfrm>
+            <a:off x="9781953" y="852694"/>
+            <a:ext cx="1913861" cy="369332"/>
+          </a:xfrm>
+          <a:prstGeom prst="rect">
+            <a:avLst/>
+          </a:prstGeom>
+          <a:noFill/>
+        </p:spPr>
+        <p:txBody>
+          <a:bodyPr wrap="square" rtlCol="0">
+            <a:spAutoFit/>
+          </a:bodyPr>
+          <a:lstStyle/>
+          <a:p>
+            <a:r>
+              <a:rPr lang="en-US" dirty="0" err="1"/>
+              <a:t>NodeObserver.h</a:t>
+            </a:r>
+            <a:endParaRPr lang="en-US" dirty="0"/>
+          </a:p>
+        </p:txBody>
+      </p:sp>
     </p:spTree>
     <p:extLst>
       <p:ext uri="{BB962C8B-B14F-4D97-AF65-F5344CB8AC3E}">
@@ -8589,6 +8957,9049 @@
     <p:extLst>
       <p:ext uri="{BB962C8B-B14F-4D97-AF65-F5344CB8AC3E}">
         <p14:creationId xmlns:p14="http://schemas.microsoft.com/office/powerpoint/2010/main" val="3276017353"/>
+      </p:ext>
+    </p:extLst>
+  </p:cSld>
+  <p:clrMapOvr>
+    <a:masterClrMapping/>
+  </p:clrMapOvr>
+</p:sld>
+</file>
+
+<file path=ppt/slides/slide5.xml><?xml version="1.0" encoding="utf-8"?>
+<p:sld xmlns:a="http://schemas.openxmlformats.org/drawingml/2006/main" xmlns:r="http://schemas.openxmlformats.org/officeDocument/2006/relationships" xmlns:p="http://schemas.openxmlformats.org/presentationml/2006/main">
+  <p:cSld>
+    <p:spTree>
+      <p:nvGrpSpPr>
+        <p:cNvPr id="1" name=""/>
+        <p:cNvGrpSpPr/>
+        <p:nvPr/>
+      </p:nvGrpSpPr>
+      <p:grpSpPr>
+        <a:xfrm>
+          <a:off x="0" y="0"/>
+          <a:ext cx="0" cy="0"/>
+          <a:chOff x="0" y="0"/>
+          <a:chExt cx="0" cy="0"/>
+        </a:xfrm>
+      </p:grpSpPr>
+      <p:sp>
+        <p:nvSpPr>
+          <p:cNvPr id="44" name="TextBox 43">
+            <a:extLst>
+              <a:ext uri="{FF2B5EF4-FFF2-40B4-BE49-F238E27FC236}">
+                <a16:creationId xmlns:a16="http://schemas.microsoft.com/office/drawing/2014/main" id="{4B21375E-37F2-8E45-9483-35796DA3B0D7}"/>
+              </a:ext>
+            </a:extLst>
+          </p:cNvPr>
+          <p:cNvSpPr txBox="1"/>
+          <p:nvPr/>
+        </p:nvSpPr>
+        <p:spPr>
+          <a:xfrm>
+            <a:off x="7850617" y="5027565"/>
+            <a:ext cx="1589649" cy="1200329"/>
+          </a:xfrm>
+          <a:prstGeom prst="rect">
+            <a:avLst/>
+          </a:prstGeom>
+          <a:solidFill>
+            <a:schemeClr val="accent4">
+              <a:lumMod val="40000"/>
+              <a:lumOff val="60000"/>
+            </a:schemeClr>
+          </a:solidFill>
+        </p:spPr>
+        <p:txBody>
+          <a:bodyPr wrap="square" rtlCol="0">
+            <a:spAutoFit/>
+          </a:bodyPr>
+          <a:lstStyle/>
+          <a:p>
+            <a:r>
+              <a:rPr lang="en-US" dirty="0" err="1"/>
+              <a:t>NetworkLink.h</a:t>
+            </a:r>
+            <a:endParaRPr lang="en-US" dirty="0"/>
+          </a:p>
+          <a:p>
+            <a:endParaRPr lang="en-US" dirty="0"/>
+          </a:p>
+          <a:p>
+            <a:endParaRPr lang="en-US" dirty="0"/>
+          </a:p>
+          <a:p>
+            <a:endParaRPr lang="en-US" dirty="0"/>
+          </a:p>
+        </p:txBody>
+      </p:sp>
+      <p:cxnSp>
+        <p:nvCxnSpPr>
+          <p:cNvPr id="6" name="Straight Connector 5">
+            <a:extLst>
+              <a:ext uri="{FF2B5EF4-FFF2-40B4-BE49-F238E27FC236}">
+                <a16:creationId xmlns:a16="http://schemas.microsoft.com/office/drawing/2014/main" id="{2381AE1F-38FF-E546-ABDC-317E8B367E6B}"/>
+              </a:ext>
+            </a:extLst>
+          </p:cNvPr>
+          <p:cNvCxnSpPr/>
+          <p:nvPr/>
+        </p:nvCxnSpPr>
+        <p:spPr>
+          <a:xfrm>
+            <a:off x="0" y="1899138"/>
+            <a:ext cx="11774658" cy="0"/>
+          </a:xfrm>
+          <a:prstGeom prst="line">
+            <a:avLst/>
+          </a:prstGeom>
+        </p:spPr>
+        <p:style>
+          <a:lnRef idx="1">
+            <a:schemeClr val="accent1"/>
+          </a:lnRef>
+          <a:fillRef idx="0">
+            <a:schemeClr val="accent1"/>
+          </a:fillRef>
+          <a:effectRef idx="0">
+            <a:schemeClr val="accent1"/>
+          </a:effectRef>
+          <a:fontRef idx="minor">
+            <a:schemeClr val="tx1"/>
+          </a:fontRef>
+        </p:style>
+      </p:cxnSp>
+      <p:cxnSp>
+        <p:nvCxnSpPr>
+          <p:cNvPr id="23" name="Straight Connector 22">
+            <a:extLst>
+              <a:ext uri="{FF2B5EF4-FFF2-40B4-BE49-F238E27FC236}">
+                <a16:creationId xmlns:a16="http://schemas.microsoft.com/office/drawing/2014/main" id="{E797A4AB-B19E-9246-AD02-A65C8FBAB9E5}"/>
+              </a:ext>
+            </a:extLst>
+          </p:cNvPr>
+          <p:cNvCxnSpPr/>
+          <p:nvPr/>
+        </p:nvCxnSpPr>
+        <p:spPr>
+          <a:xfrm>
+            <a:off x="0" y="4611858"/>
+            <a:ext cx="11774658" cy="0"/>
+          </a:xfrm>
+          <a:prstGeom prst="line">
+            <a:avLst/>
+          </a:prstGeom>
+        </p:spPr>
+        <p:style>
+          <a:lnRef idx="1">
+            <a:schemeClr val="accent1"/>
+          </a:lnRef>
+          <a:fillRef idx="0">
+            <a:schemeClr val="accent1"/>
+          </a:fillRef>
+          <a:effectRef idx="0">
+            <a:schemeClr val="accent1"/>
+          </a:effectRef>
+          <a:fontRef idx="minor">
+            <a:schemeClr val="tx1"/>
+          </a:fontRef>
+        </p:style>
+      </p:cxnSp>
+      <p:sp>
+        <p:nvSpPr>
+          <p:cNvPr id="9" name="TextBox 8">
+            <a:extLst>
+              <a:ext uri="{FF2B5EF4-FFF2-40B4-BE49-F238E27FC236}">
+                <a16:creationId xmlns:a16="http://schemas.microsoft.com/office/drawing/2014/main" id="{275A745B-B6E8-C54A-97BA-9616032F1F5D}"/>
+              </a:ext>
+            </a:extLst>
+          </p:cNvPr>
+          <p:cNvSpPr txBox="1"/>
+          <p:nvPr/>
+        </p:nvSpPr>
+        <p:spPr>
+          <a:xfrm>
+            <a:off x="225083" y="4740812"/>
+            <a:ext cx="1139483" cy="369332"/>
+          </a:xfrm>
+          <a:prstGeom prst="rect">
+            <a:avLst/>
+          </a:prstGeom>
+          <a:noFill/>
+        </p:spPr>
+        <p:txBody>
+          <a:bodyPr wrap="square" rtlCol="0">
+            <a:spAutoFit/>
+          </a:bodyPr>
+          <a:lstStyle/>
+          <a:p>
+            <a:r>
+              <a:rPr lang="en-US" dirty="0"/>
+              <a:t>Topology</a:t>
+            </a:r>
+          </a:p>
+        </p:txBody>
+      </p:sp>
+      <p:sp>
+        <p:nvSpPr>
+          <p:cNvPr id="25" name="TextBox 24">
+            <a:extLst>
+              <a:ext uri="{FF2B5EF4-FFF2-40B4-BE49-F238E27FC236}">
+                <a16:creationId xmlns:a16="http://schemas.microsoft.com/office/drawing/2014/main" id="{2796D66C-800B-7147-9673-DB2A494CA12B}"/>
+              </a:ext>
+            </a:extLst>
+          </p:cNvPr>
+          <p:cNvSpPr txBox="1"/>
+          <p:nvPr/>
+        </p:nvSpPr>
+        <p:spPr>
+          <a:xfrm>
+            <a:off x="225082" y="1899138"/>
+            <a:ext cx="1139483" cy="369332"/>
+          </a:xfrm>
+          <a:prstGeom prst="rect">
+            <a:avLst/>
+          </a:prstGeom>
+          <a:noFill/>
+        </p:spPr>
+        <p:txBody>
+          <a:bodyPr wrap="square" rtlCol="0">
+            <a:spAutoFit/>
+          </a:bodyPr>
+          <a:lstStyle/>
+          <a:p>
+            <a:r>
+              <a:rPr lang="en-US" dirty="0"/>
+              <a:t>Geometry</a:t>
+            </a:r>
+          </a:p>
+        </p:txBody>
+      </p:sp>
+      <p:sp>
+        <p:nvSpPr>
+          <p:cNvPr id="26" name="TextBox 25">
+            <a:extLst>
+              <a:ext uri="{FF2B5EF4-FFF2-40B4-BE49-F238E27FC236}">
+                <a16:creationId xmlns:a16="http://schemas.microsoft.com/office/drawing/2014/main" id="{2042B352-6C1C-BE42-B2E2-36170ACCA446}"/>
+              </a:ext>
+            </a:extLst>
+          </p:cNvPr>
+          <p:cNvSpPr txBox="1"/>
+          <p:nvPr/>
+        </p:nvSpPr>
+        <p:spPr>
+          <a:xfrm>
+            <a:off x="225081" y="173446"/>
+            <a:ext cx="1139483" cy="369332"/>
+          </a:xfrm>
+          <a:prstGeom prst="rect">
+            <a:avLst/>
+          </a:prstGeom>
+          <a:noFill/>
+        </p:spPr>
+        <p:txBody>
+          <a:bodyPr wrap="square" rtlCol="0">
+            <a:spAutoFit/>
+          </a:bodyPr>
+          <a:lstStyle/>
+          <a:p>
+            <a:r>
+              <a:rPr lang="en-US" dirty="0"/>
+              <a:t>Physics</a:t>
+            </a:r>
+          </a:p>
+        </p:txBody>
+      </p:sp>
+      <p:sp>
+        <p:nvSpPr>
+          <p:cNvPr id="11" name="TextBox 10">
+            <a:extLst>
+              <a:ext uri="{FF2B5EF4-FFF2-40B4-BE49-F238E27FC236}">
+                <a16:creationId xmlns:a16="http://schemas.microsoft.com/office/drawing/2014/main" id="{B1331F6D-B945-C248-9818-B4AA2CB0E5F9}"/>
+              </a:ext>
+            </a:extLst>
+          </p:cNvPr>
+          <p:cNvSpPr txBox="1"/>
+          <p:nvPr/>
+        </p:nvSpPr>
+        <p:spPr>
+          <a:xfrm>
+            <a:off x="2011680" y="5514535"/>
+            <a:ext cx="1589649" cy="1200329"/>
+          </a:xfrm>
+          <a:prstGeom prst="rect">
+            <a:avLst/>
+          </a:prstGeom>
+          <a:solidFill>
+            <a:schemeClr val="accent4">
+              <a:lumMod val="40000"/>
+              <a:lumOff val="60000"/>
+            </a:schemeClr>
+          </a:solidFill>
+        </p:spPr>
+        <p:txBody>
+          <a:bodyPr wrap="square" rtlCol="0">
+            <a:spAutoFit/>
+          </a:bodyPr>
+          <a:lstStyle/>
+          <a:p>
+            <a:r>
+              <a:rPr lang="en-US" dirty="0" err="1"/>
+              <a:t>LoopNode.h</a:t>
+            </a:r>
+            <a:endParaRPr lang="en-US" dirty="0"/>
+          </a:p>
+          <a:p>
+            <a:endParaRPr lang="en-US" dirty="0"/>
+          </a:p>
+          <a:p>
+            <a:endParaRPr lang="en-US" dirty="0"/>
+          </a:p>
+          <a:p>
+            <a:endParaRPr lang="en-US" dirty="0"/>
+          </a:p>
+        </p:txBody>
+      </p:sp>
+      <p:sp>
+        <p:nvSpPr>
+          <p:cNvPr id="28" name="Oval 27">
+            <a:extLst>
+              <a:ext uri="{FF2B5EF4-FFF2-40B4-BE49-F238E27FC236}">
+                <a16:creationId xmlns:a16="http://schemas.microsoft.com/office/drawing/2014/main" id="{39BFE74D-6AFB-F747-A4F2-FAEED401441F}"/>
+              </a:ext>
+            </a:extLst>
+          </p:cNvPr>
+          <p:cNvSpPr/>
+          <p:nvPr/>
+        </p:nvSpPr>
+        <p:spPr>
+          <a:xfrm>
+            <a:off x="2572588" y="6154451"/>
+            <a:ext cx="233916" cy="233916"/>
+          </a:xfrm>
+          <a:prstGeom prst="ellipse">
+            <a:avLst/>
+          </a:prstGeom>
+          <a:solidFill>
+            <a:schemeClr val="tx1"/>
+          </a:solidFill>
+        </p:spPr>
+        <p:style>
+          <a:lnRef idx="2">
+            <a:schemeClr val="accent1">
+              <a:shade val="50000"/>
+            </a:schemeClr>
+          </a:lnRef>
+          <a:fillRef idx="1">
+            <a:schemeClr val="accent1"/>
+          </a:fillRef>
+          <a:effectRef idx="0">
+            <a:schemeClr val="accent1"/>
+          </a:effectRef>
+          <a:fontRef idx="minor">
+            <a:schemeClr val="lt1"/>
+          </a:fontRef>
+        </p:style>
+        <p:txBody>
+          <a:bodyPr rtlCol="0" anchor="ctr"/>
+          <a:lstStyle/>
+          <a:p>
+            <a:pPr algn="ctr"/>
+            <a:endParaRPr lang="en-US"/>
+          </a:p>
+        </p:txBody>
+      </p:sp>
+      <p:sp>
+        <p:nvSpPr>
+          <p:cNvPr id="30" name="TextBox 29">
+            <a:extLst>
+              <a:ext uri="{FF2B5EF4-FFF2-40B4-BE49-F238E27FC236}">
+                <a16:creationId xmlns:a16="http://schemas.microsoft.com/office/drawing/2014/main" id="{6B8B24B5-AFA5-EA41-B65C-BE9AB40B3A81}"/>
+              </a:ext>
+            </a:extLst>
+          </p:cNvPr>
+          <p:cNvSpPr txBox="1"/>
+          <p:nvPr/>
+        </p:nvSpPr>
+        <p:spPr>
+          <a:xfrm>
+            <a:off x="2345823" y="5748189"/>
+            <a:ext cx="453530" cy="523220"/>
+          </a:xfrm>
+          <a:prstGeom prst="rect">
+            <a:avLst/>
+          </a:prstGeom>
+          <a:noFill/>
+        </p:spPr>
+        <p:txBody>
+          <a:bodyPr wrap="square" rtlCol="0">
+            <a:spAutoFit/>
+          </a:bodyPr>
+          <a:lstStyle/>
+          <a:p>
+            <a:r>
+              <a:rPr lang="en-US" sz="2800" dirty="0"/>
+              <a:t>0</a:t>
+            </a:r>
+          </a:p>
+        </p:txBody>
+      </p:sp>
+      <p:cxnSp>
+        <p:nvCxnSpPr>
+          <p:cNvPr id="13" name="Straight Arrow Connector 12">
+            <a:extLst>
+              <a:ext uri="{FF2B5EF4-FFF2-40B4-BE49-F238E27FC236}">
+                <a16:creationId xmlns:a16="http://schemas.microsoft.com/office/drawing/2014/main" id="{7AFF9470-14FD-094F-B775-558D442EB2D4}"/>
+              </a:ext>
+            </a:extLst>
+          </p:cNvPr>
+          <p:cNvCxnSpPr>
+            <a:stCxn id="11" idx="0"/>
+          </p:cNvCxnSpPr>
+          <p:nvPr/>
+        </p:nvCxnSpPr>
+        <p:spPr>
+          <a:xfrm flipH="1" flipV="1">
+            <a:off x="2806504" y="1552353"/>
+            <a:ext cx="1" cy="3962182"/>
+          </a:xfrm>
+          <a:prstGeom prst="straightConnector1">
+            <a:avLst/>
+          </a:prstGeom>
+          <a:ln>
+            <a:tailEnd type="triangle"/>
+          </a:ln>
+        </p:spPr>
+        <p:style>
+          <a:lnRef idx="1">
+            <a:schemeClr val="accent1"/>
+          </a:lnRef>
+          <a:fillRef idx="0">
+            <a:schemeClr val="accent1"/>
+          </a:fillRef>
+          <a:effectRef idx="0">
+            <a:schemeClr val="accent1"/>
+          </a:effectRef>
+          <a:fontRef idx="minor">
+            <a:schemeClr val="tx1"/>
+          </a:fontRef>
+        </p:style>
+      </p:cxnSp>
+      <p:sp>
+        <p:nvSpPr>
+          <p:cNvPr id="38" name="TextBox 37">
+            <a:extLst>
+              <a:ext uri="{FF2B5EF4-FFF2-40B4-BE49-F238E27FC236}">
+                <a16:creationId xmlns:a16="http://schemas.microsoft.com/office/drawing/2014/main" id="{6CE1421D-63ED-5941-975A-1B88B5CF8D8D}"/>
+              </a:ext>
+            </a:extLst>
+          </p:cNvPr>
+          <p:cNvSpPr txBox="1"/>
+          <p:nvPr/>
+        </p:nvSpPr>
+        <p:spPr>
+          <a:xfrm>
+            <a:off x="1767504" y="1203309"/>
+            <a:ext cx="2063698" cy="369332"/>
+          </a:xfrm>
+          <a:prstGeom prst="rect">
+            <a:avLst/>
+          </a:prstGeom>
+          <a:solidFill>
+            <a:schemeClr val="accent4">
+              <a:lumMod val="40000"/>
+              <a:lumOff val="60000"/>
+            </a:schemeClr>
+          </a:solidFill>
+        </p:spPr>
+        <p:txBody>
+          <a:bodyPr wrap="square" rtlCol="0">
+            <a:spAutoFit/>
+          </a:bodyPr>
+          <a:lstStyle/>
+          <a:p>
+            <a:r>
+              <a:rPr lang="en-US" dirty="0" err="1"/>
+              <a:t>DislocationNode.h</a:t>
+            </a:r>
+            <a:endParaRPr lang="en-US" dirty="0"/>
+          </a:p>
+        </p:txBody>
+      </p:sp>
+      <p:sp>
+        <p:nvSpPr>
+          <p:cNvPr id="42" name="TextBox 41">
+            <a:extLst>
+              <a:ext uri="{FF2B5EF4-FFF2-40B4-BE49-F238E27FC236}">
+                <a16:creationId xmlns:a16="http://schemas.microsoft.com/office/drawing/2014/main" id="{F3385EA4-4A26-2741-8D19-0A35BE0457AA}"/>
+              </a:ext>
+            </a:extLst>
+          </p:cNvPr>
+          <p:cNvSpPr txBox="1"/>
+          <p:nvPr/>
+        </p:nvSpPr>
+        <p:spPr>
+          <a:xfrm>
+            <a:off x="5103873" y="4959779"/>
+            <a:ext cx="1589649" cy="1200329"/>
+          </a:xfrm>
+          <a:prstGeom prst="rect">
+            <a:avLst/>
+          </a:prstGeom>
+          <a:solidFill>
+            <a:schemeClr val="accent4">
+              <a:lumMod val="40000"/>
+              <a:lumOff val="60000"/>
+            </a:schemeClr>
+          </a:solidFill>
+        </p:spPr>
+        <p:txBody>
+          <a:bodyPr wrap="square" rtlCol="0">
+            <a:spAutoFit/>
+          </a:bodyPr>
+          <a:lstStyle/>
+          <a:p>
+            <a:r>
+              <a:rPr lang="en-US" dirty="0" err="1"/>
+              <a:t>LoopLink.h</a:t>
+            </a:r>
+            <a:endParaRPr lang="en-US" dirty="0"/>
+          </a:p>
+          <a:p>
+            <a:endParaRPr lang="en-US" dirty="0"/>
+          </a:p>
+          <a:p>
+            <a:endParaRPr lang="en-US" dirty="0"/>
+          </a:p>
+          <a:p>
+            <a:endParaRPr lang="en-US" dirty="0"/>
+          </a:p>
+        </p:txBody>
+      </p:sp>
+      <p:grpSp>
+        <p:nvGrpSpPr>
+          <p:cNvPr id="39" name="Group 38">
+            <a:extLst>
+              <a:ext uri="{FF2B5EF4-FFF2-40B4-BE49-F238E27FC236}">
+                <a16:creationId xmlns:a16="http://schemas.microsoft.com/office/drawing/2014/main" id="{382E65B6-2BC3-E545-9491-4BEF70BB0789}"/>
+              </a:ext>
+            </a:extLst>
+          </p:cNvPr>
+          <p:cNvGrpSpPr/>
+          <p:nvPr/>
+        </p:nvGrpSpPr>
+        <p:grpSpPr>
+          <a:xfrm flipV="1">
+            <a:off x="5251493" y="5608165"/>
+            <a:ext cx="1271671" cy="170313"/>
+            <a:chOff x="448759" y="4061637"/>
+            <a:chExt cx="2973562" cy="0"/>
+          </a:xfrm>
+        </p:grpSpPr>
+        <p:cxnSp>
+          <p:nvCxnSpPr>
+            <p:cNvPr id="40" name="Straight Arrow Connector 39">
+              <a:extLst>
+                <a:ext uri="{FF2B5EF4-FFF2-40B4-BE49-F238E27FC236}">
+                  <a16:creationId xmlns:a16="http://schemas.microsoft.com/office/drawing/2014/main" id="{4EB1E11B-A9D3-C244-A3A4-F7C6B9DF8912}"/>
+                </a:ext>
+              </a:extLst>
+            </p:cNvPr>
+            <p:cNvCxnSpPr>
+              <a:cxnSpLocks/>
+            </p:cNvCxnSpPr>
+            <p:nvPr/>
+          </p:nvCxnSpPr>
+          <p:spPr>
+            <a:xfrm>
+              <a:off x="448759" y="4061637"/>
+              <a:ext cx="1493453" cy="0"/>
+            </a:xfrm>
+            <a:prstGeom prst="straightConnector1">
+              <a:avLst/>
+            </a:prstGeom>
+            <a:ln w="38100">
+              <a:solidFill>
+                <a:schemeClr val="accent1">
+                  <a:lumMod val="60000"/>
+                  <a:lumOff val="40000"/>
+                </a:schemeClr>
+              </a:solidFill>
+              <a:tailEnd type="stealth" w="lg" len="lg"/>
+            </a:ln>
+          </p:spPr>
+          <p:style>
+            <a:lnRef idx="1">
+              <a:schemeClr val="accent1"/>
+            </a:lnRef>
+            <a:fillRef idx="0">
+              <a:schemeClr val="accent1"/>
+            </a:fillRef>
+            <a:effectRef idx="0">
+              <a:schemeClr val="accent1"/>
+            </a:effectRef>
+            <a:fontRef idx="minor">
+              <a:schemeClr val="tx1"/>
+            </a:fontRef>
+          </p:style>
+        </p:cxnSp>
+        <p:cxnSp>
+          <p:nvCxnSpPr>
+            <p:cNvPr id="41" name="Straight Arrow Connector 40">
+              <a:extLst>
+                <a:ext uri="{FF2B5EF4-FFF2-40B4-BE49-F238E27FC236}">
+                  <a16:creationId xmlns:a16="http://schemas.microsoft.com/office/drawing/2014/main" id="{437394F8-1D6F-CD4E-8F33-C6D06BA0EA8B}"/>
+                </a:ext>
+              </a:extLst>
+            </p:cNvPr>
+            <p:cNvCxnSpPr>
+              <a:cxnSpLocks/>
+            </p:cNvCxnSpPr>
+            <p:nvPr/>
+          </p:nvCxnSpPr>
+          <p:spPr>
+            <a:xfrm>
+              <a:off x="1928868" y="4061637"/>
+              <a:ext cx="1493453" cy="0"/>
+            </a:xfrm>
+            <a:prstGeom prst="straightConnector1">
+              <a:avLst/>
+            </a:prstGeom>
+            <a:ln w="38100">
+              <a:solidFill>
+                <a:schemeClr val="accent1">
+                  <a:lumMod val="60000"/>
+                  <a:lumOff val="40000"/>
+                </a:schemeClr>
+              </a:solidFill>
+              <a:tailEnd type="none" w="lg" len="lg"/>
+            </a:ln>
+          </p:spPr>
+          <p:style>
+            <a:lnRef idx="1">
+              <a:schemeClr val="accent1"/>
+            </a:lnRef>
+            <a:fillRef idx="0">
+              <a:schemeClr val="accent1"/>
+            </a:fillRef>
+            <a:effectRef idx="0">
+              <a:schemeClr val="accent1"/>
+            </a:effectRef>
+            <a:fontRef idx="minor">
+              <a:schemeClr val="tx1"/>
+            </a:fontRef>
+          </p:style>
+        </p:cxnSp>
+      </p:grpSp>
+      <p:sp>
+        <p:nvSpPr>
+          <p:cNvPr id="43" name="Right Arrow 42">
+            <a:extLst>
+              <a:ext uri="{FF2B5EF4-FFF2-40B4-BE49-F238E27FC236}">
+                <a16:creationId xmlns:a16="http://schemas.microsoft.com/office/drawing/2014/main" id="{97A817B6-FDBF-7C43-A552-EADE6EEF09E5}"/>
+              </a:ext>
+            </a:extLst>
+          </p:cNvPr>
+          <p:cNvSpPr/>
+          <p:nvPr/>
+        </p:nvSpPr>
+        <p:spPr>
+          <a:xfrm>
+            <a:off x="7821119" y="5697430"/>
+            <a:ext cx="1619147" cy="537003"/>
+          </a:xfrm>
+          <a:prstGeom prst="rightArrow">
+            <a:avLst/>
+          </a:prstGeom>
+          <a:solidFill>
+            <a:schemeClr val="accent6">
+              <a:lumMod val="40000"/>
+              <a:lumOff val="60000"/>
+            </a:schemeClr>
+          </a:solidFill>
+          <a:ln>
+            <a:noFill/>
+          </a:ln>
+        </p:spPr>
+        <p:style>
+          <a:lnRef idx="2">
+            <a:schemeClr val="accent1">
+              <a:shade val="50000"/>
+            </a:schemeClr>
+          </a:lnRef>
+          <a:fillRef idx="1">
+            <a:schemeClr val="accent1"/>
+          </a:fillRef>
+          <a:effectRef idx="0">
+            <a:schemeClr val="accent1"/>
+          </a:effectRef>
+          <a:fontRef idx="minor">
+            <a:schemeClr val="lt1"/>
+          </a:fontRef>
+        </p:style>
+        <p:txBody>
+          <a:bodyPr rtlCol="0" anchor="ctr"/>
+          <a:lstStyle/>
+          <a:p>
+            <a:pPr algn="ctr"/>
+            <a:endParaRPr lang="en-US"/>
+          </a:p>
+        </p:txBody>
+      </p:sp>
+      <p:cxnSp>
+        <p:nvCxnSpPr>
+          <p:cNvPr id="45" name="Straight Arrow Connector 44">
+            <a:extLst>
+              <a:ext uri="{FF2B5EF4-FFF2-40B4-BE49-F238E27FC236}">
+                <a16:creationId xmlns:a16="http://schemas.microsoft.com/office/drawing/2014/main" id="{C5ED9284-97D2-D040-A052-C54FFFC8E4C2}"/>
+              </a:ext>
+            </a:extLst>
+          </p:cNvPr>
+          <p:cNvCxnSpPr/>
+          <p:nvPr/>
+        </p:nvCxnSpPr>
+        <p:spPr>
+          <a:xfrm flipH="1" flipV="1">
+            <a:off x="8645441" y="1065383"/>
+            <a:ext cx="1" cy="3962182"/>
+          </a:xfrm>
+          <a:prstGeom prst="straightConnector1">
+            <a:avLst/>
+          </a:prstGeom>
+          <a:ln>
+            <a:tailEnd type="triangle"/>
+          </a:ln>
+        </p:spPr>
+        <p:style>
+          <a:lnRef idx="1">
+            <a:schemeClr val="accent1"/>
+          </a:lnRef>
+          <a:fillRef idx="0">
+            <a:schemeClr val="accent1"/>
+          </a:fillRef>
+          <a:effectRef idx="0">
+            <a:schemeClr val="accent1"/>
+          </a:effectRef>
+          <a:fontRef idx="minor">
+            <a:schemeClr val="tx1"/>
+          </a:fontRef>
+        </p:style>
+      </p:cxnSp>
+      <p:sp>
+        <p:nvSpPr>
+          <p:cNvPr id="46" name="TextBox 45">
+            <a:extLst>
+              <a:ext uri="{FF2B5EF4-FFF2-40B4-BE49-F238E27FC236}">
+                <a16:creationId xmlns:a16="http://schemas.microsoft.com/office/drawing/2014/main" id="{A3848790-F5AA-3A45-89F9-48F870573101}"/>
+              </a:ext>
+            </a:extLst>
+          </p:cNvPr>
+          <p:cNvSpPr txBox="1"/>
+          <p:nvPr/>
+        </p:nvSpPr>
+        <p:spPr>
+          <a:xfrm>
+            <a:off x="7598843" y="723059"/>
+            <a:ext cx="2438292" cy="369332"/>
+          </a:xfrm>
+          <a:prstGeom prst="rect">
+            <a:avLst/>
+          </a:prstGeom>
+          <a:solidFill>
+            <a:schemeClr val="accent4">
+              <a:lumMod val="40000"/>
+              <a:lumOff val="60000"/>
+            </a:schemeClr>
+          </a:solidFill>
+        </p:spPr>
+        <p:txBody>
+          <a:bodyPr wrap="square" rtlCol="0">
+            <a:spAutoFit/>
+          </a:bodyPr>
+          <a:lstStyle/>
+          <a:p>
+            <a:r>
+              <a:rPr lang="en-US" dirty="0" err="1"/>
+              <a:t>DislocationSegment.h</a:t>
+            </a:r>
+            <a:endParaRPr lang="en-US" dirty="0"/>
+          </a:p>
+        </p:txBody>
+      </p:sp>
+      <p:sp>
+        <p:nvSpPr>
+          <p:cNvPr id="49" name="TextBox 48">
+            <a:extLst>
+              <a:ext uri="{FF2B5EF4-FFF2-40B4-BE49-F238E27FC236}">
+                <a16:creationId xmlns:a16="http://schemas.microsoft.com/office/drawing/2014/main" id="{E3464640-026D-9D44-A895-A293E10DF9E0}"/>
+              </a:ext>
+            </a:extLst>
+          </p:cNvPr>
+          <p:cNvSpPr txBox="1"/>
+          <p:nvPr/>
+        </p:nvSpPr>
+        <p:spPr>
+          <a:xfrm>
+            <a:off x="9948129" y="5012816"/>
+            <a:ext cx="1826529" cy="1200329"/>
+          </a:xfrm>
+          <a:prstGeom prst="rect">
+            <a:avLst/>
+          </a:prstGeom>
+          <a:solidFill>
+            <a:schemeClr val="accent4">
+              <a:lumMod val="40000"/>
+              <a:lumOff val="60000"/>
+            </a:schemeClr>
+          </a:solidFill>
+        </p:spPr>
+        <p:txBody>
+          <a:bodyPr wrap="square" rtlCol="0">
+            <a:spAutoFit/>
+          </a:bodyPr>
+          <a:lstStyle/>
+          <a:p>
+            <a:r>
+              <a:rPr lang="en-US" dirty="0" err="1"/>
+              <a:t>LoopNetwork.h</a:t>
+            </a:r>
+            <a:endParaRPr lang="en-US" dirty="0"/>
+          </a:p>
+          <a:p>
+            <a:endParaRPr lang="en-US" dirty="0"/>
+          </a:p>
+          <a:p>
+            <a:endParaRPr lang="en-US" dirty="0"/>
+          </a:p>
+          <a:p>
+            <a:endParaRPr lang="en-US" dirty="0"/>
+          </a:p>
+        </p:txBody>
+      </p:sp>
+      <p:cxnSp>
+        <p:nvCxnSpPr>
+          <p:cNvPr id="51" name="Straight Arrow Connector 50">
+            <a:extLst>
+              <a:ext uri="{FF2B5EF4-FFF2-40B4-BE49-F238E27FC236}">
+                <a16:creationId xmlns:a16="http://schemas.microsoft.com/office/drawing/2014/main" id="{832FEAE1-C7C6-D249-BBFD-12F87232E32A}"/>
+              </a:ext>
+            </a:extLst>
+          </p:cNvPr>
+          <p:cNvCxnSpPr>
+            <a:cxnSpLocks/>
+          </p:cNvCxnSpPr>
+          <p:nvPr/>
+        </p:nvCxnSpPr>
+        <p:spPr>
+          <a:xfrm flipH="1" flipV="1">
+            <a:off x="10861394" y="607758"/>
+            <a:ext cx="1" cy="4405058"/>
+          </a:xfrm>
+          <a:prstGeom prst="straightConnector1">
+            <a:avLst/>
+          </a:prstGeom>
+          <a:ln>
+            <a:tailEnd type="triangle"/>
+          </a:ln>
+        </p:spPr>
+        <p:style>
+          <a:lnRef idx="1">
+            <a:schemeClr val="accent1"/>
+          </a:lnRef>
+          <a:fillRef idx="0">
+            <a:schemeClr val="accent1"/>
+          </a:fillRef>
+          <a:effectRef idx="0">
+            <a:schemeClr val="accent1"/>
+          </a:effectRef>
+          <a:fontRef idx="minor">
+            <a:schemeClr val="tx1"/>
+          </a:fontRef>
+        </p:style>
+      </p:cxnSp>
+      <p:sp>
+        <p:nvSpPr>
+          <p:cNvPr id="52" name="TextBox 51">
+            <a:extLst>
+              <a:ext uri="{FF2B5EF4-FFF2-40B4-BE49-F238E27FC236}">
+                <a16:creationId xmlns:a16="http://schemas.microsoft.com/office/drawing/2014/main" id="{A5B4B915-2529-F24F-9411-156C998BD01E}"/>
+              </a:ext>
+            </a:extLst>
+          </p:cNvPr>
+          <p:cNvSpPr txBox="1"/>
+          <p:nvPr/>
+        </p:nvSpPr>
+        <p:spPr>
+          <a:xfrm>
+            <a:off x="9440266" y="196509"/>
+            <a:ext cx="2438292" cy="369332"/>
+          </a:xfrm>
+          <a:prstGeom prst="rect">
+            <a:avLst/>
+          </a:prstGeom>
+          <a:solidFill>
+            <a:schemeClr val="accent4">
+              <a:lumMod val="40000"/>
+              <a:lumOff val="60000"/>
+            </a:schemeClr>
+          </a:solidFill>
+        </p:spPr>
+        <p:txBody>
+          <a:bodyPr wrap="square" rtlCol="0">
+            <a:spAutoFit/>
+          </a:bodyPr>
+          <a:lstStyle/>
+          <a:p>
+            <a:r>
+              <a:rPr lang="en-US" dirty="0" err="1"/>
+              <a:t>DislocationNetwork.h</a:t>
+            </a:r>
+            <a:endParaRPr lang="en-US" dirty="0"/>
+          </a:p>
+        </p:txBody>
+      </p:sp>
+    </p:spTree>
+    <p:extLst>
+      <p:ext uri="{BB962C8B-B14F-4D97-AF65-F5344CB8AC3E}">
+        <p14:creationId xmlns:p14="http://schemas.microsoft.com/office/powerpoint/2010/main" val="2836859213"/>
+      </p:ext>
+    </p:extLst>
+  </p:cSld>
+  <p:clrMapOvr>
+    <a:masterClrMapping/>
+  </p:clrMapOvr>
+</p:sld>
+</file>
+
+<file path=ppt/slides/slide6.xml><?xml version="1.0" encoding="utf-8"?>
+<p:sld xmlns:a="http://schemas.openxmlformats.org/drawingml/2006/main" xmlns:r="http://schemas.openxmlformats.org/officeDocument/2006/relationships" xmlns:p="http://schemas.openxmlformats.org/presentationml/2006/main">
+  <p:cSld>
+    <p:spTree>
+      <p:nvGrpSpPr>
+        <p:cNvPr id="1" name=""/>
+        <p:cNvGrpSpPr/>
+        <p:nvPr/>
+      </p:nvGrpSpPr>
+      <p:grpSpPr>
+        <a:xfrm>
+          <a:off x="0" y="0"/>
+          <a:ext cx="0" cy="0"/>
+          <a:chOff x="0" y="0"/>
+          <a:chExt cx="0" cy="0"/>
+        </a:xfrm>
+      </p:grpSpPr>
+      <p:sp>
+        <p:nvSpPr>
+          <p:cNvPr id="24" name="Right Arrow 23">
+            <a:extLst>
+              <a:ext uri="{FF2B5EF4-FFF2-40B4-BE49-F238E27FC236}">
+                <a16:creationId xmlns:a16="http://schemas.microsoft.com/office/drawing/2014/main" id="{0ADB25FA-5DDF-9D4D-A81D-2C9B1330836D}"/>
+              </a:ext>
+            </a:extLst>
+          </p:cNvPr>
+          <p:cNvSpPr/>
+          <p:nvPr/>
+        </p:nvSpPr>
+        <p:spPr>
+          <a:xfrm rot="5400000">
+            <a:off x="2235415" y="4352458"/>
+            <a:ext cx="2455074" cy="537003"/>
+          </a:xfrm>
+          <a:prstGeom prst="rightArrow">
+            <a:avLst/>
+          </a:prstGeom>
+          <a:solidFill>
+            <a:schemeClr val="accent6">
+              <a:lumMod val="40000"/>
+              <a:lumOff val="60000"/>
+            </a:schemeClr>
+          </a:solidFill>
+          <a:ln>
+            <a:noFill/>
+          </a:ln>
+        </p:spPr>
+        <p:style>
+          <a:lnRef idx="2">
+            <a:schemeClr val="accent1">
+              <a:shade val="50000"/>
+            </a:schemeClr>
+          </a:lnRef>
+          <a:fillRef idx="1">
+            <a:schemeClr val="accent1"/>
+          </a:fillRef>
+          <a:effectRef idx="0">
+            <a:schemeClr val="accent1"/>
+          </a:effectRef>
+          <a:fontRef idx="minor">
+            <a:schemeClr val="lt1"/>
+          </a:fontRef>
+        </p:style>
+        <p:txBody>
+          <a:bodyPr rtlCol="0" anchor="ctr"/>
+          <a:lstStyle/>
+          <a:p>
+            <a:pPr algn="ctr"/>
+            <a:endParaRPr lang="en-US"/>
+          </a:p>
+        </p:txBody>
+      </p:sp>
+      <p:sp>
+        <p:nvSpPr>
+          <p:cNvPr id="27" name="Right Arrow 26">
+            <a:extLst>
+              <a:ext uri="{FF2B5EF4-FFF2-40B4-BE49-F238E27FC236}">
+                <a16:creationId xmlns:a16="http://schemas.microsoft.com/office/drawing/2014/main" id="{1CA9F11D-2F72-C44A-A699-75793C8854B9}"/>
+              </a:ext>
+            </a:extLst>
+          </p:cNvPr>
+          <p:cNvSpPr/>
+          <p:nvPr/>
+        </p:nvSpPr>
+        <p:spPr>
+          <a:xfrm rot="5400000">
+            <a:off x="5195220" y="4344880"/>
+            <a:ext cx="2455074" cy="537003"/>
+          </a:xfrm>
+          <a:prstGeom prst="rightArrow">
+            <a:avLst/>
+          </a:prstGeom>
+          <a:solidFill>
+            <a:schemeClr val="accent6">
+              <a:lumMod val="40000"/>
+              <a:lumOff val="60000"/>
+            </a:schemeClr>
+          </a:solidFill>
+          <a:ln>
+            <a:noFill/>
+          </a:ln>
+        </p:spPr>
+        <p:style>
+          <a:lnRef idx="2">
+            <a:schemeClr val="accent1">
+              <a:shade val="50000"/>
+            </a:schemeClr>
+          </a:lnRef>
+          <a:fillRef idx="1">
+            <a:schemeClr val="accent1"/>
+          </a:fillRef>
+          <a:effectRef idx="0">
+            <a:schemeClr val="accent1"/>
+          </a:effectRef>
+          <a:fontRef idx="minor">
+            <a:schemeClr val="lt1"/>
+          </a:fontRef>
+        </p:style>
+        <p:txBody>
+          <a:bodyPr rtlCol="0" anchor="ctr"/>
+          <a:lstStyle/>
+          <a:p>
+            <a:pPr algn="ctr"/>
+            <a:endParaRPr lang="en-US"/>
+          </a:p>
+        </p:txBody>
+      </p:sp>
+      <p:sp>
+        <p:nvSpPr>
+          <p:cNvPr id="29" name="Right Arrow 28">
+            <a:extLst>
+              <a:ext uri="{FF2B5EF4-FFF2-40B4-BE49-F238E27FC236}">
+                <a16:creationId xmlns:a16="http://schemas.microsoft.com/office/drawing/2014/main" id="{73433E22-3DE6-B94E-86EA-3807EBD39D4C}"/>
+              </a:ext>
+            </a:extLst>
+          </p:cNvPr>
+          <p:cNvSpPr/>
+          <p:nvPr/>
+        </p:nvSpPr>
+        <p:spPr>
+          <a:xfrm rot="5400000">
+            <a:off x="-694126" y="4319971"/>
+            <a:ext cx="2455074" cy="537003"/>
+          </a:xfrm>
+          <a:prstGeom prst="rightArrow">
+            <a:avLst/>
+          </a:prstGeom>
+          <a:solidFill>
+            <a:schemeClr val="accent6">
+              <a:lumMod val="40000"/>
+              <a:lumOff val="60000"/>
+            </a:schemeClr>
+          </a:solidFill>
+          <a:ln>
+            <a:noFill/>
+          </a:ln>
+        </p:spPr>
+        <p:style>
+          <a:lnRef idx="2">
+            <a:schemeClr val="accent1">
+              <a:shade val="50000"/>
+            </a:schemeClr>
+          </a:lnRef>
+          <a:fillRef idx="1">
+            <a:schemeClr val="accent1"/>
+          </a:fillRef>
+          <a:effectRef idx="0">
+            <a:schemeClr val="accent1"/>
+          </a:effectRef>
+          <a:fontRef idx="minor">
+            <a:schemeClr val="lt1"/>
+          </a:fontRef>
+        </p:style>
+        <p:txBody>
+          <a:bodyPr rtlCol="0" anchor="ctr"/>
+          <a:lstStyle/>
+          <a:p>
+            <a:pPr algn="ctr"/>
+            <a:endParaRPr lang="en-US"/>
+          </a:p>
+        </p:txBody>
+      </p:sp>
+      <p:sp>
+        <p:nvSpPr>
+          <p:cNvPr id="31" name="Right Arrow 30">
+            <a:extLst>
+              <a:ext uri="{FF2B5EF4-FFF2-40B4-BE49-F238E27FC236}">
+                <a16:creationId xmlns:a16="http://schemas.microsoft.com/office/drawing/2014/main" id="{D79AB8AE-85B1-1944-BE7A-8DA0C1B06694}"/>
+              </a:ext>
+            </a:extLst>
+          </p:cNvPr>
+          <p:cNvSpPr/>
+          <p:nvPr/>
+        </p:nvSpPr>
+        <p:spPr>
+          <a:xfrm rot="10800000">
+            <a:off x="620276" y="5701111"/>
+            <a:ext cx="2709669" cy="537003"/>
+          </a:xfrm>
+          <a:prstGeom prst="rightArrow">
+            <a:avLst/>
+          </a:prstGeom>
+          <a:solidFill>
+            <a:schemeClr val="accent6">
+              <a:lumMod val="40000"/>
+              <a:lumOff val="60000"/>
+            </a:schemeClr>
+          </a:solidFill>
+          <a:ln>
+            <a:noFill/>
+          </a:ln>
+        </p:spPr>
+        <p:style>
+          <a:lnRef idx="2">
+            <a:schemeClr val="accent1">
+              <a:shade val="50000"/>
+            </a:schemeClr>
+          </a:lnRef>
+          <a:fillRef idx="1">
+            <a:schemeClr val="accent1"/>
+          </a:fillRef>
+          <a:effectRef idx="0">
+            <a:schemeClr val="accent1"/>
+          </a:effectRef>
+          <a:fontRef idx="minor">
+            <a:schemeClr val="lt1"/>
+          </a:fontRef>
+        </p:style>
+        <p:txBody>
+          <a:bodyPr rtlCol="0" anchor="ctr"/>
+          <a:lstStyle/>
+          <a:p>
+            <a:pPr algn="ctr"/>
+            <a:endParaRPr lang="en-US"/>
+          </a:p>
+        </p:txBody>
+      </p:sp>
+      <p:sp>
+        <p:nvSpPr>
+          <p:cNvPr id="32" name="Right Arrow 31">
+            <a:extLst>
+              <a:ext uri="{FF2B5EF4-FFF2-40B4-BE49-F238E27FC236}">
+                <a16:creationId xmlns:a16="http://schemas.microsoft.com/office/drawing/2014/main" id="{41A688CC-81C1-1E45-B2AE-0117F60C43BD}"/>
+              </a:ext>
+            </a:extLst>
+          </p:cNvPr>
+          <p:cNvSpPr/>
+          <p:nvPr/>
+        </p:nvSpPr>
+        <p:spPr>
+          <a:xfrm rot="10800000">
+            <a:off x="3572149" y="5679824"/>
+            <a:ext cx="2709669" cy="537003"/>
+          </a:xfrm>
+          <a:prstGeom prst="rightArrow">
+            <a:avLst/>
+          </a:prstGeom>
+          <a:solidFill>
+            <a:schemeClr val="accent6">
+              <a:lumMod val="40000"/>
+              <a:lumOff val="60000"/>
+            </a:schemeClr>
+          </a:solidFill>
+          <a:ln>
+            <a:noFill/>
+          </a:ln>
+        </p:spPr>
+        <p:style>
+          <a:lnRef idx="2">
+            <a:schemeClr val="accent1">
+              <a:shade val="50000"/>
+            </a:schemeClr>
+          </a:lnRef>
+          <a:fillRef idx="1">
+            <a:schemeClr val="accent1"/>
+          </a:fillRef>
+          <a:effectRef idx="0">
+            <a:schemeClr val="accent1"/>
+          </a:effectRef>
+          <a:fontRef idx="minor">
+            <a:schemeClr val="lt1"/>
+          </a:fontRef>
+        </p:style>
+        <p:txBody>
+          <a:bodyPr rtlCol="0" anchor="ctr"/>
+          <a:lstStyle/>
+          <a:p>
+            <a:pPr algn="ctr"/>
+            <a:endParaRPr lang="en-US"/>
+          </a:p>
+        </p:txBody>
+      </p:sp>
+      <p:sp>
+        <p:nvSpPr>
+          <p:cNvPr id="33" name="Right Arrow 32">
+            <a:extLst>
+              <a:ext uri="{FF2B5EF4-FFF2-40B4-BE49-F238E27FC236}">
+                <a16:creationId xmlns:a16="http://schemas.microsoft.com/office/drawing/2014/main" id="{EBBD2867-7CE5-394A-B83B-83FB96C9D8F0}"/>
+              </a:ext>
+            </a:extLst>
+          </p:cNvPr>
+          <p:cNvSpPr/>
+          <p:nvPr/>
+        </p:nvSpPr>
+        <p:spPr>
+          <a:xfrm>
+            <a:off x="3587008" y="2961315"/>
+            <a:ext cx="2709669" cy="537003"/>
+          </a:xfrm>
+          <a:prstGeom prst="rightArrow">
+            <a:avLst/>
+          </a:prstGeom>
+          <a:solidFill>
+            <a:schemeClr val="accent6">
+              <a:lumMod val="40000"/>
+              <a:lumOff val="60000"/>
+            </a:schemeClr>
+          </a:solidFill>
+          <a:ln>
+            <a:noFill/>
+          </a:ln>
+        </p:spPr>
+        <p:style>
+          <a:lnRef idx="2">
+            <a:schemeClr val="accent1">
+              <a:shade val="50000"/>
+            </a:schemeClr>
+          </a:lnRef>
+          <a:fillRef idx="1">
+            <a:schemeClr val="accent1"/>
+          </a:fillRef>
+          <a:effectRef idx="0">
+            <a:schemeClr val="accent1"/>
+          </a:effectRef>
+          <a:fontRef idx="minor">
+            <a:schemeClr val="lt1"/>
+          </a:fontRef>
+        </p:style>
+        <p:txBody>
+          <a:bodyPr rtlCol="0" anchor="ctr"/>
+          <a:lstStyle/>
+          <a:p>
+            <a:pPr algn="ctr"/>
+            <a:endParaRPr lang="en-US"/>
+          </a:p>
+        </p:txBody>
+      </p:sp>
+      <p:sp>
+        <p:nvSpPr>
+          <p:cNvPr id="34" name="Right Arrow 33">
+            <a:extLst>
+              <a:ext uri="{FF2B5EF4-FFF2-40B4-BE49-F238E27FC236}">
+                <a16:creationId xmlns:a16="http://schemas.microsoft.com/office/drawing/2014/main" id="{313B0810-E509-B940-96B2-286B4A8A7FDF}"/>
+              </a:ext>
+            </a:extLst>
+          </p:cNvPr>
+          <p:cNvSpPr/>
+          <p:nvPr/>
+        </p:nvSpPr>
+        <p:spPr>
+          <a:xfrm>
+            <a:off x="728076" y="2935293"/>
+            <a:ext cx="1161741" cy="537003"/>
+          </a:xfrm>
+          <a:prstGeom prst="rightArrow">
+            <a:avLst/>
+          </a:prstGeom>
+          <a:solidFill>
+            <a:schemeClr val="accent6">
+              <a:lumMod val="40000"/>
+              <a:lumOff val="60000"/>
+            </a:schemeClr>
+          </a:solidFill>
+          <a:ln>
+            <a:noFill/>
+          </a:ln>
+        </p:spPr>
+        <p:style>
+          <a:lnRef idx="2">
+            <a:schemeClr val="accent1">
+              <a:shade val="50000"/>
+            </a:schemeClr>
+          </a:lnRef>
+          <a:fillRef idx="1">
+            <a:schemeClr val="accent1"/>
+          </a:fillRef>
+          <a:effectRef idx="0">
+            <a:schemeClr val="accent1"/>
+          </a:effectRef>
+          <a:fontRef idx="minor">
+            <a:schemeClr val="lt1"/>
+          </a:fontRef>
+        </p:style>
+        <p:txBody>
+          <a:bodyPr rtlCol="0" anchor="ctr"/>
+          <a:lstStyle/>
+          <a:p>
+            <a:pPr algn="ctr"/>
+            <a:endParaRPr lang="en-US"/>
+          </a:p>
+        </p:txBody>
+      </p:sp>
+      <p:grpSp>
+        <p:nvGrpSpPr>
+          <p:cNvPr id="35" name="Group 34">
+            <a:extLst>
+              <a:ext uri="{FF2B5EF4-FFF2-40B4-BE49-F238E27FC236}">
+                <a16:creationId xmlns:a16="http://schemas.microsoft.com/office/drawing/2014/main" id="{D8D333AA-B5AC-A043-9977-1A8D062A09CC}"/>
+              </a:ext>
+            </a:extLst>
+          </p:cNvPr>
+          <p:cNvGrpSpPr/>
+          <p:nvPr/>
+        </p:nvGrpSpPr>
+        <p:grpSpPr>
+          <a:xfrm>
+            <a:off x="697207" y="3191260"/>
+            <a:ext cx="1218225" cy="12536"/>
+            <a:chOff x="448759" y="4049102"/>
+            <a:chExt cx="3577647" cy="12536"/>
+          </a:xfrm>
+        </p:grpSpPr>
+        <p:cxnSp>
+          <p:nvCxnSpPr>
+            <p:cNvPr id="36" name="Straight Arrow Connector 35">
+              <a:extLst>
+                <a:ext uri="{FF2B5EF4-FFF2-40B4-BE49-F238E27FC236}">
+                  <a16:creationId xmlns:a16="http://schemas.microsoft.com/office/drawing/2014/main" id="{8BFD7EF3-9300-9447-BCE7-37CEA3AA57CA}"/>
+                </a:ext>
+              </a:extLst>
+            </p:cNvPr>
+            <p:cNvCxnSpPr>
+              <a:cxnSpLocks/>
+            </p:cNvCxnSpPr>
+            <p:nvPr/>
+          </p:nvCxnSpPr>
+          <p:spPr>
+            <a:xfrm>
+              <a:off x="448759" y="4061637"/>
+              <a:ext cx="1493453" cy="0"/>
+            </a:xfrm>
+            <a:prstGeom prst="straightConnector1">
+              <a:avLst/>
+            </a:prstGeom>
+            <a:ln w="38100">
+              <a:solidFill>
+                <a:schemeClr val="accent1">
+                  <a:lumMod val="60000"/>
+                  <a:lumOff val="40000"/>
+                </a:schemeClr>
+              </a:solidFill>
+              <a:tailEnd type="stealth" w="lg" len="lg"/>
+            </a:ln>
+          </p:spPr>
+          <p:style>
+            <a:lnRef idx="1">
+              <a:schemeClr val="accent1"/>
+            </a:lnRef>
+            <a:fillRef idx="0">
+              <a:schemeClr val="accent1"/>
+            </a:fillRef>
+            <a:effectRef idx="0">
+              <a:schemeClr val="accent1"/>
+            </a:effectRef>
+            <a:fontRef idx="minor">
+              <a:schemeClr val="tx1"/>
+            </a:fontRef>
+          </p:style>
+        </p:cxnSp>
+        <p:cxnSp>
+          <p:nvCxnSpPr>
+            <p:cNvPr id="37" name="Straight Arrow Connector 36">
+              <a:extLst>
+                <a:ext uri="{FF2B5EF4-FFF2-40B4-BE49-F238E27FC236}">
+                  <a16:creationId xmlns:a16="http://schemas.microsoft.com/office/drawing/2014/main" id="{BBFE7D24-F0DE-554D-BA2D-78A150116B1A}"/>
+                </a:ext>
+              </a:extLst>
+            </p:cNvPr>
+            <p:cNvCxnSpPr>
+              <a:cxnSpLocks/>
+              <a:endCxn id="129" idx="2"/>
+            </p:cNvCxnSpPr>
+            <p:nvPr/>
+          </p:nvCxnSpPr>
+          <p:spPr>
+            <a:xfrm flipV="1">
+              <a:off x="1928868" y="4049102"/>
+              <a:ext cx="2097538" cy="12536"/>
+            </a:xfrm>
+            <a:prstGeom prst="straightConnector1">
+              <a:avLst/>
+            </a:prstGeom>
+            <a:ln w="38100">
+              <a:solidFill>
+                <a:schemeClr val="accent1">
+                  <a:lumMod val="60000"/>
+                  <a:lumOff val="40000"/>
+                </a:schemeClr>
+              </a:solidFill>
+              <a:tailEnd type="none" w="lg" len="lg"/>
+            </a:ln>
+          </p:spPr>
+          <p:style>
+            <a:lnRef idx="1">
+              <a:schemeClr val="accent1"/>
+            </a:lnRef>
+            <a:fillRef idx="0">
+              <a:schemeClr val="accent1"/>
+            </a:fillRef>
+            <a:effectRef idx="0">
+              <a:schemeClr val="accent1"/>
+            </a:effectRef>
+            <a:fontRef idx="minor">
+              <a:schemeClr val="tx1"/>
+            </a:fontRef>
+          </p:style>
+        </p:cxnSp>
+      </p:grpSp>
+      <p:grpSp>
+        <p:nvGrpSpPr>
+          <p:cNvPr id="47" name="Group 46">
+            <a:extLst>
+              <a:ext uri="{FF2B5EF4-FFF2-40B4-BE49-F238E27FC236}">
+                <a16:creationId xmlns:a16="http://schemas.microsoft.com/office/drawing/2014/main" id="{3C0A01A3-DC7F-5D41-82F9-1694035F41F0}"/>
+              </a:ext>
+            </a:extLst>
+          </p:cNvPr>
+          <p:cNvGrpSpPr/>
+          <p:nvPr/>
+        </p:nvGrpSpPr>
+        <p:grpSpPr>
+          <a:xfrm>
+            <a:off x="3420997" y="3219892"/>
+            <a:ext cx="2973562" cy="0"/>
+            <a:chOff x="448759" y="4061637"/>
+            <a:chExt cx="2973562" cy="0"/>
+          </a:xfrm>
+        </p:grpSpPr>
+        <p:cxnSp>
+          <p:nvCxnSpPr>
+            <p:cNvPr id="48" name="Straight Arrow Connector 47">
+              <a:extLst>
+                <a:ext uri="{FF2B5EF4-FFF2-40B4-BE49-F238E27FC236}">
+                  <a16:creationId xmlns:a16="http://schemas.microsoft.com/office/drawing/2014/main" id="{55A6DFF5-4944-D543-9971-FAEA1F119BDD}"/>
+                </a:ext>
+              </a:extLst>
+            </p:cNvPr>
+            <p:cNvCxnSpPr>
+              <a:cxnSpLocks/>
+            </p:cNvCxnSpPr>
+            <p:nvPr/>
+          </p:nvCxnSpPr>
+          <p:spPr>
+            <a:xfrm>
+              <a:off x="448759" y="4061637"/>
+              <a:ext cx="1493453" cy="0"/>
+            </a:xfrm>
+            <a:prstGeom prst="straightConnector1">
+              <a:avLst/>
+            </a:prstGeom>
+            <a:ln w="38100">
+              <a:solidFill>
+                <a:schemeClr val="accent2"/>
+              </a:solidFill>
+              <a:tailEnd type="stealth" w="lg" len="lg"/>
+            </a:ln>
+          </p:spPr>
+          <p:style>
+            <a:lnRef idx="1">
+              <a:schemeClr val="accent1"/>
+            </a:lnRef>
+            <a:fillRef idx="0">
+              <a:schemeClr val="accent1"/>
+            </a:fillRef>
+            <a:effectRef idx="0">
+              <a:schemeClr val="accent1"/>
+            </a:effectRef>
+            <a:fontRef idx="minor">
+              <a:schemeClr val="tx1"/>
+            </a:fontRef>
+          </p:style>
+        </p:cxnSp>
+        <p:cxnSp>
+          <p:nvCxnSpPr>
+            <p:cNvPr id="50" name="Straight Arrow Connector 49">
+              <a:extLst>
+                <a:ext uri="{FF2B5EF4-FFF2-40B4-BE49-F238E27FC236}">
+                  <a16:creationId xmlns:a16="http://schemas.microsoft.com/office/drawing/2014/main" id="{EAF4F51F-C8A2-DA4C-A9B5-B538EC12B864}"/>
+                </a:ext>
+              </a:extLst>
+            </p:cNvPr>
+            <p:cNvCxnSpPr>
+              <a:cxnSpLocks/>
+            </p:cNvCxnSpPr>
+            <p:nvPr/>
+          </p:nvCxnSpPr>
+          <p:spPr>
+            <a:xfrm>
+              <a:off x="1928868" y="4061637"/>
+              <a:ext cx="1493453" cy="0"/>
+            </a:xfrm>
+            <a:prstGeom prst="straightConnector1">
+              <a:avLst/>
+            </a:prstGeom>
+            <a:ln w="38100">
+              <a:solidFill>
+                <a:schemeClr val="accent2"/>
+              </a:solidFill>
+              <a:tailEnd type="none" w="lg" len="lg"/>
+            </a:ln>
+          </p:spPr>
+          <p:style>
+            <a:lnRef idx="1">
+              <a:schemeClr val="accent1"/>
+            </a:lnRef>
+            <a:fillRef idx="0">
+              <a:schemeClr val="accent1"/>
+            </a:fillRef>
+            <a:effectRef idx="0">
+              <a:schemeClr val="accent1"/>
+            </a:effectRef>
+            <a:fontRef idx="minor">
+              <a:schemeClr val="tx1"/>
+            </a:fontRef>
+          </p:style>
+        </p:cxnSp>
+      </p:grpSp>
+      <p:grpSp>
+        <p:nvGrpSpPr>
+          <p:cNvPr id="53" name="Group 52">
+            <a:extLst>
+              <a:ext uri="{FF2B5EF4-FFF2-40B4-BE49-F238E27FC236}">
+                <a16:creationId xmlns:a16="http://schemas.microsoft.com/office/drawing/2014/main" id="{4418EE7C-8A5F-D045-9434-7619C618594D}"/>
+              </a:ext>
+            </a:extLst>
+          </p:cNvPr>
+          <p:cNvGrpSpPr/>
+          <p:nvPr/>
+        </p:nvGrpSpPr>
+        <p:grpSpPr>
+          <a:xfrm rot="5400000" flipV="1">
+            <a:off x="2313425" y="4326989"/>
+            <a:ext cx="2711307" cy="531368"/>
+            <a:chOff x="448759" y="4061637"/>
+            <a:chExt cx="2973562" cy="0"/>
+          </a:xfrm>
+        </p:grpSpPr>
+        <p:cxnSp>
+          <p:nvCxnSpPr>
+            <p:cNvPr id="54" name="Straight Arrow Connector 53">
+              <a:extLst>
+                <a:ext uri="{FF2B5EF4-FFF2-40B4-BE49-F238E27FC236}">
+                  <a16:creationId xmlns:a16="http://schemas.microsoft.com/office/drawing/2014/main" id="{FA8D9733-956C-9F40-A7FA-502CAB225B82}"/>
+                </a:ext>
+              </a:extLst>
+            </p:cNvPr>
+            <p:cNvCxnSpPr>
+              <a:cxnSpLocks/>
+            </p:cNvCxnSpPr>
+            <p:nvPr/>
+          </p:nvCxnSpPr>
+          <p:spPr>
+            <a:xfrm>
+              <a:off x="448759" y="4061637"/>
+              <a:ext cx="1493453" cy="0"/>
+            </a:xfrm>
+            <a:prstGeom prst="straightConnector1">
+              <a:avLst/>
+            </a:prstGeom>
+            <a:ln w="38100">
+              <a:solidFill>
+                <a:schemeClr val="accent1">
+                  <a:lumMod val="60000"/>
+                  <a:lumOff val="40000"/>
+                </a:schemeClr>
+              </a:solidFill>
+              <a:tailEnd type="stealth" w="lg" len="lg"/>
+            </a:ln>
+          </p:spPr>
+          <p:style>
+            <a:lnRef idx="1">
+              <a:schemeClr val="accent1"/>
+            </a:lnRef>
+            <a:fillRef idx="0">
+              <a:schemeClr val="accent1"/>
+            </a:fillRef>
+            <a:effectRef idx="0">
+              <a:schemeClr val="accent1"/>
+            </a:effectRef>
+            <a:fontRef idx="minor">
+              <a:schemeClr val="tx1"/>
+            </a:fontRef>
+          </p:style>
+        </p:cxnSp>
+        <p:cxnSp>
+          <p:nvCxnSpPr>
+            <p:cNvPr id="55" name="Straight Arrow Connector 54">
+              <a:extLst>
+                <a:ext uri="{FF2B5EF4-FFF2-40B4-BE49-F238E27FC236}">
+                  <a16:creationId xmlns:a16="http://schemas.microsoft.com/office/drawing/2014/main" id="{CE915D58-DB0D-B04F-87E0-319A70E4C879}"/>
+                </a:ext>
+              </a:extLst>
+            </p:cNvPr>
+            <p:cNvCxnSpPr>
+              <a:cxnSpLocks/>
+            </p:cNvCxnSpPr>
+            <p:nvPr/>
+          </p:nvCxnSpPr>
+          <p:spPr>
+            <a:xfrm>
+              <a:off x="1928868" y="4061637"/>
+              <a:ext cx="1493453" cy="0"/>
+            </a:xfrm>
+            <a:prstGeom prst="straightConnector1">
+              <a:avLst/>
+            </a:prstGeom>
+            <a:ln w="38100">
+              <a:solidFill>
+                <a:schemeClr val="accent1">
+                  <a:lumMod val="60000"/>
+                  <a:lumOff val="40000"/>
+                </a:schemeClr>
+              </a:solidFill>
+              <a:tailEnd type="none" w="lg" len="lg"/>
+            </a:ln>
+          </p:spPr>
+          <p:style>
+            <a:lnRef idx="1">
+              <a:schemeClr val="accent1"/>
+            </a:lnRef>
+            <a:fillRef idx="0">
+              <a:schemeClr val="accent1"/>
+            </a:fillRef>
+            <a:effectRef idx="0">
+              <a:schemeClr val="accent1"/>
+            </a:effectRef>
+            <a:fontRef idx="minor">
+              <a:schemeClr val="tx1"/>
+            </a:fontRef>
+          </p:style>
+        </p:cxnSp>
+      </p:grpSp>
+      <p:grpSp>
+        <p:nvGrpSpPr>
+          <p:cNvPr id="56" name="Group 55">
+            <a:extLst>
+              <a:ext uri="{FF2B5EF4-FFF2-40B4-BE49-F238E27FC236}">
+                <a16:creationId xmlns:a16="http://schemas.microsoft.com/office/drawing/2014/main" id="{2015BE9C-9401-6F4F-80ED-14231145200C}"/>
+              </a:ext>
+            </a:extLst>
+          </p:cNvPr>
+          <p:cNvGrpSpPr/>
+          <p:nvPr/>
+        </p:nvGrpSpPr>
+        <p:grpSpPr>
+          <a:xfrm rot="16200000" flipV="1">
+            <a:off x="1840014" y="4357475"/>
+            <a:ext cx="2818817" cy="531368"/>
+            <a:chOff x="448759" y="4061637"/>
+            <a:chExt cx="2973562" cy="0"/>
+          </a:xfrm>
+        </p:grpSpPr>
+        <p:cxnSp>
+          <p:nvCxnSpPr>
+            <p:cNvPr id="57" name="Straight Arrow Connector 56">
+              <a:extLst>
+                <a:ext uri="{FF2B5EF4-FFF2-40B4-BE49-F238E27FC236}">
+                  <a16:creationId xmlns:a16="http://schemas.microsoft.com/office/drawing/2014/main" id="{86C106DC-8BEC-B94A-9CA0-DD53C7D20965}"/>
+                </a:ext>
+              </a:extLst>
+            </p:cNvPr>
+            <p:cNvCxnSpPr>
+              <a:cxnSpLocks/>
+            </p:cNvCxnSpPr>
+            <p:nvPr/>
+          </p:nvCxnSpPr>
+          <p:spPr>
+            <a:xfrm>
+              <a:off x="448759" y="4061637"/>
+              <a:ext cx="1493453" cy="0"/>
+            </a:xfrm>
+            <a:prstGeom prst="straightConnector1">
+              <a:avLst/>
+            </a:prstGeom>
+            <a:ln w="38100">
+              <a:solidFill>
+                <a:schemeClr val="accent2"/>
+              </a:solidFill>
+              <a:tailEnd type="stealth" w="lg" len="lg"/>
+            </a:ln>
+          </p:spPr>
+          <p:style>
+            <a:lnRef idx="1">
+              <a:schemeClr val="accent1"/>
+            </a:lnRef>
+            <a:fillRef idx="0">
+              <a:schemeClr val="accent1"/>
+            </a:fillRef>
+            <a:effectRef idx="0">
+              <a:schemeClr val="accent1"/>
+            </a:effectRef>
+            <a:fontRef idx="minor">
+              <a:schemeClr val="tx1"/>
+            </a:fontRef>
+          </p:style>
+        </p:cxnSp>
+        <p:cxnSp>
+          <p:nvCxnSpPr>
+            <p:cNvPr id="58" name="Straight Arrow Connector 57">
+              <a:extLst>
+                <a:ext uri="{FF2B5EF4-FFF2-40B4-BE49-F238E27FC236}">
+                  <a16:creationId xmlns:a16="http://schemas.microsoft.com/office/drawing/2014/main" id="{14FF21CD-939A-214E-A2B6-AE545632D649}"/>
+                </a:ext>
+              </a:extLst>
+            </p:cNvPr>
+            <p:cNvCxnSpPr>
+              <a:cxnSpLocks/>
+            </p:cNvCxnSpPr>
+            <p:nvPr/>
+          </p:nvCxnSpPr>
+          <p:spPr>
+            <a:xfrm>
+              <a:off x="1928868" y="4061637"/>
+              <a:ext cx="1493453" cy="0"/>
+            </a:xfrm>
+            <a:prstGeom prst="straightConnector1">
+              <a:avLst/>
+            </a:prstGeom>
+            <a:ln w="38100">
+              <a:solidFill>
+                <a:schemeClr val="accent2"/>
+              </a:solidFill>
+              <a:tailEnd type="none" w="lg" len="lg"/>
+            </a:ln>
+          </p:spPr>
+          <p:style>
+            <a:lnRef idx="1">
+              <a:schemeClr val="accent1"/>
+            </a:lnRef>
+            <a:fillRef idx="0">
+              <a:schemeClr val="accent1"/>
+            </a:fillRef>
+            <a:effectRef idx="0">
+              <a:schemeClr val="accent1"/>
+            </a:effectRef>
+            <a:fontRef idx="minor">
+              <a:schemeClr val="tx1"/>
+            </a:fontRef>
+          </p:style>
+        </p:cxnSp>
+      </p:grpSp>
+      <p:grpSp>
+        <p:nvGrpSpPr>
+          <p:cNvPr id="59" name="Group 58">
+            <a:extLst>
+              <a:ext uri="{FF2B5EF4-FFF2-40B4-BE49-F238E27FC236}">
+                <a16:creationId xmlns:a16="http://schemas.microsoft.com/office/drawing/2014/main" id="{17453530-0FB2-2C44-9E11-2AF1CEAECE5E}"/>
+              </a:ext>
+            </a:extLst>
+          </p:cNvPr>
+          <p:cNvGrpSpPr/>
+          <p:nvPr/>
+        </p:nvGrpSpPr>
+        <p:grpSpPr>
+          <a:xfrm rot="10800000">
+            <a:off x="533412" y="5949507"/>
+            <a:ext cx="2973562" cy="0"/>
+            <a:chOff x="448759" y="4061637"/>
+            <a:chExt cx="2973562" cy="0"/>
+          </a:xfrm>
+        </p:grpSpPr>
+        <p:cxnSp>
+          <p:nvCxnSpPr>
+            <p:cNvPr id="60" name="Straight Arrow Connector 59">
+              <a:extLst>
+                <a:ext uri="{FF2B5EF4-FFF2-40B4-BE49-F238E27FC236}">
+                  <a16:creationId xmlns:a16="http://schemas.microsoft.com/office/drawing/2014/main" id="{2B898338-6667-EB4B-8FA9-D3053546DF04}"/>
+                </a:ext>
+              </a:extLst>
+            </p:cNvPr>
+            <p:cNvCxnSpPr>
+              <a:cxnSpLocks/>
+            </p:cNvCxnSpPr>
+            <p:nvPr/>
+          </p:nvCxnSpPr>
+          <p:spPr>
+            <a:xfrm>
+              <a:off x="448759" y="4061637"/>
+              <a:ext cx="1493453" cy="0"/>
+            </a:xfrm>
+            <a:prstGeom prst="straightConnector1">
+              <a:avLst/>
+            </a:prstGeom>
+            <a:ln w="38100">
+              <a:solidFill>
+                <a:schemeClr val="accent1">
+                  <a:lumMod val="60000"/>
+                  <a:lumOff val="40000"/>
+                </a:schemeClr>
+              </a:solidFill>
+              <a:tailEnd type="stealth" w="lg" len="lg"/>
+            </a:ln>
+          </p:spPr>
+          <p:style>
+            <a:lnRef idx="1">
+              <a:schemeClr val="accent1"/>
+            </a:lnRef>
+            <a:fillRef idx="0">
+              <a:schemeClr val="accent1"/>
+            </a:fillRef>
+            <a:effectRef idx="0">
+              <a:schemeClr val="accent1"/>
+            </a:effectRef>
+            <a:fontRef idx="minor">
+              <a:schemeClr val="tx1"/>
+            </a:fontRef>
+          </p:style>
+        </p:cxnSp>
+        <p:cxnSp>
+          <p:nvCxnSpPr>
+            <p:cNvPr id="61" name="Straight Arrow Connector 60">
+              <a:extLst>
+                <a:ext uri="{FF2B5EF4-FFF2-40B4-BE49-F238E27FC236}">
+                  <a16:creationId xmlns:a16="http://schemas.microsoft.com/office/drawing/2014/main" id="{2F706FDC-1323-0247-A950-C7A7D5F8FC38}"/>
+                </a:ext>
+              </a:extLst>
+            </p:cNvPr>
+            <p:cNvCxnSpPr>
+              <a:cxnSpLocks/>
+            </p:cNvCxnSpPr>
+            <p:nvPr/>
+          </p:nvCxnSpPr>
+          <p:spPr>
+            <a:xfrm>
+              <a:off x="1928868" y="4061637"/>
+              <a:ext cx="1493453" cy="0"/>
+            </a:xfrm>
+            <a:prstGeom prst="straightConnector1">
+              <a:avLst/>
+            </a:prstGeom>
+            <a:ln w="38100">
+              <a:solidFill>
+                <a:schemeClr val="accent1">
+                  <a:lumMod val="60000"/>
+                  <a:lumOff val="40000"/>
+                </a:schemeClr>
+              </a:solidFill>
+              <a:tailEnd type="none" w="lg" len="lg"/>
+            </a:ln>
+          </p:spPr>
+          <p:style>
+            <a:lnRef idx="1">
+              <a:schemeClr val="accent1"/>
+            </a:lnRef>
+            <a:fillRef idx="0">
+              <a:schemeClr val="accent1"/>
+            </a:fillRef>
+            <a:effectRef idx="0">
+              <a:schemeClr val="accent1"/>
+            </a:effectRef>
+            <a:fontRef idx="minor">
+              <a:schemeClr val="tx1"/>
+            </a:fontRef>
+          </p:style>
+        </p:cxnSp>
+      </p:grpSp>
+      <p:grpSp>
+        <p:nvGrpSpPr>
+          <p:cNvPr id="62" name="Group 61">
+            <a:extLst>
+              <a:ext uri="{FF2B5EF4-FFF2-40B4-BE49-F238E27FC236}">
+                <a16:creationId xmlns:a16="http://schemas.microsoft.com/office/drawing/2014/main" id="{C4F06844-9572-BF47-9FE9-69BBFC6468FA}"/>
+              </a:ext>
+            </a:extLst>
+          </p:cNvPr>
+          <p:cNvGrpSpPr/>
+          <p:nvPr/>
+        </p:nvGrpSpPr>
+        <p:grpSpPr>
+          <a:xfrm rot="10800000">
+            <a:off x="3556347" y="5927061"/>
+            <a:ext cx="2973562" cy="0"/>
+            <a:chOff x="448759" y="4061637"/>
+            <a:chExt cx="2973562" cy="0"/>
+          </a:xfrm>
+        </p:grpSpPr>
+        <p:cxnSp>
+          <p:nvCxnSpPr>
+            <p:cNvPr id="63" name="Straight Arrow Connector 62">
+              <a:extLst>
+                <a:ext uri="{FF2B5EF4-FFF2-40B4-BE49-F238E27FC236}">
+                  <a16:creationId xmlns:a16="http://schemas.microsoft.com/office/drawing/2014/main" id="{7AFF64A9-1147-F849-98EE-4D395D1FE213}"/>
+                </a:ext>
+              </a:extLst>
+            </p:cNvPr>
+            <p:cNvCxnSpPr>
+              <a:cxnSpLocks/>
+            </p:cNvCxnSpPr>
+            <p:nvPr/>
+          </p:nvCxnSpPr>
+          <p:spPr>
+            <a:xfrm>
+              <a:off x="448759" y="4061637"/>
+              <a:ext cx="1493453" cy="0"/>
+            </a:xfrm>
+            <a:prstGeom prst="straightConnector1">
+              <a:avLst/>
+            </a:prstGeom>
+            <a:ln w="38100">
+              <a:solidFill>
+                <a:schemeClr val="accent2"/>
+              </a:solidFill>
+              <a:tailEnd type="stealth" w="lg" len="lg"/>
+            </a:ln>
+          </p:spPr>
+          <p:style>
+            <a:lnRef idx="1">
+              <a:schemeClr val="accent1"/>
+            </a:lnRef>
+            <a:fillRef idx="0">
+              <a:schemeClr val="accent1"/>
+            </a:fillRef>
+            <a:effectRef idx="0">
+              <a:schemeClr val="accent1"/>
+            </a:effectRef>
+            <a:fontRef idx="minor">
+              <a:schemeClr val="tx1"/>
+            </a:fontRef>
+          </p:style>
+        </p:cxnSp>
+        <p:cxnSp>
+          <p:nvCxnSpPr>
+            <p:cNvPr id="64" name="Straight Arrow Connector 63">
+              <a:extLst>
+                <a:ext uri="{FF2B5EF4-FFF2-40B4-BE49-F238E27FC236}">
+                  <a16:creationId xmlns:a16="http://schemas.microsoft.com/office/drawing/2014/main" id="{148B3F88-2AF0-1347-9A5E-2E340127C9A1}"/>
+                </a:ext>
+              </a:extLst>
+            </p:cNvPr>
+            <p:cNvCxnSpPr>
+              <a:cxnSpLocks/>
+            </p:cNvCxnSpPr>
+            <p:nvPr/>
+          </p:nvCxnSpPr>
+          <p:spPr>
+            <a:xfrm>
+              <a:off x="1928868" y="4061637"/>
+              <a:ext cx="1493453" cy="0"/>
+            </a:xfrm>
+            <a:prstGeom prst="straightConnector1">
+              <a:avLst/>
+            </a:prstGeom>
+            <a:ln w="38100">
+              <a:solidFill>
+                <a:schemeClr val="accent2"/>
+              </a:solidFill>
+              <a:tailEnd type="none" w="lg" len="lg"/>
+            </a:ln>
+          </p:spPr>
+          <p:style>
+            <a:lnRef idx="1">
+              <a:schemeClr val="accent1"/>
+            </a:lnRef>
+            <a:fillRef idx="0">
+              <a:schemeClr val="accent1"/>
+            </a:fillRef>
+            <a:effectRef idx="0">
+              <a:schemeClr val="accent1"/>
+            </a:effectRef>
+            <a:fontRef idx="minor">
+              <a:schemeClr val="tx1"/>
+            </a:fontRef>
+          </p:style>
+        </p:cxnSp>
+      </p:grpSp>
+      <p:grpSp>
+        <p:nvGrpSpPr>
+          <p:cNvPr id="65" name="Group 64">
+            <a:extLst>
+              <a:ext uri="{FF2B5EF4-FFF2-40B4-BE49-F238E27FC236}">
+                <a16:creationId xmlns:a16="http://schemas.microsoft.com/office/drawing/2014/main" id="{31E0CA95-C97D-D548-A9A8-D83358F6B9C8}"/>
+              </a:ext>
+            </a:extLst>
+          </p:cNvPr>
+          <p:cNvGrpSpPr/>
+          <p:nvPr/>
+        </p:nvGrpSpPr>
+        <p:grpSpPr>
+          <a:xfrm rot="5400000" flipV="1">
+            <a:off x="5322982" y="4309862"/>
+            <a:ext cx="2711307" cy="531368"/>
+            <a:chOff x="448759" y="4061637"/>
+            <a:chExt cx="2973562" cy="0"/>
+          </a:xfrm>
+        </p:grpSpPr>
+        <p:cxnSp>
+          <p:nvCxnSpPr>
+            <p:cNvPr id="66" name="Straight Arrow Connector 65">
+              <a:extLst>
+                <a:ext uri="{FF2B5EF4-FFF2-40B4-BE49-F238E27FC236}">
+                  <a16:creationId xmlns:a16="http://schemas.microsoft.com/office/drawing/2014/main" id="{D00FEFE8-577A-0F45-89BD-77078E7F33EB}"/>
+                </a:ext>
+              </a:extLst>
+            </p:cNvPr>
+            <p:cNvCxnSpPr>
+              <a:cxnSpLocks/>
+            </p:cNvCxnSpPr>
+            <p:nvPr/>
+          </p:nvCxnSpPr>
+          <p:spPr>
+            <a:xfrm>
+              <a:off x="448759" y="4061637"/>
+              <a:ext cx="1493453" cy="0"/>
+            </a:xfrm>
+            <a:prstGeom prst="straightConnector1">
+              <a:avLst/>
+            </a:prstGeom>
+            <a:ln w="38100">
+              <a:solidFill>
+                <a:schemeClr val="accent2"/>
+              </a:solidFill>
+              <a:tailEnd type="stealth" w="lg" len="lg"/>
+            </a:ln>
+          </p:spPr>
+          <p:style>
+            <a:lnRef idx="1">
+              <a:schemeClr val="accent1"/>
+            </a:lnRef>
+            <a:fillRef idx="0">
+              <a:schemeClr val="accent1"/>
+            </a:fillRef>
+            <a:effectRef idx="0">
+              <a:schemeClr val="accent1"/>
+            </a:effectRef>
+            <a:fontRef idx="minor">
+              <a:schemeClr val="tx1"/>
+            </a:fontRef>
+          </p:style>
+        </p:cxnSp>
+        <p:cxnSp>
+          <p:nvCxnSpPr>
+            <p:cNvPr id="67" name="Straight Arrow Connector 66">
+              <a:extLst>
+                <a:ext uri="{FF2B5EF4-FFF2-40B4-BE49-F238E27FC236}">
+                  <a16:creationId xmlns:a16="http://schemas.microsoft.com/office/drawing/2014/main" id="{EB00FE32-F183-C74E-BC45-131703A96C92}"/>
+                </a:ext>
+              </a:extLst>
+            </p:cNvPr>
+            <p:cNvCxnSpPr>
+              <a:cxnSpLocks/>
+            </p:cNvCxnSpPr>
+            <p:nvPr/>
+          </p:nvCxnSpPr>
+          <p:spPr>
+            <a:xfrm>
+              <a:off x="1928868" y="4061637"/>
+              <a:ext cx="1493453" cy="0"/>
+            </a:xfrm>
+            <a:prstGeom prst="straightConnector1">
+              <a:avLst/>
+            </a:prstGeom>
+            <a:ln w="38100">
+              <a:solidFill>
+                <a:schemeClr val="accent2"/>
+              </a:solidFill>
+              <a:tailEnd type="none" w="lg" len="lg"/>
+            </a:ln>
+          </p:spPr>
+          <p:style>
+            <a:lnRef idx="1">
+              <a:schemeClr val="accent1"/>
+            </a:lnRef>
+            <a:fillRef idx="0">
+              <a:schemeClr val="accent1"/>
+            </a:fillRef>
+            <a:effectRef idx="0">
+              <a:schemeClr val="accent1"/>
+            </a:effectRef>
+            <a:fontRef idx="minor">
+              <a:schemeClr val="tx1"/>
+            </a:fontRef>
+          </p:style>
+        </p:cxnSp>
+      </p:grpSp>
+      <p:grpSp>
+        <p:nvGrpSpPr>
+          <p:cNvPr id="68" name="Group 67">
+            <a:extLst>
+              <a:ext uri="{FF2B5EF4-FFF2-40B4-BE49-F238E27FC236}">
+                <a16:creationId xmlns:a16="http://schemas.microsoft.com/office/drawing/2014/main" id="{71D96EE3-6898-1942-8D16-2E6426111A1A}"/>
+              </a:ext>
+            </a:extLst>
+          </p:cNvPr>
+          <p:cNvGrpSpPr/>
+          <p:nvPr/>
+        </p:nvGrpSpPr>
+        <p:grpSpPr>
+          <a:xfrm rot="16200000" flipV="1">
+            <a:off x="-1143724" y="4395512"/>
+            <a:ext cx="2818817" cy="531368"/>
+            <a:chOff x="448759" y="4061637"/>
+            <a:chExt cx="2973562" cy="0"/>
+          </a:xfrm>
+        </p:grpSpPr>
+        <p:cxnSp>
+          <p:nvCxnSpPr>
+            <p:cNvPr id="69" name="Straight Arrow Connector 68">
+              <a:extLst>
+                <a:ext uri="{FF2B5EF4-FFF2-40B4-BE49-F238E27FC236}">
+                  <a16:creationId xmlns:a16="http://schemas.microsoft.com/office/drawing/2014/main" id="{9B4BE9EF-4848-4846-942B-CBB6A0EA63C8}"/>
+                </a:ext>
+              </a:extLst>
+            </p:cNvPr>
+            <p:cNvCxnSpPr>
+              <a:cxnSpLocks/>
+            </p:cNvCxnSpPr>
+            <p:nvPr/>
+          </p:nvCxnSpPr>
+          <p:spPr>
+            <a:xfrm>
+              <a:off x="448759" y="4061637"/>
+              <a:ext cx="1493453" cy="0"/>
+            </a:xfrm>
+            <a:prstGeom prst="straightConnector1">
+              <a:avLst/>
+            </a:prstGeom>
+            <a:ln w="38100">
+              <a:solidFill>
+                <a:schemeClr val="accent1">
+                  <a:lumMod val="60000"/>
+                  <a:lumOff val="40000"/>
+                </a:schemeClr>
+              </a:solidFill>
+              <a:tailEnd type="stealth" w="lg" len="lg"/>
+            </a:ln>
+          </p:spPr>
+          <p:style>
+            <a:lnRef idx="1">
+              <a:schemeClr val="accent1"/>
+            </a:lnRef>
+            <a:fillRef idx="0">
+              <a:schemeClr val="accent1"/>
+            </a:fillRef>
+            <a:effectRef idx="0">
+              <a:schemeClr val="accent1"/>
+            </a:effectRef>
+            <a:fontRef idx="minor">
+              <a:schemeClr val="tx1"/>
+            </a:fontRef>
+          </p:style>
+        </p:cxnSp>
+        <p:cxnSp>
+          <p:nvCxnSpPr>
+            <p:cNvPr id="70" name="Straight Arrow Connector 69">
+              <a:extLst>
+                <a:ext uri="{FF2B5EF4-FFF2-40B4-BE49-F238E27FC236}">
+                  <a16:creationId xmlns:a16="http://schemas.microsoft.com/office/drawing/2014/main" id="{8ED167AB-FA00-C34F-974E-7DC5A998465B}"/>
+                </a:ext>
+              </a:extLst>
+            </p:cNvPr>
+            <p:cNvCxnSpPr>
+              <a:cxnSpLocks/>
+            </p:cNvCxnSpPr>
+            <p:nvPr/>
+          </p:nvCxnSpPr>
+          <p:spPr>
+            <a:xfrm>
+              <a:off x="1928868" y="4061637"/>
+              <a:ext cx="1493453" cy="0"/>
+            </a:xfrm>
+            <a:prstGeom prst="straightConnector1">
+              <a:avLst/>
+            </a:prstGeom>
+            <a:ln w="38100">
+              <a:solidFill>
+                <a:schemeClr val="accent1">
+                  <a:lumMod val="60000"/>
+                  <a:lumOff val="40000"/>
+                </a:schemeClr>
+              </a:solidFill>
+              <a:tailEnd type="none" w="lg" len="lg"/>
+            </a:ln>
+          </p:spPr>
+          <p:style>
+            <a:lnRef idx="1">
+              <a:schemeClr val="accent1"/>
+            </a:lnRef>
+            <a:fillRef idx="0">
+              <a:schemeClr val="accent1"/>
+            </a:fillRef>
+            <a:effectRef idx="0">
+              <a:schemeClr val="accent1"/>
+            </a:effectRef>
+            <a:fontRef idx="minor">
+              <a:schemeClr val="tx1"/>
+            </a:fontRef>
+          </p:style>
+        </p:cxnSp>
+      </p:grpSp>
+      <p:sp>
+        <p:nvSpPr>
+          <p:cNvPr id="71" name="Oval 70">
+            <a:extLst>
+              <a:ext uri="{FF2B5EF4-FFF2-40B4-BE49-F238E27FC236}">
+                <a16:creationId xmlns:a16="http://schemas.microsoft.com/office/drawing/2014/main" id="{FC62EAB5-2E6B-EF4F-9A25-5AECDAB7C632}"/>
+              </a:ext>
+            </a:extLst>
+          </p:cNvPr>
+          <p:cNvSpPr/>
+          <p:nvPr/>
+        </p:nvSpPr>
+        <p:spPr>
+          <a:xfrm>
+            <a:off x="391390" y="3108251"/>
+            <a:ext cx="233916" cy="233916"/>
+          </a:xfrm>
+          <a:prstGeom prst="ellipse">
+            <a:avLst/>
+          </a:prstGeom>
+          <a:solidFill>
+            <a:schemeClr val="tx1"/>
+          </a:solidFill>
+        </p:spPr>
+        <p:style>
+          <a:lnRef idx="2">
+            <a:schemeClr val="accent1">
+              <a:shade val="50000"/>
+            </a:schemeClr>
+          </a:lnRef>
+          <a:fillRef idx="1">
+            <a:schemeClr val="accent1"/>
+          </a:fillRef>
+          <a:effectRef idx="0">
+            <a:schemeClr val="accent1"/>
+          </a:effectRef>
+          <a:fontRef idx="minor">
+            <a:schemeClr val="lt1"/>
+          </a:fontRef>
+        </p:style>
+        <p:txBody>
+          <a:bodyPr rtlCol="0" anchor="ctr"/>
+          <a:lstStyle/>
+          <a:p>
+            <a:pPr algn="ctr"/>
+            <a:endParaRPr lang="en-US"/>
+          </a:p>
+        </p:txBody>
+      </p:sp>
+      <p:sp>
+        <p:nvSpPr>
+          <p:cNvPr id="72" name="Oval 71">
+            <a:extLst>
+              <a:ext uri="{FF2B5EF4-FFF2-40B4-BE49-F238E27FC236}">
+                <a16:creationId xmlns:a16="http://schemas.microsoft.com/office/drawing/2014/main" id="{261A9155-690D-D849-ACF0-7194F10F735B}"/>
+              </a:ext>
+            </a:extLst>
+          </p:cNvPr>
+          <p:cNvSpPr/>
+          <p:nvPr/>
+        </p:nvSpPr>
+        <p:spPr>
+          <a:xfrm>
+            <a:off x="391390" y="5823099"/>
+            <a:ext cx="233916" cy="233916"/>
+          </a:xfrm>
+          <a:prstGeom prst="ellipse">
+            <a:avLst/>
+          </a:prstGeom>
+          <a:solidFill>
+            <a:schemeClr val="tx1"/>
+          </a:solidFill>
+        </p:spPr>
+        <p:style>
+          <a:lnRef idx="2">
+            <a:schemeClr val="accent1">
+              <a:shade val="50000"/>
+            </a:schemeClr>
+          </a:lnRef>
+          <a:fillRef idx="1">
+            <a:schemeClr val="accent1"/>
+          </a:fillRef>
+          <a:effectRef idx="0">
+            <a:schemeClr val="accent1"/>
+          </a:effectRef>
+          <a:fontRef idx="minor">
+            <a:schemeClr val="lt1"/>
+          </a:fontRef>
+        </p:style>
+        <p:txBody>
+          <a:bodyPr rtlCol="0" anchor="ctr"/>
+          <a:lstStyle/>
+          <a:p>
+            <a:pPr algn="ctr"/>
+            <a:endParaRPr lang="en-US"/>
+          </a:p>
+        </p:txBody>
+      </p:sp>
+      <p:sp>
+        <p:nvSpPr>
+          <p:cNvPr id="73" name="Oval 72">
+            <a:extLst>
+              <a:ext uri="{FF2B5EF4-FFF2-40B4-BE49-F238E27FC236}">
+                <a16:creationId xmlns:a16="http://schemas.microsoft.com/office/drawing/2014/main" id="{E0D5A116-8CC2-4947-A470-7141286AB53C}"/>
+              </a:ext>
+            </a:extLst>
+          </p:cNvPr>
+          <p:cNvSpPr/>
+          <p:nvPr/>
+        </p:nvSpPr>
+        <p:spPr>
+          <a:xfrm>
+            <a:off x="3327478" y="5816010"/>
+            <a:ext cx="233916" cy="233916"/>
+          </a:xfrm>
+          <a:prstGeom prst="ellipse">
+            <a:avLst/>
+          </a:prstGeom>
+          <a:solidFill>
+            <a:schemeClr val="tx1"/>
+          </a:solidFill>
+        </p:spPr>
+        <p:style>
+          <a:lnRef idx="2">
+            <a:schemeClr val="accent1">
+              <a:shade val="50000"/>
+            </a:schemeClr>
+          </a:lnRef>
+          <a:fillRef idx="1">
+            <a:schemeClr val="accent1"/>
+          </a:fillRef>
+          <a:effectRef idx="0">
+            <a:schemeClr val="accent1"/>
+          </a:effectRef>
+          <a:fontRef idx="minor">
+            <a:schemeClr val="lt1"/>
+          </a:fontRef>
+        </p:style>
+        <p:txBody>
+          <a:bodyPr rtlCol="0" anchor="ctr"/>
+          <a:lstStyle/>
+          <a:p>
+            <a:pPr algn="ctr"/>
+            <a:endParaRPr lang="en-US"/>
+          </a:p>
+        </p:txBody>
+      </p:sp>
+      <p:sp>
+        <p:nvSpPr>
+          <p:cNvPr id="74" name="Oval 73">
+            <a:extLst>
+              <a:ext uri="{FF2B5EF4-FFF2-40B4-BE49-F238E27FC236}">
+                <a16:creationId xmlns:a16="http://schemas.microsoft.com/office/drawing/2014/main" id="{BEFD4295-6B36-DF48-83F2-84F4779754F3}"/>
+              </a:ext>
+            </a:extLst>
+          </p:cNvPr>
+          <p:cNvSpPr/>
+          <p:nvPr/>
+        </p:nvSpPr>
+        <p:spPr>
+          <a:xfrm>
+            <a:off x="6298866" y="5823099"/>
+            <a:ext cx="233916" cy="233916"/>
+          </a:xfrm>
+          <a:prstGeom prst="ellipse">
+            <a:avLst/>
+          </a:prstGeom>
+          <a:solidFill>
+            <a:schemeClr val="tx1"/>
+          </a:solidFill>
+        </p:spPr>
+        <p:style>
+          <a:lnRef idx="2">
+            <a:schemeClr val="accent1">
+              <a:shade val="50000"/>
+            </a:schemeClr>
+          </a:lnRef>
+          <a:fillRef idx="1">
+            <a:schemeClr val="accent1"/>
+          </a:fillRef>
+          <a:effectRef idx="0">
+            <a:schemeClr val="accent1"/>
+          </a:effectRef>
+          <a:fontRef idx="minor">
+            <a:schemeClr val="lt1"/>
+          </a:fontRef>
+        </p:style>
+        <p:txBody>
+          <a:bodyPr rtlCol="0" anchor="ctr"/>
+          <a:lstStyle/>
+          <a:p>
+            <a:pPr algn="ctr"/>
+            <a:endParaRPr lang="en-US"/>
+          </a:p>
+        </p:txBody>
+      </p:sp>
+      <p:sp>
+        <p:nvSpPr>
+          <p:cNvPr id="75" name="Oval 74">
+            <a:extLst>
+              <a:ext uri="{FF2B5EF4-FFF2-40B4-BE49-F238E27FC236}">
+                <a16:creationId xmlns:a16="http://schemas.microsoft.com/office/drawing/2014/main" id="{FD392DEE-4C51-C84C-BDE4-F52D39294C37}"/>
+              </a:ext>
+            </a:extLst>
+          </p:cNvPr>
+          <p:cNvSpPr/>
+          <p:nvPr/>
+        </p:nvSpPr>
+        <p:spPr>
+          <a:xfrm>
+            <a:off x="3327478" y="3102934"/>
+            <a:ext cx="233916" cy="233916"/>
+          </a:xfrm>
+          <a:prstGeom prst="ellipse">
+            <a:avLst/>
+          </a:prstGeom>
+          <a:solidFill>
+            <a:schemeClr val="tx1"/>
+          </a:solidFill>
+        </p:spPr>
+        <p:style>
+          <a:lnRef idx="2">
+            <a:schemeClr val="accent1">
+              <a:shade val="50000"/>
+            </a:schemeClr>
+          </a:lnRef>
+          <a:fillRef idx="1">
+            <a:schemeClr val="accent1"/>
+          </a:fillRef>
+          <a:effectRef idx="0">
+            <a:schemeClr val="accent1"/>
+          </a:effectRef>
+          <a:fontRef idx="minor">
+            <a:schemeClr val="lt1"/>
+          </a:fontRef>
+        </p:style>
+        <p:txBody>
+          <a:bodyPr rtlCol="0" anchor="ctr"/>
+          <a:lstStyle/>
+          <a:p>
+            <a:pPr algn="ctr"/>
+            <a:endParaRPr lang="en-US"/>
+          </a:p>
+        </p:txBody>
+      </p:sp>
+      <p:sp>
+        <p:nvSpPr>
+          <p:cNvPr id="76" name="Oval 75">
+            <a:extLst>
+              <a:ext uri="{FF2B5EF4-FFF2-40B4-BE49-F238E27FC236}">
+                <a16:creationId xmlns:a16="http://schemas.microsoft.com/office/drawing/2014/main" id="{63D9D20E-5A4F-A244-A6BD-BEB190C66DA0}"/>
+              </a:ext>
+            </a:extLst>
+          </p:cNvPr>
+          <p:cNvSpPr/>
+          <p:nvPr/>
+        </p:nvSpPr>
+        <p:spPr>
+          <a:xfrm>
+            <a:off x="6310180" y="3102934"/>
+            <a:ext cx="233916" cy="233916"/>
+          </a:xfrm>
+          <a:prstGeom prst="ellipse">
+            <a:avLst/>
+          </a:prstGeom>
+          <a:solidFill>
+            <a:schemeClr val="tx1"/>
+          </a:solidFill>
+        </p:spPr>
+        <p:style>
+          <a:lnRef idx="2">
+            <a:schemeClr val="accent1">
+              <a:shade val="50000"/>
+            </a:schemeClr>
+          </a:lnRef>
+          <a:fillRef idx="1">
+            <a:schemeClr val="accent1"/>
+          </a:fillRef>
+          <a:effectRef idx="0">
+            <a:schemeClr val="accent1"/>
+          </a:effectRef>
+          <a:fontRef idx="minor">
+            <a:schemeClr val="lt1"/>
+          </a:fontRef>
+        </p:style>
+        <p:txBody>
+          <a:bodyPr rtlCol="0" anchor="ctr"/>
+          <a:lstStyle/>
+          <a:p>
+            <a:pPr algn="ctr"/>
+            <a:endParaRPr lang="en-US"/>
+          </a:p>
+        </p:txBody>
+      </p:sp>
+      <p:grpSp>
+        <p:nvGrpSpPr>
+          <p:cNvPr id="77" name="Group 76">
+            <a:extLst>
+              <a:ext uri="{FF2B5EF4-FFF2-40B4-BE49-F238E27FC236}">
+                <a16:creationId xmlns:a16="http://schemas.microsoft.com/office/drawing/2014/main" id="{CFD0ED7A-53BF-574E-A150-2CA6503999F5}"/>
+              </a:ext>
+            </a:extLst>
+          </p:cNvPr>
+          <p:cNvGrpSpPr/>
+          <p:nvPr/>
+        </p:nvGrpSpPr>
+        <p:grpSpPr>
+          <a:xfrm>
+            <a:off x="211172" y="2595546"/>
+            <a:ext cx="6690348" cy="3972167"/>
+            <a:chOff x="2391912" y="2299724"/>
+            <a:chExt cx="6690348" cy="3972167"/>
+          </a:xfrm>
+        </p:grpSpPr>
+        <p:sp>
+          <p:nvSpPr>
+            <p:cNvPr id="78" name="TextBox 77">
+              <a:extLst>
+                <a:ext uri="{FF2B5EF4-FFF2-40B4-BE49-F238E27FC236}">
+                  <a16:creationId xmlns:a16="http://schemas.microsoft.com/office/drawing/2014/main" id="{C61D973D-3B0D-1848-95C3-D28DCF40758D}"/>
+                </a:ext>
+              </a:extLst>
+            </p:cNvPr>
+            <p:cNvSpPr txBox="1"/>
+            <p:nvPr/>
+          </p:nvSpPr>
+          <p:spPr>
+            <a:xfrm>
+              <a:off x="2515754" y="2312130"/>
+              <a:ext cx="453530" cy="523220"/>
+            </a:xfrm>
+            <a:prstGeom prst="rect">
+              <a:avLst/>
+            </a:prstGeom>
+            <a:noFill/>
+          </p:spPr>
+          <p:txBody>
+            <a:bodyPr wrap="square" rtlCol="0">
+              <a:spAutoFit/>
+            </a:bodyPr>
+            <a:lstStyle/>
+            <a:p>
+              <a:r>
+                <a:rPr lang="en-US" sz="2800" dirty="0"/>
+                <a:t>0</a:t>
+              </a:r>
+            </a:p>
+          </p:txBody>
+        </p:sp>
+        <p:sp>
+          <p:nvSpPr>
+            <p:cNvPr id="79" name="TextBox 78">
+              <a:extLst>
+                <a:ext uri="{FF2B5EF4-FFF2-40B4-BE49-F238E27FC236}">
+                  <a16:creationId xmlns:a16="http://schemas.microsoft.com/office/drawing/2014/main" id="{B46A661A-47BF-7340-9EA0-8DBB0BCB9937}"/>
+                </a:ext>
+              </a:extLst>
+            </p:cNvPr>
+            <p:cNvSpPr txBox="1"/>
+            <p:nvPr/>
+          </p:nvSpPr>
+          <p:spPr>
+            <a:xfrm>
+              <a:off x="5561649" y="2299724"/>
+              <a:ext cx="453530" cy="523220"/>
+            </a:xfrm>
+            <a:prstGeom prst="rect">
+              <a:avLst/>
+            </a:prstGeom>
+            <a:noFill/>
+          </p:spPr>
+          <p:txBody>
+            <a:bodyPr wrap="square" rtlCol="0">
+              <a:spAutoFit/>
+            </a:bodyPr>
+            <a:lstStyle/>
+            <a:p>
+              <a:r>
+                <a:rPr lang="en-US" sz="2800" dirty="0"/>
+                <a:t>1</a:t>
+              </a:r>
+            </a:p>
+          </p:txBody>
+        </p:sp>
+        <p:sp>
+          <p:nvSpPr>
+            <p:cNvPr id="80" name="TextBox 79">
+              <a:extLst>
+                <a:ext uri="{FF2B5EF4-FFF2-40B4-BE49-F238E27FC236}">
+                  <a16:creationId xmlns:a16="http://schemas.microsoft.com/office/drawing/2014/main" id="{7A013FEC-316B-3A48-8CBD-33DF8E33419C}"/>
+                </a:ext>
+              </a:extLst>
+            </p:cNvPr>
+            <p:cNvSpPr txBox="1"/>
+            <p:nvPr/>
+          </p:nvSpPr>
+          <p:spPr>
+            <a:xfrm>
+              <a:off x="8604680" y="2364406"/>
+              <a:ext cx="453530" cy="523220"/>
+            </a:xfrm>
+            <a:prstGeom prst="rect">
+              <a:avLst/>
+            </a:prstGeom>
+            <a:noFill/>
+          </p:spPr>
+          <p:txBody>
+            <a:bodyPr wrap="square" rtlCol="0">
+              <a:spAutoFit/>
+            </a:bodyPr>
+            <a:lstStyle/>
+            <a:p>
+              <a:r>
+                <a:rPr lang="en-US" sz="2800" dirty="0"/>
+                <a:t>2</a:t>
+              </a:r>
+            </a:p>
+          </p:txBody>
+        </p:sp>
+        <p:sp>
+          <p:nvSpPr>
+            <p:cNvPr id="81" name="TextBox 80">
+              <a:extLst>
+                <a:ext uri="{FF2B5EF4-FFF2-40B4-BE49-F238E27FC236}">
+                  <a16:creationId xmlns:a16="http://schemas.microsoft.com/office/drawing/2014/main" id="{40DB5EB5-80F8-E443-AD3F-5756A87F44BD}"/>
+                </a:ext>
+              </a:extLst>
+            </p:cNvPr>
+            <p:cNvSpPr txBox="1"/>
+            <p:nvPr/>
+          </p:nvSpPr>
+          <p:spPr>
+            <a:xfrm>
+              <a:off x="8628730" y="5717660"/>
+              <a:ext cx="453530" cy="523220"/>
+            </a:xfrm>
+            <a:prstGeom prst="rect">
+              <a:avLst/>
+            </a:prstGeom>
+            <a:noFill/>
+          </p:spPr>
+          <p:txBody>
+            <a:bodyPr wrap="square" rtlCol="0">
+              <a:spAutoFit/>
+            </a:bodyPr>
+            <a:lstStyle/>
+            <a:p>
+              <a:r>
+                <a:rPr lang="en-US" sz="2800" dirty="0"/>
+                <a:t>3</a:t>
+              </a:r>
+            </a:p>
+          </p:txBody>
+        </p:sp>
+        <p:sp>
+          <p:nvSpPr>
+            <p:cNvPr id="82" name="TextBox 81">
+              <a:extLst>
+                <a:ext uri="{FF2B5EF4-FFF2-40B4-BE49-F238E27FC236}">
+                  <a16:creationId xmlns:a16="http://schemas.microsoft.com/office/drawing/2014/main" id="{0C5A22C4-E077-CD4E-AB34-D05A1D9EE2C8}"/>
+                </a:ext>
+              </a:extLst>
+            </p:cNvPr>
+            <p:cNvSpPr txBox="1"/>
+            <p:nvPr/>
+          </p:nvSpPr>
+          <p:spPr>
+            <a:xfrm>
+              <a:off x="5561649" y="5748671"/>
+              <a:ext cx="453530" cy="523220"/>
+            </a:xfrm>
+            <a:prstGeom prst="rect">
+              <a:avLst/>
+            </a:prstGeom>
+            <a:noFill/>
+          </p:spPr>
+          <p:txBody>
+            <a:bodyPr wrap="square" rtlCol="0">
+              <a:spAutoFit/>
+            </a:bodyPr>
+            <a:lstStyle/>
+            <a:p>
+              <a:r>
+                <a:rPr lang="en-US" sz="2800" dirty="0"/>
+                <a:t>4</a:t>
+              </a:r>
+            </a:p>
+          </p:txBody>
+        </p:sp>
+        <p:sp>
+          <p:nvSpPr>
+            <p:cNvPr id="83" name="TextBox 82">
+              <a:extLst>
+                <a:ext uri="{FF2B5EF4-FFF2-40B4-BE49-F238E27FC236}">
+                  <a16:creationId xmlns:a16="http://schemas.microsoft.com/office/drawing/2014/main" id="{309058C3-A3A2-6743-9C52-0A9037C76333}"/>
+                </a:ext>
+              </a:extLst>
+            </p:cNvPr>
+            <p:cNvSpPr txBox="1"/>
+            <p:nvPr/>
+          </p:nvSpPr>
+          <p:spPr>
+            <a:xfrm>
+              <a:off x="2391912" y="5654750"/>
+              <a:ext cx="453530" cy="523220"/>
+            </a:xfrm>
+            <a:prstGeom prst="rect">
+              <a:avLst/>
+            </a:prstGeom>
+            <a:noFill/>
+          </p:spPr>
+          <p:txBody>
+            <a:bodyPr wrap="square" rtlCol="0">
+              <a:spAutoFit/>
+            </a:bodyPr>
+            <a:lstStyle/>
+            <a:p>
+              <a:r>
+                <a:rPr lang="en-US" sz="2800" dirty="0"/>
+                <a:t>5</a:t>
+              </a:r>
+            </a:p>
+          </p:txBody>
+        </p:sp>
+      </p:grpSp>
+      <p:sp>
+        <p:nvSpPr>
+          <p:cNvPr id="2" name="TextBox 1">
+            <a:extLst>
+              <a:ext uri="{FF2B5EF4-FFF2-40B4-BE49-F238E27FC236}">
+                <a16:creationId xmlns:a16="http://schemas.microsoft.com/office/drawing/2014/main" id="{69F7B1C7-ABDE-4740-A3FF-1E8C4137FCC4}"/>
+              </a:ext>
+            </a:extLst>
+          </p:cNvPr>
+          <p:cNvSpPr txBox="1"/>
+          <p:nvPr/>
+        </p:nvSpPr>
+        <p:spPr>
+          <a:xfrm>
+            <a:off x="391390" y="341679"/>
+            <a:ext cx="6209414" cy="461665"/>
+          </a:xfrm>
+          <a:prstGeom prst="rect">
+            <a:avLst/>
+          </a:prstGeom>
+          <a:noFill/>
+        </p:spPr>
+        <p:txBody>
+          <a:bodyPr wrap="square" rtlCol="0">
+            <a:spAutoFit/>
+          </a:bodyPr>
+          <a:lstStyle/>
+          <a:p>
+            <a:r>
+              <a:rPr lang="en-US" sz="2400" dirty="0"/>
+              <a:t>Topological Operations: </a:t>
+            </a:r>
+            <a:r>
+              <a:rPr lang="en-US" sz="2400" dirty="0" err="1"/>
+              <a:t>LinkExpansion</a:t>
+            </a:r>
+            <a:endParaRPr lang="en-US" sz="2400" dirty="0"/>
+          </a:p>
+        </p:txBody>
+      </p:sp>
+      <p:sp>
+        <p:nvSpPr>
+          <p:cNvPr id="128" name="Oval 127">
+            <a:extLst>
+              <a:ext uri="{FF2B5EF4-FFF2-40B4-BE49-F238E27FC236}">
+                <a16:creationId xmlns:a16="http://schemas.microsoft.com/office/drawing/2014/main" id="{E4FB5CF0-6C83-AB40-B1D1-C3E99CF1C71A}"/>
+              </a:ext>
+            </a:extLst>
+          </p:cNvPr>
+          <p:cNvSpPr/>
+          <p:nvPr/>
+        </p:nvSpPr>
+        <p:spPr>
+          <a:xfrm>
+            <a:off x="1915432" y="3074302"/>
+            <a:ext cx="233916" cy="233916"/>
+          </a:xfrm>
+          <a:prstGeom prst="ellipse">
+            <a:avLst/>
+          </a:prstGeom>
+          <a:solidFill>
+            <a:schemeClr val="tx1"/>
+          </a:solidFill>
+        </p:spPr>
+        <p:style>
+          <a:lnRef idx="2">
+            <a:schemeClr val="accent1">
+              <a:shade val="50000"/>
+            </a:schemeClr>
+          </a:lnRef>
+          <a:fillRef idx="1">
+            <a:schemeClr val="accent1"/>
+          </a:fillRef>
+          <a:effectRef idx="0">
+            <a:schemeClr val="accent1"/>
+          </a:effectRef>
+          <a:fontRef idx="minor">
+            <a:schemeClr val="lt1"/>
+          </a:fontRef>
+        </p:style>
+        <p:txBody>
+          <a:bodyPr rtlCol="0" anchor="ctr"/>
+          <a:lstStyle/>
+          <a:p>
+            <a:pPr algn="ctr"/>
+            <a:endParaRPr lang="en-US"/>
+          </a:p>
+        </p:txBody>
+      </p:sp>
+      <p:sp>
+        <p:nvSpPr>
+          <p:cNvPr id="129" name="TextBox 128">
+            <a:extLst>
+              <a:ext uri="{FF2B5EF4-FFF2-40B4-BE49-F238E27FC236}">
+                <a16:creationId xmlns:a16="http://schemas.microsoft.com/office/drawing/2014/main" id="{FC8EC961-CB82-1A4B-B5DF-5F4F9CFBB899}"/>
+              </a:ext>
+            </a:extLst>
+          </p:cNvPr>
+          <p:cNvSpPr txBox="1"/>
+          <p:nvPr/>
+        </p:nvSpPr>
+        <p:spPr>
+          <a:xfrm>
+            <a:off x="1688667" y="2668040"/>
+            <a:ext cx="453530" cy="523220"/>
+          </a:xfrm>
+          <a:prstGeom prst="rect">
+            <a:avLst/>
+          </a:prstGeom>
+          <a:noFill/>
+        </p:spPr>
+        <p:txBody>
+          <a:bodyPr wrap="square" rtlCol="0">
+            <a:spAutoFit/>
+          </a:bodyPr>
+          <a:lstStyle/>
+          <a:p>
+            <a:r>
+              <a:rPr lang="en-US" sz="2800" dirty="0"/>
+              <a:t>6</a:t>
+            </a:r>
+          </a:p>
+        </p:txBody>
+      </p:sp>
+      <p:sp>
+        <p:nvSpPr>
+          <p:cNvPr id="130" name="Right Arrow 129">
+            <a:extLst>
+              <a:ext uri="{FF2B5EF4-FFF2-40B4-BE49-F238E27FC236}">
+                <a16:creationId xmlns:a16="http://schemas.microsoft.com/office/drawing/2014/main" id="{530F6EF5-F65B-5A46-AED7-A17A7DFB4FFA}"/>
+              </a:ext>
+            </a:extLst>
+          </p:cNvPr>
+          <p:cNvSpPr/>
+          <p:nvPr/>
+        </p:nvSpPr>
+        <p:spPr>
+          <a:xfrm>
+            <a:off x="2221249" y="2939984"/>
+            <a:ext cx="1161741" cy="537003"/>
+          </a:xfrm>
+          <a:prstGeom prst="rightArrow">
+            <a:avLst/>
+          </a:prstGeom>
+          <a:solidFill>
+            <a:schemeClr val="accent6">
+              <a:lumMod val="40000"/>
+              <a:lumOff val="60000"/>
+            </a:schemeClr>
+          </a:solidFill>
+          <a:ln>
+            <a:noFill/>
+          </a:ln>
+        </p:spPr>
+        <p:style>
+          <a:lnRef idx="2">
+            <a:schemeClr val="accent1">
+              <a:shade val="50000"/>
+            </a:schemeClr>
+          </a:lnRef>
+          <a:fillRef idx="1">
+            <a:schemeClr val="accent1"/>
+          </a:fillRef>
+          <a:effectRef idx="0">
+            <a:schemeClr val="accent1"/>
+          </a:effectRef>
+          <a:fontRef idx="minor">
+            <a:schemeClr val="lt1"/>
+          </a:fontRef>
+        </p:style>
+        <p:txBody>
+          <a:bodyPr rtlCol="0" anchor="ctr"/>
+          <a:lstStyle/>
+          <a:p>
+            <a:pPr algn="ctr"/>
+            <a:endParaRPr lang="en-US"/>
+          </a:p>
+        </p:txBody>
+      </p:sp>
+      <p:grpSp>
+        <p:nvGrpSpPr>
+          <p:cNvPr id="131" name="Group 130">
+            <a:extLst>
+              <a:ext uri="{FF2B5EF4-FFF2-40B4-BE49-F238E27FC236}">
+                <a16:creationId xmlns:a16="http://schemas.microsoft.com/office/drawing/2014/main" id="{EC380EEC-4ADA-494C-A250-D5311D513CF4}"/>
+              </a:ext>
+            </a:extLst>
+          </p:cNvPr>
+          <p:cNvGrpSpPr/>
+          <p:nvPr/>
+        </p:nvGrpSpPr>
+        <p:grpSpPr>
+          <a:xfrm>
+            <a:off x="2190380" y="3195951"/>
+            <a:ext cx="1218225" cy="12536"/>
+            <a:chOff x="448759" y="4049102"/>
+            <a:chExt cx="3577647" cy="12536"/>
+          </a:xfrm>
+        </p:grpSpPr>
+        <p:cxnSp>
+          <p:nvCxnSpPr>
+            <p:cNvPr id="132" name="Straight Arrow Connector 131">
+              <a:extLst>
+                <a:ext uri="{FF2B5EF4-FFF2-40B4-BE49-F238E27FC236}">
+                  <a16:creationId xmlns:a16="http://schemas.microsoft.com/office/drawing/2014/main" id="{68068C66-7E43-0B4D-A513-F7E31F50D528}"/>
+                </a:ext>
+              </a:extLst>
+            </p:cNvPr>
+            <p:cNvCxnSpPr>
+              <a:cxnSpLocks/>
+            </p:cNvCxnSpPr>
+            <p:nvPr/>
+          </p:nvCxnSpPr>
+          <p:spPr>
+            <a:xfrm>
+              <a:off x="448759" y="4061637"/>
+              <a:ext cx="1493453" cy="0"/>
+            </a:xfrm>
+            <a:prstGeom prst="straightConnector1">
+              <a:avLst/>
+            </a:prstGeom>
+            <a:ln w="38100">
+              <a:solidFill>
+                <a:schemeClr val="accent1">
+                  <a:lumMod val="60000"/>
+                  <a:lumOff val="40000"/>
+                </a:schemeClr>
+              </a:solidFill>
+              <a:tailEnd type="stealth" w="lg" len="lg"/>
+            </a:ln>
+          </p:spPr>
+          <p:style>
+            <a:lnRef idx="1">
+              <a:schemeClr val="accent1"/>
+            </a:lnRef>
+            <a:fillRef idx="0">
+              <a:schemeClr val="accent1"/>
+            </a:fillRef>
+            <a:effectRef idx="0">
+              <a:schemeClr val="accent1"/>
+            </a:effectRef>
+            <a:fontRef idx="minor">
+              <a:schemeClr val="tx1"/>
+            </a:fontRef>
+          </p:style>
+        </p:cxnSp>
+        <p:cxnSp>
+          <p:nvCxnSpPr>
+            <p:cNvPr id="133" name="Straight Arrow Connector 132">
+              <a:extLst>
+                <a:ext uri="{FF2B5EF4-FFF2-40B4-BE49-F238E27FC236}">
+                  <a16:creationId xmlns:a16="http://schemas.microsoft.com/office/drawing/2014/main" id="{032A312E-C70A-E84B-8583-0F38CB7C3CE5}"/>
+                </a:ext>
+              </a:extLst>
+            </p:cNvPr>
+            <p:cNvCxnSpPr>
+              <a:cxnSpLocks/>
+            </p:cNvCxnSpPr>
+            <p:nvPr/>
+          </p:nvCxnSpPr>
+          <p:spPr>
+            <a:xfrm flipV="1">
+              <a:off x="1928868" y="4049102"/>
+              <a:ext cx="2097538" cy="12536"/>
+            </a:xfrm>
+            <a:prstGeom prst="straightConnector1">
+              <a:avLst/>
+            </a:prstGeom>
+            <a:ln w="38100">
+              <a:solidFill>
+                <a:schemeClr val="accent1">
+                  <a:lumMod val="60000"/>
+                  <a:lumOff val="40000"/>
+                </a:schemeClr>
+              </a:solidFill>
+              <a:tailEnd type="none" w="lg" len="lg"/>
+            </a:ln>
+          </p:spPr>
+          <p:style>
+            <a:lnRef idx="1">
+              <a:schemeClr val="accent1"/>
+            </a:lnRef>
+            <a:fillRef idx="0">
+              <a:schemeClr val="accent1"/>
+            </a:fillRef>
+            <a:effectRef idx="0">
+              <a:schemeClr val="accent1"/>
+            </a:effectRef>
+            <a:fontRef idx="minor">
+              <a:schemeClr val="tx1"/>
+            </a:fontRef>
+          </p:style>
+        </p:cxnSp>
+      </p:grpSp>
+    </p:spTree>
+    <p:extLst>
+      <p:ext uri="{BB962C8B-B14F-4D97-AF65-F5344CB8AC3E}">
+        <p14:creationId xmlns:p14="http://schemas.microsoft.com/office/powerpoint/2010/main" val="697205525"/>
+      </p:ext>
+    </p:extLst>
+  </p:cSld>
+  <p:clrMapOvr>
+    <a:masterClrMapping/>
+  </p:clrMapOvr>
+</p:sld>
+</file>
+
+<file path=ppt/slides/slide7.xml><?xml version="1.0" encoding="utf-8"?>
+<p:sld xmlns:a="http://schemas.openxmlformats.org/drawingml/2006/main" xmlns:r="http://schemas.openxmlformats.org/officeDocument/2006/relationships" xmlns:p="http://schemas.openxmlformats.org/presentationml/2006/main">
+  <p:cSld>
+    <p:spTree>
+      <p:nvGrpSpPr>
+        <p:cNvPr id="1" name=""/>
+        <p:cNvGrpSpPr/>
+        <p:nvPr/>
+      </p:nvGrpSpPr>
+      <p:grpSpPr>
+        <a:xfrm>
+          <a:off x="0" y="0"/>
+          <a:ext cx="0" cy="0"/>
+          <a:chOff x="0" y="0"/>
+          <a:chExt cx="0" cy="0"/>
+        </a:xfrm>
+      </p:grpSpPr>
+      <p:sp>
+        <p:nvSpPr>
+          <p:cNvPr id="24" name="Right Arrow 23">
+            <a:extLst>
+              <a:ext uri="{FF2B5EF4-FFF2-40B4-BE49-F238E27FC236}">
+                <a16:creationId xmlns:a16="http://schemas.microsoft.com/office/drawing/2014/main" id="{0ADB25FA-5DDF-9D4D-A81D-2C9B1330836D}"/>
+              </a:ext>
+            </a:extLst>
+          </p:cNvPr>
+          <p:cNvSpPr/>
+          <p:nvPr/>
+        </p:nvSpPr>
+        <p:spPr>
+          <a:xfrm rot="5400000">
+            <a:off x="2998833" y="3604270"/>
+            <a:ext cx="973855" cy="537003"/>
+          </a:xfrm>
+          <a:prstGeom prst="rightArrow">
+            <a:avLst/>
+          </a:prstGeom>
+          <a:solidFill>
+            <a:schemeClr val="accent6">
+              <a:lumMod val="40000"/>
+              <a:lumOff val="60000"/>
+            </a:schemeClr>
+          </a:solidFill>
+          <a:ln>
+            <a:noFill/>
+          </a:ln>
+        </p:spPr>
+        <p:style>
+          <a:lnRef idx="2">
+            <a:schemeClr val="accent1">
+              <a:shade val="50000"/>
+            </a:schemeClr>
+          </a:lnRef>
+          <a:fillRef idx="1">
+            <a:schemeClr val="accent1"/>
+          </a:fillRef>
+          <a:effectRef idx="0">
+            <a:schemeClr val="accent1"/>
+          </a:effectRef>
+          <a:fontRef idx="minor">
+            <a:schemeClr val="lt1"/>
+          </a:fontRef>
+        </p:style>
+        <p:txBody>
+          <a:bodyPr rtlCol="0" anchor="ctr"/>
+          <a:lstStyle/>
+          <a:p>
+            <a:pPr algn="ctr"/>
+            <a:endParaRPr lang="en-US" dirty="0"/>
+          </a:p>
+        </p:txBody>
+      </p:sp>
+      <p:sp>
+        <p:nvSpPr>
+          <p:cNvPr id="27" name="Right Arrow 26">
+            <a:extLst>
+              <a:ext uri="{FF2B5EF4-FFF2-40B4-BE49-F238E27FC236}">
+                <a16:creationId xmlns:a16="http://schemas.microsoft.com/office/drawing/2014/main" id="{1CA9F11D-2F72-C44A-A699-75793C8854B9}"/>
+              </a:ext>
+            </a:extLst>
+          </p:cNvPr>
+          <p:cNvSpPr/>
+          <p:nvPr/>
+        </p:nvSpPr>
+        <p:spPr>
+          <a:xfrm rot="5400000">
+            <a:off x="5195220" y="4344880"/>
+            <a:ext cx="2455074" cy="537003"/>
+          </a:xfrm>
+          <a:prstGeom prst="rightArrow">
+            <a:avLst/>
+          </a:prstGeom>
+          <a:solidFill>
+            <a:schemeClr val="accent6">
+              <a:lumMod val="40000"/>
+              <a:lumOff val="60000"/>
+            </a:schemeClr>
+          </a:solidFill>
+          <a:ln>
+            <a:noFill/>
+          </a:ln>
+        </p:spPr>
+        <p:style>
+          <a:lnRef idx="2">
+            <a:schemeClr val="accent1">
+              <a:shade val="50000"/>
+            </a:schemeClr>
+          </a:lnRef>
+          <a:fillRef idx="1">
+            <a:schemeClr val="accent1"/>
+          </a:fillRef>
+          <a:effectRef idx="0">
+            <a:schemeClr val="accent1"/>
+          </a:effectRef>
+          <a:fontRef idx="minor">
+            <a:schemeClr val="lt1"/>
+          </a:fontRef>
+        </p:style>
+        <p:txBody>
+          <a:bodyPr rtlCol="0" anchor="ctr"/>
+          <a:lstStyle/>
+          <a:p>
+            <a:pPr algn="ctr"/>
+            <a:endParaRPr lang="en-US"/>
+          </a:p>
+        </p:txBody>
+      </p:sp>
+      <p:sp>
+        <p:nvSpPr>
+          <p:cNvPr id="29" name="Right Arrow 28">
+            <a:extLst>
+              <a:ext uri="{FF2B5EF4-FFF2-40B4-BE49-F238E27FC236}">
+                <a16:creationId xmlns:a16="http://schemas.microsoft.com/office/drawing/2014/main" id="{73433E22-3DE6-B94E-86EA-3807EBD39D4C}"/>
+              </a:ext>
+            </a:extLst>
+          </p:cNvPr>
+          <p:cNvSpPr/>
+          <p:nvPr/>
+        </p:nvSpPr>
+        <p:spPr>
+          <a:xfrm rot="5400000">
+            <a:off x="-694126" y="4319971"/>
+            <a:ext cx="2455074" cy="537003"/>
+          </a:xfrm>
+          <a:prstGeom prst="rightArrow">
+            <a:avLst/>
+          </a:prstGeom>
+          <a:solidFill>
+            <a:schemeClr val="accent6">
+              <a:lumMod val="40000"/>
+              <a:lumOff val="60000"/>
+            </a:schemeClr>
+          </a:solidFill>
+          <a:ln>
+            <a:noFill/>
+          </a:ln>
+        </p:spPr>
+        <p:style>
+          <a:lnRef idx="2">
+            <a:schemeClr val="accent1">
+              <a:shade val="50000"/>
+            </a:schemeClr>
+          </a:lnRef>
+          <a:fillRef idx="1">
+            <a:schemeClr val="accent1"/>
+          </a:fillRef>
+          <a:effectRef idx="0">
+            <a:schemeClr val="accent1"/>
+          </a:effectRef>
+          <a:fontRef idx="minor">
+            <a:schemeClr val="lt1"/>
+          </a:fontRef>
+        </p:style>
+        <p:txBody>
+          <a:bodyPr rtlCol="0" anchor="ctr"/>
+          <a:lstStyle/>
+          <a:p>
+            <a:pPr algn="ctr"/>
+            <a:endParaRPr lang="en-US"/>
+          </a:p>
+        </p:txBody>
+      </p:sp>
+      <p:sp>
+        <p:nvSpPr>
+          <p:cNvPr id="31" name="Right Arrow 30">
+            <a:extLst>
+              <a:ext uri="{FF2B5EF4-FFF2-40B4-BE49-F238E27FC236}">
+                <a16:creationId xmlns:a16="http://schemas.microsoft.com/office/drawing/2014/main" id="{D79AB8AE-85B1-1944-BE7A-8DA0C1B06694}"/>
+              </a:ext>
+            </a:extLst>
+          </p:cNvPr>
+          <p:cNvSpPr/>
+          <p:nvPr/>
+        </p:nvSpPr>
+        <p:spPr>
+          <a:xfrm rot="10800000">
+            <a:off x="620276" y="5701111"/>
+            <a:ext cx="2709669" cy="537003"/>
+          </a:xfrm>
+          <a:prstGeom prst="rightArrow">
+            <a:avLst/>
+          </a:prstGeom>
+          <a:solidFill>
+            <a:schemeClr val="accent6">
+              <a:lumMod val="40000"/>
+              <a:lumOff val="60000"/>
+            </a:schemeClr>
+          </a:solidFill>
+          <a:ln>
+            <a:noFill/>
+          </a:ln>
+        </p:spPr>
+        <p:style>
+          <a:lnRef idx="2">
+            <a:schemeClr val="accent1">
+              <a:shade val="50000"/>
+            </a:schemeClr>
+          </a:lnRef>
+          <a:fillRef idx="1">
+            <a:schemeClr val="accent1"/>
+          </a:fillRef>
+          <a:effectRef idx="0">
+            <a:schemeClr val="accent1"/>
+          </a:effectRef>
+          <a:fontRef idx="minor">
+            <a:schemeClr val="lt1"/>
+          </a:fontRef>
+        </p:style>
+        <p:txBody>
+          <a:bodyPr rtlCol="0" anchor="ctr"/>
+          <a:lstStyle/>
+          <a:p>
+            <a:pPr algn="ctr"/>
+            <a:endParaRPr lang="en-US"/>
+          </a:p>
+        </p:txBody>
+      </p:sp>
+      <p:sp>
+        <p:nvSpPr>
+          <p:cNvPr id="32" name="Right Arrow 31">
+            <a:extLst>
+              <a:ext uri="{FF2B5EF4-FFF2-40B4-BE49-F238E27FC236}">
+                <a16:creationId xmlns:a16="http://schemas.microsoft.com/office/drawing/2014/main" id="{41A688CC-81C1-1E45-B2AE-0117F60C43BD}"/>
+              </a:ext>
+            </a:extLst>
+          </p:cNvPr>
+          <p:cNvSpPr/>
+          <p:nvPr/>
+        </p:nvSpPr>
+        <p:spPr>
+          <a:xfrm rot="10800000">
+            <a:off x="3572149" y="5679824"/>
+            <a:ext cx="2709669" cy="537003"/>
+          </a:xfrm>
+          <a:prstGeom prst="rightArrow">
+            <a:avLst/>
+          </a:prstGeom>
+          <a:solidFill>
+            <a:schemeClr val="accent6">
+              <a:lumMod val="40000"/>
+              <a:lumOff val="60000"/>
+            </a:schemeClr>
+          </a:solidFill>
+          <a:ln>
+            <a:noFill/>
+          </a:ln>
+        </p:spPr>
+        <p:style>
+          <a:lnRef idx="2">
+            <a:schemeClr val="accent1">
+              <a:shade val="50000"/>
+            </a:schemeClr>
+          </a:lnRef>
+          <a:fillRef idx="1">
+            <a:schemeClr val="accent1"/>
+          </a:fillRef>
+          <a:effectRef idx="0">
+            <a:schemeClr val="accent1"/>
+          </a:effectRef>
+          <a:fontRef idx="minor">
+            <a:schemeClr val="lt1"/>
+          </a:fontRef>
+        </p:style>
+        <p:txBody>
+          <a:bodyPr rtlCol="0" anchor="ctr"/>
+          <a:lstStyle/>
+          <a:p>
+            <a:pPr algn="ctr"/>
+            <a:endParaRPr lang="en-US"/>
+          </a:p>
+        </p:txBody>
+      </p:sp>
+      <p:sp>
+        <p:nvSpPr>
+          <p:cNvPr id="33" name="Right Arrow 32">
+            <a:extLst>
+              <a:ext uri="{FF2B5EF4-FFF2-40B4-BE49-F238E27FC236}">
+                <a16:creationId xmlns:a16="http://schemas.microsoft.com/office/drawing/2014/main" id="{EBBD2867-7CE5-394A-B83B-83FB96C9D8F0}"/>
+              </a:ext>
+            </a:extLst>
+          </p:cNvPr>
+          <p:cNvSpPr/>
+          <p:nvPr/>
+        </p:nvSpPr>
+        <p:spPr>
+          <a:xfrm>
+            <a:off x="3587008" y="2961315"/>
+            <a:ext cx="2709669" cy="537003"/>
+          </a:xfrm>
+          <a:prstGeom prst="rightArrow">
+            <a:avLst/>
+          </a:prstGeom>
+          <a:solidFill>
+            <a:schemeClr val="accent6">
+              <a:lumMod val="40000"/>
+              <a:lumOff val="60000"/>
+            </a:schemeClr>
+          </a:solidFill>
+          <a:ln>
+            <a:noFill/>
+          </a:ln>
+        </p:spPr>
+        <p:style>
+          <a:lnRef idx="2">
+            <a:schemeClr val="accent1">
+              <a:shade val="50000"/>
+            </a:schemeClr>
+          </a:lnRef>
+          <a:fillRef idx="1">
+            <a:schemeClr val="accent1"/>
+          </a:fillRef>
+          <a:effectRef idx="0">
+            <a:schemeClr val="accent1"/>
+          </a:effectRef>
+          <a:fontRef idx="minor">
+            <a:schemeClr val="lt1"/>
+          </a:fontRef>
+        </p:style>
+        <p:txBody>
+          <a:bodyPr rtlCol="0" anchor="ctr"/>
+          <a:lstStyle/>
+          <a:p>
+            <a:pPr algn="ctr"/>
+            <a:endParaRPr lang="en-US"/>
+          </a:p>
+        </p:txBody>
+      </p:sp>
+      <p:sp>
+        <p:nvSpPr>
+          <p:cNvPr id="34" name="Right Arrow 33">
+            <a:extLst>
+              <a:ext uri="{FF2B5EF4-FFF2-40B4-BE49-F238E27FC236}">
+                <a16:creationId xmlns:a16="http://schemas.microsoft.com/office/drawing/2014/main" id="{313B0810-E509-B940-96B2-286B4A8A7FDF}"/>
+              </a:ext>
+            </a:extLst>
+          </p:cNvPr>
+          <p:cNvSpPr/>
+          <p:nvPr/>
+        </p:nvSpPr>
+        <p:spPr>
+          <a:xfrm>
+            <a:off x="728076" y="2935293"/>
+            <a:ext cx="1161741" cy="537003"/>
+          </a:xfrm>
+          <a:prstGeom prst="rightArrow">
+            <a:avLst/>
+          </a:prstGeom>
+          <a:solidFill>
+            <a:schemeClr val="accent6">
+              <a:lumMod val="40000"/>
+              <a:lumOff val="60000"/>
+            </a:schemeClr>
+          </a:solidFill>
+          <a:ln>
+            <a:noFill/>
+          </a:ln>
+        </p:spPr>
+        <p:style>
+          <a:lnRef idx="2">
+            <a:schemeClr val="accent1">
+              <a:shade val="50000"/>
+            </a:schemeClr>
+          </a:lnRef>
+          <a:fillRef idx="1">
+            <a:schemeClr val="accent1"/>
+          </a:fillRef>
+          <a:effectRef idx="0">
+            <a:schemeClr val="accent1"/>
+          </a:effectRef>
+          <a:fontRef idx="minor">
+            <a:schemeClr val="lt1"/>
+          </a:fontRef>
+        </p:style>
+        <p:txBody>
+          <a:bodyPr rtlCol="0" anchor="ctr"/>
+          <a:lstStyle/>
+          <a:p>
+            <a:pPr algn="ctr"/>
+            <a:endParaRPr lang="en-US"/>
+          </a:p>
+        </p:txBody>
+      </p:sp>
+      <p:grpSp>
+        <p:nvGrpSpPr>
+          <p:cNvPr id="35" name="Group 34">
+            <a:extLst>
+              <a:ext uri="{FF2B5EF4-FFF2-40B4-BE49-F238E27FC236}">
+                <a16:creationId xmlns:a16="http://schemas.microsoft.com/office/drawing/2014/main" id="{D8D333AA-B5AC-A043-9977-1A8D062A09CC}"/>
+              </a:ext>
+            </a:extLst>
+          </p:cNvPr>
+          <p:cNvGrpSpPr/>
+          <p:nvPr/>
+        </p:nvGrpSpPr>
+        <p:grpSpPr>
+          <a:xfrm>
+            <a:off x="697207" y="3191260"/>
+            <a:ext cx="1218225" cy="12536"/>
+            <a:chOff x="448759" y="4049102"/>
+            <a:chExt cx="3577647" cy="12536"/>
+          </a:xfrm>
+        </p:grpSpPr>
+        <p:cxnSp>
+          <p:nvCxnSpPr>
+            <p:cNvPr id="36" name="Straight Arrow Connector 35">
+              <a:extLst>
+                <a:ext uri="{FF2B5EF4-FFF2-40B4-BE49-F238E27FC236}">
+                  <a16:creationId xmlns:a16="http://schemas.microsoft.com/office/drawing/2014/main" id="{8BFD7EF3-9300-9447-BCE7-37CEA3AA57CA}"/>
+                </a:ext>
+              </a:extLst>
+            </p:cNvPr>
+            <p:cNvCxnSpPr>
+              <a:cxnSpLocks/>
+            </p:cNvCxnSpPr>
+            <p:nvPr/>
+          </p:nvCxnSpPr>
+          <p:spPr>
+            <a:xfrm>
+              <a:off x="448759" y="4061637"/>
+              <a:ext cx="1493453" cy="0"/>
+            </a:xfrm>
+            <a:prstGeom prst="straightConnector1">
+              <a:avLst/>
+            </a:prstGeom>
+            <a:ln w="38100">
+              <a:solidFill>
+                <a:schemeClr val="accent1">
+                  <a:lumMod val="60000"/>
+                  <a:lumOff val="40000"/>
+                </a:schemeClr>
+              </a:solidFill>
+              <a:tailEnd type="stealth" w="lg" len="lg"/>
+            </a:ln>
+          </p:spPr>
+          <p:style>
+            <a:lnRef idx="1">
+              <a:schemeClr val="accent1"/>
+            </a:lnRef>
+            <a:fillRef idx="0">
+              <a:schemeClr val="accent1"/>
+            </a:fillRef>
+            <a:effectRef idx="0">
+              <a:schemeClr val="accent1"/>
+            </a:effectRef>
+            <a:fontRef idx="minor">
+              <a:schemeClr val="tx1"/>
+            </a:fontRef>
+          </p:style>
+        </p:cxnSp>
+        <p:cxnSp>
+          <p:nvCxnSpPr>
+            <p:cNvPr id="37" name="Straight Arrow Connector 36">
+              <a:extLst>
+                <a:ext uri="{FF2B5EF4-FFF2-40B4-BE49-F238E27FC236}">
+                  <a16:creationId xmlns:a16="http://schemas.microsoft.com/office/drawing/2014/main" id="{BBFE7D24-F0DE-554D-BA2D-78A150116B1A}"/>
+                </a:ext>
+              </a:extLst>
+            </p:cNvPr>
+            <p:cNvCxnSpPr>
+              <a:cxnSpLocks/>
+              <a:endCxn id="129" idx="2"/>
+            </p:cNvCxnSpPr>
+            <p:nvPr/>
+          </p:nvCxnSpPr>
+          <p:spPr>
+            <a:xfrm flipV="1">
+              <a:off x="1928868" y="4049102"/>
+              <a:ext cx="2097538" cy="12536"/>
+            </a:xfrm>
+            <a:prstGeom prst="straightConnector1">
+              <a:avLst/>
+            </a:prstGeom>
+            <a:ln w="38100">
+              <a:solidFill>
+                <a:schemeClr val="accent1">
+                  <a:lumMod val="60000"/>
+                  <a:lumOff val="40000"/>
+                </a:schemeClr>
+              </a:solidFill>
+              <a:tailEnd type="none" w="lg" len="lg"/>
+            </a:ln>
+          </p:spPr>
+          <p:style>
+            <a:lnRef idx="1">
+              <a:schemeClr val="accent1"/>
+            </a:lnRef>
+            <a:fillRef idx="0">
+              <a:schemeClr val="accent1"/>
+            </a:fillRef>
+            <a:effectRef idx="0">
+              <a:schemeClr val="accent1"/>
+            </a:effectRef>
+            <a:fontRef idx="minor">
+              <a:schemeClr val="tx1"/>
+            </a:fontRef>
+          </p:style>
+        </p:cxnSp>
+      </p:grpSp>
+      <p:grpSp>
+        <p:nvGrpSpPr>
+          <p:cNvPr id="47" name="Group 46">
+            <a:extLst>
+              <a:ext uri="{FF2B5EF4-FFF2-40B4-BE49-F238E27FC236}">
+                <a16:creationId xmlns:a16="http://schemas.microsoft.com/office/drawing/2014/main" id="{3C0A01A3-DC7F-5D41-82F9-1694035F41F0}"/>
+              </a:ext>
+            </a:extLst>
+          </p:cNvPr>
+          <p:cNvGrpSpPr/>
+          <p:nvPr/>
+        </p:nvGrpSpPr>
+        <p:grpSpPr>
+          <a:xfrm>
+            <a:off x="3420997" y="3219892"/>
+            <a:ext cx="2973562" cy="0"/>
+            <a:chOff x="448759" y="4061637"/>
+            <a:chExt cx="2973562" cy="0"/>
+          </a:xfrm>
+        </p:grpSpPr>
+        <p:cxnSp>
+          <p:nvCxnSpPr>
+            <p:cNvPr id="48" name="Straight Arrow Connector 47">
+              <a:extLst>
+                <a:ext uri="{FF2B5EF4-FFF2-40B4-BE49-F238E27FC236}">
+                  <a16:creationId xmlns:a16="http://schemas.microsoft.com/office/drawing/2014/main" id="{55A6DFF5-4944-D543-9971-FAEA1F119BDD}"/>
+                </a:ext>
+              </a:extLst>
+            </p:cNvPr>
+            <p:cNvCxnSpPr>
+              <a:cxnSpLocks/>
+            </p:cNvCxnSpPr>
+            <p:nvPr/>
+          </p:nvCxnSpPr>
+          <p:spPr>
+            <a:xfrm>
+              <a:off x="448759" y="4061637"/>
+              <a:ext cx="1493453" cy="0"/>
+            </a:xfrm>
+            <a:prstGeom prst="straightConnector1">
+              <a:avLst/>
+            </a:prstGeom>
+            <a:ln w="38100">
+              <a:solidFill>
+                <a:schemeClr val="accent2"/>
+              </a:solidFill>
+              <a:tailEnd type="stealth" w="lg" len="lg"/>
+            </a:ln>
+          </p:spPr>
+          <p:style>
+            <a:lnRef idx="1">
+              <a:schemeClr val="accent1"/>
+            </a:lnRef>
+            <a:fillRef idx="0">
+              <a:schemeClr val="accent1"/>
+            </a:fillRef>
+            <a:effectRef idx="0">
+              <a:schemeClr val="accent1"/>
+            </a:effectRef>
+            <a:fontRef idx="minor">
+              <a:schemeClr val="tx1"/>
+            </a:fontRef>
+          </p:style>
+        </p:cxnSp>
+        <p:cxnSp>
+          <p:nvCxnSpPr>
+            <p:cNvPr id="50" name="Straight Arrow Connector 49">
+              <a:extLst>
+                <a:ext uri="{FF2B5EF4-FFF2-40B4-BE49-F238E27FC236}">
+                  <a16:creationId xmlns:a16="http://schemas.microsoft.com/office/drawing/2014/main" id="{EAF4F51F-C8A2-DA4C-A9B5-B538EC12B864}"/>
+                </a:ext>
+              </a:extLst>
+            </p:cNvPr>
+            <p:cNvCxnSpPr>
+              <a:cxnSpLocks/>
+            </p:cNvCxnSpPr>
+            <p:nvPr/>
+          </p:nvCxnSpPr>
+          <p:spPr>
+            <a:xfrm>
+              <a:off x="1928868" y="4061637"/>
+              <a:ext cx="1493453" cy="0"/>
+            </a:xfrm>
+            <a:prstGeom prst="straightConnector1">
+              <a:avLst/>
+            </a:prstGeom>
+            <a:ln w="38100">
+              <a:solidFill>
+                <a:schemeClr val="accent2"/>
+              </a:solidFill>
+              <a:tailEnd type="none" w="lg" len="lg"/>
+            </a:ln>
+          </p:spPr>
+          <p:style>
+            <a:lnRef idx="1">
+              <a:schemeClr val="accent1"/>
+            </a:lnRef>
+            <a:fillRef idx="0">
+              <a:schemeClr val="accent1"/>
+            </a:fillRef>
+            <a:effectRef idx="0">
+              <a:schemeClr val="accent1"/>
+            </a:effectRef>
+            <a:fontRef idx="minor">
+              <a:schemeClr val="tx1"/>
+            </a:fontRef>
+          </p:style>
+        </p:cxnSp>
+      </p:grpSp>
+      <p:grpSp>
+        <p:nvGrpSpPr>
+          <p:cNvPr id="53" name="Group 52">
+            <a:extLst>
+              <a:ext uri="{FF2B5EF4-FFF2-40B4-BE49-F238E27FC236}">
+                <a16:creationId xmlns:a16="http://schemas.microsoft.com/office/drawing/2014/main" id="{4418EE7C-8A5F-D045-9434-7619C618594D}"/>
+              </a:ext>
+            </a:extLst>
+          </p:cNvPr>
+          <p:cNvGrpSpPr/>
+          <p:nvPr/>
+        </p:nvGrpSpPr>
+        <p:grpSpPr>
+          <a:xfrm rot="5400000" flipV="1">
+            <a:off x="3249052" y="3590353"/>
+            <a:ext cx="860982" cy="531368"/>
+            <a:chOff x="448759" y="4061637"/>
+            <a:chExt cx="2973562" cy="0"/>
+          </a:xfrm>
+        </p:grpSpPr>
+        <p:cxnSp>
+          <p:nvCxnSpPr>
+            <p:cNvPr id="54" name="Straight Arrow Connector 53">
+              <a:extLst>
+                <a:ext uri="{FF2B5EF4-FFF2-40B4-BE49-F238E27FC236}">
+                  <a16:creationId xmlns:a16="http://schemas.microsoft.com/office/drawing/2014/main" id="{FA8D9733-956C-9F40-A7FA-502CAB225B82}"/>
+                </a:ext>
+              </a:extLst>
+            </p:cNvPr>
+            <p:cNvCxnSpPr>
+              <a:cxnSpLocks/>
+            </p:cNvCxnSpPr>
+            <p:nvPr/>
+          </p:nvCxnSpPr>
+          <p:spPr>
+            <a:xfrm>
+              <a:off x="448759" y="4061637"/>
+              <a:ext cx="1493453" cy="0"/>
+            </a:xfrm>
+            <a:prstGeom prst="straightConnector1">
+              <a:avLst/>
+            </a:prstGeom>
+            <a:ln w="38100">
+              <a:solidFill>
+                <a:schemeClr val="accent1">
+                  <a:lumMod val="60000"/>
+                  <a:lumOff val="40000"/>
+                </a:schemeClr>
+              </a:solidFill>
+              <a:tailEnd type="stealth" w="lg" len="lg"/>
+            </a:ln>
+          </p:spPr>
+          <p:style>
+            <a:lnRef idx="1">
+              <a:schemeClr val="accent1"/>
+            </a:lnRef>
+            <a:fillRef idx="0">
+              <a:schemeClr val="accent1"/>
+            </a:fillRef>
+            <a:effectRef idx="0">
+              <a:schemeClr val="accent1"/>
+            </a:effectRef>
+            <a:fontRef idx="minor">
+              <a:schemeClr val="tx1"/>
+            </a:fontRef>
+          </p:style>
+        </p:cxnSp>
+        <p:cxnSp>
+          <p:nvCxnSpPr>
+            <p:cNvPr id="55" name="Straight Arrow Connector 54">
+              <a:extLst>
+                <a:ext uri="{FF2B5EF4-FFF2-40B4-BE49-F238E27FC236}">
+                  <a16:creationId xmlns:a16="http://schemas.microsoft.com/office/drawing/2014/main" id="{CE915D58-DB0D-B04F-87E0-319A70E4C879}"/>
+                </a:ext>
+              </a:extLst>
+            </p:cNvPr>
+            <p:cNvCxnSpPr>
+              <a:cxnSpLocks/>
+            </p:cNvCxnSpPr>
+            <p:nvPr/>
+          </p:nvCxnSpPr>
+          <p:spPr>
+            <a:xfrm>
+              <a:off x="1928868" y="4061637"/>
+              <a:ext cx="1493453" cy="0"/>
+            </a:xfrm>
+            <a:prstGeom prst="straightConnector1">
+              <a:avLst/>
+            </a:prstGeom>
+            <a:ln w="38100">
+              <a:solidFill>
+                <a:schemeClr val="accent1">
+                  <a:lumMod val="60000"/>
+                  <a:lumOff val="40000"/>
+                </a:schemeClr>
+              </a:solidFill>
+              <a:tailEnd type="none" w="lg" len="lg"/>
+            </a:ln>
+          </p:spPr>
+          <p:style>
+            <a:lnRef idx="1">
+              <a:schemeClr val="accent1"/>
+            </a:lnRef>
+            <a:fillRef idx="0">
+              <a:schemeClr val="accent1"/>
+            </a:fillRef>
+            <a:effectRef idx="0">
+              <a:schemeClr val="accent1"/>
+            </a:effectRef>
+            <a:fontRef idx="minor">
+              <a:schemeClr val="tx1"/>
+            </a:fontRef>
+          </p:style>
+        </p:cxnSp>
+      </p:grpSp>
+      <p:grpSp>
+        <p:nvGrpSpPr>
+          <p:cNvPr id="56" name="Group 55">
+            <a:extLst>
+              <a:ext uri="{FF2B5EF4-FFF2-40B4-BE49-F238E27FC236}">
+                <a16:creationId xmlns:a16="http://schemas.microsoft.com/office/drawing/2014/main" id="{2015BE9C-9401-6F4F-80ED-14231145200C}"/>
+              </a:ext>
+            </a:extLst>
+          </p:cNvPr>
+          <p:cNvGrpSpPr/>
+          <p:nvPr/>
+        </p:nvGrpSpPr>
+        <p:grpSpPr>
+          <a:xfrm rot="16200000" flipV="1">
+            <a:off x="2763032" y="3561768"/>
+            <a:ext cx="981204" cy="531368"/>
+            <a:chOff x="448759" y="4061637"/>
+            <a:chExt cx="2973562" cy="0"/>
+          </a:xfrm>
+        </p:grpSpPr>
+        <p:cxnSp>
+          <p:nvCxnSpPr>
+            <p:cNvPr id="57" name="Straight Arrow Connector 56">
+              <a:extLst>
+                <a:ext uri="{FF2B5EF4-FFF2-40B4-BE49-F238E27FC236}">
+                  <a16:creationId xmlns:a16="http://schemas.microsoft.com/office/drawing/2014/main" id="{86C106DC-8BEC-B94A-9CA0-DD53C7D20965}"/>
+                </a:ext>
+              </a:extLst>
+            </p:cNvPr>
+            <p:cNvCxnSpPr>
+              <a:cxnSpLocks/>
+            </p:cNvCxnSpPr>
+            <p:nvPr/>
+          </p:nvCxnSpPr>
+          <p:spPr>
+            <a:xfrm>
+              <a:off x="448759" y="4061637"/>
+              <a:ext cx="1493453" cy="0"/>
+            </a:xfrm>
+            <a:prstGeom prst="straightConnector1">
+              <a:avLst/>
+            </a:prstGeom>
+            <a:ln w="38100">
+              <a:solidFill>
+                <a:schemeClr val="accent2"/>
+              </a:solidFill>
+              <a:tailEnd type="stealth" w="lg" len="lg"/>
+            </a:ln>
+          </p:spPr>
+          <p:style>
+            <a:lnRef idx="1">
+              <a:schemeClr val="accent1"/>
+            </a:lnRef>
+            <a:fillRef idx="0">
+              <a:schemeClr val="accent1"/>
+            </a:fillRef>
+            <a:effectRef idx="0">
+              <a:schemeClr val="accent1"/>
+            </a:effectRef>
+            <a:fontRef idx="minor">
+              <a:schemeClr val="tx1"/>
+            </a:fontRef>
+          </p:style>
+        </p:cxnSp>
+        <p:cxnSp>
+          <p:nvCxnSpPr>
+            <p:cNvPr id="58" name="Straight Arrow Connector 57">
+              <a:extLst>
+                <a:ext uri="{FF2B5EF4-FFF2-40B4-BE49-F238E27FC236}">
+                  <a16:creationId xmlns:a16="http://schemas.microsoft.com/office/drawing/2014/main" id="{14FF21CD-939A-214E-A2B6-AE545632D649}"/>
+                </a:ext>
+              </a:extLst>
+            </p:cNvPr>
+            <p:cNvCxnSpPr>
+              <a:cxnSpLocks/>
+            </p:cNvCxnSpPr>
+            <p:nvPr/>
+          </p:nvCxnSpPr>
+          <p:spPr>
+            <a:xfrm>
+              <a:off x="1928868" y="4061637"/>
+              <a:ext cx="1493453" cy="0"/>
+            </a:xfrm>
+            <a:prstGeom prst="straightConnector1">
+              <a:avLst/>
+            </a:prstGeom>
+            <a:ln w="38100">
+              <a:solidFill>
+                <a:schemeClr val="accent2"/>
+              </a:solidFill>
+              <a:tailEnd type="none" w="lg" len="lg"/>
+            </a:ln>
+          </p:spPr>
+          <p:style>
+            <a:lnRef idx="1">
+              <a:schemeClr val="accent1"/>
+            </a:lnRef>
+            <a:fillRef idx="0">
+              <a:schemeClr val="accent1"/>
+            </a:fillRef>
+            <a:effectRef idx="0">
+              <a:schemeClr val="accent1"/>
+            </a:effectRef>
+            <a:fontRef idx="minor">
+              <a:schemeClr val="tx1"/>
+            </a:fontRef>
+          </p:style>
+        </p:cxnSp>
+      </p:grpSp>
+      <p:grpSp>
+        <p:nvGrpSpPr>
+          <p:cNvPr id="59" name="Group 58">
+            <a:extLst>
+              <a:ext uri="{FF2B5EF4-FFF2-40B4-BE49-F238E27FC236}">
+                <a16:creationId xmlns:a16="http://schemas.microsoft.com/office/drawing/2014/main" id="{17453530-0FB2-2C44-9E11-2AF1CEAECE5E}"/>
+              </a:ext>
+            </a:extLst>
+          </p:cNvPr>
+          <p:cNvGrpSpPr/>
+          <p:nvPr/>
+        </p:nvGrpSpPr>
+        <p:grpSpPr>
+          <a:xfrm rot="10800000">
+            <a:off x="533412" y="5949507"/>
+            <a:ext cx="2973562" cy="0"/>
+            <a:chOff x="448759" y="4061637"/>
+            <a:chExt cx="2973562" cy="0"/>
+          </a:xfrm>
+        </p:grpSpPr>
+        <p:cxnSp>
+          <p:nvCxnSpPr>
+            <p:cNvPr id="60" name="Straight Arrow Connector 59">
+              <a:extLst>
+                <a:ext uri="{FF2B5EF4-FFF2-40B4-BE49-F238E27FC236}">
+                  <a16:creationId xmlns:a16="http://schemas.microsoft.com/office/drawing/2014/main" id="{2B898338-6667-EB4B-8FA9-D3053546DF04}"/>
+                </a:ext>
+              </a:extLst>
+            </p:cNvPr>
+            <p:cNvCxnSpPr>
+              <a:cxnSpLocks/>
+            </p:cNvCxnSpPr>
+            <p:nvPr/>
+          </p:nvCxnSpPr>
+          <p:spPr>
+            <a:xfrm>
+              <a:off x="448759" y="4061637"/>
+              <a:ext cx="1493453" cy="0"/>
+            </a:xfrm>
+            <a:prstGeom prst="straightConnector1">
+              <a:avLst/>
+            </a:prstGeom>
+            <a:ln w="38100">
+              <a:solidFill>
+                <a:schemeClr val="accent1">
+                  <a:lumMod val="60000"/>
+                  <a:lumOff val="40000"/>
+                </a:schemeClr>
+              </a:solidFill>
+              <a:tailEnd type="stealth" w="lg" len="lg"/>
+            </a:ln>
+          </p:spPr>
+          <p:style>
+            <a:lnRef idx="1">
+              <a:schemeClr val="accent1"/>
+            </a:lnRef>
+            <a:fillRef idx="0">
+              <a:schemeClr val="accent1"/>
+            </a:fillRef>
+            <a:effectRef idx="0">
+              <a:schemeClr val="accent1"/>
+            </a:effectRef>
+            <a:fontRef idx="minor">
+              <a:schemeClr val="tx1"/>
+            </a:fontRef>
+          </p:style>
+        </p:cxnSp>
+        <p:cxnSp>
+          <p:nvCxnSpPr>
+            <p:cNvPr id="61" name="Straight Arrow Connector 60">
+              <a:extLst>
+                <a:ext uri="{FF2B5EF4-FFF2-40B4-BE49-F238E27FC236}">
+                  <a16:creationId xmlns:a16="http://schemas.microsoft.com/office/drawing/2014/main" id="{2F706FDC-1323-0247-A950-C7A7D5F8FC38}"/>
+                </a:ext>
+              </a:extLst>
+            </p:cNvPr>
+            <p:cNvCxnSpPr>
+              <a:cxnSpLocks/>
+            </p:cNvCxnSpPr>
+            <p:nvPr/>
+          </p:nvCxnSpPr>
+          <p:spPr>
+            <a:xfrm>
+              <a:off x="1928868" y="4061637"/>
+              <a:ext cx="1493453" cy="0"/>
+            </a:xfrm>
+            <a:prstGeom prst="straightConnector1">
+              <a:avLst/>
+            </a:prstGeom>
+            <a:ln w="38100">
+              <a:solidFill>
+                <a:schemeClr val="accent1">
+                  <a:lumMod val="60000"/>
+                  <a:lumOff val="40000"/>
+                </a:schemeClr>
+              </a:solidFill>
+              <a:tailEnd type="none" w="lg" len="lg"/>
+            </a:ln>
+          </p:spPr>
+          <p:style>
+            <a:lnRef idx="1">
+              <a:schemeClr val="accent1"/>
+            </a:lnRef>
+            <a:fillRef idx="0">
+              <a:schemeClr val="accent1"/>
+            </a:fillRef>
+            <a:effectRef idx="0">
+              <a:schemeClr val="accent1"/>
+            </a:effectRef>
+            <a:fontRef idx="minor">
+              <a:schemeClr val="tx1"/>
+            </a:fontRef>
+          </p:style>
+        </p:cxnSp>
+      </p:grpSp>
+      <p:grpSp>
+        <p:nvGrpSpPr>
+          <p:cNvPr id="62" name="Group 61">
+            <a:extLst>
+              <a:ext uri="{FF2B5EF4-FFF2-40B4-BE49-F238E27FC236}">
+                <a16:creationId xmlns:a16="http://schemas.microsoft.com/office/drawing/2014/main" id="{C4F06844-9572-BF47-9FE9-69BBFC6468FA}"/>
+              </a:ext>
+            </a:extLst>
+          </p:cNvPr>
+          <p:cNvGrpSpPr/>
+          <p:nvPr/>
+        </p:nvGrpSpPr>
+        <p:grpSpPr>
+          <a:xfrm rot="10800000">
+            <a:off x="3556347" y="5927061"/>
+            <a:ext cx="2973562" cy="0"/>
+            <a:chOff x="448759" y="4061637"/>
+            <a:chExt cx="2973562" cy="0"/>
+          </a:xfrm>
+        </p:grpSpPr>
+        <p:cxnSp>
+          <p:nvCxnSpPr>
+            <p:cNvPr id="63" name="Straight Arrow Connector 62">
+              <a:extLst>
+                <a:ext uri="{FF2B5EF4-FFF2-40B4-BE49-F238E27FC236}">
+                  <a16:creationId xmlns:a16="http://schemas.microsoft.com/office/drawing/2014/main" id="{7AFF64A9-1147-F849-98EE-4D395D1FE213}"/>
+                </a:ext>
+              </a:extLst>
+            </p:cNvPr>
+            <p:cNvCxnSpPr>
+              <a:cxnSpLocks/>
+            </p:cNvCxnSpPr>
+            <p:nvPr/>
+          </p:nvCxnSpPr>
+          <p:spPr>
+            <a:xfrm>
+              <a:off x="448759" y="4061637"/>
+              <a:ext cx="1493453" cy="0"/>
+            </a:xfrm>
+            <a:prstGeom prst="straightConnector1">
+              <a:avLst/>
+            </a:prstGeom>
+            <a:ln w="38100">
+              <a:solidFill>
+                <a:schemeClr val="accent2"/>
+              </a:solidFill>
+              <a:tailEnd type="stealth" w="lg" len="lg"/>
+            </a:ln>
+          </p:spPr>
+          <p:style>
+            <a:lnRef idx="1">
+              <a:schemeClr val="accent1"/>
+            </a:lnRef>
+            <a:fillRef idx="0">
+              <a:schemeClr val="accent1"/>
+            </a:fillRef>
+            <a:effectRef idx="0">
+              <a:schemeClr val="accent1"/>
+            </a:effectRef>
+            <a:fontRef idx="minor">
+              <a:schemeClr val="tx1"/>
+            </a:fontRef>
+          </p:style>
+        </p:cxnSp>
+        <p:cxnSp>
+          <p:nvCxnSpPr>
+            <p:cNvPr id="64" name="Straight Arrow Connector 63">
+              <a:extLst>
+                <a:ext uri="{FF2B5EF4-FFF2-40B4-BE49-F238E27FC236}">
+                  <a16:creationId xmlns:a16="http://schemas.microsoft.com/office/drawing/2014/main" id="{148B3F88-2AF0-1347-9A5E-2E340127C9A1}"/>
+                </a:ext>
+              </a:extLst>
+            </p:cNvPr>
+            <p:cNvCxnSpPr>
+              <a:cxnSpLocks/>
+            </p:cNvCxnSpPr>
+            <p:nvPr/>
+          </p:nvCxnSpPr>
+          <p:spPr>
+            <a:xfrm>
+              <a:off x="1928868" y="4061637"/>
+              <a:ext cx="1493453" cy="0"/>
+            </a:xfrm>
+            <a:prstGeom prst="straightConnector1">
+              <a:avLst/>
+            </a:prstGeom>
+            <a:ln w="38100">
+              <a:solidFill>
+                <a:schemeClr val="accent2"/>
+              </a:solidFill>
+              <a:tailEnd type="none" w="lg" len="lg"/>
+            </a:ln>
+          </p:spPr>
+          <p:style>
+            <a:lnRef idx="1">
+              <a:schemeClr val="accent1"/>
+            </a:lnRef>
+            <a:fillRef idx="0">
+              <a:schemeClr val="accent1"/>
+            </a:fillRef>
+            <a:effectRef idx="0">
+              <a:schemeClr val="accent1"/>
+            </a:effectRef>
+            <a:fontRef idx="minor">
+              <a:schemeClr val="tx1"/>
+            </a:fontRef>
+          </p:style>
+        </p:cxnSp>
+      </p:grpSp>
+      <p:grpSp>
+        <p:nvGrpSpPr>
+          <p:cNvPr id="65" name="Group 64">
+            <a:extLst>
+              <a:ext uri="{FF2B5EF4-FFF2-40B4-BE49-F238E27FC236}">
+                <a16:creationId xmlns:a16="http://schemas.microsoft.com/office/drawing/2014/main" id="{31E0CA95-C97D-D548-A9A8-D83358F6B9C8}"/>
+              </a:ext>
+            </a:extLst>
+          </p:cNvPr>
+          <p:cNvGrpSpPr/>
+          <p:nvPr/>
+        </p:nvGrpSpPr>
+        <p:grpSpPr>
+          <a:xfrm rot="5400000" flipV="1">
+            <a:off x="5322982" y="4309862"/>
+            <a:ext cx="2711307" cy="531368"/>
+            <a:chOff x="448759" y="4061637"/>
+            <a:chExt cx="2973562" cy="0"/>
+          </a:xfrm>
+        </p:grpSpPr>
+        <p:cxnSp>
+          <p:nvCxnSpPr>
+            <p:cNvPr id="66" name="Straight Arrow Connector 65">
+              <a:extLst>
+                <a:ext uri="{FF2B5EF4-FFF2-40B4-BE49-F238E27FC236}">
+                  <a16:creationId xmlns:a16="http://schemas.microsoft.com/office/drawing/2014/main" id="{D00FEFE8-577A-0F45-89BD-77078E7F33EB}"/>
+                </a:ext>
+              </a:extLst>
+            </p:cNvPr>
+            <p:cNvCxnSpPr>
+              <a:cxnSpLocks/>
+            </p:cNvCxnSpPr>
+            <p:nvPr/>
+          </p:nvCxnSpPr>
+          <p:spPr>
+            <a:xfrm>
+              <a:off x="448759" y="4061637"/>
+              <a:ext cx="1493453" cy="0"/>
+            </a:xfrm>
+            <a:prstGeom prst="straightConnector1">
+              <a:avLst/>
+            </a:prstGeom>
+            <a:ln w="38100">
+              <a:solidFill>
+                <a:schemeClr val="accent2"/>
+              </a:solidFill>
+              <a:tailEnd type="stealth" w="lg" len="lg"/>
+            </a:ln>
+          </p:spPr>
+          <p:style>
+            <a:lnRef idx="1">
+              <a:schemeClr val="accent1"/>
+            </a:lnRef>
+            <a:fillRef idx="0">
+              <a:schemeClr val="accent1"/>
+            </a:fillRef>
+            <a:effectRef idx="0">
+              <a:schemeClr val="accent1"/>
+            </a:effectRef>
+            <a:fontRef idx="minor">
+              <a:schemeClr val="tx1"/>
+            </a:fontRef>
+          </p:style>
+        </p:cxnSp>
+        <p:cxnSp>
+          <p:nvCxnSpPr>
+            <p:cNvPr id="67" name="Straight Arrow Connector 66">
+              <a:extLst>
+                <a:ext uri="{FF2B5EF4-FFF2-40B4-BE49-F238E27FC236}">
+                  <a16:creationId xmlns:a16="http://schemas.microsoft.com/office/drawing/2014/main" id="{EB00FE32-F183-C74E-BC45-131703A96C92}"/>
+                </a:ext>
+              </a:extLst>
+            </p:cNvPr>
+            <p:cNvCxnSpPr>
+              <a:cxnSpLocks/>
+            </p:cNvCxnSpPr>
+            <p:nvPr/>
+          </p:nvCxnSpPr>
+          <p:spPr>
+            <a:xfrm>
+              <a:off x="1928868" y="4061637"/>
+              <a:ext cx="1493453" cy="0"/>
+            </a:xfrm>
+            <a:prstGeom prst="straightConnector1">
+              <a:avLst/>
+            </a:prstGeom>
+            <a:ln w="38100">
+              <a:solidFill>
+                <a:schemeClr val="accent2"/>
+              </a:solidFill>
+              <a:tailEnd type="none" w="lg" len="lg"/>
+            </a:ln>
+          </p:spPr>
+          <p:style>
+            <a:lnRef idx="1">
+              <a:schemeClr val="accent1"/>
+            </a:lnRef>
+            <a:fillRef idx="0">
+              <a:schemeClr val="accent1"/>
+            </a:fillRef>
+            <a:effectRef idx="0">
+              <a:schemeClr val="accent1"/>
+            </a:effectRef>
+            <a:fontRef idx="minor">
+              <a:schemeClr val="tx1"/>
+            </a:fontRef>
+          </p:style>
+        </p:cxnSp>
+      </p:grpSp>
+      <p:grpSp>
+        <p:nvGrpSpPr>
+          <p:cNvPr id="68" name="Group 67">
+            <a:extLst>
+              <a:ext uri="{FF2B5EF4-FFF2-40B4-BE49-F238E27FC236}">
+                <a16:creationId xmlns:a16="http://schemas.microsoft.com/office/drawing/2014/main" id="{71D96EE3-6898-1942-8D16-2E6426111A1A}"/>
+              </a:ext>
+            </a:extLst>
+          </p:cNvPr>
+          <p:cNvGrpSpPr/>
+          <p:nvPr/>
+        </p:nvGrpSpPr>
+        <p:grpSpPr>
+          <a:xfrm rot="16200000" flipV="1">
+            <a:off x="-1143724" y="4395512"/>
+            <a:ext cx="2818817" cy="531368"/>
+            <a:chOff x="448759" y="4061637"/>
+            <a:chExt cx="2973562" cy="0"/>
+          </a:xfrm>
+        </p:grpSpPr>
+        <p:cxnSp>
+          <p:nvCxnSpPr>
+            <p:cNvPr id="69" name="Straight Arrow Connector 68">
+              <a:extLst>
+                <a:ext uri="{FF2B5EF4-FFF2-40B4-BE49-F238E27FC236}">
+                  <a16:creationId xmlns:a16="http://schemas.microsoft.com/office/drawing/2014/main" id="{9B4BE9EF-4848-4846-942B-CBB6A0EA63C8}"/>
+                </a:ext>
+              </a:extLst>
+            </p:cNvPr>
+            <p:cNvCxnSpPr>
+              <a:cxnSpLocks/>
+            </p:cNvCxnSpPr>
+            <p:nvPr/>
+          </p:nvCxnSpPr>
+          <p:spPr>
+            <a:xfrm>
+              <a:off x="448759" y="4061637"/>
+              <a:ext cx="1493453" cy="0"/>
+            </a:xfrm>
+            <a:prstGeom prst="straightConnector1">
+              <a:avLst/>
+            </a:prstGeom>
+            <a:ln w="38100">
+              <a:solidFill>
+                <a:schemeClr val="accent1">
+                  <a:lumMod val="60000"/>
+                  <a:lumOff val="40000"/>
+                </a:schemeClr>
+              </a:solidFill>
+              <a:tailEnd type="stealth" w="lg" len="lg"/>
+            </a:ln>
+          </p:spPr>
+          <p:style>
+            <a:lnRef idx="1">
+              <a:schemeClr val="accent1"/>
+            </a:lnRef>
+            <a:fillRef idx="0">
+              <a:schemeClr val="accent1"/>
+            </a:fillRef>
+            <a:effectRef idx="0">
+              <a:schemeClr val="accent1"/>
+            </a:effectRef>
+            <a:fontRef idx="minor">
+              <a:schemeClr val="tx1"/>
+            </a:fontRef>
+          </p:style>
+        </p:cxnSp>
+        <p:cxnSp>
+          <p:nvCxnSpPr>
+            <p:cNvPr id="70" name="Straight Arrow Connector 69">
+              <a:extLst>
+                <a:ext uri="{FF2B5EF4-FFF2-40B4-BE49-F238E27FC236}">
+                  <a16:creationId xmlns:a16="http://schemas.microsoft.com/office/drawing/2014/main" id="{8ED167AB-FA00-C34F-974E-7DC5A998465B}"/>
+                </a:ext>
+              </a:extLst>
+            </p:cNvPr>
+            <p:cNvCxnSpPr>
+              <a:cxnSpLocks/>
+            </p:cNvCxnSpPr>
+            <p:nvPr/>
+          </p:nvCxnSpPr>
+          <p:spPr>
+            <a:xfrm>
+              <a:off x="1928868" y="4061637"/>
+              <a:ext cx="1493453" cy="0"/>
+            </a:xfrm>
+            <a:prstGeom prst="straightConnector1">
+              <a:avLst/>
+            </a:prstGeom>
+            <a:ln w="38100">
+              <a:solidFill>
+                <a:schemeClr val="accent1">
+                  <a:lumMod val="60000"/>
+                  <a:lumOff val="40000"/>
+                </a:schemeClr>
+              </a:solidFill>
+              <a:tailEnd type="none" w="lg" len="lg"/>
+            </a:ln>
+          </p:spPr>
+          <p:style>
+            <a:lnRef idx="1">
+              <a:schemeClr val="accent1"/>
+            </a:lnRef>
+            <a:fillRef idx="0">
+              <a:schemeClr val="accent1"/>
+            </a:fillRef>
+            <a:effectRef idx="0">
+              <a:schemeClr val="accent1"/>
+            </a:effectRef>
+            <a:fontRef idx="minor">
+              <a:schemeClr val="tx1"/>
+            </a:fontRef>
+          </p:style>
+        </p:cxnSp>
+      </p:grpSp>
+      <p:sp>
+        <p:nvSpPr>
+          <p:cNvPr id="71" name="Oval 70">
+            <a:extLst>
+              <a:ext uri="{FF2B5EF4-FFF2-40B4-BE49-F238E27FC236}">
+                <a16:creationId xmlns:a16="http://schemas.microsoft.com/office/drawing/2014/main" id="{FC62EAB5-2E6B-EF4F-9A25-5AECDAB7C632}"/>
+              </a:ext>
+            </a:extLst>
+          </p:cNvPr>
+          <p:cNvSpPr/>
+          <p:nvPr/>
+        </p:nvSpPr>
+        <p:spPr>
+          <a:xfrm>
+            <a:off x="391390" y="3108251"/>
+            <a:ext cx="233916" cy="233916"/>
+          </a:xfrm>
+          <a:prstGeom prst="ellipse">
+            <a:avLst/>
+          </a:prstGeom>
+          <a:solidFill>
+            <a:schemeClr val="tx1"/>
+          </a:solidFill>
+        </p:spPr>
+        <p:style>
+          <a:lnRef idx="2">
+            <a:schemeClr val="accent1">
+              <a:shade val="50000"/>
+            </a:schemeClr>
+          </a:lnRef>
+          <a:fillRef idx="1">
+            <a:schemeClr val="accent1"/>
+          </a:fillRef>
+          <a:effectRef idx="0">
+            <a:schemeClr val="accent1"/>
+          </a:effectRef>
+          <a:fontRef idx="minor">
+            <a:schemeClr val="lt1"/>
+          </a:fontRef>
+        </p:style>
+        <p:txBody>
+          <a:bodyPr rtlCol="0" anchor="ctr"/>
+          <a:lstStyle/>
+          <a:p>
+            <a:pPr algn="ctr"/>
+            <a:endParaRPr lang="en-US"/>
+          </a:p>
+        </p:txBody>
+      </p:sp>
+      <p:sp>
+        <p:nvSpPr>
+          <p:cNvPr id="72" name="Oval 71">
+            <a:extLst>
+              <a:ext uri="{FF2B5EF4-FFF2-40B4-BE49-F238E27FC236}">
+                <a16:creationId xmlns:a16="http://schemas.microsoft.com/office/drawing/2014/main" id="{261A9155-690D-D849-ACF0-7194F10F735B}"/>
+              </a:ext>
+            </a:extLst>
+          </p:cNvPr>
+          <p:cNvSpPr/>
+          <p:nvPr/>
+        </p:nvSpPr>
+        <p:spPr>
+          <a:xfrm>
+            <a:off x="391390" y="5823099"/>
+            <a:ext cx="233916" cy="233916"/>
+          </a:xfrm>
+          <a:prstGeom prst="ellipse">
+            <a:avLst/>
+          </a:prstGeom>
+          <a:solidFill>
+            <a:schemeClr val="tx1"/>
+          </a:solidFill>
+        </p:spPr>
+        <p:style>
+          <a:lnRef idx="2">
+            <a:schemeClr val="accent1">
+              <a:shade val="50000"/>
+            </a:schemeClr>
+          </a:lnRef>
+          <a:fillRef idx="1">
+            <a:schemeClr val="accent1"/>
+          </a:fillRef>
+          <a:effectRef idx="0">
+            <a:schemeClr val="accent1"/>
+          </a:effectRef>
+          <a:fontRef idx="minor">
+            <a:schemeClr val="lt1"/>
+          </a:fontRef>
+        </p:style>
+        <p:txBody>
+          <a:bodyPr rtlCol="0" anchor="ctr"/>
+          <a:lstStyle/>
+          <a:p>
+            <a:pPr algn="ctr"/>
+            <a:endParaRPr lang="en-US"/>
+          </a:p>
+        </p:txBody>
+      </p:sp>
+      <p:sp>
+        <p:nvSpPr>
+          <p:cNvPr id="73" name="Oval 72">
+            <a:extLst>
+              <a:ext uri="{FF2B5EF4-FFF2-40B4-BE49-F238E27FC236}">
+                <a16:creationId xmlns:a16="http://schemas.microsoft.com/office/drawing/2014/main" id="{E0D5A116-8CC2-4947-A470-7141286AB53C}"/>
+              </a:ext>
+            </a:extLst>
+          </p:cNvPr>
+          <p:cNvSpPr/>
+          <p:nvPr/>
+        </p:nvSpPr>
+        <p:spPr>
+          <a:xfrm>
+            <a:off x="3327478" y="5816010"/>
+            <a:ext cx="233916" cy="233916"/>
+          </a:xfrm>
+          <a:prstGeom prst="ellipse">
+            <a:avLst/>
+          </a:prstGeom>
+          <a:solidFill>
+            <a:schemeClr val="tx1"/>
+          </a:solidFill>
+        </p:spPr>
+        <p:style>
+          <a:lnRef idx="2">
+            <a:schemeClr val="accent1">
+              <a:shade val="50000"/>
+            </a:schemeClr>
+          </a:lnRef>
+          <a:fillRef idx="1">
+            <a:schemeClr val="accent1"/>
+          </a:fillRef>
+          <a:effectRef idx="0">
+            <a:schemeClr val="accent1"/>
+          </a:effectRef>
+          <a:fontRef idx="minor">
+            <a:schemeClr val="lt1"/>
+          </a:fontRef>
+        </p:style>
+        <p:txBody>
+          <a:bodyPr rtlCol="0" anchor="ctr"/>
+          <a:lstStyle/>
+          <a:p>
+            <a:pPr algn="ctr"/>
+            <a:endParaRPr lang="en-US"/>
+          </a:p>
+        </p:txBody>
+      </p:sp>
+      <p:sp>
+        <p:nvSpPr>
+          <p:cNvPr id="74" name="Oval 73">
+            <a:extLst>
+              <a:ext uri="{FF2B5EF4-FFF2-40B4-BE49-F238E27FC236}">
+                <a16:creationId xmlns:a16="http://schemas.microsoft.com/office/drawing/2014/main" id="{BEFD4295-6B36-DF48-83F2-84F4779754F3}"/>
+              </a:ext>
+            </a:extLst>
+          </p:cNvPr>
+          <p:cNvSpPr/>
+          <p:nvPr/>
+        </p:nvSpPr>
+        <p:spPr>
+          <a:xfrm>
+            <a:off x="6298866" y="5823099"/>
+            <a:ext cx="233916" cy="233916"/>
+          </a:xfrm>
+          <a:prstGeom prst="ellipse">
+            <a:avLst/>
+          </a:prstGeom>
+          <a:solidFill>
+            <a:schemeClr val="tx1"/>
+          </a:solidFill>
+        </p:spPr>
+        <p:style>
+          <a:lnRef idx="2">
+            <a:schemeClr val="accent1">
+              <a:shade val="50000"/>
+            </a:schemeClr>
+          </a:lnRef>
+          <a:fillRef idx="1">
+            <a:schemeClr val="accent1"/>
+          </a:fillRef>
+          <a:effectRef idx="0">
+            <a:schemeClr val="accent1"/>
+          </a:effectRef>
+          <a:fontRef idx="minor">
+            <a:schemeClr val="lt1"/>
+          </a:fontRef>
+        </p:style>
+        <p:txBody>
+          <a:bodyPr rtlCol="0" anchor="ctr"/>
+          <a:lstStyle/>
+          <a:p>
+            <a:pPr algn="ctr"/>
+            <a:endParaRPr lang="en-US"/>
+          </a:p>
+        </p:txBody>
+      </p:sp>
+      <p:sp>
+        <p:nvSpPr>
+          <p:cNvPr id="75" name="Oval 74">
+            <a:extLst>
+              <a:ext uri="{FF2B5EF4-FFF2-40B4-BE49-F238E27FC236}">
+                <a16:creationId xmlns:a16="http://schemas.microsoft.com/office/drawing/2014/main" id="{FD392DEE-4C51-C84C-BDE4-F52D39294C37}"/>
+              </a:ext>
+            </a:extLst>
+          </p:cNvPr>
+          <p:cNvSpPr/>
+          <p:nvPr/>
+        </p:nvSpPr>
+        <p:spPr>
+          <a:xfrm>
+            <a:off x="3327478" y="3102934"/>
+            <a:ext cx="233916" cy="233916"/>
+          </a:xfrm>
+          <a:prstGeom prst="ellipse">
+            <a:avLst/>
+          </a:prstGeom>
+          <a:solidFill>
+            <a:schemeClr val="tx1"/>
+          </a:solidFill>
+        </p:spPr>
+        <p:style>
+          <a:lnRef idx="2">
+            <a:schemeClr val="accent1">
+              <a:shade val="50000"/>
+            </a:schemeClr>
+          </a:lnRef>
+          <a:fillRef idx="1">
+            <a:schemeClr val="accent1"/>
+          </a:fillRef>
+          <a:effectRef idx="0">
+            <a:schemeClr val="accent1"/>
+          </a:effectRef>
+          <a:fontRef idx="minor">
+            <a:schemeClr val="lt1"/>
+          </a:fontRef>
+        </p:style>
+        <p:txBody>
+          <a:bodyPr rtlCol="0" anchor="ctr"/>
+          <a:lstStyle/>
+          <a:p>
+            <a:pPr algn="ctr"/>
+            <a:endParaRPr lang="en-US"/>
+          </a:p>
+        </p:txBody>
+      </p:sp>
+      <p:sp>
+        <p:nvSpPr>
+          <p:cNvPr id="76" name="Oval 75">
+            <a:extLst>
+              <a:ext uri="{FF2B5EF4-FFF2-40B4-BE49-F238E27FC236}">
+                <a16:creationId xmlns:a16="http://schemas.microsoft.com/office/drawing/2014/main" id="{63D9D20E-5A4F-A244-A6BD-BEB190C66DA0}"/>
+              </a:ext>
+            </a:extLst>
+          </p:cNvPr>
+          <p:cNvSpPr/>
+          <p:nvPr/>
+        </p:nvSpPr>
+        <p:spPr>
+          <a:xfrm>
+            <a:off x="6310180" y="3102934"/>
+            <a:ext cx="233916" cy="233916"/>
+          </a:xfrm>
+          <a:prstGeom prst="ellipse">
+            <a:avLst/>
+          </a:prstGeom>
+          <a:solidFill>
+            <a:schemeClr val="tx1"/>
+          </a:solidFill>
+        </p:spPr>
+        <p:style>
+          <a:lnRef idx="2">
+            <a:schemeClr val="accent1">
+              <a:shade val="50000"/>
+            </a:schemeClr>
+          </a:lnRef>
+          <a:fillRef idx="1">
+            <a:schemeClr val="accent1"/>
+          </a:fillRef>
+          <a:effectRef idx="0">
+            <a:schemeClr val="accent1"/>
+          </a:effectRef>
+          <a:fontRef idx="minor">
+            <a:schemeClr val="lt1"/>
+          </a:fontRef>
+        </p:style>
+        <p:txBody>
+          <a:bodyPr rtlCol="0" anchor="ctr"/>
+          <a:lstStyle/>
+          <a:p>
+            <a:pPr algn="ctr"/>
+            <a:endParaRPr lang="en-US"/>
+          </a:p>
+        </p:txBody>
+      </p:sp>
+      <p:grpSp>
+        <p:nvGrpSpPr>
+          <p:cNvPr id="77" name="Group 76">
+            <a:extLst>
+              <a:ext uri="{FF2B5EF4-FFF2-40B4-BE49-F238E27FC236}">
+                <a16:creationId xmlns:a16="http://schemas.microsoft.com/office/drawing/2014/main" id="{CFD0ED7A-53BF-574E-A150-2CA6503999F5}"/>
+              </a:ext>
+            </a:extLst>
+          </p:cNvPr>
+          <p:cNvGrpSpPr/>
+          <p:nvPr/>
+        </p:nvGrpSpPr>
+        <p:grpSpPr>
+          <a:xfrm>
+            <a:off x="211172" y="2595546"/>
+            <a:ext cx="6690348" cy="3972167"/>
+            <a:chOff x="2391912" y="2299724"/>
+            <a:chExt cx="6690348" cy="3972167"/>
+          </a:xfrm>
+        </p:grpSpPr>
+        <p:sp>
+          <p:nvSpPr>
+            <p:cNvPr id="78" name="TextBox 77">
+              <a:extLst>
+                <a:ext uri="{FF2B5EF4-FFF2-40B4-BE49-F238E27FC236}">
+                  <a16:creationId xmlns:a16="http://schemas.microsoft.com/office/drawing/2014/main" id="{C61D973D-3B0D-1848-95C3-D28DCF40758D}"/>
+                </a:ext>
+              </a:extLst>
+            </p:cNvPr>
+            <p:cNvSpPr txBox="1"/>
+            <p:nvPr/>
+          </p:nvSpPr>
+          <p:spPr>
+            <a:xfrm>
+              <a:off x="2515754" y="2312130"/>
+              <a:ext cx="453530" cy="523220"/>
+            </a:xfrm>
+            <a:prstGeom prst="rect">
+              <a:avLst/>
+            </a:prstGeom>
+            <a:noFill/>
+          </p:spPr>
+          <p:txBody>
+            <a:bodyPr wrap="square" rtlCol="0">
+              <a:spAutoFit/>
+            </a:bodyPr>
+            <a:lstStyle/>
+            <a:p>
+              <a:r>
+                <a:rPr lang="en-US" sz="2800" dirty="0"/>
+                <a:t>0</a:t>
+              </a:r>
+            </a:p>
+          </p:txBody>
+        </p:sp>
+        <p:sp>
+          <p:nvSpPr>
+            <p:cNvPr id="79" name="TextBox 78">
+              <a:extLst>
+                <a:ext uri="{FF2B5EF4-FFF2-40B4-BE49-F238E27FC236}">
+                  <a16:creationId xmlns:a16="http://schemas.microsoft.com/office/drawing/2014/main" id="{B46A661A-47BF-7340-9EA0-8DBB0BCB9937}"/>
+                </a:ext>
+              </a:extLst>
+            </p:cNvPr>
+            <p:cNvSpPr txBox="1"/>
+            <p:nvPr/>
+          </p:nvSpPr>
+          <p:spPr>
+            <a:xfrm>
+              <a:off x="5561649" y="2299724"/>
+              <a:ext cx="453530" cy="523220"/>
+            </a:xfrm>
+            <a:prstGeom prst="rect">
+              <a:avLst/>
+            </a:prstGeom>
+            <a:noFill/>
+          </p:spPr>
+          <p:txBody>
+            <a:bodyPr wrap="square" rtlCol="0">
+              <a:spAutoFit/>
+            </a:bodyPr>
+            <a:lstStyle/>
+            <a:p>
+              <a:r>
+                <a:rPr lang="en-US" sz="2800" dirty="0"/>
+                <a:t>1</a:t>
+              </a:r>
+            </a:p>
+          </p:txBody>
+        </p:sp>
+        <p:sp>
+          <p:nvSpPr>
+            <p:cNvPr id="80" name="TextBox 79">
+              <a:extLst>
+                <a:ext uri="{FF2B5EF4-FFF2-40B4-BE49-F238E27FC236}">
+                  <a16:creationId xmlns:a16="http://schemas.microsoft.com/office/drawing/2014/main" id="{7A013FEC-316B-3A48-8CBD-33DF8E33419C}"/>
+                </a:ext>
+              </a:extLst>
+            </p:cNvPr>
+            <p:cNvSpPr txBox="1"/>
+            <p:nvPr/>
+          </p:nvSpPr>
+          <p:spPr>
+            <a:xfrm>
+              <a:off x="8604680" y="2364406"/>
+              <a:ext cx="453530" cy="523220"/>
+            </a:xfrm>
+            <a:prstGeom prst="rect">
+              <a:avLst/>
+            </a:prstGeom>
+            <a:noFill/>
+          </p:spPr>
+          <p:txBody>
+            <a:bodyPr wrap="square" rtlCol="0">
+              <a:spAutoFit/>
+            </a:bodyPr>
+            <a:lstStyle/>
+            <a:p>
+              <a:r>
+                <a:rPr lang="en-US" sz="2800" dirty="0"/>
+                <a:t>2</a:t>
+              </a:r>
+            </a:p>
+          </p:txBody>
+        </p:sp>
+        <p:sp>
+          <p:nvSpPr>
+            <p:cNvPr id="81" name="TextBox 80">
+              <a:extLst>
+                <a:ext uri="{FF2B5EF4-FFF2-40B4-BE49-F238E27FC236}">
+                  <a16:creationId xmlns:a16="http://schemas.microsoft.com/office/drawing/2014/main" id="{40DB5EB5-80F8-E443-AD3F-5756A87F44BD}"/>
+                </a:ext>
+              </a:extLst>
+            </p:cNvPr>
+            <p:cNvSpPr txBox="1"/>
+            <p:nvPr/>
+          </p:nvSpPr>
+          <p:spPr>
+            <a:xfrm>
+              <a:off x="8628730" y="5717660"/>
+              <a:ext cx="453530" cy="523220"/>
+            </a:xfrm>
+            <a:prstGeom prst="rect">
+              <a:avLst/>
+            </a:prstGeom>
+            <a:noFill/>
+          </p:spPr>
+          <p:txBody>
+            <a:bodyPr wrap="square" rtlCol="0">
+              <a:spAutoFit/>
+            </a:bodyPr>
+            <a:lstStyle/>
+            <a:p>
+              <a:r>
+                <a:rPr lang="en-US" sz="2800" dirty="0"/>
+                <a:t>3</a:t>
+              </a:r>
+            </a:p>
+          </p:txBody>
+        </p:sp>
+        <p:sp>
+          <p:nvSpPr>
+            <p:cNvPr id="82" name="TextBox 81">
+              <a:extLst>
+                <a:ext uri="{FF2B5EF4-FFF2-40B4-BE49-F238E27FC236}">
+                  <a16:creationId xmlns:a16="http://schemas.microsoft.com/office/drawing/2014/main" id="{0C5A22C4-E077-CD4E-AB34-D05A1D9EE2C8}"/>
+                </a:ext>
+              </a:extLst>
+            </p:cNvPr>
+            <p:cNvSpPr txBox="1"/>
+            <p:nvPr/>
+          </p:nvSpPr>
+          <p:spPr>
+            <a:xfrm>
+              <a:off x="5561649" y="5748671"/>
+              <a:ext cx="453530" cy="523220"/>
+            </a:xfrm>
+            <a:prstGeom prst="rect">
+              <a:avLst/>
+            </a:prstGeom>
+            <a:noFill/>
+          </p:spPr>
+          <p:txBody>
+            <a:bodyPr wrap="square" rtlCol="0">
+              <a:spAutoFit/>
+            </a:bodyPr>
+            <a:lstStyle/>
+            <a:p>
+              <a:r>
+                <a:rPr lang="en-US" sz="2800" dirty="0"/>
+                <a:t>4</a:t>
+              </a:r>
+            </a:p>
+          </p:txBody>
+        </p:sp>
+        <p:sp>
+          <p:nvSpPr>
+            <p:cNvPr id="83" name="TextBox 82">
+              <a:extLst>
+                <a:ext uri="{FF2B5EF4-FFF2-40B4-BE49-F238E27FC236}">
+                  <a16:creationId xmlns:a16="http://schemas.microsoft.com/office/drawing/2014/main" id="{309058C3-A3A2-6743-9C52-0A9037C76333}"/>
+                </a:ext>
+              </a:extLst>
+            </p:cNvPr>
+            <p:cNvSpPr txBox="1"/>
+            <p:nvPr/>
+          </p:nvSpPr>
+          <p:spPr>
+            <a:xfrm>
+              <a:off x="2391912" y="5654750"/>
+              <a:ext cx="453530" cy="523220"/>
+            </a:xfrm>
+            <a:prstGeom prst="rect">
+              <a:avLst/>
+            </a:prstGeom>
+            <a:noFill/>
+          </p:spPr>
+          <p:txBody>
+            <a:bodyPr wrap="square" rtlCol="0">
+              <a:spAutoFit/>
+            </a:bodyPr>
+            <a:lstStyle/>
+            <a:p>
+              <a:r>
+                <a:rPr lang="en-US" sz="2800" dirty="0"/>
+                <a:t>5</a:t>
+              </a:r>
+            </a:p>
+          </p:txBody>
+        </p:sp>
+      </p:grpSp>
+      <p:sp>
+        <p:nvSpPr>
+          <p:cNvPr id="2" name="TextBox 1">
+            <a:extLst>
+              <a:ext uri="{FF2B5EF4-FFF2-40B4-BE49-F238E27FC236}">
+                <a16:creationId xmlns:a16="http://schemas.microsoft.com/office/drawing/2014/main" id="{69F7B1C7-ABDE-4740-A3FF-1E8C4137FCC4}"/>
+              </a:ext>
+            </a:extLst>
+          </p:cNvPr>
+          <p:cNvSpPr txBox="1"/>
+          <p:nvPr/>
+        </p:nvSpPr>
+        <p:spPr>
+          <a:xfrm>
+            <a:off x="391390" y="341679"/>
+            <a:ext cx="6209414" cy="461665"/>
+          </a:xfrm>
+          <a:prstGeom prst="rect">
+            <a:avLst/>
+          </a:prstGeom>
+          <a:noFill/>
+        </p:spPr>
+        <p:txBody>
+          <a:bodyPr wrap="square" rtlCol="0">
+            <a:spAutoFit/>
+          </a:bodyPr>
+          <a:lstStyle/>
+          <a:p>
+            <a:r>
+              <a:rPr lang="en-US" sz="2400" dirty="0"/>
+              <a:t>Topological Operations: </a:t>
+            </a:r>
+            <a:r>
+              <a:rPr lang="en-US" sz="2400" dirty="0" err="1"/>
+              <a:t>LinkExpansion</a:t>
+            </a:r>
+            <a:endParaRPr lang="en-US" sz="2400" dirty="0"/>
+          </a:p>
+        </p:txBody>
+      </p:sp>
+      <p:sp>
+        <p:nvSpPr>
+          <p:cNvPr id="128" name="Oval 127">
+            <a:extLst>
+              <a:ext uri="{FF2B5EF4-FFF2-40B4-BE49-F238E27FC236}">
+                <a16:creationId xmlns:a16="http://schemas.microsoft.com/office/drawing/2014/main" id="{E4FB5CF0-6C83-AB40-B1D1-C3E99CF1C71A}"/>
+              </a:ext>
+            </a:extLst>
+          </p:cNvPr>
+          <p:cNvSpPr/>
+          <p:nvPr/>
+        </p:nvSpPr>
+        <p:spPr>
+          <a:xfrm>
+            <a:off x="1915432" y="3074302"/>
+            <a:ext cx="233916" cy="233916"/>
+          </a:xfrm>
+          <a:prstGeom prst="ellipse">
+            <a:avLst/>
+          </a:prstGeom>
+          <a:solidFill>
+            <a:schemeClr val="tx1"/>
+          </a:solidFill>
+        </p:spPr>
+        <p:style>
+          <a:lnRef idx="2">
+            <a:schemeClr val="accent1">
+              <a:shade val="50000"/>
+            </a:schemeClr>
+          </a:lnRef>
+          <a:fillRef idx="1">
+            <a:schemeClr val="accent1"/>
+          </a:fillRef>
+          <a:effectRef idx="0">
+            <a:schemeClr val="accent1"/>
+          </a:effectRef>
+          <a:fontRef idx="minor">
+            <a:schemeClr val="lt1"/>
+          </a:fontRef>
+        </p:style>
+        <p:txBody>
+          <a:bodyPr rtlCol="0" anchor="ctr"/>
+          <a:lstStyle/>
+          <a:p>
+            <a:pPr algn="ctr"/>
+            <a:endParaRPr lang="en-US"/>
+          </a:p>
+        </p:txBody>
+      </p:sp>
+      <p:sp>
+        <p:nvSpPr>
+          <p:cNvPr id="129" name="TextBox 128">
+            <a:extLst>
+              <a:ext uri="{FF2B5EF4-FFF2-40B4-BE49-F238E27FC236}">
+                <a16:creationId xmlns:a16="http://schemas.microsoft.com/office/drawing/2014/main" id="{FC8EC961-CB82-1A4B-B5DF-5F4F9CFBB899}"/>
+              </a:ext>
+            </a:extLst>
+          </p:cNvPr>
+          <p:cNvSpPr txBox="1"/>
+          <p:nvPr/>
+        </p:nvSpPr>
+        <p:spPr>
+          <a:xfrm>
+            <a:off x="1688667" y="2668040"/>
+            <a:ext cx="453530" cy="523220"/>
+          </a:xfrm>
+          <a:prstGeom prst="rect">
+            <a:avLst/>
+          </a:prstGeom>
+          <a:noFill/>
+        </p:spPr>
+        <p:txBody>
+          <a:bodyPr wrap="square" rtlCol="0">
+            <a:spAutoFit/>
+          </a:bodyPr>
+          <a:lstStyle/>
+          <a:p>
+            <a:r>
+              <a:rPr lang="en-US" sz="2800" dirty="0"/>
+              <a:t>6</a:t>
+            </a:r>
+          </a:p>
+        </p:txBody>
+      </p:sp>
+      <p:sp>
+        <p:nvSpPr>
+          <p:cNvPr id="130" name="Right Arrow 129">
+            <a:extLst>
+              <a:ext uri="{FF2B5EF4-FFF2-40B4-BE49-F238E27FC236}">
+                <a16:creationId xmlns:a16="http://schemas.microsoft.com/office/drawing/2014/main" id="{530F6EF5-F65B-5A46-AED7-A17A7DFB4FFA}"/>
+              </a:ext>
+            </a:extLst>
+          </p:cNvPr>
+          <p:cNvSpPr/>
+          <p:nvPr/>
+        </p:nvSpPr>
+        <p:spPr>
+          <a:xfrm>
+            <a:off x="2221249" y="2939984"/>
+            <a:ext cx="1161741" cy="537003"/>
+          </a:xfrm>
+          <a:prstGeom prst="rightArrow">
+            <a:avLst/>
+          </a:prstGeom>
+          <a:solidFill>
+            <a:schemeClr val="accent6">
+              <a:lumMod val="40000"/>
+              <a:lumOff val="60000"/>
+            </a:schemeClr>
+          </a:solidFill>
+          <a:ln>
+            <a:noFill/>
+          </a:ln>
+        </p:spPr>
+        <p:style>
+          <a:lnRef idx="2">
+            <a:schemeClr val="accent1">
+              <a:shade val="50000"/>
+            </a:schemeClr>
+          </a:lnRef>
+          <a:fillRef idx="1">
+            <a:schemeClr val="accent1"/>
+          </a:fillRef>
+          <a:effectRef idx="0">
+            <a:schemeClr val="accent1"/>
+          </a:effectRef>
+          <a:fontRef idx="minor">
+            <a:schemeClr val="lt1"/>
+          </a:fontRef>
+        </p:style>
+        <p:txBody>
+          <a:bodyPr rtlCol="0" anchor="ctr"/>
+          <a:lstStyle/>
+          <a:p>
+            <a:pPr algn="ctr"/>
+            <a:endParaRPr lang="en-US"/>
+          </a:p>
+        </p:txBody>
+      </p:sp>
+      <p:grpSp>
+        <p:nvGrpSpPr>
+          <p:cNvPr id="131" name="Group 130">
+            <a:extLst>
+              <a:ext uri="{FF2B5EF4-FFF2-40B4-BE49-F238E27FC236}">
+                <a16:creationId xmlns:a16="http://schemas.microsoft.com/office/drawing/2014/main" id="{EC380EEC-4ADA-494C-A250-D5311D513CF4}"/>
+              </a:ext>
+            </a:extLst>
+          </p:cNvPr>
+          <p:cNvGrpSpPr/>
+          <p:nvPr/>
+        </p:nvGrpSpPr>
+        <p:grpSpPr>
+          <a:xfrm>
+            <a:off x="2190380" y="3195951"/>
+            <a:ext cx="1218225" cy="12536"/>
+            <a:chOff x="448759" y="4049102"/>
+            <a:chExt cx="3577647" cy="12536"/>
+          </a:xfrm>
+        </p:grpSpPr>
+        <p:cxnSp>
+          <p:nvCxnSpPr>
+            <p:cNvPr id="132" name="Straight Arrow Connector 131">
+              <a:extLst>
+                <a:ext uri="{FF2B5EF4-FFF2-40B4-BE49-F238E27FC236}">
+                  <a16:creationId xmlns:a16="http://schemas.microsoft.com/office/drawing/2014/main" id="{68068C66-7E43-0B4D-A513-F7E31F50D528}"/>
+                </a:ext>
+              </a:extLst>
+            </p:cNvPr>
+            <p:cNvCxnSpPr>
+              <a:cxnSpLocks/>
+            </p:cNvCxnSpPr>
+            <p:nvPr/>
+          </p:nvCxnSpPr>
+          <p:spPr>
+            <a:xfrm>
+              <a:off x="448759" y="4061637"/>
+              <a:ext cx="1493453" cy="0"/>
+            </a:xfrm>
+            <a:prstGeom prst="straightConnector1">
+              <a:avLst/>
+            </a:prstGeom>
+            <a:ln w="38100">
+              <a:solidFill>
+                <a:schemeClr val="accent1">
+                  <a:lumMod val="60000"/>
+                  <a:lumOff val="40000"/>
+                </a:schemeClr>
+              </a:solidFill>
+              <a:tailEnd type="stealth" w="lg" len="lg"/>
+            </a:ln>
+          </p:spPr>
+          <p:style>
+            <a:lnRef idx="1">
+              <a:schemeClr val="accent1"/>
+            </a:lnRef>
+            <a:fillRef idx="0">
+              <a:schemeClr val="accent1"/>
+            </a:fillRef>
+            <a:effectRef idx="0">
+              <a:schemeClr val="accent1"/>
+            </a:effectRef>
+            <a:fontRef idx="minor">
+              <a:schemeClr val="tx1"/>
+            </a:fontRef>
+          </p:style>
+        </p:cxnSp>
+        <p:cxnSp>
+          <p:nvCxnSpPr>
+            <p:cNvPr id="133" name="Straight Arrow Connector 132">
+              <a:extLst>
+                <a:ext uri="{FF2B5EF4-FFF2-40B4-BE49-F238E27FC236}">
+                  <a16:creationId xmlns:a16="http://schemas.microsoft.com/office/drawing/2014/main" id="{032A312E-C70A-E84B-8583-0F38CB7C3CE5}"/>
+                </a:ext>
+              </a:extLst>
+            </p:cNvPr>
+            <p:cNvCxnSpPr>
+              <a:cxnSpLocks/>
+            </p:cNvCxnSpPr>
+            <p:nvPr/>
+          </p:nvCxnSpPr>
+          <p:spPr>
+            <a:xfrm flipV="1">
+              <a:off x="1928868" y="4049102"/>
+              <a:ext cx="2097538" cy="12536"/>
+            </a:xfrm>
+            <a:prstGeom prst="straightConnector1">
+              <a:avLst/>
+            </a:prstGeom>
+            <a:ln w="38100">
+              <a:solidFill>
+                <a:schemeClr val="accent1">
+                  <a:lumMod val="60000"/>
+                  <a:lumOff val="40000"/>
+                </a:schemeClr>
+              </a:solidFill>
+              <a:tailEnd type="none" w="lg" len="lg"/>
+            </a:ln>
+          </p:spPr>
+          <p:style>
+            <a:lnRef idx="1">
+              <a:schemeClr val="accent1"/>
+            </a:lnRef>
+            <a:fillRef idx="0">
+              <a:schemeClr val="accent1"/>
+            </a:fillRef>
+            <a:effectRef idx="0">
+              <a:schemeClr val="accent1"/>
+            </a:effectRef>
+            <a:fontRef idx="minor">
+              <a:schemeClr val="tx1"/>
+            </a:fontRef>
+          </p:style>
+        </p:cxnSp>
+      </p:grpSp>
+      <p:sp>
+        <p:nvSpPr>
+          <p:cNvPr id="84" name="Oval 83">
+            <a:extLst>
+              <a:ext uri="{FF2B5EF4-FFF2-40B4-BE49-F238E27FC236}">
+                <a16:creationId xmlns:a16="http://schemas.microsoft.com/office/drawing/2014/main" id="{7A95902C-E7F9-C34D-A338-4739F085D484}"/>
+              </a:ext>
+            </a:extLst>
+          </p:cNvPr>
+          <p:cNvSpPr/>
+          <p:nvPr/>
+        </p:nvSpPr>
+        <p:spPr>
+          <a:xfrm>
+            <a:off x="3322430" y="4374450"/>
+            <a:ext cx="233916" cy="233916"/>
+          </a:xfrm>
+          <a:prstGeom prst="ellipse">
+            <a:avLst/>
+          </a:prstGeom>
+          <a:solidFill>
+            <a:schemeClr val="tx1"/>
+          </a:solidFill>
+        </p:spPr>
+        <p:style>
+          <a:lnRef idx="2">
+            <a:schemeClr val="accent1">
+              <a:shade val="50000"/>
+            </a:schemeClr>
+          </a:lnRef>
+          <a:fillRef idx="1">
+            <a:schemeClr val="accent1"/>
+          </a:fillRef>
+          <a:effectRef idx="0">
+            <a:schemeClr val="accent1"/>
+          </a:effectRef>
+          <a:fontRef idx="minor">
+            <a:schemeClr val="lt1"/>
+          </a:fontRef>
+        </p:style>
+        <p:txBody>
+          <a:bodyPr rtlCol="0" anchor="ctr"/>
+          <a:lstStyle/>
+          <a:p>
+            <a:pPr algn="ctr"/>
+            <a:endParaRPr lang="en-US"/>
+          </a:p>
+        </p:txBody>
+      </p:sp>
+      <p:sp>
+        <p:nvSpPr>
+          <p:cNvPr id="85" name="TextBox 84">
+            <a:extLst>
+              <a:ext uri="{FF2B5EF4-FFF2-40B4-BE49-F238E27FC236}">
+                <a16:creationId xmlns:a16="http://schemas.microsoft.com/office/drawing/2014/main" id="{A7AD142B-241D-1642-BCDC-F97AEF2A8F2D}"/>
+              </a:ext>
+            </a:extLst>
+          </p:cNvPr>
+          <p:cNvSpPr txBox="1"/>
+          <p:nvPr/>
+        </p:nvSpPr>
+        <p:spPr>
+          <a:xfrm>
+            <a:off x="3095665" y="3968188"/>
+            <a:ext cx="453530" cy="523220"/>
+          </a:xfrm>
+          <a:prstGeom prst="rect">
+            <a:avLst/>
+          </a:prstGeom>
+          <a:noFill/>
+        </p:spPr>
+        <p:txBody>
+          <a:bodyPr wrap="square" rtlCol="0">
+            <a:spAutoFit/>
+          </a:bodyPr>
+          <a:lstStyle/>
+          <a:p>
+            <a:r>
+              <a:rPr lang="en-US" sz="2800" dirty="0"/>
+              <a:t>7</a:t>
+            </a:r>
+          </a:p>
+        </p:txBody>
+      </p:sp>
+      <p:sp>
+        <p:nvSpPr>
+          <p:cNvPr id="86" name="Right Arrow 85">
+            <a:extLst>
+              <a:ext uri="{FF2B5EF4-FFF2-40B4-BE49-F238E27FC236}">
+                <a16:creationId xmlns:a16="http://schemas.microsoft.com/office/drawing/2014/main" id="{86A78155-EF60-424E-9A7D-D5ECA9E1BD7D}"/>
+              </a:ext>
+            </a:extLst>
+          </p:cNvPr>
+          <p:cNvSpPr/>
+          <p:nvPr/>
+        </p:nvSpPr>
+        <p:spPr>
+          <a:xfrm rot="5400000">
+            <a:off x="2975045" y="5006065"/>
+            <a:ext cx="973855" cy="537003"/>
+          </a:xfrm>
+          <a:prstGeom prst="rightArrow">
+            <a:avLst/>
+          </a:prstGeom>
+          <a:solidFill>
+            <a:schemeClr val="accent6">
+              <a:lumMod val="40000"/>
+              <a:lumOff val="60000"/>
+            </a:schemeClr>
+          </a:solidFill>
+          <a:ln>
+            <a:noFill/>
+          </a:ln>
+        </p:spPr>
+        <p:style>
+          <a:lnRef idx="2">
+            <a:schemeClr val="accent1">
+              <a:shade val="50000"/>
+            </a:schemeClr>
+          </a:lnRef>
+          <a:fillRef idx="1">
+            <a:schemeClr val="accent1"/>
+          </a:fillRef>
+          <a:effectRef idx="0">
+            <a:schemeClr val="accent1"/>
+          </a:effectRef>
+          <a:fontRef idx="minor">
+            <a:schemeClr val="lt1"/>
+          </a:fontRef>
+        </p:style>
+        <p:txBody>
+          <a:bodyPr rtlCol="0" anchor="ctr"/>
+          <a:lstStyle/>
+          <a:p>
+            <a:pPr algn="ctr"/>
+            <a:endParaRPr lang="en-US" dirty="0"/>
+          </a:p>
+        </p:txBody>
+      </p:sp>
+      <p:grpSp>
+        <p:nvGrpSpPr>
+          <p:cNvPr id="87" name="Group 86">
+            <a:extLst>
+              <a:ext uri="{FF2B5EF4-FFF2-40B4-BE49-F238E27FC236}">
+                <a16:creationId xmlns:a16="http://schemas.microsoft.com/office/drawing/2014/main" id="{E264A6E8-3C2F-7044-AFAB-A2C42483EB0F}"/>
+              </a:ext>
+            </a:extLst>
+          </p:cNvPr>
+          <p:cNvGrpSpPr/>
+          <p:nvPr/>
+        </p:nvGrpSpPr>
+        <p:grpSpPr>
+          <a:xfrm rot="5400000" flipV="1">
+            <a:off x="3225264" y="4992148"/>
+            <a:ext cx="860982" cy="531368"/>
+            <a:chOff x="448759" y="4061637"/>
+            <a:chExt cx="2973562" cy="0"/>
+          </a:xfrm>
+        </p:grpSpPr>
+        <p:cxnSp>
+          <p:nvCxnSpPr>
+            <p:cNvPr id="88" name="Straight Arrow Connector 87">
+              <a:extLst>
+                <a:ext uri="{FF2B5EF4-FFF2-40B4-BE49-F238E27FC236}">
+                  <a16:creationId xmlns:a16="http://schemas.microsoft.com/office/drawing/2014/main" id="{2C9C4745-99EC-424F-9DA2-CA77D61C58D6}"/>
+                </a:ext>
+              </a:extLst>
+            </p:cNvPr>
+            <p:cNvCxnSpPr>
+              <a:cxnSpLocks/>
+            </p:cNvCxnSpPr>
+            <p:nvPr/>
+          </p:nvCxnSpPr>
+          <p:spPr>
+            <a:xfrm>
+              <a:off x="448759" y="4061637"/>
+              <a:ext cx="1493453" cy="0"/>
+            </a:xfrm>
+            <a:prstGeom prst="straightConnector1">
+              <a:avLst/>
+            </a:prstGeom>
+            <a:ln w="38100">
+              <a:solidFill>
+                <a:schemeClr val="accent1">
+                  <a:lumMod val="60000"/>
+                  <a:lumOff val="40000"/>
+                </a:schemeClr>
+              </a:solidFill>
+              <a:tailEnd type="stealth" w="lg" len="lg"/>
+            </a:ln>
+          </p:spPr>
+          <p:style>
+            <a:lnRef idx="1">
+              <a:schemeClr val="accent1"/>
+            </a:lnRef>
+            <a:fillRef idx="0">
+              <a:schemeClr val="accent1"/>
+            </a:fillRef>
+            <a:effectRef idx="0">
+              <a:schemeClr val="accent1"/>
+            </a:effectRef>
+            <a:fontRef idx="minor">
+              <a:schemeClr val="tx1"/>
+            </a:fontRef>
+          </p:style>
+        </p:cxnSp>
+        <p:cxnSp>
+          <p:nvCxnSpPr>
+            <p:cNvPr id="89" name="Straight Arrow Connector 88">
+              <a:extLst>
+                <a:ext uri="{FF2B5EF4-FFF2-40B4-BE49-F238E27FC236}">
+                  <a16:creationId xmlns:a16="http://schemas.microsoft.com/office/drawing/2014/main" id="{01F218FB-1C16-F340-B96F-E1E909945F25}"/>
+                </a:ext>
+              </a:extLst>
+            </p:cNvPr>
+            <p:cNvCxnSpPr>
+              <a:cxnSpLocks/>
+            </p:cNvCxnSpPr>
+            <p:nvPr/>
+          </p:nvCxnSpPr>
+          <p:spPr>
+            <a:xfrm>
+              <a:off x="1928868" y="4061637"/>
+              <a:ext cx="1493453" cy="0"/>
+            </a:xfrm>
+            <a:prstGeom prst="straightConnector1">
+              <a:avLst/>
+            </a:prstGeom>
+            <a:ln w="38100">
+              <a:solidFill>
+                <a:schemeClr val="accent1">
+                  <a:lumMod val="60000"/>
+                  <a:lumOff val="40000"/>
+                </a:schemeClr>
+              </a:solidFill>
+              <a:tailEnd type="none" w="lg" len="lg"/>
+            </a:ln>
+          </p:spPr>
+          <p:style>
+            <a:lnRef idx="1">
+              <a:schemeClr val="accent1"/>
+            </a:lnRef>
+            <a:fillRef idx="0">
+              <a:schemeClr val="accent1"/>
+            </a:fillRef>
+            <a:effectRef idx="0">
+              <a:schemeClr val="accent1"/>
+            </a:effectRef>
+            <a:fontRef idx="minor">
+              <a:schemeClr val="tx1"/>
+            </a:fontRef>
+          </p:style>
+        </p:cxnSp>
+      </p:grpSp>
+      <p:grpSp>
+        <p:nvGrpSpPr>
+          <p:cNvPr id="90" name="Group 89">
+            <a:extLst>
+              <a:ext uri="{FF2B5EF4-FFF2-40B4-BE49-F238E27FC236}">
+                <a16:creationId xmlns:a16="http://schemas.microsoft.com/office/drawing/2014/main" id="{735B5F12-CFAD-7047-912F-712B8D8FAF06}"/>
+              </a:ext>
+            </a:extLst>
+          </p:cNvPr>
+          <p:cNvGrpSpPr/>
+          <p:nvPr/>
+        </p:nvGrpSpPr>
+        <p:grpSpPr>
+          <a:xfrm rot="16200000" flipV="1">
+            <a:off x="2739244" y="4963563"/>
+            <a:ext cx="981204" cy="531368"/>
+            <a:chOff x="448759" y="4061637"/>
+            <a:chExt cx="2973562" cy="0"/>
+          </a:xfrm>
+        </p:grpSpPr>
+        <p:cxnSp>
+          <p:nvCxnSpPr>
+            <p:cNvPr id="91" name="Straight Arrow Connector 90">
+              <a:extLst>
+                <a:ext uri="{FF2B5EF4-FFF2-40B4-BE49-F238E27FC236}">
+                  <a16:creationId xmlns:a16="http://schemas.microsoft.com/office/drawing/2014/main" id="{09E06D8E-9A76-644D-A829-7EB4C17681E4}"/>
+                </a:ext>
+              </a:extLst>
+            </p:cNvPr>
+            <p:cNvCxnSpPr>
+              <a:cxnSpLocks/>
+            </p:cNvCxnSpPr>
+            <p:nvPr/>
+          </p:nvCxnSpPr>
+          <p:spPr>
+            <a:xfrm>
+              <a:off x="448759" y="4061637"/>
+              <a:ext cx="1493453" cy="0"/>
+            </a:xfrm>
+            <a:prstGeom prst="straightConnector1">
+              <a:avLst/>
+            </a:prstGeom>
+            <a:ln w="38100">
+              <a:solidFill>
+                <a:schemeClr val="accent2"/>
+              </a:solidFill>
+              <a:tailEnd type="stealth" w="lg" len="lg"/>
+            </a:ln>
+          </p:spPr>
+          <p:style>
+            <a:lnRef idx="1">
+              <a:schemeClr val="accent1"/>
+            </a:lnRef>
+            <a:fillRef idx="0">
+              <a:schemeClr val="accent1"/>
+            </a:fillRef>
+            <a:effectRef idx="0">
+              <a:schemeClr val="accent1"/>
+            </a:effectRef>
+            <a:fontRef idx="minor">
+              <a:schemeClr val="tx1"/>
+            </a:fontRef>
+          </p:style>
+        </p:cxnSp>
+        <p:cxnSp>
+          <p:nvCxnSpPr>
+            <p:cNvPr id="92" name="Straight Arrow Connector 91">
+              <a:extLst>
+                <a:ext uri="{FF2B5EF4-FFF2-40B4-BE49-F238E27FC236}">
+                  <a16:creationId xmlns:a16="http://schemas.microsoft.com/office/drawing/2014/main" id="{EF2F1297-79FD-A044-9FBB-58156413C38A}"/>
+                </a:ext>
+              </a:extLst>
+            </p:cNvPr>
+            <p:cNvCxnSpPr>
+              <a:cxnSpLocks/>
+            </p:cNvCxnSpPr>
+            <p:nvPr/>
+          </p:nvCxnSpPr>
+          <p:spPr>
+            <a:xfrm>
+              <a:off x="1928868" y="4061637"/>
+              <a:ext cx="1493453" cy="0"/>
+            </a:xfrm>
+            <a:prstGeom prst="straightConnector1">
+              <a:avLst/>
+            </a:prstGeom>
+            <a:ln w="38100">
+              <a:solidFill>
+                <a:schemeClr val="accent2"/>
+              </a:solidFill>
+              <a:tailEnd type="none" w="lg" len="lg"/>
+            </a:ln>
+          </p:spPr>
+          <p:style>
+            <a:lnRef idx="1">
+              <a:schemeClr val="accent1"/>
+            </a:lnRef>
+            <a:fillRef idx="0">
+              <a:schemeClr val="accent1"/>
+            </a:fillRef>
+            <a:effectRef idx="0">
+              <a:schemeClr val="accent1"/>
+            </a:effectRef>
+            <a:fontRef idx="minor">
+              <a:schemeClr val="tx1"/>
+            </a:fontRef>
+          </p:style>
+        </p:cxnSp>
+      </p:grpSp>
+    </p:spTree>
+    <p:extLst>
+      <p:ext uri="{BB962C8B-B14F-4D97-AF65-F5344CB8AC3E}">
+        <p14:creationId xmlns:p14="http://schemas.microsoft.com/office/powerpoint/2010/main" val="581197292"/>
+      </p:ext>
+    </p:extLst>
+  </p:cSld>
+  <p:clrMapOvr>
+    <a:masterClrMapping/>
+  </p:clrMapOvr>
+</p:sld>
+</file>
+
+<file path=ppt/slides/slide8.xml><?xml version="1.0" encoding="utf-8"?>
+<p:sld xmlns:a="http://schemas.openxmlformats.org/drawingml/2006/main" xmlns:r="http://schemas.openxmlformats.org/officeDocument/2006/relationships" xmlns:p="http://schemas.openxmlformats.org/presentationml/2006/main">
+  <p:cSld>
+    <p:spTree>
+      <p:nvGrpSpPr>
+        <p:cNvPr id="1" name=""/>
+        <p:cNvGrpSpPr/>
+        <p:nvPr/>
+      </p:nvGrpSpPr>
+      <p:grpSpPr>
+        <a:xfrm>
+          <a:off x="0" y="0"/>
+          <a:ext cx="0" cy="0"/>
+          <a:chOff x="0" y="0"/>
+          <a:chExt cx="0" cy="0"/>
+        </a:xfrm>
+      </p:grpSpPr>
+      <p:sp>
+        <p:nvSpPr>
+          <p:cNvPr id="2" name="TextBox 1">
+            <a:extLst>
+              <a:ext uri="{FF2B5EF4-FFF2-40B4-BE49-F238E27FC236}">
+                <a16:creationId xmlns:a16="http://schemas.microsoft.com/office/drawing/2014/main" id="{69F7B1C7-ABDE-4740-A3FF-1E8C4137FCC4}"/>
+              </a:ext>
+            </a:extLst>
+          </p:cNvPr>
+          <p:cNvSpPr txBox="1"/>
+          <p:nvPr/>
+        </p:nvSpPr>
+        <p:spPr>
+          <a:xfrm>
+            <a:off x="518981" y="82943"/>
+            <a:ext cx="6209414" cy="461665"/>
+          </a:xfrm>
+          <a:prstGeom prst="rect">
+            <a:avLst/>
+          </a:prstGeom>
+          <a:noFill/>
+        </p:spPr>
+        <p:txBody>
+          <a:bodyPr wrap="square" rtlCol="0">
+            <a:spAutoFit/>
+          </a:bodyPr>
+          <a:lstStyle/>
+          <a:p>
+            <a:r>
+              <a:rPr lang="en-US" sz="2400" dirty="0"/>
+              <a:t>Dislocation Junction Formation</a:t>
+            </a:r>
+          </a:p>
+        </p:txBody>
+      </p:sp>
+      <p:sp>
+        <p:nvSpPr>
+          <p:cNvPr id="96" name="Right Arrow 95">
+            <a:extLst>
+              <a:ext uri="{FF2B5EF4-FFF2-40B4-BE49-F238E27FC236}">
+                <a16:creationId xmlns:a16="http://schemas.microsoft.com/office/drawing/2014/main" id="{602EC7B0-1100-0244-9EA8-98C6B649EB12}"/>
+              </a:ext>
+            </a:extLst>
+          </p:cNvPr>
+          <p:cNvSpPr/>
+          <p:nvPr/>
+        </p:nvSpPr>
+        <p:spPr>
+          <a:xfrm rot="12485824">
+            <a:off x="327462" y="2222576"/>
+            <a:ext cx="2709669" cy="503510"/>
+          </a:xfrm>
+          <a:prstGeom prst="rightArrow">
+            <a:avLst/>
+          </a:prstGeom>
+          <a:solidFill>
+            <a:schemeClr val="accent6">
+              <a:lumMod val="40000"/>
+              <a:lumOff val="60000"/>
+            </a:schemeClr>
+          </a:solidFill>
+          <a:ln>
+            <a:noFill/>
+          </a:ln>
+        </p:spPr>
+        <p:style>
+          <a:lnRef idx="2">
+            <a:schemeClr val="accent1">
+              <a:shade val="50000"/>
+            </a:schemeClr>
+          </a:lnRef>
+          <a:fillRef idx="1">
+            <a:schemeClr val="accent1"/>
+          </a:fillRef>
+          <a:effectRef idx="0">
+            <a:schemeClr val="accent1"/>
+          </a:effectRef>
+          <a:fontRef idx="minor">
+            <a:schemeClr val="lt1"/>
+          </a:fontRef>
+        </p:style>
+        <p:txBody>
+          <a:bodyPr rtlCol="0" anchor="ctr"/>
+          <a:lstStyle/>
+          <a:p>
+            <a:pPr algn="ctr"/>
+            <a:endParaRPr lang="en-US"/>
+          </a:p>
+        </p:txBody>
+      </p:sp>
+      <p:sp>
+        <p:nvSpPr>
+          <p:cNvPr id="99" name="Oval 98">
+            <a:extLst>
+              <a:ext uri="{FF2B5EF4-FFF2-40B4-BE49-F238E27FC236}">
+                <a16:creationId xmlns:a16="http://schemas.microsoft.com/office/drawing/2014/main" id="{1B09B6B4-08D7-4848-BC8D-ECFE507C3760}"/>
+              </a:ext>
+            </a:extLst>
+          </p:cNvPr>
+          <p:cNvSpPr/>
+          <p:nvPr/>
+        </p:nvSpPr>
+        <p:spPr>
+          <a:xfrm>
+            <a:off x="290549" y="1639016"/>
+            <a:ext cx="233916" cy="233916"/>
+          </a:xfrm>
+          <a:prstGeom prst="ellipse">
+            <a:avLst/>
+          </a:prstGeom>
+          <a:solidFill>
+            <a:schemeClr val="tx1"/>
+          </a:solidFill>
+        </p:spPr>
+        <p:style>
+          <a:lnRef idx="2">
+            <a:schemeClr val="accent1">
+              <a:shade val="50000"/>
+            </a:schemeClr>
+          </a:lnRef>
+          <a:fillRef idx="1">
+            <a:schemeClr val="accent1"/>
+          </a:fillRef>
+          <a:effectRef idx="0">
+            <a:schemeClr val="accent1"/>
+          </a:effectRef>
+          <a:fontRef idx="minor">
+            <a:schemeClr val="lt1"/>
+          </a:fontRef>
+        </p:style>
+        <p:txBody>
+          <a:bodyPr rtlCol="0" anchor="ctr"/>
+          <a:lstStyle/>
+          <a:p>
+            <a:pPr algn="ctr"/>
+            <a:endParaRPr lang="en-US"/>
+          </a:p>
+        </p:txBody>
+      </p:sp>
+      <p:sp>
+        <p:nvSpPr>
+          <p:cNvPr id="100" name="Oval 99">
+            <a:extLst>
+              <a:ext uri="{FF2B5EF4-FFF2-40B4-BE49-F238E27FC236}">
+                <a16:creationId xmlns:a16="http://schemas.microsoft.com/office/drawing/2014/main" id="{DC646521-66A9-8B4A-8778-43C74827B836}"/>
+              </a:ext>
+            </a:extLst>
+          </p:cNvPr>
+          <p:cNvSpPr/>
+          <p:nvPr/>
+        </p:nvSpPr>
+        <p:spPr>
+          <a:xfrm>
+            <a:off x="2879076" y="3008676"/>
+            <a:ext cx="233916" cy="233916"/>
+          </a:xfrm>
+          <a:prstGeom prst="ellipse">
+            <a:avLst/>
+          </a:prstGeom>
+          <a:solidFill>
+            <a:schemeClr val="tx1"/>
+          </a:solidFill>
+        </p:spPr>
+        <p:style>
+          <a:lnRef idx="2">
+            <a:schemeClr val="accent1">
+              <a:shade val="50000"/>
+            </a:schemeClr>
+          </a:lnRef>
+          <a:fillRef idx="1">
+            <a:schemeClr val="accent1"/>
+          </a:fillRef>
+          <a:effectRef idx="0">
+            <a:schemeClr val="accent1"/>
+          </a:effectRef>
+          <a:fontRef idx="minor">
+            <a:schemeClr val="lt1"/>
+          </a:fontRef>
+        </p:style>
+        <p:txBody>
+          <a:bodyPr rtlCol="0" anchor="ctr"/>
+          <a:lstStyle/>
+          <a:p>
+            <a:pPr algn="ctr"/>
+            <a:endParaRPr lang="en-US"/>
+          </a:p>
+        </p:txBody>
+      </p:sp>
+      <p:sp>
+        <p:nvSpPr>
+          <p:cNvPr id="103" name="Right Arrow 102">
+            <a:extLst>
+              <a:ext uri="{FF2B5EF4-FFF2-40B4-BE49-F238E27FC236}">
+                <a16:creationId xmlns:a16="http://schemas.microsoft.com/office/drawing/2014/main" id="{2248D326-A357-3B45-8BC3-BBF94BADA360}"/>
+              </a:ext>
+            </a:extLst>
+          </p:cNvPr>
+          <p:cNvSpPr/>
+          <p:nvPr/>
+        </p:nvSpPr>
+        <p:spPr>
+          <a:xfrm rot="7344849">
+            <a:off x="941483" y="2237280"/>
+            <a:ext cx="2709669" cy="503510"/>
+          </a:xfrm>
+          <a:prstGeom prst="rightArrow">
+            <a:avLst/>
+          </a:prstGeom>
+          <a:solidFill>
+            <a:schemeClr val="accent6">
+              <a:lumMod val="40000"/>
+              <a:lumOff val="60000"/>
+            </a:schemeClr>
+          </a:solidFill>
+          <a:ln>
+            <a:noFill/>
+          </a:ln>
+        </p:spPr>
+        <p:style>
+          <a:lnRef idx="2">
+            <a:schemeClr val="accent1">
+              <a:shade val="50000"/>
+            </a:schemeClr>
+          </a:lnRef>
+          <a:fillRef idx="1">
+            <a:schemeClr val="accent1"/>
+          </a:fillRef>
+          <a:effectRef idx="0">
+            <a:schemeClr val="accent1"/>
+          </a:effectRef>
+          <a:fontRef idx="minor">
+            <a:schemeClr val="lt1"/>
+          </a:fontRef>
+        </p:style>
+        <p:txBody>
+          <a:bodyPr rtlCol="0" anchor="ctr"/>
+          <a:lstStyle/>
+          <a:p>
+            <a:pPr algn="ctr"/>
+            <a:endParaRPr lang="en-US"/>
+          </a:p>
+        </p:txBody>
+      </p:sp>
+      <p:sp>
+        <p:nvSpPr>
+          <p:cNvPr id="105" name="Oval 104">
+            <a:extLst>
+              <a:ext uri="{FF2B5EF4-FFF2-40B4-BE49-F238E27FC236}">
+                <a16:creationId xmlns:a16="http://schemas.microsoft.com/office/drawing/2014/main" id="{86872A14-A961-2E46-84D4-B6DD1E99234D}"/>
+              </a:ext>
+            </a:extLst>
+          </p:cNvPr>
+          <p:cNvSpPr/>
+          <p:nvPr/>
+        </p:nvSpPr>
+        <p:spPr>
+          <a:xfrm>
+            <a:off x="1357547" y="3583916"/>
+            <a:ext cx="233916" cy="233916"/>
+          </a:xfrm>
+          <a:prstGeom prst="ellipse">
+            <a:avLst/>
+          </a:prstGeom>
+          <a:solidFill>
+            <a:schemeClr val="tx1"/>
+          </a:solidFill>
+        </p:spPr>
+        <p:style>
+          <a:lnRef idx="2">
+            <a:schemeClr val="accent1">
+              <a:shade val="50000"/>
+            </a:schemeClr>
+          </a:lnRef>
+          <a:fillRef idx="1">
+            <a:schemeClr val="accent1"/>
+          </a:fillRef>
+          <a:effectRef idx="0">
+            <a:schemeClr val="accent1"/>
+          </a:effectRef>
+          <a:fontRef idx="minor">
+            <a:schemeClr val="lt1"/>
+          </a:fontRef>
+        </p:style>
+        <p:txBody>
+          <a:bodyPr rtlCol="0" anchor="ctr"/>
+          <a:lstStyle/>
+          <a:p>
+            <a:pPr algn="ctr"/>
+            <a:endParaRPr lang="en-US"/>
+          </a:p>
+        </p:txBody>
+      </p:sp>
+      <p:sp>
+        <p:nvSpPr>
+          <p:cNvPr id="106" name="Oval 105">
+            <a:extLst>
+              <a:ext uri="{FF2B5EF4-FFF2-40B4-BE49-F238E27FC236}">
+                <a16:creationId xmlns:a16="http://schemas.microsoft.com/office/drawing/2014/main" id="{4C702576-C385-2C4B-971B-F40223747E38}"/>
+              </a:ext>
+            </a:extLst>
+          </p:cNvPr>
+          <p:cNvSpPr/>
+          <p:nvPr/>
+        </p:nvSpPr>
+        <p:spPr>
+          <a:xfrm>
+            <a:off x="2971347" y="1118457"/>
+            <a:ext cx="233916" cy="233916"/>
+          </a:xfrm>
+          <a:prstGeom prst="ellipse">
+            <a:avLst/>
+          </a:prstGeom>
+          <a:solidFill>
+            <a:schemeClr val="tx1"/>
+          </a:solidFill>
+        </p:spPr>
+        <p:style>
+          <a:lnRef idx="2">
+            <a:schemeClr val="accent1">
+              <a:shade val="50000"/>
+            </a:schemeClr>
+          </a:lnRef>
+          <a:fillRef idx="1">
+            <a:schemeClr val="accent1"/>
+          </a:fillRef>
+          <a:effectRef idx="0">
+            <a:schemeClr val="accent1"/>
+          </a:effectRef>
+          <a:fontRef idx="minor">
+            <a:schemeClr val="lt1"/>
+          </a:fontRef>
+        </p:style>
+        <p:txBody>
+          <a:bodyPr rtlCol="0" anchor="ctr"/>
+          <a:lstStyle/>
+          <a:p>
+            <a:pPr algn="ctr"/>
+            <a:endParaRPr lang="en-US"/>
+          </a:p>
+        </p:txBody>
+      </p:sp>
+      <p:sp>
+        <p:nvSpPr>
+          <p:cNvPr id="107" name="Right Arrow 106">
+            <a:extLst>
+              <a:ext uri="{FF2B5EF4-FFF2-40B4-BE49-F238E27FC236}">
+                <a16:creationId xmlns:a16="http://schemas.microsoft.com/office/drawing/2014/main" id="{A7240D44-058B-2842-A9B0-44B7F850C85E}"/>
+              </a:ext>
+            </a:extLst>
+          </p:cNvPr>
+          <p:cNvSpPr/>
+          <p:nvPr/>
+        </p:nvSpPr>
+        <p:spPr>
+          <a:xfrm rot="12485824">
+            <a:off x="457075" y="4913590"/>
+            <a:ext cx="1770502" cy="495518"/>
+          </a:xfrm>
+          <a:prstGeom prst="rightArrow">
+            <a:avLst/>
+          </a:prstGeom>
+          <a:solidFill>
+            <a:schemeClr val="accent6">
+              <a:lumMod val="40000"/>
+              <a:lumOff val="60000"/>
+            </a:schemeClr>
+          </a:solidFill>
+          <a:ln>
+            <a:noFill/>
+          </a:ln>
+        </p:spPr>
+        <p:style>
+          <a:lnRef idx="2">
+            <a:schemeClr val="accent1">
+              <a:shade val="50000"/>
+            </a:schemeClr>
+          </a:lnRef>
+          <a:fillRef idx="1">
+            <a:schemeClr val="accent1"/>
+          </a:fillRef>
+          <a:effectRef idx="0">
+            <a:schemeClr val="accent1"/>
+          </a:effectRef>
+          <a:fontRef idx="minor">
+            <a:schemeClr val="lt1"/>
+          </a:fontRef>
+        </p:style>
+        <p:txBody>
+          <a:bodyPr rtlCol="0" anchor="ctr"/>
+          <a:lstStyle/>
+          <a:p>
+            <a:pPr algn="ctr"/>
+            <a:endParaRPr lang="en-US"/>
+          </a:p>
+        </p:txBody>
+      </p:sp>
+      <p:sp>
+        <p:nvSpPr>
+          <p:cNvPr id="108" name="Oval 107">
+            <a:extLst>
+              <a:ext uri="{FF2B5EF4-FFF2-40B4-BE49-F238E27FC236}">
+                <a16:creationId xmlns:a16="http://schemas.microsoft.com/office/drawing/2014/main" id="{47D0C09F-A6A8-4642-918A-1AE888EBA5AA}"/>
+              </a:ext>
+            </a:extLst>
+          </p:cNvPr>
+          <p:cNvSpPr/>
+          <p:nvPr/>
+        </p:nvSpPr>
+        <p:spPr>
+          <a:xfrm>
+            <a:off x="362940" y="4550717"/>
+            <a:ext cx="233916" cy="233916"/>
+          </a:xfrm>
+          <a:prstGeom prst="ellipse">
+            <a:avLst/>
+          </a:prstGeom>
+          <a:solidFill>
+            <a:schemeClr val="tx1"/>
+          </a:solidFill>
+        </p:spPr>
+        <p:style>
+          <a:lnRef idx="2">
+            <a:schemeClr val="accent1">
+              <a:shade val="50000"/>
+            </a:schemeClr>
+          </a:lnRef>
+          <a:fillRef idx="1">
+            <a:schemeClr val="accent1"/>
+          </a:fillRef>
+          <a:effectRef idx="0">
+            <a:schemeClr val="accent1"/>
+          </a:effectRef>
+          <a:fontRef idx="minor">
+            <a:schemeClr val="lt1"/>
+          </a:fontRef>
+        </p:style>
+        <p:txBody>
+          <a:bodyPr rtlCol="0" anchor="ctr"/>
+          <a:lstStyle/>
+          <a:p>
+            <a:pPr algn="ctr"/>
+            <a:endParaRPr lang="en-US"/>
+          </a:p>
+        </p:txBody>
+      </p:sp>
+      <p:sp>
+        <p:nvSpPr>
+          <p:cNvPr id="109" name="Oval 108">
+            <a:extLst>
+              <a:ext uri="{FF2B5EF4-FFF2-40B4-BE49-F238E27FC236}">
+                <a16:creationId xmlns:a16="http://schemas.microsoft.com/office/drawing/2014/main" id="{46B8F127-30A8-E943-8CB9-831C943F0B1B}"/>
+              </a:ext>
+            </a:extLst>
+          </p:cNvPr>
+          <p:cNvSpPr/>
+          <p:nvPr/>
+        </p:nvSpPr>
+        <p:spPr>
+          <a:xfrm>
+            <a:off x="2951467" y="5920377"/>
+            <a:ext cx="233916" cy="233916"/>
+          </a:xfrm>
+          <a:prstGeom prst="ellipse">
+            <a:avLst/>
+          </a:prstGeom>
+          <a:solidFill>
+            <a:schemeClr val="tx1"/>
+          </a:solidFill>
+        </p:spPr>
+        <p:style>
+          <a:lnRef idx="2">
+            <a:schemeClr val="accent1">
+              <a:shade val="50000"/>
+            </a:schemeClr>
+          </a:lnRef>
+          <a:fillRef idx="1">
+            <a:schemeClr val="accent1"/>
+          </a:fillRef>
+          <a:effectRef idx="0">
+            <a:schemeClr val="accent1"/>
+          </a:effectRef>
+          <a:fontRef idx="minor">
+            <a:schemeClr val="lt1"/>
+          </a:fontRef>
+        </p:style>
+        <p:txBody>
+          <a:bodyPr rtlCol="0" anchor="ctr"/>
+          <a:lstStyle/>
+          <a:p>
+            <a:pPr algn="ctr"/>
+            <a:endParaRPr lang="en-US"/>
+          </a:p>
+        </p:txBody>
+      </p:sp>
+      <p:sp>
+        <p:nvSpPr>
+          <p:cNvPr id="110" name="Right Arrow 109">
+            <a:extLst>
+              <a:ext uri="{FF2B5EF4-FFF2-40B4-BE49-F238E27FC236}">
+                <a16:creationId xmlns:a16="http://schemas.microsoft.com/office/drawing/2014/main" id="{D3931A19-6A3E-FB42-B57B-F1ABCB69BAEA}"/>
+              </a:ext>
+            </a:extLst>
+          </p:cNvPr>
+          <p:cNvSpPr/>
+          <p:nvPr/>
+        </p:nvSpPr>
+        <p:spPr>
+          <a:xfrm rot="7344849">
+            <a:off x="1405420" y="5861410"/>
+            <a:ext cx="1005603" cy="512434"/>
+          </a:xfrm>
+          <a:prstGeom prst="rightArrow">
+            <a:avLst/>
+          </a:prstGeom>
+          <a:solidFill>
+            <a:schemeClr val="accent6">
+              <a:lumMod val="40000"/>
+              <a:lumOff val="60000"/>
+            </a:schemeClr>
+          </a:solidFill>
+          <a:ln>
+            <a:noFill/>
+          </a:ln>
+        </p:spPr>
+        <p:style>
+          <a:lnRef idx="2">
+            <a:schemeClr val="accent1">
+              <a:shade val="50000"/>
+            </a:schemeClr>
+          </a:lnRef>
+          <a:fillRef idx="1">
+            <a:schemeClr val="accent1"/>
+          </a:fillRef>
+          <a:effectRef idx="0">
+            <a:schemeClr val="accent1"/>
+          </a:effectRef>
+          <a:fontRef idx="minor">
+            <a:schemeClr val="lt1"/>
+          </a:fontRef>
+        </p:style>
+        <p:txBody>
+          <a:bodyPr rtlCol="0" anchor="ctr"/>
+          <a:lstStyle/>
+          <a:p>
+            <a:pPr algn="ctr"/>
+            <a:endParaRPr lang="en-US"/>
+          </a:p>
+        </p:txBody>
+      </p:sp>
+      <p:sp>
+        <p:nvSpPr>
+          <p:cNvPr id="111" name="Oval 110">
+            <a:extLst>
+              <a:ext uri="{FF2B5EF4-FFF2-40B4-BE49-F238E27FC236}">
+                <a16:creationId xmlns:a16="http://schemas.microsoft.com/office/drawing/2014/main" id="{2A67A430-057F-8046-8266-86D150F777B1}"/>
+              </a:ext>
+            </a:extLst>
+          </p:cNvPr>
+          <p:cNvSpPr/>
+          <p:nvPr/>
+        </p:nvSpPr>
+        <p:spPr>
+          <a:xfrm>
+            <a:off x="1429938" y="6495617"/>
+            <a:ext cx="233916" cy="233916"/>
+          </a:xfrm>
+          <a:prstGeom prst="ellipse">
+            <a:avLst/>
+          </a:prstGeom>
+          <a:solidFill>
+            <a:schemeClr val="tx1"/>
+          </a:solidFill>
+        </p:spPr>
+        <p:style>
+          <a:lnRef idx="2">
+            <a:schemeClr val="accent1">
+              <a:shade val="50000"/>
+            </a:schemeClr>
+          </a:lnRef>
+          <a:fillRef idx="1">
+            <a:schemeClr val="accent1"/>
+          </a:fillRef>
+          <a:effectRef idx="0">
+            <a:schemeClr val="accent1"/>
+          </a:effectRef>
+          <a:fontRef idx="minor">
+            <a:schemeClr val="lt1"/>
+          </a:fontRef>
+        </p:style>
+        <p:txBody>
+          <a:bodyPr rtlCol="0" anchor="ctr"/>
+          <a:lstStyle/>
+          <a:p>
+            <a:pPr algn="ctr"/>
+            <a:endParaRPr lang="en-US"/>
+          </a:p>
+        </p:txBody>
+      </p:sp>
+      <p:sp>
+        <p:nvSpPr>
+          <p:cNvPr id="112" name="Oval 111">
+            <a:extLst>
+              <a:ext uri="{FF2B5EF4-FFF2-40B4-BE49-F238E27FC236}">
+                <a16:creationId xmlns:a16="http://schemas.microsoft.com/office/drawing/2014/main" id="{2B3C476A-6E51-1F49-BEB4-A7E09F84BA74}"/>
+              </a:ext>
+            </a:extLst>
+          </p:cNvPr>
+          <p:cNvSpPr/>
+          <p:nvPr/>
+        </p:nvSpPr>
+        <p:spPr>
+          <a:xfrm>
+            <a:off x="3043738" y="4030158"/>
+            <a:ext cx="233916" cy="233916"/>
+          </a:xfrm>
+          <a:prstGeom prst="ellipse">
+            <a:avLst/>
+          </a:prstGeom>
+          <a:solidFill>
+            <a:schemeClr val="tx1"/>
+          </a:solidFill>
+        </p:spPr>
+        <p:style>
+          <a:lnRef idx="2">
+            <a:schemeClr val="accent1">
+              <a:shade val="50000"/>
+            </a:schemeClr>
+          </a:lnRef>
+          <a:fillRef idx="1">
+            <a:schemeClr val="accent1"/>
+          </a:fillRef>
+          <a:effectRef idx="0">
+            <a:schemeClr val="accent1"/>
+          </a:effectRef>
+          <a:fontRef idx="minor">
+            <a:schemeClr val="lt1"/>
+          </a:fontRef>
+        </p:style>
+        <p:txBody>
+          <a:bodyPr rtlCol="0" anchor="ctr"/>
+          <a:lstStyle/>
+          <a:p>
+            <a:pPr algn="ctr"/>
+            <a:endParaRPr lang="en-US"/>
+          </a:p>
+        </p:txBody>
+      </p:sp>
+      <p:sp>
+        <p:nvSpPr>
+          <p:cNvPr id="113" name="Right Arrow 112">
+            <a:extLst>
+              <a:ext uri="{FF2B5EF4-FFF2-40B4-BE49-F238E27FC236}">
+                <a16:creationId xmlns:a16="http://schemas.microsoft.com/office/drawing/2014/main" id="{91EF9DAC-4227-D145-BCB5-76B5AD453B23}"/>
+              </a:ext>
+            </a:extLst>
+          </p:cNvPr>
+          <p:cNvSpPr/>
+          <p:nvPr/>
+        </p:nvSpPr>
+        <p:spPr>
+          <a:xfrm rot="7344849">
+            <a:off x="1866149" y="4708775"/>
+            <a:ext cx="1645351" cy="512434"/>
+          </a:xfrm>
+          <a:prstGeom prst="rightArrow">
+            <a:avLst/>
+          </a:prstGeom>
+          <a:solidFill>
+            <a:schemeClr val="accent6">
+              <a:lumMod val="40000"/>
+              <a:lumOff val="60000"/>
+            </a:schemeClr>
+          </a:solidFill>
+          <a:ln>
+            <a:noFill/>
+          </a:ln>
+        </p:spPr>
+        <p:style>
+          <a:lnRef idx="2">
+            <a:schemeClr val="accent1">
+              <a:shade val="50000"/>
+            </a:schemeClr>
+          </a:lnRef>
+          <a:fillRef idx="1">
+            <a:schemeClr val="accent1"/>
+          </a:fillRef>
+          <a:effectRef idx="0">
+            <a:schemeClr val="accent1"/>
+          </a:effectRef>
+          <a:fontRef idx="minor">
+            <a:schemeClr val="lt1"/>
+          </a:fontRef>
+        </p:style>
+        <p:txBody>
+          <a:bodyPr rtlCol="0" anchor="ctr"/>
+          <a:lstStyle/>
+          <a:p>
+            <a:pPr algn="ctr"/>
+            <a:endParaRPr lang="en-US"/>
+          </a:p>
+        </p:txBody>
+      </p:sp>
+      <p:sp>
+        <p:nvSpPr>
+          <p:cNvPr id="114" name="Right Arrow 113">
+            <a:extLst>
+              <a:ext uri="{FF2B5EF4-FFF2-40B4-BE49-F238E27FC236}">
+                <a16:creationId xmlns:a16="http://schemas.microsoft.com/office/drawing/2014/main" id="{90250D27-ACF3-6244-BA99-E972F2DA104E}"/>
+              </a:ext>
+            </a:extLst>
+          </p:cNvPr>
+          <p:cNvSpPr/>
+          <p:nvPr/>
+        </p:nvSpPr>
+        <p:spPr>
+          <a:xfrm rot="12485824">
+            <a:off x="2267508" y="5643325"/>
+            <a:ext cx="666538" cy="413635"/>
+          </a:xfrm>
+          <a:prstGeom prst="rightArrow">
+            <a:avLst/>
+          </a:prstGeom>
+          <a:solidFill>
+            <a:schemeClr val="accent6">
+              <a:lumMod val="40000"/>
+              <a:lumOff val="60000"/>
+            </a:schemeClr>
+          </a:solidFill>
+          <a:ln>
+            <a:noFill/>
+          </a:ln>
+        </p:spPr>
+        <p:style>
+          <a:lnRef idx="2">
+            <a:schemeClr val="accent1">
+              <a:shade val="50000"/>
+            </a:schemeClr>
+          </a:lnRef>
+          <a:fillRef idx="1">
+            <a:schemeClr val="accent1"/>
+          </a:fillRef>
+          <a:effectRef idx="0">
+            <a:schemeClr val="accent1"/>
+          </a:effectRef>
+          <a:fontRef idx="minor">
+            <a:schemeClr val="lt1"/>
+          </a:fontRef>
+        </p:style>
+        <p:txBody>
+          <a:bodyPr rtlCol="0" anchor="ctr"/>
+          <a:lstStyle/>
+          <a:p>
+            <a:pPr algn="ctr"/>
+            <a:endParaRPr lang="en-US"/>
+          </a:p>
+        </p:txBody>
+      </p:sp>
+      <p:sp>
+        <p:nvSpPr>
+          <p:cNvPr id="115" name="Oval 114">
+            <a:extLst>
+              <a:ext uri="{FF2B5EF4-FFF2-40B4-BE49-F238E27FC236}">
+                <a16:creationId xmlns:a16="http://schemas.microsoft.com/office/drawing/2014/main" id="{A4AC4D9D-72C5-F642-81F4-E4194E440942}"/>
+              </a:ext>
+            </a:extLst>
+          </p:cNvPr>
+          <p:cNvSpPr/>
+          <p:nvPr/>
+        </p:nvSpPr>
+        <p:spPr>
+          <a:xfrm>
+            <a:off x="2066029" y="5501491"/>
+            <a:ext cx="233916" cy="233916"/>
+          </a:xfrm>
+          <a:prstGeom prst="ellipse">
+            <a:avLst/>
+          </a:prstGeom>
+          <a:solidFill>
+            <a:schemeClr val="tx1"/>
+          </a:solidFill>
+        </p:spPr>
+        <p:style>
+          <a:lnRef idx="2">
+            <a:schemeClr val="accent1">
+              <a:shade val="50000"/>
+            </a:schemeClr>
+          </a:lnRef>
+          <a:fillRef idx="1">
+            <a:schemeClr val="accent1"/>
+          </a:fillRef>
+          <a:effectRef idx="0">
+            <a:schemeClr val="accent1"/>
+          </a:effectRef>
+          <a:fontRef idx="minor">
+            <a:schemeClr val="lt1"/>
+          </a:fontRef>
+        </p:style>
+        <p:txBody>
+          <a:bodyPr rtlCol="0" anchor="ctr"/>
+          <a:lstStyle/>
+          <a:p>
+            <a:pPr algn="ctr"/>
+            <a:endParaRPr lang="en-US"/>
+          </a:p>
+        </p:txBody>
+      </p:sp>
+      <p:sp>
+        <p:nvSpPr>
+          <p:cNvPr id="122" name="Right Arrow 121">
+            <a:extLst>
+              <a:ext uri="{FF2B5EF4-FFF2-40B4-BE49-F238E27FC236}">
+                <a16:creationId xmlns:a16="http://schemas.microsoft.com/office/drawing/2014/main" id="{DA241B90-3BFA-8F41-8BBD-F5C1BFC16CF5}"/>
+              </a:ext>
+            </a:extLst>
+          </p:cNvPr>
+          <p:cNvSpPr/>
+          <p:nvPr/>
+        </p:nvSpPr>
+        <p:spPr>
+          <a:xfrm rot="12485824">
+            <a:off x="6740756" y="1617645"/>
+            <a:ext cx="1770502" cy="495518"/>
+          </a:xfrm>
+          <a:prstGeom prst="rightArrow">
+            <a:avLst/>
+          </a:prstGeom>
+          <a:solidFill>
+            <a:schemeClr val="accent6">
+              <a:lumMod val="40000"/>
+              <a:lumOff val="60000"/>
+            </a:schemeClr>
+          </a:solidFill>
+          <a:ln>
+            <a:noFill/>
+          </a:ln>
+        </p:spPr>
+        <p:style>
+          <a:lnRef idx="2">
+            <a:schemeClr val="accent1">
+              <a:shade val="50000"/>
+            </a:schemeClr>
+          </a:lnRef>
+          <a:fillRef idx="1">
+            <a:schemeClr val="accent1"/>
+          </a:fillRef>
+          <a:effectRef idx="0">
+            <a:schemeClr val="accent1"/>
+          </a:effectRef>
+          <a:fontRef idx="minor">
+            <a:schemeClr val="lt1"/>
+          </a:fontRef>
+        </p:style>
+        <p:txBody>
+          <a:bodyPr rtlCol="0" anchor="ctr"/>
+          <a:lstStyle/>
+          <a:p>
+            <a:pPr algn="ctr"/>
+            <a:endParaRPr lang="en-US"/>
+          </a:p>
+        </p:txBody>
+      </p:sp>
+      <p:sp>
+        <p:nvSpPr>
+          <p:cNvPr id="123" name="Oval 122">
+            <a:extLst>
+              <a:ext uri="{FF2B5EF4-FFF2-40B4-BE49-F238E27FC236}">
+                <a16:creationId xmlns:a16="http://schemas.microsoft.com/office/drawing/2014/main" id="{09BEAE1A-D367-334A-9960-5ACF7E371CE8}"/>
+              </a:ext>
+            </a:extLst>
+          </p:cNvPr>
+          <p:cNvSpPr/>
+          <p:nvPr/>
+        </p:nvSpPr>
+        <p:spPr>
+          <a:xfrm>
+            <a:off x="6646621" y="1254772"/>
+            <a:ext cx="233916" cy="233916"/>
+          </a:xfrm>
+          <a:prstGeom prst="ellipse">
+            <a:avLst/>
+          </a:prstGeom>
+          <a:solidFill>
+            <a:schemeClr val="tx1"/>
+          </a:solidFill>
+        </p:spPr>
+        <p:style>
+          <a:lnRef idx="2">
+            <a:schemeClr val="accent1">
+              <a:shade val="50000"/>
+            </a:schemeClr>
+          </a:lnRef>
+          <a:fillRef idx="1">
+            <a:schemeClr val="accent1"/>
+          </a:fillRef>
+          <a:effectRef idx="0">
+            <a:schemeClr val="accent1"/>
+          </a:effectRef>
+          <a:fontRef idx="minor">
+            <a:schemeClr val="lt1"/>
+          </a:fontRef>
+        </p:style>
+        <p:txBody>
+          <a:bodyPr rtlCol="0" anchor="ctr"/>
+          <a:lstStyle/>
+          <a:p>
+            <a:pPr algn="ctr"/>
+            <a:endParaRPr lang="en-US"/>
+          </a:p>
+        </p:txBody>
+      </p:sp>
+      <p:sp>
+        <p:nvSpPr>
+          <p:cNvPr id="124" name="Oval 123">
+            <a:extLst>
+              <a:ext uri="{FF2B5EF4-FFF2-40B4-BE49-F238E27FC236}">
+                <a16:creationId xmlns:a16="http://schemas.microsoft.com/office/drawing/2014/main" id="{AA9D0627-096E-B847-8948-B106BDD0D701}"/>
+              </a:ext>
+            </a:extLst>
+          </p:cNvPr>
+          <p:cNvSpPr/>
+          <p:nvPr/>
+        </p:nvSpPr>
+        <p:spPr>
+          <a:xfrm>
+            <a:off x="9235148" y="2624432"/>
+            <a:ext cx="233916" cy="233916"/>
+          </a:xfrm>
+          <a:prstGeom prst="ellipse">
+            <a:avLst/>
+          </a:prstGeom>
+          <a:solidFill>
+            <a:schemeClr val="tx1"/>
+          </a:solidFill>
+        </p:spPr>
+        <p:style>
+          <a:lnRef idx="2">
+            <a:schemeClr val="accent1">
+              <a:shade val="50000"/>
+            </a:schemeClr>
+          </a:lnRef>
+          <a:fillRef idx="1">
+            <a:schemeClr val="accent1"/>
+          </a:fillRef>
+          <a:effectRef idx="0">
+            <a:schemeClr val="accent1"/>
+          </a:effectRef>
+          <a:fontRef idx="minor">
+            <a:schemeClr val="lt1"/>
+          </a:fontRef>
+        </p:style>
+        <p:txBody>
+          <a:bodyPr rtlCol="0" anchor="ctr"/>
+          <a:lstStyle/>
+          <a:p>
+            <a:pPr algn="ctr"/>
+            <a:endParaRPr lang="en-US"/>
+          </a:p>
+        </p:txBody>
+      </p:sp>
+      <p:sp>
+        <p:nvSpPr>
+          <p:cNvPr id="125" name="Right Arrow 124">
+            <a:extLst>
+              <a:ext uri="{FF2B5EF4-FFF2-40B4-BE49-F238E27FC236}">
+                <a16:creationId xmlns:a16="http://schemas.microsoft.com/office/drawing/2014/main" id="{2B71D510-37BC-FE41-9BCE-C05B969E1560}"/>
+              </a:ext>
+            </a:extLst>
+          </p:cNvPr>
+          <p:cNvSpPr/>
+          <p:nvPr/>
+        </p:nvSpPr>
+        <p:spPr>
+          <a:xfrm rot="7344849">
+            <a:off x="7689101" y="2565465"/>
+            <a:ext cx="1005603" cy="512434"/>
+          </a:xfrm>
+          <a:prstGeom prst="rightArrow">
+            <a:avLst/>
+          </a:prstGeom>
+          <a:solidFill>
+            <a:schemeClr val="accent6">
+              <a:lumMod val="40000"/>
+              <a:lumOff val="60000"/>
+            </a:schemeClr>
+          </a:solidFill>
+          <a:ln>
+            <a:noFill/>
+          </a:ln>
+        </p:spPr>
+        <p:style>
+          <a:lnRef idx="2">
+            <a:schemeClr val="accent1">
+              <a:shade val="50000"/>
+            </a:schemeClr>
+          </a:lnRef>
+          <a:fillRef idx="1">
+            <a:schemeClr val="accent1"/>
+          </a:fillRef>
+          <a:effectRef idx="0">
+            <a:schemeClr val="accent1"/>
+          </a:effectRef>
+          <a:fontRef idx="minor">
+            <a:schemeClr val="lt1"/>
+          </a:fontRef>
+        </p:style>
+        <p:txBody>
+          <a:bodyPr rtlCol="0" anchor="ctr"/>
+          <a:lstStyle/>
+          <a:p>
+            <a:pPr algn="ctr"/>
+            <a:endParaRPr lang="en-US"/>
+          </a:p>
+        </p:txBody>
+      </p:sp>
+      <p:sp>
+        <p:nvSpPr>
+          <p:cNvPr id="126" name="Oval 125">
+            <a:extLst>
+              <a:ext uri="{FF2B5EF4-FFF2-40B4-BE49-F238E27FC236}">
+                <a16:creationId xmlns:a16="http://schemas.microsoft.com/office/drawing/2014/main" id="{18100451-8082-9A40-B4E4-7FB9D962CA56}"/>
+              </a:ext>
+            </a:extLst>
+          </p:cNvPr>
+          <p:cNvSpPr/>
+          <p:nvPr/>
+        </p:nvSpPr>
+        <p:spPr>
+          <a:xfrm>
+            <a:off x="7713619" y="3199672"/>
+            <a:ext cx="233916" cy="233916"/>
+          </a:xfrm>
+          <a:prstGeom prst="ellipse">
+            <a:avLst/>
+          </a:prstGeom>
+          <a:solidFill>
+            <a:schemeClr val="tx1"/>
+          </a:solidFill>
+        </p:spPr>
+        <p:style>
+          <a:lnRef idx="2">
+            <a:schemeClr val="accent1">
+              <a:shade val="50000"/>
+            </a:schemeClr>
+          </a:lnRef>
+          <a:fillRef idx="1">
+            <a:schemeClr val="accent1"/>
+          </a:fillRef>
+          <a:effectRef idx="0">
+            <a:schemeClr val="accent1"/>
+          </a:effectRef>
+          <a:fontRef idx="minor">
+            <a:schemeClr val="lt1"/>
+          </a:fontRef>
+        </p:style>
+        <p:txBody>
+          <a:bodyPr rtlCol="0" anchor="ctr"/>
+          <a:lstStyle/>
+          <a:p>
+            <a:pPr algn="ctr"/>
+            <a:endParaRPr lang="en-US"/>
+          </a:p>
+        </p:txBody>
+      </p:sp>
+      <p:sp>
+        <p:nvSpPr>
+          <p:cNvPr id="127" name="Oval 126">
+            <a:extLst>
+              <a:ext uri="{FF2B5EF4-FFF2-40B4-BE49-F238E27FC236}">
+                <a16:creationId xmlns:a16="http://schemas.microsoft.com/office/drawing/2014/main" id="{46A93552-B4FE-EE46-AD8F-A1AD8912A960}"/>
+              </a:ext>
+            </a:extLst>
+          </p:cNvPr>
+          <p:cNvSpPr/>
+          <p:nvPr/>
+        </p:nvSpPr>
+        <p:spPr>
+          <a:xfrm>
+            <a:off x="9327419" y="734213"/>
+            <a:ext cx="233916" cy="233916"/>
+          </a:xfrm>
+          <a:prstGeom prst="ellipse">
+            <a:avLst/>
+          </a:prstGeom>
+          <a:solidFill>
+            <a:schemeClr val="tx1"/>
+          </a:solidFill>
+        </p:spPr>
+        <p:style>
+          <a:lnRef idx="2">
+            <a:schemeClr val="accent1">
+              <a:shade val="50000"/>
+            </a:schemeClr>
+          </a:lnRef>
+          <a:fillRef idx="1">
+            <a:schemeClr val="accent1"/>
+          </a:fillRef>
+          <a:effectRef idx="0">
+            <a:schemeClr val="accent1"/>
+          </a:effectRef>
+          <a:fontRef idx="minor">
+            <a:schemeClr val="lt1"/>
+          </a:fontRef>
+        </p:style>
+        <p:txBody>
+          <a:bodyPr rtlCol="0" anchor="ctr"/>
+          <a:lstStyle/>
+          <a:p>
+            <a:pPr algn="ctr"/>
+            <a:endParaRPr lang="en-US"/>
+          </a:p>
+        </p:txBody>
+      </p:sp>
+      <p:sp>
+        <p:nvSpPr>
+          <p:cNvPr id="134" name="Right Arrow 133">
+            <a:extLst>
+              <a:ext uri="{FF2B5EF4-FFF2-40B4-BE49-F238E27FC236}">
+                <a16:creationId xmlns:a16="http://schemas.microsoft.com/office/drawing/2014/main" id="{5C2C6C65-6A4A-794F-8B45-5974079693F1}"/>
+              </a:ext>
+            </a:extLst>
+          </p:cNvPr>
+          <p:cNvSpPr/>
+          <p:nvPr/>
+        </p:nvSpPr>
+        <p:spPr>
+          <a:xfrm rot="7344849">
+            <a:off x="8149830" y="1412830"/>
+            <a:ext cx="1645351" cy="512434"/>
+          </a:xfrm>
+          <a:prstGeom prst="rightArrow">
+            <a:avLst/>
+          </a:prstGeom>
+          <a:solidFill>
+            <a:schemeClr val="accent6">
+              <a:lumMod val="40000"/>
+              <a:lumOff val="60000"/>
+            </a:schemeClr>
+          </a:solidFill>
+          <a:ln>
+            <a:noFill/>
+          </a:ln>
+        </p:spPr>
+        <p:style>
+          <a:lnRef idx="2">
+            <a:schemeClr val="accent1">
+              <a:shade val="50000"/>
+            </a:schemeClr>
+          </a:lnRef>
+          <a:fillRef idx="1">
+            <a:schemeClr val="accent1"/>
+          </a:fillRef>
+          <a:effectRef idx="0">
+            <a:schemeClr val="accent1"/>
+          </a:effectRef>
+          <a:fontRef idx="minor">
+            <a:schemeClr val="lt1"/>
+          </a:fontRef>
+        </p:style>
+        <p:txBody>
+          <a:bodyPr rtlCol="0" anchor="ctr"/>
+          <a:lstStyle/>
+          <a:p>
+            <a:pPr algn="ctr"/>
+            <a:endParaRPr lang="en-US"/>
+          </a:p>
+        </p:txBody>
+      </p:sp>
+      <p:sp>
+        <p:nvSpPr>
+          <p:cNvPr id="135" name="Right Arrow 134">
+            <a:extLst>
+              <a:ext uri="{FF2B5EF4-FFF2-40B4-BE49-F238E27FC236}">
+                <a16:creationId xmlns:a16="http://schemas.microsoft.com/office/drawing/2014/main" id="{60E210D4-BD2F-8849-8DF6-FE344EBADBCE}"/>
+              </a:ext>
+            </a:extLst>
+          </p:cNvPr>
+          <p:cNvSpPr/>
+          <p:nvPr/>
+        </p:nvSpPr>
+        <p:spPr>
+          <a:xfrm rot="12485824">
+            <a:off x="8551189" y="2347380"/>
+            <a:ext cx="666538" cy="413635"/>
+          </a:xfrm>
+          <a:prstGeom prst="rightArrow">
+            <a:avLst/>
+          </a:prstGeom>
+          <a:solidFill>
+            <a:schemeClr val="accent6">
+              <a:lumMod val="40000"/>
+              <a:lumOff val="60000"/>
+            </a:schemeClr>
+          </a:solidFill>
+          <a:ln>
+            <a:noFill/>
+          </a:ln>
+        </p:spPr>
+        <p:style>
+          <a:lnRef idx="2">
+            <a:schemeClr val="accent1">
+              <a:shade val="50000"/>
+            </a:schemeClr>
+          </a:lnRef>
+          <a:fillRef idx="1">
+            <a:schemeClr val="accent1"/>
+          </a:fillRef>
+          <a:effectRef idx="0">
+            <a:schemeClr val="accent1"/>
+          </a:effectRef>
+          <a:fontRef idx="minor">
+            <a:schemeClr val="lt1"/>
+          </a:fontRef>
+        </p:style>
+        <p:txBody>
+          <a:bodyPr rtlCol="0" anchor="ctr"/>
+          <a:lstStyle/>
+          <a:p>
+            <a:pPr algn="ctr"/>
+            <a:endParaRPr lang="en-US"/>
+          </a:p>
+        </p:txBody>
+      </p:sp>
+      <p:sp>
+        <p:nvSpPr>
+          <p:cNvPr id="137" name="Oval 136">
+            <a:extLst>
+              <a:ext uri="{FF2B5EF4-FFF2-40B4-BE49-F238E27FC236}">
+                <a16:creationId xmlns:a16="http://schemas.microsoft.com/office/drawing/2014/main" id="{8C5DFF5E-618A-CF44-AE6D-F63C664BCACA}"/>
+              </a:ext>
+            </a:extLst>
+          </p:cNvPr>
+          <p:cNvSpPr/>
+          <p:nvPr/>
+        </p:nvSpPr>
+        <p:spPr>
+          <a:xfrm>
+            <a:off x="8223396" y="2077298"/>
+            <a:ext cx="578937" cy="500402"/>
+          </a:xfrm>
+          <a:prstGeom prst="ellipse">
+            <a:avLst/>
+          </a:prstGeom>
+          <a:solidFill>
+            <a:schemeClr val="accent2"/>
+          </a:solidFill>
+        </p:spPr>
+        <p:style>
+          <a:lnRef idx="2">
+            <a:schemeClr val="accent1">
+              <a:shade val="50000"/>
+            </a:schemeClr>
+          </a:lnRef>
+          <a:fillRef idx="1">
+            <a:schemeClr val="accent1"/>
+          </a:fillRef>
+          <a:effectRef idx="0">
+            <a:schemeClr val="accent1"/>
+          </a:effectRef>
+          <a:fontRef idx="minor">
+            <a:schemeClr val="lt1"/>
+          </a:fontRef>
+        </p:style>
+        <p:txBody>
+          <a:bodyPr rtlCol="0" anchor="ctr"/>
+          <a:lstStyle/>
+          <a:p>
+            <a:pPr algn="ctr"/>
+            <a:endParaRPr lang="en-US"/>
+          </a:p>
+        </p:txBody>
+      </p:sp>
+      <p:sp>
+        <p:nvSpPr>
+          <p:cNvPr id="136" name="Oval 135">
+            <a:extLst>
+              <a:ext uri="{FF2B5EF4-FFF2-40B4-BE49-F238E27FC236}">
+                <a16:creationId xmlns:a16="http://schemas.microsoft.com/office/drawing/2014/main" id="{81643AED-8B09-1B42-86BC-C4F427091131}"/>
+              </a:ext>
+            </a:extLst>
+          </p:cNvPr>
+          <p:cNvSpPr/>
+          <p:nvPr/>
+        </p:nvSpPr>
+        <p:spPr>
+          <a:xfrm>
+            <a:off x="8349710" y="2205546"/>
+            <a:ext cx="233916" cy="233916"/>
+          </a:xfrm>
+          <a:prstGeom prst="ellipse">
+            <a:avLst/>
+          </a:prstGeom>
+          <a:solidFill>
+            <a:schemeClr val="tx1"/>
+          </a:solidFill>
+        </p:spPr>
+        <p:style>
+          <a:lnRef idx="2">
+            <a:schemeClr val="accent1">
+              <a:shade val="50000"/>
+            </a:schemeClr>
+          </a:lnRef>
+          <a:fillRef idx="1">
+            <a:schemeClr val="accent1"/>
+          </a:fillRef>
+          <a:effectRef idx="0">
+            <a:schemeClr val="accent1"/>
+          </a:effectRef>
+          <a:fontRef idx="minor">
+            <a:schemeClr val="lt1"/>
+          </a:fontRef>
+        </p:style>
+        <p:txBody>
+          <a:bodyPr rtlCol="0" anchor="ctr"/>
+          <a:lstStyle/>
+          <a:p>
+            <a:pPr algn="ctr"/>
+            <a:endParaRPr lang="en-US"/>
+          </a:p>
+        </p:txBody>
+      </p:sp>
+      <p:sp>
+        <p:nvSpPr>
+          <p:cNvPr id="138" name="Right Arrow 137">
+            <a:extLst>
+              <a:ext uri="{FF2B5EF4-FFF2-40B4-BE49-F238E27FC236}">
+                <a16:creationId xmlns:a16="http://schemas.microsoft.com/office/drawing/2014/main" id="{E31CB903-A5C9-E14D-B2F2-97D293A6E3C4}"/>
+              </a:ext>
+            </a:extLst>
+          </p:cNvPr>
+          <p:cNvSpPr/>
+          <p:nvPr/>
+        </p:nvSpPr>
+        <p:spPr>
+          <a:xfrm rot="10127781">
+            <a:off x="3136088" y="697076"/>
+            <a:ext cx="2709669" cy="503510"/>
+          </a:xfrm>
+          <a:prstGeom prst="rightArrow">
+            <a:avLst/>
+          </a:prstGeom>
+          <a:solidFill>
+            <a:schemeClr val="accent6">
+              <a:lumMod val="40000"/>
+              <a:lumOff val="60000"/>
+            </a:schemeClr>
+          </a:solidFill>
+          <a:ln>
+            <a:noFill/>
+          </a:ln>
+        </p:spPr>
+        <p:style>
+          <a:lnRef idx="2">
+            <a:schemeClr val="accent1">
+              <a:shade val="50000"/>
+            </a:schemeClr>
+          </a:lnRef>
+          <a:fillRef idx="1">
+            <a:schemeClr val="accent1"/>
+          </a:fillRef>
+          <a:effectRef idx="0">
+            <a:schemeClr val="accent1"/>
+          </a:effectRef>
+          <a:fontRef idx="minor">
+            <a:schemeClr val="lt1"/>
+          </a:fontRef>
+        </p:style>
+        <p:txBody>
+          <a:bodyPr rtlCol="0" anchor="ctr"/>
+          <a:lstStyle/>
+          <a:p>
+            <a:pPr algn="ctr"/>
+            <a:endParaRPr lang="en-US"/>
+          </a:p>
+        </p:txBody>
+      </p:sp>
+      <p:sp>
+        <p:nvSpPr>
+          <p:cNvPr id="139" name="Right Arrow 138">
+            <a:extLst>
+              <a:ext uri="{FF2B5EF4-FFF2-40B4-BE49-F238E27FC236}">
+                <a16:creationId xmlns:a16="http://schemas.microsoft.com/office/drawing/2014/main" id="{6D9E87D1-C7DF-1943-A915-10996BD03666}"/>
+              </a:ext>
+            </a:extLst>
+          </p:cNvPr>
+          <p:cNvSpPr/>
+          <p:nvPr/>
+        </p:nvSpPr>
+        <p:spPr>
+          <a:xfrm rot="10800000">
+            <a:off x="3045097" y="2891791"/>
+            <a:ext cx="2709669" cy="503510"/>
+          </a:xfrm>
+          <a:prstGeom prst="rightArrow">
+            <a:avLst/>
+          </a:prstGeom>
+          <a:solidFill>
+            <a:schemeClr val="accent6">
+              <a:lumMod val="40000"/>
+              <a:lumOff val="60000"/>
+            </a:schemeClr>
+          </a:solidFill>
+          <a:ln>
+            <a:noFill/>
+          </a:ln>
+        </p:spPr>
+        <p:style>
+          <a:lnRef idx="2">
+            <a:schemeClr val="accent1">
+              <a:shade val="50000"/>
+            </a:schemeClr>
+          </a:lnRef>
+          <a:fillRef idx="1">
+            <a:schemeClr val="accent1"/>
+          </a:fillRef>
+          <a:effectRef idx="0">
+            <a:schemeClr val="accent1"/>
+          </a:effectRef>
+          <a:fontRef idx="minor">
+            <a:schemeClr val="lt1"/>
+          </a:fontRef>
+        </p:style>
+        <p:txBody>
+          <a:bodyPr rtlCol="0" anchor="ctr"/>
+          <a:lstStyle/>
+          <a:p>
+            <a:pPr algn="ctr"/>
+            <a:endParaRPr lang="en-US"/>
+          </a:p>
+        </p:txBody>
+      </p:sp>
+      <p:sp>
+        <p:nvSpPr>
+          <p:cNvPr id="140" name="Right Arrow 139">
+            <a:extLst>
+              <a:ext uri="{FF2B5EF4-FFF2-40B4-BE49-F238E27FC236}">
+                <a16:creationId xmlns:a16="http://schemas.microsoft.com/office/drawing/2014/main" id="{A9F2D83D-3BAF-0642-BBF0-10BA8A7781D6}"/>
+              </a:ext>
+            </a:extLst>
+          </p:cNvPr>
+          <p:cNvSpPr/>
+          <p:nvPr/>
+        </p:nvSpPr>
+        <p:spPr>
+          <a:xfrm rot="10127781">
+            <a:off x="9459235" y="369175"/>
+            <a:ext cx="2709669" cy="503510"/>
+          </a:xfrm>
+          <a:prstGeom prst="rightArrow">
+            <a:avLst/>
+          </a:prstGeom>
+          <a:solidFill>
+            <a:schemeClr val="accent6">
+              <a:lumMod val="40000"/>
+              <a:lumOff val="60000"/>
+            </a:schemeClr>
+          </a:solidFill>
+          <a:ln>
+            <a:noFill/>
+          </a:ln>
+        </p:spPr>
+        <p:style>
+          <a:lnRef idx="2">
+            <a:schemeClr val="accent1">
+              <a:shade val="50000"/>
+            </a:schemeClr>
+          </a:lnRef>
+          <a:fillRef idx="1">
+            <a:schemeClr val="accent1"/>
+          </a:fillRef>
+          <a:effectRef idx="0">
+            <a:schemeClr val="accent1"/>
+          </a:effectRef>
+          <a:fontRef idx="minor">
+            <a:schemeClr val="lt1"/>
+          </a:fontRef>
+        </p:style>
+        <p:txBody>
+          <a:bodyPr rtlCol="0" anchor="ctr"/>
+          <a:lstStyle/>
+          <a:p>
+            <a:pPr algn="ctr"/>
+            <a:endParaRPr lang="en-US"/>
+          </a:p>
+        </p:txBody>
+      </p:sp>
+      <p:sp>
+        <p:nvSpPr>
+          <p:cNvPr id="141" name="Right Arrow 140">
+            <a:extLst>
+              <a:ext uri="{FF2B5EF4-FFF2-40B4-BE49-F238E27FC236}">
+                <a16:creationId xmlns:a16="http://schemas.microsoft.com/office/drawing/2014/main" id="{1FF58321-67B9-3741-A986-240CC823A07E}"/>
+              </a:ext>
+            </a:extLst>
+          </p:cNvPr>
+          <p:cNvSpPr/>
+          <p:nvPr/>
+        </p:nvSpPr>
+        <p:spPr>
+          <a:xfrm rot="10800000">
+            <a:off x="9367096" y="2554197"/>
+            <a:ext cx="2709669" cy="503510"/>
+          </a:xfrm>
+          <a:prstGeom prst="rightArrow">
+            <a:avLst/>
+          </a:prstGeom>
+          <a:solidFill>
+            <a:schemeClr val="accent6">
+              <a:lumMod val="40000"/>
+              <a:lumOff val="60000"/>
+            </a:schemeClr>
+          </a:solidFill>
+          <a:ln>
+            <a:noFill/>
+          </a:ln>
+        </p:spPr>
+        <p:style>
+          <a:lnRef idx="2">
+            <a:schemeClr val="accent1">
+              <a:shade val="50000"/>
+            </a:schemeClr>
+          </a:lnRef>
+          <a:fillRef idx="1">
+            <a:schemeClr val="accent1"/>
+          </a:fillRef>
+          <a:effectRef idx="0">
+            <a:schemeClr val="accent1"/>
+          </a:effectRef>
+          <a:fontRef idx="minor">
+            <a:schemeClr val="lt1"/>
+          </a:fontRef>
+        </p:style>
+        <p:txBody>
+          <a:bodyPr rtlCol="0" anchor="ctr"/>
+          <a:lstStyle/>
+          <a:p>
+            <a:pPr algn="ctr"/>
+            <a:endParaRPr lang="en-US"/>
+          </a:p>
+        </p:txBody>
+      </p:sp>
+      <p:sp>
+        <p:nvSpPr>
+          <p:cNvPr id="3" name="TextBox 2">
+            <a:extLst>
+              <a:ext uri="{FF2B5EF4-FFF2-40B4-BE49-F238E27FC236}">
+                <a16:creationId xmlns:a16="http://schemas.microsoft.com/office/drawing/2014/main" id="{5B3E784F-CAE8-014D-AA84-72B167DE858B}"/>
+              </a:ext>
+            </a:extLst>
+          </p:cNvPr>
+          <p:cNvSpPr txBox="1"/>
+          <p:nvPr/>
+        </p:nvSpPr>
+        <p:spPr>
+          <a:xfrm>
+            <a:off x="1765005" y="1266588"/>
+            <a:ext cx="367408" cy="523220"/>
+          </a:xfrm>
+          <a:prstGeom prst="rect">
+            <a:avLst/>
+          </a:prstGeom>
+          <a:noFill/>
+        </p:spPr>
+        <p:txBody>
+          <a:bodyPr wrap="none" rtlCol="0">
+            <a:spAutoFit/>
+          </a:bodyPr>
+          <a:lstStyle/>
+          <a:p>
+            <a:r>
+              <a:rPr lang="en-US" sz="2800" dirty="0"/>
+              <a:t>1</a:t>
+            </a:r>
+          </a:p>
+        </p:txBody>
+      </p:sp>
+      <p:sp>
+        <p:nvSpPr>
+          <p:cNvPr id="142" name="TextBox 141">
+            <a:extLst>
+              <a:ext uri="{FF2B5EF4-FFF2-40B4-BE49-F238E27FC236}">
+                <a16:creationId xmlns:a16="http://schemas.microsoft.com/office/drawing/2014/main" id="{9F792C9A-4EE5-B44A-A018-4E51F25693A3}"/>
+              </a:ext>
+            </a:extLst>
+          </p:cNvPr>
+          <p:cNvSpPr txBox="1"/>
+          <p:nvPr/>
+        </p:nvSpPr>
+        <p:spPr>
+          <a:xfrm>
+            <a:off x="7901903" y="929214"/>
+            <a:ext cx="367408" cy="523220"/>
+          </a:xfrm>
+          <a:prstGeom prst="rect">
+            <a:avLst/>
+          </a:prstGeom>
+          <a:noFill/>
+        </p:spPr>
+        <p:txBody>
+          <a:bodyPr wrap="none" rtlCol="0">
+            <a:spAutoFit/>
+          </a:bodyPr>
+          <a:lstStyle/>
+          <a:p>
+            <a:r>
+              <a:rPr lang="en-US" sz="2800" dirty="0"/>
+              <a:t>2</a:t>
+            </a:r>
+          </a:p>
+        </p:txBody>
+      </p:sp>
+      <p:sp>
+        <p:nvSpPr>
+          <p:cNvPr id="143" name="TextBox 142">
+            <a:extLst>
+              <a:ext uri="{FF2B5EF4-FFF2-40B4-BE49-F238E27FC236}">
+                <a16:creationId xmlns:a16="http://schemas.microsoft.com/office/drawing/2014/main" id="{3EA670A4-4244-DE4F-B51B-2A8B9D4CCE87}"/>
+              </a:ext>
+            </a:extLst>
+          </p:cNvPr>
+          <p:cNvSpPr txBox="1"/>
+          <p:nvPr/>
+        </p:nvSpPr>
+        <p:spPr>
+          <a:xfrm>
+            <a:off x="1698621" y="4201682"/>
+            <a:ext cx="367408" cy="523220"/>
+          </a:xfrm>
+          <a:prstGeom prst="rect">
+            <a:avLst/>
+          </a:prstGeom>
+          <a:noFill/>
+        </p:spPr>
+        <p:txBody>
+          <a:bodyPr wrap="none" rtlCol="0">
+            <a:spAutoFit/>
+          </a:bodyPr>
+          <a:lstStyle/>
+          <a:p>
+            <a:r>
+              <a:rPr lang="en-US" sz="2800" dirty="0"/>
+              <a:t>3</a:t>
+            </a:r>
+          </a:p>
+        </p:txBody>
+      </p:sp>
+      <p:sp>
+        <p:nvSpPr>
+          <p:cNvPr id="144" name="Right Arrow 143">
+            <a:extLst>
+              <a:ext uri="{FF2B5EF4-FFF2-40B4-BE49-F238E27FC236}">
+                <a16:creationId xmlns:a16="http://schemas.microsoft.com/office/drawing/2014/main" id="{11EEAE8A-6561-6A4D-AFF1-6A0B259ECD45}"/>
+              </a:ext>
+            </a:extLst>
+          </p:cNvPr>
+          <p:cNvSpPr/>
+          <p:nvPr/>
+        </p:nvSpPr>
+        <p:spPr>
+          <a:xfrm rot="10127781">
+            <a:off x="3182801" y="3639519"/>
+            <a:ext cx="2709669" cy="503510"/>
+          </a:xfrm>
+          <a:prstGeom prst="rightArrow">
+            <a:avLst/>
+          </a:prstGeom>
+          <a:solidFill>
+            <a:schemeClr val="accent6">
+              <a:lumMod val="40000"/>
+              <a:lumOff val="60000"/>
+            </a:schemeClr>
+          </a:solidFill>
+          <a:ln>
+            <a:noFill/>
+          </a:ln>
+        </p:spPr>
+        <p:style>
+          <a:lnRef idx="2">
+            <a:schemeClr val="accent1">
+              <a:shade val="50000"/>
+            </a:schemeClr>
+          </a:lnRef>
+          <a:fillRef idx="1">
+            <a:schemeClr val="accent1"/>
+          </a:fillRef>
+          <a:effectRef idx="0">
+            <a:schemeClr val="accent1"/>
+          </a:effectRef>
+          <a:fontRef idx="minor">
+            <a:schemeClr val="lt1"/>
+          </a:fontRef>
+        </p:style>
+        <p:txBody>
+          <a:bodyPr rtlCol="0" anchor="ctr"/>
+          <a:lstStyle/>
+          <a:p>
+            <a:pPr algn="ctr"/>
+            <a:endParaRPr lang="en-US"/>
+          </a:p>
+        </p:txBody>
+      </p:sp>
+      <p:sp>
+        <p:nvSpPr>
+          <p:cNvPr id="145" name="Right Arrow 144">
+            <a:extLst>
+              <a:ext uri="{FF2B5EF4-FFF2-40B4-BE49-F238E27FC236}">
+                <a16:creationId xmlns:a16="http://schemas.microsoft.com/office/drawing/2014/main" id="{462F0B57-500C-1C41-91C5-E676A9B6DDF5}"/>
+              </a:ext>
+            </a:extLst>
+          </p:cNvPr>
+          <p:cNvSpPr/>
+          <p:nvPr/>
+        </p:nvSpPr>
+        <p:spPr>
+          <a:xfrm rot="10800000">
+            <a:off x="3173595" y="5735407"/>
+            <a:ext cx="2709669" cy="503510"/>
+          </a:xfrm>
+          <a:prstGeom prst="rightArrow">
+            <a:avLst/>
+          </a:prstGeom>
+          <a:solidFill>
+            <a:schemeClr val="accent6">
+              <a:lumMod val="40000"/>
+              <a:lumOff val="60000"/>
+            </a:schemeClr>
+          </a:solidFill>
+          <a:ln>
+            <a:noFill/>
+          </a:ln>
+        </p:spPr>
+        <p:style>
+          <a:lnRef idx="2">
+            <a:schemeClr val="accent1">
+              <a:shade val="50000"/>
+            </a:schemeClr>
+          </a:lnRef>
+          <a:fillRef idx="1">
+            <a:schemeClr val="accent1"/>
+          </a:fillRef>
+          <a:effectRef idx="0">
+            <a:schemeClr val="accent1"/>
+          </a:effectRef>
+          <a:fontRef idx="minor">
+            <a:schemeClr val="lt1"/>
+          </a:fontRef>
+        </p:style>
+        <p:txBody>
+          <a:bodyPr rtlCol="0" anchor="ctr"/>
+          <a:lstStyle/>
+          <a:p>
+            <a:pPr algn="ctr"/>
+            <a:endParaRPr lang="en-US"/>
+          </a:p>
+        </p:txBody>
+      </p:sp>
+      <p:sp>
+        <p:nvSpPr>
+          <p:cNvPr id="146" name="Oval 145">
+            <a:extLst>
+              <a:ext uri="{FF2B5EF4-FFF2-40B4-BE49-F238E27FC236}">
+                <a16:creationId xmlns:a16="http://schemas.microsoft.com/office/drawing/2014/main" id="{9F0CE26A-26C8-674C-B7CA-A86EF1F0B186}"/>
+              </a:ext>
+            </a:extLst>
+          </p:cNvPr>
+          <p:cNvSpPr/>
+          <p:nvPr/>
+        </p:nvSpPr>
+        <p:spPr>
+          <a:xfrm>
+            <a:off x="5753011" y="603290"/>
+            <a:ext cx="233916" cy="233916"/>
+          </a:xfrm>
+          <a:prstGeom prst="ellipse">
+            <a:avLst/>
+          </a:prstGeom>
+          <a:solidFill>
+            <a:schemeClr val="tx1"/>
+          </a:solidFill>
+        </p:spPr>
+        <p:style>
+          <a:lnRef idx="2">
+            <a:schemeClr val="accent1">
+              <a:shade val="50000"/>
+            </a:schemeClr>
+          </a:lnRef>
+          <a:fillRef idx="1">
+            <a:schemeClr val="accent1"/>
+          </a:fillRef>
+          <a:effectRef idx="0">
+            <a:schemeClr val="accent1"/>
+          </a:effectRef>
+          <a:fontRef idx="minor">
+            <a:schemeClr val="lt1"/>
+          </a:fontRef>
+        </p:style>
+        <p:txBody>
+          <a:bodyPr rtlCol="0" anchor="ctr"/>
+          <a:lstStyle/>
+          <a:p>
+            <a:pPr algn="ctr"/>
+            <a:endParaRPr lang="en-US"/>
+          </a:p>
+        </p:txBody>
+      </p:sp>
+      <p:sp>
+        <p:nvSpPr>
+          <p:cNvPr id="147" name="Oval 146">
+            <a:extLst>
+              <a:ext uri="{FF2B5EF4-FFF2-40B4-BE49-F238E27FC236}">
+                <a16:creationId xmlns:a16="http://schemas.microsoft.com/office/drawing/2014/main" id="{122C95A7-63BF-4842-A28F-53BE5BE94DC4}"/>
+              </a:ext>
+            </a:extLst>
+          </p:cNvPr>
+          <p:cNvSpPr/>
+          <p:nvPr/>
+        </p:nvSpPr>
+        <p:spPr>
+          <a:xfrm>
+            <a:off x="5753011" y="2965756"/>
+            <a:ext cx="233916" cy="233916"/>
+          </a:xfrm>
+          <a:prstGeom prst="ellipse">
+            <a:avLst/>
+          </a:prstGeom>
+          <a:solidFill>
+            <a:schemeClr val="tx1"/>
+          </a:solidFill>
+        </p:spPr>
+        <p:style>
+          <a:lnRef idx="2">
+            <a:schemeClr val="accent1">
+              <a:shade val="50000"/>
+            </a:schemeClr>
+          </a:lnRef>
+          <a:fillRef idx="1">
+            <a:schemeClr val="accent1"/>
+          </a:fillRef>
+          <a:effectRef idx="0">
+            <a:schemeClr val="accent1"/>
+          </a:effectRef>
+          <a:fontRef idx="minor">
+            <a:schemeClr val="lt1"/>
+          </a:fontRef>
+        </p:style>
+        <p:txBody>
+          <a:bodyPr rtlCol="0" anchor="ctr"/>
+          <a:lstStyle/>
+          <a:p>
+            <a:pPr algn="ctr"/>
+            <a:endParaRPr lang="en-US"/>
+          </a:p>
+        </p:txBody>
+      </p:sp>
+      <p:sp>
+        <p:nvSpPr>
+          <p:cNvPr id="148" name="Oval 147">
+            <a:extLst>
+              <a:ext uri="{FF2B5EF4-FFF2-40B4-BE49-F238E27FC236}">
+                <a16:creationId xmlns:a16="http://schemas.microsoft.com/office/drawing/2014/main" id="{DE823275-DC88-6445-B0F1-2408882FD0E5}"/>
+              </a:ext>
+            </a:extLst>
+          </p:cNvPr>
+          <p:cNvSpPr/>
+          <p:nvPr/>
+        </p:nvSpPr>
+        <p:spPr>
+          <a:xfrm>
+            <a:off x="11900426" y="204717"/>
+            <a:ext cx="233916" cy="233916"/>
+          </a:xfrm>
+          <a:prstGeom prst="ellipse">
+            <a:avLst/>
+          </a:prstGeom>
+          <a:solidFill>
+            <a:schemeClr val="tx1"/>
+          </a:solidFill>
+        </p:spPr>
+        <p:style>
+          <a:lnRef idx="2">
+            <a:schemeClr val="accent1">
+              <a:shade val="50000"/>
+            </a:schemeClr>
+          </a:lnRef>
+          <a:fillRef idx="1">
+            <a:schemeClr val="accent1"/>
+          </a:fillRef>
+          <a:effectRef idx="0">
+            <a:schemeClr val="accent1"/>
+          </a:effectRef>
+          <a:fontRef idx="minor">
+            <a:schemeClr val="lt1"/>
+          </a:fontRef>
+        </p:style>
+        <p:txBody>
+          <a:bodyPr rtlCol="0" anchor="ctr"/>
+          <a:lstStyle/>
+          <a:p>
+            <a:pPr algn="ctr"/>
+            <a:endParaRPr lang="en-US"/>
+          </a:p>
+        </p:txBody>
+      </p:sp>
+      <p:sp>
+        <p:nvSpPr>
+          <p:cNvPr id="149" name="Oval 148">
+            <a:extLst>
+              <a:ext uri="{FF2B5EF4-FFF2-40B4-BE49-F238E27FC236}">
+                <a16:creationId xmlns:a16="http://schemas.microsoft.com/office/drawing/2014/main" id="{760148C2-A509-544A-9EDF-82CA9B1C8FE6}"/>
+              </a:ext>
+            </a:extLst>
+          </p:cNvPr>
+          <p:cNvSpPr/>
+          <p:nvPr/>
+        </p:nvSpPr>
+        <p:spPr>
+          <a:xfrm>
+            <a:off x="11900426" y="2657875"/>
+            <a:ext cx="233916" cy="233916"/>
+          </a:xfrm>
+          <a:prstGeom prst="ellipse">
+            <a:avLst/>
+          </a:prstGeom>
+          <a:solidFill>
+            <a:schemeClr val="tx1"/>
+          </a:solidFill>
+        </p:spPr>
+        <p:style>
+          <a:lnRef idx="2">
+            <a:schemeClr val="accent1">
+              <a:shade val="50000"/>
+            </a:schemeClr>
+          </a:lnRef>
+          <a:fillRef idx="1">
+            <a:schemeClr val="accent1"/>
+          </a:fillRef>
+          <a:effectRef idx="0">
+            <a:schemeClr val="accent1"/>
+          </a:effectRef>
+          <a:fontRef idx="minor">
+            <a:schemeClr val="lt1"/>
+          </a:fontRef>
+        </p:style>
+        <p:txBody>
+          <a:bodyPr rtlCol="0" anchor="ctr"/>
+          <a:lstStyle/>
+          <a:p>
+            <a:pPr algn="ctr"/>
+            <a:endParaRPr lang="en-US"/>
+          </a:p>
+        </p:txBody>
+      </p:sp>
+      <p:sp>
+        <p:nvSpPr>
+          <p:cNvPr id="150" name="Oval 149">
+            <a:extLst>
+              <a:ext uri="{FF2B5EF4-FFF2-40B4-BE49-F238E27FC236}">
+                <a16:creationId xmlns:a16="http://schemas.microsoft.com/office/drawing/2014/main" id="{D67ABF0A-50B0-404F-88CE-EA3743B57780}"/>
+              </a:ext>
+            </a:extLst>
+          </p:cNvPr>
+          <p:cNvSpPr/>
+          <p:nvPr/>
+        </p:nvSpPr>
+        <p:spPr>
+          <a:xfrm>
+            <a:off x="5701094" y="3533814"/>
+            <a:ext cx="233916" cy="233916"/>
+          </a:xfrm>
+          <a:prstGeom prst="ellipse">
+            <a:avLst/>
+          </a:prstGeom>
+          <a:solidFill>
+            <a:schemeClr val="tx1"/>
+          </a:solidFill>
+        </p:spPr>
+        <p:style>
+          <a:lnRef idx="2">
+            <a:schemeClr val="accent1">
+              <a:shade val="50000"/>
+            </a:schemeClr>
+          </a:lnRef>
+          <a:fillRef idx="1">
+            <a:schemeClr val="accent1"/>
+          </a:fillRef>
+          <a:effectRef idx="0">
+            <a:schemeClr val="accent1"/>
+          </a:effectRef>
+          <a:fontRef idx="minor">
+            <a:schemeClr val="lt1"/>
+          </a:fontRef>
+        </p:style>
+        <p:txBody>
+          <a:bodyPr rtlCol="0" anchor="ctr"/>
+          <a:lstStyle/>
+          <a:p>
+            <a:pPr algn="ctr"/>
+            <a:endParaRPr lang="en-US"/>
+          </a:p>
+        </p:txBody>
+      </p:sp>
+      <p:sp>
+        <p:nvSpPr>
+          <p:cNvPr id="151" name="Oval 150">
+            <a:extLst>
+              <a:ext uri="{FF2B5EF4-FFF2-40B4-BE49-F238E27FC236}">
+                <a16:creationId xmlns:a16="http://schemas.microsoft.com/office/drawing/2014/main" id="{5DAFD033-30E5-C644-8082-6404C830716A}"/>
+              </a:ext>
+            </a:extLst>
+          </p:cNvPr>
+          <p:cNvSpPr/>
+          <p:nvPr/>
+        </p:nvSpPr>
+        <p:spPr>
+          <a:xfrm>
+            <a:off x="5811544" y="5873822"/>
+            <a:ext cx="233916" cy="233916"/>
+          </a:xfrm>
+          <a:prstGeom prst="ellipse">
+            <a:avLst/>
+          </a:prstGeom>
+          <a:solidFill>
+            <a:schemeClr val="tx1"/>
+          </a:solidFill>
+        </p:spPr>
+        <p:style>
+          <a:lnRef idx="2">
+            <a:schemeClr val="accent1">
+              <a:shade val="50000"/>
+            </a:schemeClr>
+          </a:lnRef>
+          <a:fillRef idx="1">
+            <a:schemeClr val="accent1"/>
+          </a:fillRef>
+          <a:effectRef idx="0">
+            <a:schemeClr val="accent1"/>
+          </a:effectRef>
+          <a:fontRef idx="minor">
+            <a:schemeClr val="lt1"/>
+          </a:fontRef>
+        </p:style>
+        <p:txBody>
+          <a:bodyPr rtlCol="0" anchor="ctr"/>
+          <a:lstStyle/>
+          <a:p>
+            <a:pPr algn="ctr"/>
+            <a:endParaRPr lang="en-US"/>
+          </a:p>
+        </p:txBody>
+      </p:sp>
+      <p:sp>
+        <p:nvSpPr>
+          <p:cNvPr id="153" name="Right Arrow 152">
+            <a:extLst>
+              <a:ext uri="{FF2B5EF4-FFF2-40B4-BE49-F238E27FC236}">
+                <a16:creationId xmlns:a16="http://schemas.microsoft.com/office/drawing/2014/main" id="{8CA4C3AC-DC15-9345-8FCE-FC904AFAB7CB}"/>
+              </a:ext>
+            </a:extLst>
+          </p:cNvPr>
+          <p:cNvSpPr/>
+          <p:nvPr/>
+        </p:nvSpPr>
+        <p:spPr>
+          <a:xfrm rot="12485824">
+            <a:off x="6312041" y="5001934"/>
+            <a:ext cx="1770502" cy="495518"/>
+          </a:xfrm>
+          <a:prstGeom prst="rightArrow">
+            <a:avLst/>
+          </a:prstGeom>
+          <a:solidFill>
+            <a:schemeClr val="accent6">
+              <a:lumMod val="40000"/>
+              <a:lumOff val="60000"/>
+            </a:schemeClr>
+          </a:solidFill>
+          <a:ln>
+            <a:noFill/>
+          </a:ln>
+        </p:spPr>
+        <p:style>
+          <a:lnRef idx="2">
+            <a:schemeClr val="accent1">
+              <a:shade val="50000"/>
+            </a:schemeClr>
+          </a:lnRef>
+          <a:fillRef idx="1">
+            <a:schemeClr val="accent1"/>
+          </a:fillRef>
+          <a:effectRef idx="0">
+            <a:schemeClr val="accent1"/>
+          </a:effectRef>
+          <a:fontRef idx="minor">
+            <a:schemeClr val="lt1"/>
+          </a:fontRef>
+        </p:style>
+        <p:txBody>
+          <a:bodyPr rtlCol="0" anchor="ctr"/>
+          <a:lstStyle/>
+          <a:p>
+            <a:pPr algn="ctr"/>
+            <a:endParaRPr lang="en-US"/>
+          </a:p>
+        </p:txBody>
+      </p:sp>
+      <p:sp>
+        <p:nvSpPr>
+          <p:cNvPr id="154" name="Oval 153">
+            <a:extLst>
+              <a:ext uri="{FF2B5EF4-FFF2-40B4-BE49-F238E27FC236}">
+                <a16:creationId xmlns:a16="http://schemas.microsoft.com/office/drawing/2014/main" id="{31F939F7-8875-9940-98F7-932987FFFC52}"/>
+              </a:ext>
+            </a:extLst>
+          </p:cNvPr>
+          <p:cNvSpPr/>
+          <p:nvPr/>
+        </p:nvSpPr>
+        <p:spPr>
+          <a:xfrm>
+            <a:off x="6217906" y="4639061"/>
+            <a:ext cx="233916" cy="233916"/>
+          </a:xfrm>
+          <a:prstGeom prst="ellipse">
+            <a:avLst/>
+          </a:prstGeom>
+          <a:solidFill>
+            <a:schemeClr val="tx1"/>
+          </a:solidFill>
+        </p:spPr>
+        <p:style>
+          <a:lnRef idx="2">
+            <a:schemeClr val="accent1">
+              <a:shade val="50000"/>
+            </a:schemeClr>
+          </a:lnRef>
+          <a:fillRef idx="1">
+            <a:schemeClr val="accent1"/>
+          </a:fillRef>
+          <a:effectRef idx="0">
+            <a:schemeClr val="accent1"/>
+          </a:effectRef>
+          <a:fontRef idx="minor">
+            <a:schemeClr val="lt1"/>
+          </a:fontRef>
+        </p:style>
+        <p:txBody>
+          <a:bodyPr rtlCol="0" anchor="ctr"/>
+          <a:lstStyle/>
+          <a:p>
+            <a:pPr algn="ctr"/>
+            <a:endParaRPr lang="en-US"/>
+          </a:p>
+        </p:txBody>
+      </p:sp>
+      <p:sp>
+        <p:nvSpPr>
+          <p:cNvPr id="156" name="Right Arrow 155">
+            <a:extLst>
+              <a:ext uri="{FF2B5EF4-FFF2-40B4-BE49-F238E27FC236}">
+                <a16:creationId xmlns:a16="http://schemas.microsoft.com/office/drawing/2014/main" id="{42677A5A-C927-FF44-8DB1-AF005B537E51}"/>
+              </a:ext>
+            </a:extLst>
+          </p:cNvPr>
+          <p:cNvSpPr/>
+          <p:nvPr/>
+        </p:nvSpPr>
+        <p:spPr>
+          <a:xfrm rot="7344849">
+            <a:off x="7260386" y="5949754"/>
+            <a:ext cx="1005603" cy="512434"/>
+          </a:xfrm>
+          <a:prstGeom prst="rightArrow">
+            <a:avLst/>
+          </a:prstGeom>
+          <a:solidFill>
+            <a:schemeClr val="accent6">
+              <a:lumMod val="40000"/>
+              <a:lumOff val="60000"/>
+            </a:schemeClr>
+          </a:solidFill>
+          <a:ln>
+            <a:noFill/>
+          </a:ln>
+        </p:spPr>
+        <p:style>
+          <a:lnRef idx="2">
+            <a:schemeClr val="accent1">
+              <a:shade val="50000"/>
+            </a:schemeClr>
+          </a:lnRef>
+          <a:fillRef idx="1">
+            <a:schemeClr val="accent1"/>
+          </a:fillRef>
+          <a:effectRef idx="0">
+            <a:schemeClr val="accent1"/>
+          </a:effectRef>
+          <a:fontRef idx="minor">
+            <a:schemeClr val="lt1"/>
+          </a:fontRef>
+        </p:style>
+        <p:txBody>
+          <a:bodyPr rtlCol="0" anchor="ctr"/>
+          <a:lstStyle/>
+          <a:p>
+            <a:pPr algn="ctr"/>
+            <a:endParaRPr lang="en-US"/>
+          </a:p>
+        </p:txBody>
+      </p:sp>
+      <p:sp>
+        <p:nvSpPr>
+          <p:cNvPr id="157" name="Oval 156">
+            <a:extLst>
+              <a:ext uri="{FF2B5EF4-FFF2-40B4-BE49-F238E27FC236}">
+                <a16:creationId xmlns:a16="http://schemas.microsoft.com/office/drawing/2014/main" id="{929A63DE-38E8-0F43-93FA-4411E270C3BE}"/>
+              </a:ext>
+            </a:extLst>
+          </p:cNvPr>
+          <p:cNvSpPr/>
+          <p:nvPr/>
+        </p:nvSpPr>
+        <p:spPr>
+          <a:xfrm>
+            <a:off x="7284904" y="6583961"/>
+            <a:ext cx="233916" cy="233916"/>
+          </a:xfrm>
+          <a:prstGeom prst="ellipse">
+            <a:avLst/>
+          </a:prstGeom>
+          <a:solidFill>
+            <a:schemeClr val="tx1"/>
+          </a:solidFill>
+        </p:spPr>
+        <p:style>
+          <a:lnRef idx="2">
+            <a:schemeClr val="accent1">
+              <a:shade val="50000"/>
+            </a:schemeClr>
+          </a:lnRef>
+          <a:fillRef idx="1">
+            <a:schemeClr val="accent1"/>
+          </a:fillRef>
+          <a:effectRef idx="0">
+            <a:schemeClr val="accent1"/>
+          </a:effectRef>
+          <a:fontRef idx="minor">
+            <a:schemeClr val="lt1"/>
+          </a:fontRef>
+        </p:style>
+        <p:txBody>
+          <a:bodyPr rtlCol="0" anchor="ctr"/>
+          <a:lstStyle/>
+          <a:p>
+            <a:pPr algn="ctr"/>
+            <a:endParaRPr lang="en-US"/>
+          </a:p>
+        </p:txBody>
+      </p:sp>
+      <p:sp>
+        <p:nvSpPr>
+          <p:cNvPr id="158" name="Oval 157">
+            <a:extLst>
+              <a:ext uri="{FF2B5EF4-FFF2-40B4-BE49-F238E27FC236}">
+                <a16:creationId xmlns:a16="http://schemas.microsoft.com/office/drawing/2014/main" id="{5A20FA96-559F-1D4C-A9FC-E8EE4F0A617D}"/>
+              </a:ext>
+            </a:extLst>
+          </p:cNvPr>
+          <p:cNvSpPr/>
+          <p:nvPr/>
+        </p:nvSpPr>
+        <p:spPr>
+          <a:xfrm>
+            <a:off x="8897713" y="5233080"/>
+            <a:ext cx="233916" cy="233916"/>
+          </a:xfrm>
+          <a:prstGeom prst="ellipse">
+            <a:avLst/>
+          </a:prstGeom>
+          <a:solidFill>
+            <a:schemeClr val="tx1"/>
+          </a:solidFill>
+        </p:spPr>
+        <p:style>
+          <a:lnRef idx="2">
+            <a:schemeClr val="accent1">
+              <a:shade val="50000"/>
+            </a:schemeClr>
+          </a:lnRef>
+          <a:fillRef idx="1">
+            <a:schemeClr val="accent1"/>
+          </a:fillRef>
+          <a:effectRef idx="0">
+            <a:schemeClr val="accent1"/>
+          </a:effectRef>
+          <a:fontRef idx="minor">
+            <a:schemeClr val="lt1"/>
+          </a:fontRef>
+        </p:style>
+        <p:txBody>
+          <a:bodyPr rtlCol="0" anchor="ctr"/>
+          <a:lstStyle/>
+          <a:p>
+            <a:pPr algn="ctr"/>
+            <a:endParaRPr lang="en-US"/>
+          </a:p>
+        </p:txBody>
+      </p:sp>
+      <p:sp>
+        <p:nvSpPr>
+          <p:cNvPr id="159" name="Right Arrow 158">
+            <a:extLst>
+              <a:ext uri="{FF2B5EF4-FFF2-40B4-BE49-F238E27FC236}">
+                <a16:creationId xmlns:a16="http://schemas.microsoft.com/office/drawing/2014/main" id="{1E0BF1A0-E216-3B46-882E-4A67E8DED662}"/>
+              </a:ext>
+            </a:extLst>
+          </p:cNvPr>
+          <p:cNvSpPr/>
+          <p:nvPr/>
+        </p:nvSpPr>
+        <p:spPr>
+          <a:xfrm rot="9406415">
+            <a:off x="8004942" y="5295352"/>
+            <a:ext cx="927667" cy="512434"/>
+          </a:xfrm>
+          <a:prstGeom prst="rightArrow">
+            <a:avLst/>
+          </a:prstGeom>
+          <a:solidFill>
+            <a:schemeClr val="accent6">
+              <a:lumMod val="40000"/>
+              <a:lumOff val="60000"/>
+            </a:schemeClr>
+          </a:solidFill>
+          <a:ln>
+            <a:noFill/>
+          </a:ln>
+        </p:spPr>
+        <p:style>
+          <a:lnRef idx="2">
+            <a:schemeClr val="accent1">
+              <a:shade val="50000"/>
+            </a:schemeClr>
+          </a:lnRef>
+          <a:fillRef idx="1">
+            <a:schemeClr val="accent1"/>
+          </a:fillRef>
+          <a:effectRef idx="0">
+            <a:schemeClr val="accent1"/>
+          </a:effectRef>
+          <a:fontRef idx="minor">
+            <a:schemeClr val="lt1"/>
+          </a:fontRef>
+        </p:style>
+        <p:txBody>
+          <a:bodyPr rtlCol="0" anchor="ctr"/>
+          <a:lstStyle/>
+          <a:p>
+            <a:pPr algn="ctr"/>
+            <a:endParaRPr lang="en-US"/>
+          </a:p>
+        </p:txBody>
+      </p:sp>
+      <p:sp>
+        <p:nvSpPr>
+          <p:cNvPr id="161" name="Oval 160">
+            <a:extLst>
+              <a:ext uri="{FF2B5EF4-FFF2-40B4-BE49-F238E27FC236}">
+                <a16:creationId xmlns:a16="http://schemas.microsoft.com/office/drawing/2014/main" id="{E47AF3B8-5A6A-B741-ACE7-AABD5DBB9749}"/>
+              </a:ext>
+            </a:extLst>
+          </p:cNvPr>
+          <p:cNvSpPr/>
+          <p:nvPr/>
+        </p:nvSpPr>
+        <p:spPr>
+          <a:xfrm>
+            <a:off x="7920995" y="5589835"/>
+            <a:ext cx="233916" cy="233916"/>
+          </a:xfrm>
+          <a:prstGeom prst="ellipse">
+            <a:avLst/>
+          </a:prstGeom>
+          <a:solidFill>
+            <a:schemeClr val="tx1"/>
+          </a:solidFill>
+        </p:spPr>
+        <p:style>
+          <a:lnRef idx="2">
+            <a:schemeClr val="accent1">
+              <a:shade val="50000"/>
+            </a:schemeClr>
+          </a:lnRef>
+          <a:fillRef idx="1">
+            <a:schemeClr val="accent1"/>
+          </a:fillRef>
+          <a:effectRef idx="0">
+            <a:schemeClr val="accent1"/>
+          </a:effectRef>
+          <a:fontRef idx="minor">
+            <a:schemeClr val="lt1"/>
+          </a:fontRef>
+        </p:style>
+        <p:txBody>
+          <a:bodyPr rtlCol="0" anchor="ctr"/>
+          <a:lstStyle/>
+          <a:p>
+            <a:pPr algn="ctr"/>
+            <a:endParaRPr lang="en-US"/>
+          </a:p>
+        </p:txBody>
+      </p:sp>
+      <p:sp>
+        <p:nvSpPr>
+          <p:cNvPr id="162" name="TextBox 161">
+            <a:extLst>
+              <a:ext uri="{FF2B5EF4-FFF2-40B4-BE49-F238E27FC236}">
+                <a16:creationId xmlns:a16="http://schemas.microsoft.com/office/drawing/2014/main" id="{28CC6DE6-511E-A748-B322-6C733D50DAA3}"/>
+              </a:ext>
+            </a:extLst>
+          </p:cNvPr>
+          <p:cNvSpPr txBox="1"/>
+          <p:nvPr/>
+        </p:nvSpPr>
+        <p:spPr>
+          <a:xfrm>
+            <a:off x="8171436" y="4638111"/>
+            <a:ext cx="367408" cy="523220"/>
+          </a:xfrm>
+          <a:prstGeom prst="rect">
+            <a:avLst/>
+          </a:prstGeom>
+          <a:noFill/>
+        </p:spPr>
+        <p:txBody>
+          <a:bodyPr wrap="none" rtlCol="0">
+            <a:spAutoFit/>
+          </a:bodyPr>
+          <a:lstStyle/>
+          <a:p>
+            <a:r>
+              <a:rPr lang="en-US" sz="2800" dirty="0"/>
+              <a:t>4</a:t>
+            </a:r>
+          </a:p>
+        </p:txBody>
+      </p:sp>
+      <p:sp>
+        <p:nvSpPr>
+          <p:cNvPr id="163" name="Right Arrow 162">
+            <a:extLst>
+              <a:ext uri="{FF2B5EF4-FFF2-40B4-BE49-F238E27FC236}">
+                <a16:creationId xmlns:a16="http://schemas.microsoft.com/office/drawing/2014/main" id="{73CC1DB7-86AB-FE4F-912D-1DF144A7D57E}"/>
+              </a:ext>
+            </a:extLst>
+          </p:cNvPr>
+          <p:cNvSpPr/>
+          <p:nvPr/>
+        </p:nvSpPr>
+        <p:spPr>
+          <a:xfrm rot="8861042">
+            <a:off x="8955523" y="4302808"/>
+            <a:ext cx="2709669" cy="503510"/>
+          </a:xfrm>
+          <a:prstGeom prst="rightArrow">
+            <a:avLst/>
+          </a:prstGeom>
+          <a:solidFill>
+            <a:schemeClr val="accent6">
+              <a:lumMod val="40000"/>
+              <a:lumOff val="60000"/>
+            </a:schemeClr>
+          </a:solidFill>
+          <a:ln>
+            <a:noFill/>
+          </a:ln>
+        </p:spPr>
+        <p:style>
+          <a:lnRef idx="2">
+            <a:schemeClr val="accent1">
+              <a:shade val="50000"/>
+            </a:schemeClr>
+          </a:lnRef>
+          <a:fillRef idx="1">
+            <a:schemeClr val="accent1"/>
+          </a:fillRef>
+          <a:effectRef idx="0">
+            <a:schemeClr val="accent1"/>
+          </a:effectRef>
+          <a:fontRef idx="minor">
+            <a:schemeClr val="lt1"/>
+          </a:fontRef>
+        </p:style>
+        <p:txBody>
+          <a:bodyPr rtlCol="0" anchor="ctr"/>
+          <a:lstStyle/>
+          <a:p>
+            <a:pPr algn="ctr"/>
+            <a:endParaRPr lang="en-US"/>
+          </a:p>
+        </p:txBody>
+      </p:sp>
+      <p:sp>
+        <p:nvSpPr>
+          <p:cNvPr id="164" name="Right Arrow 163">
+            <a:extLst>
+              <a:ext uri="{FF2B5EF4-FFF2-40B4-BE49-F238E27FC236}">
+                <a16:creationId xmlns:a16="http://schemas.microsoft.com/office/drawing/2014/main" id="{6D7843B6-4CCD-A446-9340-6E5F97DA737A}"/>
+              </a:ext>
+            </a:extLst>
+          </p:cNvPr>
+          <p:cNvSpPr/>
+          <p:nvPr/>
+        </p:nvSpPr>
+        <p:spPr>
+          <a:xfrm rot="11701182">
+            <a:off x="9091551" y="5455038"/>
+            <a:ext cx="2709669" cy="503510"/>
+          </a:xfrm>
+          <a:prstGeom prst="rightArrow">
+            <a:avLst/>
+          </a:prstGeom>
+          <a:solidFill>
+            <a:schemeClr val="accent6">
+              <a:lumMod val="40000"/>
+              <a:lumOff val="60000"/>
+            </a:schemeClr>
+          </a:solidFill>
+          <a:ln>
+            <a:noFill/>
+          </a:ln>
+        </p:spPr>
+        <p:style>
+          <a:lnRef idx="2">
+            <a:schemeClr val="accent1">
+              <a:shade val="50000"/>
+            </a:schemeClr>
+          </a:lnRef>
+          <a:fillRef idx="1">
+            <a:schemeClr val="accent1"/>
+          </a:fillRef>
+          <a:effectRef idx="0">
+            <a:schemeClr val="accent1"/>
+          </a:effectRef>
+          <a:fontRef idx="minor">
+            <a:schemeClr val="lt1"/>
+          </a:fontRef>
+        </p:style>
+        <p:txBody>
+          <a:bodyPr rtlCol="0" anchor="ctr"/>
+          <a:lstStyle/>
+          <a:p>
+            <a:pPr algn="ctr"/>
+            <a:endParaRPr lang="en-US"/>
+          </a:p>
+        </p:txBody>
+      </p:sp>
+      <p:sp>
+        <p:nvSpPr>
+          <p:cNvPr id="165" name="Oval 164">
+            <a:extLst>
+              <a:ext uri="{FF2B5EF4-FFF2-40B4-BE49-F238E27FC236}">
+                <a16:creationId xmlns:a16="http://schemas.microsoft.com/office/drawing/2014/main" id="{2EDE687C-0E1D-5C46-8DBA-BCCCCA78AEF7}"/>
+              </a:ext>
+            </a:extLst>
+          </p:cNvPr>
+          <p:cNvSpPr/>
+          <p:nvPr/>
+        </p:nvSpPr>
+        <p:spPr>
+          <a:xfrm>
+            <a:off x="11556060" y="3622158"/>
+            <a:ext cx="233916" cy="233916"/>
+          </a:xfrm>
+          <a:prstGeom prst="ellipse">
+            <a:avLst/>
+          </a:prstGeom>
+          <a:solidFill>
+            <a:schemeClr val="tx1"/>
+          </a:solidFill>
+        </p:spPr>
+        <p:style>
+          <a:lnRef idx="2">
+            <a:schemeClr val="accent1">
+              <a:shade val="50000"/>
+            </a:schemeClr>
+          </a:lnRef>
+          <a:fillRef idx="1">
+            <a:schemeClr val="accent1"/>
+          </a:fillRef>
+          <a:effectRef idx="0">
+            <a:schemeClr val="accent1"/>
+          </a:effectRef>
+          <a:fontRef idx="minor">
+            <a:schemeClr val="lt1"/>
+          </a:fontRef>
+        </p:style>
+        <p:txBody>
+          <a:bodyPr rtlCol="0" anchor="ctr"/>
+          <a:lstStyle/>
+          <a:p>
+            <a:pPr algn="ctr"/>
+            <a:endParaRPr lang="en-US"/>
+          </a:p>
+        </p:txBody>
+      </p:sp>
+      <p:sp>
+        <p:nvSpPr>
+          <p:cNvPr id="166" name="Oval 165">
+            <a:extLst>
+              <a:ext uri="{FF2B5EF4-FFF2-40B4-BE49-F238E27FC236}">
+                <a16:creationId xmlns:a16="http://schemas.microsoft.com/office/drawing/2014/main" id="{48178CB8-0304-4047-9C5E-37F0D2797C16}"/>
+              </a:ext>
+            </a:extLst>
+          </p:cNvPr>
+          <p:cNvSpPr/>
+          <p:nvPr/>
+        </p:nvSpPr>
+        <p:spPr>
+          <a:xfrm>
+            <a:off x="11666510" y="5962166"/>
+            <a:ext cx="233916" cy="233916"/>
+          </a:xfrm>
+          <a:prstGeom prst="ellipse">
+            <a:avLst/>
+          </a:prstGeom>
+          <a:solidFill>
+            <a:schemeClr val="tx1"/>
+          </a:solidFill>
+        </p:spPr>
+        <p:style>
+          <a:lnRef idx="2">
+            <a:schemeClr val="accent1">
+              <a:shade val="50000"/>
+            </a:schemeClr>
+          </a:lnRef>
+          <a:fillRef idx="1">
+            <a:schemeClr val="accent1"/>
+          </a:fillRef>
+          <a:effectRef idx="0">
+            <a:schemeClr val="accent1"/>
+          </a:effectRef>
+          <a:fontRef idx="minor">
+            <a:schemeClr val="lt1"/>
+          </a:fontRef>
+        </p:style>
+        <p:txBody>
+          <a:bodyPr rtlCol="0" anchor="ctr"/>
+          <a:lstStyle/>
+          <a:p>
+            <a:pPr algn="ctr"/>
+            <a:endParaRPr lang="en-US"/>
+          </a:p>
+        </p:txBody>
+      </p:sp>
+    </p:spTree>
+    <p:extLst>
+      <p:ext uri="{BB962C8B-B14F-4D97-AF65-F5344CB8AC3E}">
+        <p14:creationId xmlns:p14="http://schemas.microsoft.com/office/powerpoint/2010/main" val="801150165"/>
+      </p:ext>
+    </p:extLst>
+  </p:cSld>
+  <p:clrMapOvr>
+    <a:masterClrMapping/>
+  </p:clrMapOvr>
+</p:sld>
+</file>
+
+<file path=ppt/slides/slide9.xml><?xml version="1.0" encoding="utf-8"?>
+<p:sld xmlns:a="http://schemas.openxmlformats.org/drawingml/2006/main" xmlns:r="http://schemas.openxmlformats.org/officeDocument/2006/relationships" xmlns:p="http://schemas.openxmlformats.org/presentationml/2006/main">
+  <p:cSld>
+    <p:spTree>
+      <p:nvGrpSpPr>
+        <p:cNvPr id="1" name=""/>
+        <p:cNvGrpSpPr/>
+        <p:nvPr/>
+      </p:nvGrpSpPr>
+      <p:grpSpPr>
+        <a:xfrm>
+          <a:off x="0" y="0"/>
+          <a:ext cx="0" cy="0"/>
+          <a:chOff x="0" y="0"/>
+          <a:chExt cx="0" cy="0"/>
+        </a:xfrm>
+      </p:grpSpPr>
+      <p:sp>
+        <p:nvSpPr>
+          <p:cNvPr id="2" name="TextBox 1">
+            <a:extLst>
+              <a:ext uri="{FF2B5EF4-FFF2-40B4-BE49-F238E27FC236}">
+                <a16:creationId xmlns:a16="http://schemas.microsoft.com/office/drawing/2014/main" id="{69F7B1C7-ABDE-4740-A3FF-1E8C4137FCC4}"/>
+              </a:ext>
+            </a:extLst>
+          </p:cNvPr>
+          <p:cNvSpPr txBox="1"/>
+          <p:nvPr/>
+        </p:nvSpPr>
+        <p:spPr>
+          <a:xfrm>
+            <a:off x="518981" y="82943"/>
+            <a:ext cx="6209414" cy="461665"/>
+          </a:xfrm>
+          <a:prstGeom prst="rect">
+            <a:avLst/>
+          </a:prstGeom>
+          <a:noFill/>
+        </p:spPr>
+        <p:txBody>
+          <a:bodyPr wrap="square" rtlCol="0">
+            <a:spAutoFit/>
+          </a:bodyPr>
+          <a:lstStyle/>
+          <a:p>
+            <a:r>
+              <a:rPr lang="en-US" sz="2400" dirty="0"/>
+              <a:t>Dislocation Motion</a:t>
+            </a:r>
+          </a:p>
+        </p:txBody>
+      </p:sp>
+      <p:sp>
+        <p:nvSpPr>
+          <p:cNvPr id="141" name="Right Arrow 140">
+            <a:extLst>
+              <a:ext uri="{FF2B5EF4-FFF2-40B4-BE49-F238E27FC236}">
+                <a16:creationId xmlns:a16="http://schemas.microsoft.com/office/drawing/2014/main" id="{1FF58321-67B9-3741-A986-240CC823A07E}"/>
+              </a:ext>
+            </a:extLst>
+          </p:cNvPr>
+          <p:cNvSpPr/>
+          <p:nvPr/>
+        </p:nvSpPr>
+        <p:spPr>
+          <a:xfrm rot="10800000">
+            <a:off x="3891516" y="5850290"/>
+            <a:ext cx="4378793" cy="337594"/>
+          </a:xfrm>
+          <a:prstGeom prst="rightArrow">
+            <a:avLst/>
+          </a:prstGeom>
+          <a:solidFill>
+            <a:schemeClr val="accent6">
+              <a:lumMod val="40000"/>
+              <a:lumOff val="60000"/>
+            </a:schemeClr>
+          </a:solidFill>
+          <a:ln>
+            <a:noFill/>
+          </a:ln>
+        </p:spPr>
+        <p:style>
+          <a:lnRef idx="2">
+            <a:schemeClr val="accent1">
+              <a:shade val="50000"/>
+            </a:schemeClr>
+          </a:lnRef>
+          <a:fillRef idx="1">
+            <a:schemeClr val="accent1"/>
+          </a:fillRef>
+          <a:effectRef idx="0">
+            <a:schemeClr val="accent1"/>
+          </a:effectRef>
+          <a:fontRef idx="minor">
+            <a:schemeClr val="lt1"/>
+          </a:fontRef>
+        </p:style>
+        <p:txBody>
+          <a:bodyPr rtlCol="0" anchor="ctr"/>
+          <a:lstStyle/>
+          <a:p>
+            <a:pPr algn="ctr"/>
+            <a:endParaRPr lang="en-US"/>
+          </a:p>
+        </p:txBody>
+      </p:sp>
+      <p:sp>
+        <p:nvSpPr>
+          <p:cNvPr id="148" name="Oval 147">
+            <a:extLst>
+              <a:ext uri="{FF2B5EF4-FFF2-40B4-BE49-F238E27FC236}">
+                <a16:creationId xmlns:a16="http://schemas.microsoft.com/office/drawing/2014/main" id="{DE823275-DC88-6445-B0F1-2408882FD0E5}"/>
+              </a:ext>
+            </a:extLst>
+          </p:cNvPr>
+          <p:cNvSpPr/>
+          <p:nvPr/>
+        </p:nvSpPr>
+        <p:spPr>
+          <a:xfrm>
+            <a:off x="3657600" y="5883561"/>
+            <a:ext cx="233916" cy="233916"/>
+          </a:xfrm>
+          <a:prstGeom prst="ellipse">
+            <a:avLst/>
+          </a:prstGeom>
+          <a:solidFill>
+            <a:schemeClr val="tx1"/>
+          </a:solidFill>
+        </p:spPr>
+        <p:style>
+          <a:lnRef idx="2">
+            <a:schemeClr val="accent1">
+              <a:shade val="50000"/>
+            </a:schemeClr>
+          </a:lnRef>
+          <a:fillRef idx="1">
+            <a:schemeClr val="accent1"/>
+          </a:fillRef>
+          <a:effectRef idx="0">
+            <a:schemeClr val="accent1"/>
+          </a:effectRef>
+          <a:fontRef idx="minor">
+            <a:schemeClr val="lt1"/>
+          </a:fontRef>
+        </p:style>
+        <p:txBody>
+          <a:bodyPr rtlCol="0" anchor="ctr"/>
+          <a:lstStyle/>
+          <a:p>
+            <a:pPr algn="ctr"/>
+            <a:endParaRPr lang="en-US"/>
+          </a:p>
+        </p:txBody>
+      </p:sp>
+      <p:sp>
+        <p:nvSpPr>
+          <p:cNvPr id="149" name="Oval 148">
+            <a:extLst>
+              <a:ext uri="{FF2B5EF4-FFF2-40B4-BE49-F238E27FC236}">
+                <a16:creationId xmlns:a16="http://schemas.microsoft.com/office/drawing/2014/main" id="{760148C2-A509-544A-9EDF-82CA9B1C8FE6}"/>
+              </a:ext>
+            </a:extLst>
+          </p:cNvPr>
+          <p:cNvSpPr/>
+          <p:nvPr/>
+        </p:nvSpPr>
+        <p:spPr>
+          <a:xfrm>
+            <a:off x="8272903" y="5876685"/>
+            <a:ext cx="233916" cy="233916"/>
+          </a:xfrm>
+          <a:prstGeom prst="ellipse">
+            <a:avLst/>
+          </a:prstGeom>
+          <a:solidFill>
+            <a:schemeClr val="tx1"/>
+          </a:solidFill>
+        </p:spPr>
+        <p:style>
+          <a:lnRef idx="2">
+            <a:schemeClr val="accent1">
+              <a:shade val="50000"/>
+            </a:schemeClr>
+          </a:lnRef>
+          <a:fillRef idx="1">
+            <a:schemeClr val="accent1"/>
+          </a:fillRef>
+          <a:effectRef idx="0">
+            <a:schemeClr val="accent1"/>
+          </a:effectRef>
+          <a:fontRef idx="minor">
+            <a:schemeClr val="lt1"/>
+          </a:fontRef>
+        </p:style>
+        <p:txBody>
+          <a:bodyPr rtlCol="0" anchor="ctr"/>
+          <a:lstStyle/>
+          <a:p>
+            <a:pPr algn="ctr"/>
+            <a:endParaRPr lang="en-US"/>
+          </a:p>
+        </p:txBody>
+      </p:sp>
+      <p:pic>
+        <p:nvPicPr>
+          <p:cNvPr id="55" name="Picture 54">
+            <a:extLst>
+              <a:ext uri="{FF2B5EF4-FFF2-40B4-BE49-F238E27FC236}">
+                <a16:creationId xmlns:a16="http://schemas.microsoft.com/office/drawing/2014/main" id="{7217E773-A23B-964A-A29D-EAF73B8D050E}"/>
+              </a:ext>
+            </a:extLst>
+          </p:cNvPr>
+          <p:cNvPicPr>
+            <a:picLocks noChangeAspect="1"/>
+          </p:cNvPicPr>
+          <p:nvPr/>
+        </p:nvPicPr>
+        <p:blipFill rotWithShape="1">
+          <a:blip r:embed="rId2"/>
+          <a:srcRect t="67301"/>
+          <a:stretch/>
+        </p:blipFill>
+        <p:spPr>
+          <a:xfrm>
+            <a:off x="-51633" y="697846"/>
+            <a:ext cx="10491381" cy="2293730"/>
+          </a:xfrm>
+          <a:prstGeom prst="rect">
+            <a:avLst/>
+          </a:prstGeom>
+        </p:spPr>
+      </p:pic>
+      <p:cxnSp>
+        <p:nvCxnSpPr>
+          <p:cNvPr id="5" name="Straight Arrow Connector 4">
+            <a:extLst>
+              <a:ext uri="{FF2B5EF4-FFF2-40B4-BE49-F238E27FC236}">
+                <a16:creationId xmlns:a16="http://schemas.microsoft.com/office/drawing/2014/main" id="{90C0C083-E880-924C-922E-F9CE85D92C0B}"/>
+              </a:ext>
+            </a:extLst>
+          </p:cNvPr>
+          <p:cNvCxnSpPr/>
+          <p:nvPr/>
+        </p:nvCxnSpPr>
+        <p:spPr>
+          <a:xfrm flipV="1">
+            <a:off x="4253023" y="5188688"/>
+            <a:ext cx="0" cy="836852"/>
+          </a:xfrm>
+          <a:prstGeom prst="straightConnector1">
+            <a:avLst/>
+          </a:prstGeom>
+          <a:ln>
+            <a:tailEnd type="triangle"/>
+          </a:ln>
+        </p:spPr>
+        <p:style>
+          <a:lnRef idx="1">
+            <a:schemeClr val="accent1"/>
+          </a:lnRef>
+          <a:fillRef idx="0">
+            <a:schemeClr val="accent1"/>
+          </a:fillRef>
+          <a:effectRef idx="0">
+            <a:schemeClr val="accent1"/>
+          </a:effectRef>
+          <a:fontRef idx="minor">
+            <a:schemeClr val="tx1"/>
+          </a:fontRef>
+        </p:style>
+      </p:cxnSp>
+      <p:cxnSp>
+        <p:nvCxnSpPr>
+          <p:cNvPr id="58" name="Straight Arrow Connector 57">
+            <a:extLst>
+              <a:ext uri="{FF2B5EF4-FFF2-40B4-BE49-F238E27FC236}">
+                <a16:creationId xmlns:a16="http://schemas.microsoft.com/office/drawing/2014/main" id="{32B73509-F08F-9E4E-9F8B-4845803FC411}"/>
+              </a:ext>
+            </a:extLst>
+          </p:cNvPr>
+          <p:cNvCxnSpPr/>
+          <p:nvPr/>
+        </p:nvCxnSpPr>
+        <p:spPr>
+          <a:xfrm flipV="1">
+            <a:off x="4639340" y="5188688"/>
+            <a:ext cx="0" cy="836852"/>
+          </a:xfrm>
+          <a:prstGeom prst="straightConnector1">
+            <a:avLst/>
+          </a:prstGeom>
+          <a:ln>
+            <a:tailEnd type="triangle"/>
+          </a:ln>
+        </p:spPr>
+        <p:style>
+          <a:lnRef idx="1">
+            <a:schemeClr val="accent1"/>
+          </a:lnRef>
+          <a:fillRef idx="0">
+            <a:schemeClr val="accent1"/>
+          </a:fillRef>
+          <a:effectRef idx="0">
+            <a:schemeClr val="accent1"/>
+          </a:effectRef>
+          <a:fontRef idx="minor">
+            <a:schemeClr val="tx1"/>
+          </a:fontRef>
+        </p:style>
+      </p:cxnSp>
+      <p:cxnSp>
+        <p:nvCxnSpPr>
+          <p:cNvPr id="59" name="Straight Arrow Connector 58">
+            <a:extLst>
+              <a:ext uri="{FF2B5EF4-FFF2-40B4-BE49-F238E27FC236}">
+                <a16:creationId xmlns:a16="http://schemas.microsoft.com/office/drawing/2014/main" id="{F9D71882-4276-8446-8E10-F29236E6E8E0}"/>
+              </a:ext>
+            </a:extLst>
+          </p:cNvPr>
+          <p:cNvCxnSpPr>
+            <a:cxnSpLocks/>
+          </p:cNvCxnSpPr>
+          <p:nvPr/>
+        </p:nvCxnSpPr>
+        <p:spPr>
+          <a:xfrm flipV="1">
+            <a:off x="5085907" y="4784651"/>
+            <a:ext cx="0" cy="1240889"/>
+          </a:xfrm>
+          <a:prstGeom prst="straightConnector1">
+            <a:avLst/>
+          </a:prstGeom>
+          <a:ln>
+            <a:tailEnd type="triangle"/>
+          </a:ln>
+        </p:spPr>
+        <p:style>
+          <a:lnRef idx="1">
+            <a:schemeClr val="accent1"/>
+          </a:lnRef>
+          <a:fillRef idx="0">
+            <a:schemeClr val="accent1"/>
+          </a:fillRef>
+          <a:effectRef idx="0">
+            <a:schemeClr val="accent1"/>
+          </a:effectRef>
+          <a:fontRef idx="minor">
+            <a:schemeClr val="tx1"/>
+          </a:fontRef>
+        </p:style>
+      </p:cxnSp>
+      <p:cxnSp>
+        <p:nvCxnSpPr>
+          <p:cNvPr id="61" name="Straight Arrow Connector 60">
+            <a:extLst>
+              <a:ext uri="{FF2B5EF4-FFF2-40B4-BE49-F238E27FC236}">
+                <a16:creationId xmlns:a16="http://schemas.microsoft.com/office/drawing/2014/main" id="{425C50A8-12FA-1447-9782-22258D5B36CC}"/>
+              </a:ext>
+            </a:extLst>
+          </p:cNvPr>
+          <p:cNvCxnSpPr>
+            <a:cxnSpLocks/>
+          </p:cNvCxnSpPr>
+          <p:nvPr/>
+        </p:nvCxnSpPr>
+        <p:spPr>
+          <a:xfrm flipV="1">
+            <a:off x="5536018" y="4338084"/>
+            <a:ext cx="0" cy="1687457"/>
+          </a:xfrm>
+          <a:prstGeom prst="straightConnector1">
+            <a:avLst/>
+          </a:prstGeom>
+          <a:ln>
+            <a:tailEnd type="triangle"/>
+          </a:ln>
+        </p:spPr>
+        <p:style>
+          <a:lnRef idx="1">
+            <a:schemeClr val="accent1"/>
+          </a:lnRef>
+          <a:fillRef idx="0">
+            <a:schemeClr val="accent1"/>
+          </a:fillRef>
+          <a:effectRef idx="0">
+            <a:schemeClr val="accent1"/>
+          </a:effectRef>
+          <a:fontRef idx="minor">
+            <a:schemeClr val="tx1"/>
+          </a:fontRef>
+        </p:style>
+      </p:cxnSp>
+      <p:cxnSp>
+        <p:nvCxnSpPr>
+          <p:cNvPr id="63" name="Straight Arrow Connector 62">
+            <a:extLst>
+              <a:ext uri="{FF2B5EF4-FFF2-40B4-BE49-F238E27FC236}">
+                <a16:creationId xmlns:a16="http://schemas.microsoft.com/office/drawing/2014/main" id="{4EBD0DD7-852C-6C4A-8911-706EE93D961C}"/>
+              </a:ext>
+            </a:extLst>
+          </p:cNvPr>
+          <p:cNvCxnSpPr>
+            <a:cxnSpLocks/>
+          </p:cNvCxnSpPr>
+          <p:nvPr/>
+        </p:nvCxnSpPr>
+        <p:spPr>
+          <a:xfrm flipV="1">
+            <a:off x="5964864" y="4784651"/>
+            <a:ext cx="0" cy="1247766"/>
+          </a:xfrm>
+          <a:prstGeom prst="straightConnector1">
+            <a:avLst/>
+          </a:prstGeom>
+          <a:ln>
+            <a:tailEnd type="triangle"/>
+          </a:ln>
+        </p:spPr>
+        <p:style>
+          <a:lnRef idx="1">
+            <a:schemeClr val="accent1"/>
+          </a:lnRef>
+          <a:fillRef idx="0">
+            <a:schemeClr val="accent1"/>
+          </a:fillRef>
+          <a:effectRef idx="0">
+            <a:schemeClr val="accent1"/>
+          </a:effectRef>
+          <a:fontRef idx="minor">
+            <a:schemeClr val="tx1"/>
+          </a:fontRef>
+        </p:style>
+      </p:cxnSp>
+      <p:cxnSp>
+        <p:nvCxnSpPr>
+          <p:cNvPr id="65" name="Straight Arrow Connector 64">
+            <a:extLst>
+              <a:ext uri="{FF2B5EF4-FFF2-40B4-BE49-F238E27FC236}">
+                <a16:creationId xmlns:a16="http://schemas.microsoft.com/office/drawing/2014/main" id="{1251797D-D23B-0B49-BB57-6E9539FA7100}"/>
+              </a:ext>
+            </a:extLst>
+          </p:cNvPr>
+          <p:cNvCxnSpPr>
+            <a:cxnSpLocks/>
+          </p:cNvCxnSpPr>
+          <p:nvPr/>
+        </p:nvCxnSpPr>
+        <p:spPr>
+          <a:xfrm flipV="1">
+            <a:off x="6393711" y="5188688"/>
+            <a:ext cx="0" cy="836852"/>
+          </a:xfrm>
+          <a:prstGeom prst="straightConnector1">
+            <a:avLst/>
+          </a:prstGeom>
+          <a:ln>
+            <a:tailEnd type="triangle"/>
+          </a:ln>
+        </p:spPr>
+        <p:style>
+          <a:lnRef idx="1">
+            <a:schemeClr val="accent1"/>
+          </a:lnRef>
+          <a:fillRef idx="0">
+            <a:schemeClr val="accent1"/>
+          </a:fillRef>
+          <a:effectRef idx="0">
+            <a:schemeClr val="accent1"/>
+          </a:effectRef>
+          <a:fontRef idx="minor">
+            <a:schemeClr val="tx1"/>
+          </a:fontRef>
+        </p:style>
+      </p:cxnSp>
+      <p:cxnSp>
+        <p:nvCxnSpPr>
+          <p:cNvPr id="67" name="Straight Arrow Connector 66">
+            <a:extLst>
+              <a:ext uri="{FF2B5EF4-FFF2-40B4-BE49-F238E27FC236}">
+                <a16:creationId xmlns:a16="http://schemas.microsoft.com/office/drawing/2014/main" id="{B89FAD8D-A75A-D449-93AD-95C8B422D81B}"/>
+              </a:ext>
+            </a:extLst>
+          </p:cNvPr>
+          <p:cNvCxnSpPr>
+            <a:cxnSpLocks/>
+          </p:cNvCxnSpPr>
+          <p:nvPr/>
+        </p:nvCxnSpPr>
+        <p:spPr>
+          <a:xfrm flipV="1">
+            <a:off x="6792190" y="5188688"/>
+            <a:ext cx="0" cy="836852"/>
+          </a:xfrm>
+          <a:prstGeom prst="straightConnector1">
+            <a:avLst/>
+          </a:prstGeom>
+          <a:ln>
+            <a:tailEnd type="triangle"/>
+          </a:ln>
+        </p:spPr>
+        <p:style>
+          <a:lnRef idx="1">
+            <a:schemeClr val="accent1"/>
+          </a:lnRef>
+          <a:fillRef idx="0">
+            <a:schemeClr val="accent1"/>
+          </a:fillRef>
+          <a:effectRef idx="0">
+            <a:schemeClr val="accent1"/>
+          </a:effectRef>
+          <a:fontRef idx="minor">
+            <a:schemeClr val="tx1"/>
+          </a:fontRef>
+        </p:style>
+      </p:cxnSp>
+      <p:cxnSp>
+        <p:nvCxnSpPr>
+          <p:cNvPr id="68" name="Straight Arrow Connector 67">
+            <a:extLst>
+              <a:ext uri="{FF2B5EF4-FFF2-40B4-BE49-F238E27FC236}">
+                <a16:creationId xmlns:a16="http://schemas.microsoft.com/office/drawing/2014/main" id="{C2D46263-4197-0E45-BA4A-B7C7247A52FC}"/>
+              </a:ext>
+            </a:extLst>
+          </p:cNvPr>
+          <p:cNvCxnSpPr>
+            <a:cxnSpLocks/>
+          </p:cNvCxnSpPr>
+          <p:nvPr/>
+        </p:nvCxnSpPr>
+        <p:spPr>
+          <a:xfrm flipV="1">
+            <a:off x="7242302" y="5195565"/>
+            <a:ext cx="0" cy="836852"/>
+          </a:xfrm>
+          <a:prstGeom prst="straightConnector1">
+            <a:avLst/>
+          </a:prstGeom>
+          <a:ln>
+            <a:tailEnd type="triangle"/>
+          </a:ln>
+        </p:spPr>
+        <p:style>
+          <a:lnRef idx="1">
+            <a:schemeClr val="accent1"/>
+          </a:lnRef>
+          <a:fillRef idx="0">
+            <a:schemeClr val="accent1"/>
+          </a:fillRef>
+          <a:effectRef idx="0">
+            <a:schemeClr val="accent1"/>
+          </a:effectRef>
+          <a:fontRef idx="minor">
+            <a:schemeClr val="tx1"/>
+          </a:fontRef>
+        </p:style>
+      </p:cxnSp>
+      <p:cxnSp>
+        <p:nvCxnSpPr>
+          <p:cNvPr id="69" name="Straight Arrow Connector 68">
+            <a:extLst>
+              <a:ext uri="{FF2B5EF4-FFF2-40B4-BE49-F238E27FC236}">
+                <a16:creationId xmlns:a16="http://schemas.microsoft.com/office/drawing/2014/main" id="{4B20421A-9A83-3A42-B882-1CFE343EB562}"/>
+              </a:ext>
+            </a:extLst>
+          </p:cNvPr>
+          <p:cNvCxnSpPr>
+            <a:cxnSpLocks/>
+          </p:cNvCxnSpPr>
+          <p:nvPr/>
+        </p:nvCxnSpPr>
+        <p:spPr>
+          <a:xfrm flipV="1">
+            <a:off x="7713678" y="5188688"/>
+            <a:ext cx="0" cy="836852"/>
+          </a:xfrm>
+          <a:prstGeom prst="straightConnector1">
+            <a:avLst/>
+          </a:prstGeom>
+          <a:ln>
+            <a:tailEnd type="triangle"/>
+          </a:ln>
+        </p:spPr>
+        <p:style>
+          <a:lnRef idx="1">
+            <a:schemeClr val="accent1"/>
+          </a:lnRef>
+          <a:fillRef idx="0">
+            <a:schemeClr val="accent1"/>
+          </a:fillRef>
+          <a:effectRef idx="0">
+            <a:schemeClr val="accent1"/>
+          </a:effectRef>
+          <a:fontRef idx="minor">
+            <a:schemeClr val="tx1"/>
+          </a:fontRef>
+        </p:style>
+      </p:cxnSp>
+      <p:cxnSp>
+        <p:nvCxnSpPr>
+          <p:cNvPr id="11" name="Straight Arrow Connector 10">
+            <a:extLst>
+              <a:ext uri="{FF2B5EF4-FFF2-40B4-BE49-F238E27FC236}">
+                <a16:creationId xmlns:a16="http://schemas.microsoft.com/office/drawing/2014/main" id="{A701D4EB-EA04-3548-B3E8-A3565FFA608D}"/>
+              </a:ext>
+            </a:extLst>
+          </p:cNvPr>
+          <p:cNvCxnSpPr>
+            <a:cxnSpLocks/>
+          </p:cNvCxnSpPr>
+          <p:nvPr/>
+        </p:nvCxnSpPr>
+        <p:spPr>
+          <a:xfrm flipV="1">
+            <a:off x="8378792" y="4933507"/>
+            <a:ext cx="21265" cy="1013850"/>
+          </a:xfrm>
+          <a:prstGeom prst="straightConnector1">
+            <a:avLst/>
+          </a:prstGeom>
+          <a:ln w="63500">
+            <a:solidFill>
+              <a:schemeClr val="accent2"/>
+            </a:solidFill>
+            <a:tailEnd type="triangle"/>
+          </a:ln>
+        </p:spPr>
+        <p:style>
+          <a:lnRef idx="1">
+            <a:schemeClr val="accent1"/>
+          </a:lnRef>
+          <a:fillRef idx="0">
+            <a:schemeClr val="accent1"/>
+          </a:fillRef>
+          <a:effectRef idx="0">
+            <a:schemeClr val="accent1"/>
+          </a:effectRef>
+          <a:fontRef idx="minor">
+            <a:schemeClr val="tx1"/>
+          </a:fontRef>
+        </p:style>
+      </p:cxnSp>
+      <p:cxnSp>
+        <p:nvCxnSpPr>
+          <p:cNvPr id="73" name="Straight Arrow Connector 72">
+            <a:extLst>
+              <a:ext uri="{FF2B5EF4-FFF2-40B4-BE49-F238E27FC236}">
+                <a16:creationId xmlns:a16="http://schemas.microsoft.com/office/drawing/2014/main" id="{17F602D4-D56D-5748-9CED-C85F24776E93}"/>
+              </a:ext>
+            </a:extLst>
+          </p:cNvPr>
+          <p:cNvCxnSpPr>
+            <a:cxnSpLocks/>
+          </p:cNvCxnSpPr>
+          <p:nvPr/>
+        </p:nvCxnSpPr>
+        <p:spPr>
+          <a:xfrm flipV="1">
+            <a:off x="3833280" y="4338084"/>
+            <a:ext cx="21265" cy="1655559"/>
+          </a:xfrm>
+          <a:prstGeom prst="straightConnector1">
+            <a:avLst/>
+          </a:prstGeom>
+          <a:ln w="63500">
+            <a:solidFill>
+              <a:schemeClr val="accent2"/>
+            </a:solidFill>
+            <a:tailEnd type="triangle"/>
+          </a:ln>
+        </p:spPr>
+        <p:style>
+          <a:lnRef idx="1">
+            <a:schemeClr val="accent1"/>
+          </a:lnRef>
+          <a:fillRef idx="0">
+            <a:schemeClr val="accent1"/>
+          </a:fillRef>
+          <a:effectRef idx="0">
+            <a:schemeClr val="accent1"/>
+          </a:effectRef>
+          <a:fontRef idx="minor">
+            <a:schemeClr val="tx1"/>
+          </a:fontRef>
+        </p:style>
+      </p:cxnSp>
+      <p:sp>
+        <p:nvSpPr>
+          <p:cNvPr id="14" name="Down Arrow 13">
+            <a:extLst>
+              <a:ext uri="{FF2B5EF4-FFF2-40B4-BE49-F238E27FC236}">
+                <a16:creationId xmlns:a16="http://schemas.microsoft.com/office/drawing/2014/main" id="{A2DF6EF7-3AFD-204C-A556-EA19ACDA65BE}"/>
+              </a:ext>
+            </a:extLst>
+          </p:cNvPr>
+          <p:cNvSpPr/>
+          <p:nvPr/>
+        </p:nvSpPr>
+        <p:spPr>
+          <a:xfrm>
+            <a:off x="8016949" y="2595424"/>
+            <a:ext cx="574159" cy="1041990"/>
+          </a:xfrm>
+          <a:prstGeom prst="downArrow">
+            <a:avLst/>
+          </a:prstGeom>
+        </p:spPr>
+        <p:style>
+          <a:lnRef idx="2">
+            <a:schemeClr val="accent1">
+              <a:shade val="50000"/>
+            </a:schemeClr>
+          </a:lnRef>
+          <a:fillRef idx="1">
+            <a:schemeClr val="accent1"/>
+          </a:fillRef>
+          <a:effectRef idx="0">
+            <a:schemeClr val="accent1"/>
+          </a:effectRef>
+          <a:fontRef idx="minor">
+            <a:schemeClr val="lt1"/>
+          </a:fontRef>
+        </p:style>
+        <p:txBody>
+          <a:bodyPr rtlCol="0" anchor="ctr"/>
+          <a:lstStyle/>
+          <a:p>
+            <a:pPr algn="ctr"/>
+            <a:endParaRPr lang="en-US"/>
+          </a:p>
+        </p:txBody>
+      </p:sp>
+      <p:sp>
+        <p:nvSpPr>
+          <p:cNvPr id="15" name="TextBox 14">
+            <a:extLst>
+              <a:ext uri="{FF2B5EF4-FFF2-40B4-BE49-F238E27FC236}">
+                <a16:creationId xmlns:a16="http://schemas.microsoft.com/office/drawing/2014/main" id="{D8568DAF-5E35-9F4A-B01F-DBA8AFF5BE40}"/>
+              </a:ext>
+            </a:extLst>
+          </p:cNvPr>
+          <p:cNvSpPr txBox="1"/>
+          <p:nvPr/>
+        </p:nvSpPr>
+        <p:spPr>
+          <a:xfrm>
+            <a:off x="7666074" y="3676032"/>
+            <a:ext cx="1275907" cy="369332"/>
+          </a:xfrm>
+          <a:prstGeom prst="rect">
+            <a:avLst/>
+          </a:prstGeom>
+          <a:noFill/>
+        </p:spPr>
+        <p:txBody>
+          <a:bodyPr wrap="square" rtlCol="0">
+            <a:spAutoFit/>
+          </a:bodyPr>
+          <a:lstStyle/>
+          <a:p>
+            <a:r>
+              <a:rPr lang="en-US" dirty="0"/>
+              <a:t>output</a:t>
+            </a:r>
+          </a:p>
+        </p:txBody>
+      </p:sp>
+      <p:sp>
+        <p:nvSpPr>
+          <p:cNvPr id="16" name="TextBox 15">
+            <a:extLst>
+              <a:ext uri="{FF2B5EF4-FFF2-40B4-BE49-F238E27FC236}">
+                <a16:creationId xmlns:a16="http://schemas.microsoft.com/office/drawing/2014/main" id="{FC787F04-3718-4448-9FD9-74430BBC155D}"/>
+              </a:ext>
+            </a:extLst>
+          </p:cNvPr>
+          <p:cNvSpPr txBox="1"/>
+          <p:nvPr/>
+        </p:nvSpPr>
+        <p:spPr>
+          <a:xfrm>
+            <a:off x="10331597" y="850605"/>
+            <a:ext cx="1470543" cy="2862322"/>
+          </a:xfrm>
+          <a:prstGeom prst="rect">
+            <a:avLst/>
+          </a:prstGeom>
+          <a:noFill/>
+        </p:spPr>
+        <p:txBody>
+          <a:bodyPr wrap="square" rtlCol="0">
+            <a:spAutoFit/>
+          </a:bodyPr>
+          <a:lstStyle/>
+          <a:p>
+            <a:r>
+              <a:rPr lang="en-US" dirty="0"/>
+              <a:t>Discrete events (junctions, node </a:t>
+            </a:r>
+            <a:r>
+              <a:rPr lang="en-US" dirty="0" err="1"/>
+              <a:t>resdistribution</a:t>
+            </a:r>
+            <a:r>
+              <a:rPr lang="en-US" dirty="0"/>
+              <a:t>)</a:t>
+            </a:r>
+          </a:p>
+          <a:p>
+            <a:r>
+              <a:rPr lang="en-US" dirty="0"/>
+              <a:t>= TOPOLOGICAL OPERATIONS</a:t>
+            </a:r>
+          </a:p>
+        </p:txBody>
+      </p:sp>
+    </p:spTree>
+    <p:extLst>
+      <p:ext uri="{BB962C8B-B14F-4D97-AF65-F5344CB8AC3E}">
+        <p14:creationId xmlns:p14="http://schemas.microsoft.com/office/powerpoint/2010/main" val="103721534"/>
       </p:ext>
     </p:extLst>
   </p:cSld>

--- a/doxygen/dox/Figures.pptx
+++ b/doxygen/dox/Figures.pptx
@@ -15,6 +15,7 @@
     <p:sldId id="263" r:id="rId9"/>
     <p:sldId id="264" r:id="rId10"/>
     <p:sldId id="265" r:id="rId11"/>
+    <p:sldId id="266" r:id="rId12"/>
   </p:sldIdLst>
   <p:sldSz cx="12192000" cy="6858000"/>
   <p:notesSz cx="6858000" cy="9144000"/>
@@ -268,7 +269,7 @@
           <a:p>
             <a:fld id="{D23F2A37-FA4E-404F-8684-2B916B73A0A7}" type="datetimeFigureOut">
               <a:rPr lang="en-US" smtClean="0"/>
-              <a:t>10/22/18</a:t>
+              <a:t>11/21/18</a:t>
             </a:fld>
             <a:endParaRPr lang="en-US"/>
           </a:p>
@@ -466,7 +467,7 @@
           <a:p>
             <a:fld id="{D23F2A37-FA4E-404F-8684-2B916B73A0A7}" type="datetimeFigureOut">
               <a:rPr lang="en-US" smtClean="0"/>
-              <a:t>10/22/18</a:t>
+              <a:t>11/21/18</a:t>
             </a:fld>
             <a:endParaRPr lang="en-US"/>
           </a:p>
@@ -674,7 +675,7 @@
           <a:p>
             <a:fld id="{D23F2A37-FA4E-404F-8684-2B916B73A0A7}" type="datetimeFigureOut">
               <a:rPr lang="en-US" smtClean="0"/>
-              <a:t>10/22/18</a:t>
+              <a:t>11/21/18</a:t>
             </a:fld>
             <a:endParaRPr lang="en-US"/>
           </a:p>
@@ -872,7 +873,7 @@
           <a:p>
             <a:fld id="{D23F2A37-FA4E-404F-8684-2B916B73A0A7}" type="datetimeFigureOut">
               <a:rPr lang="en-US" smtClean="0"/>
-              <a:t>10/22/18</a:t>
+              <a:t>11/21/18</a:t>
             </a:fld>
             <a:endParaRPr lang="en-US"/>
           </a:p>
@@ -1147,7 +1148,7 @@
           <a:p>
             <a:fld id="{D23F2A37-FA4E-404F-8684-2B916B73A0A7}" type="datetimeFigureOut">
               <a:rPr lang="en-US" smtClean="0"/>
-              <a:t>10/22/18</a:t>
+              <a:t>11/21/18</a:t>
             </a:fld>
             <a:endParaRPr lang="en-US"/>
           </a:p>
@@ -1412,7 +1413,7 @@
           <a:p>
             <a:fld id="{D23F2A37-FA4E-404F-8684-2B916B73A0A7}" type="datetimeFigureOut">
               <a:rPr lang="en-US" smtClean="0"/>
-              <a:t>10/22/18</a:t>
+              <a:t>11/21/18</a:t>
             </a:fld>
             <a:endParaRPr lang="en-US"/>
           </a:p>
@@ -1824,7 +1825,7 @@
           <a:p>
             <a:fld id="{D23F2A37-FA4E-404F-8684-2B916B73A0A7}" type="datetimeFigureOut">
               <a:rPr lang="en-US" smtClean="0"/>
-              <a:t>10/22/18</a:t>
+              <a:t>11/21/18</a:t>
             </a:fld>
             <a:endParaRPr lang="en-US"/>
           </a:p>
@@ -1965,7 +1966,7 @@
           <a:p>
             <a:fld id="{D23F2A37-FA4E-404F-8684-2B916B73A0A7}" type="datetimeFigureOut">
               <a:rPr lang="en-US" smtClean="0"/>
-              <a:t>10/22/18</a:t>
+              <a:t>11/21/18</a:t>
             </a:fld>
             <a:endParaRPr lang="en-US"/>
           </a:p>
@@ -2078,7 +2079,7 @@
           <a:p>
             <a:fld id="{D23F2A37-FA4E-404F-8684-2B916B73A0A7}" type="datetimeFigureOut">
               <a:rPr lang="en-US" smtClean="0"/>
-              <a:t>10/22/18</a:t>
+              <a:t>11/21/18</a:t>
             </a:fld>
             <a:endParaRPr lang="en-US"/>
           </a:p>
@@ -2389,7 +2390,7 @@
           <a:p>
             <a:fld id="{D23F2A37-FA4E-404F-8684-2B916B73A0A7}" type="datetimeFigureOut">
               <a:rPr lang="en-US" smtClean="0"/>
-              <a:t>10/22/18</a:t>
+              <a:t>11/21/18</a:t>
             </a:fld>
             <a:endParaRPr lang="en-US"/>
           </a:p>
@@ -2677,7 +2678,7 @@
           <a:p>
             <a:fld id="{D23F2A37-FA4E-404F-8684-2B916B73A0A7}" type="datetimeFigureOut">
               <a:rPr lang="en-US" smtClean="0"/>
-              <a:t>10/22/18</a:t>
+              <a:t>11/21/18</a:t>
             </a:fld>
             <a:endParaRPr lang="en-US"/>
           </a:p>
@@ -2918,7 +2919,7 @@
           <a:p>
             <a:fld id="{D23F2A37-FA4E-404F-8684-2B916B73A0A7}" type="datetimeFigureOut">
               <a:rPr lang="en-US" smtClean="0"/>
-              <a:t>10/22/18</a:t>
+              <a:t>11/21/18</a:t>
             </a:fld>
             <a:endParaRPr lang="en-US"/>
           </a:p>
@@ -4536,6 +4537,857 @@
 </p:sld>
 </file>
 
+<file path=ppt/slides/slide11.xml><?xml version="1.0" encoding="utf-8"?>
+<p:sld xmlns:a="http://schemas.openxmlformats.org/drawingml/2006/main" xmlns:r="http://schemas.openxmlformats.org/officeDocument/2006/relationships" xmlns:p="http://schemas.openxmlformats.org/presentationml/2006/main">
+  <p:cSld>
+    <p:spTree>
+      <p:nvGrpSpPr>
+        <p:cNvPr id="1" name=""/>
+        <p:cNvGrpSpPr/>
+        <p:nvPr/>
+      </p:nvGrpSpPr>
+      <p:grpSpPr>
+        <a:xfrm>
+          <a:off x="0" y="0"/>
+          <a:ext cx="0" cy="0"/>
+          <a:chOff x="0" y="0"/>
+          <a:chExt cx="0" cy="0"/>
+        </a:xfrm>
+      </p:grpSpPr>
+      <p:sp>
+        <p:nvSpPr>
+          <p:cNvPr id="21" name="Oval 20">
+            <a:extLst>
+              <a:ext uri="{FF2B5EF4-FFF2-40B4-BE49-F238E27FC236}">
+                <a16:creationId xmlns:a16="http://schemas.microsoft.com/office/drawing/2014/main" id="{813B08B2-1B51-084E-8034-E19075127D22}"/>
+              </a:ext>
+            </a:extLst>
+          </p:cNvPr>
+          <p:cNvSpPr/>
+          <p:nvPr/>
+        </p:nvSpPr>
+        <p:spPr>
+          <a:xfrm>
+            <a:off x="6815301" y="180284"/>
+            <a:ext cx="2032985" cy="2032985"/>
+          </a:xfrm>
+          <a:prstGeom prst="ellipse">
+            <a:avLst/>
+          </a:prstGeom>
+          <a:solidFill>
+            <a:schemeClr val="accent3">
+              <a:lumMod val="40000"/>
+              <a:lumOff val="60000"/>
+            </a:schemeClr>
+          </a:solidFill>
+          <a:ln>
+            <a:noFill/>
+          </a:ln>
+          <a:scene3d>
+            <a:camera prst="orthographicFront"/>
+            <a:lightRig rig="threePt" dir="t"/>
+          </a:scene3d>
+          <a:sp3d>
+            <a:bevelT w="635000" h="152400"/>
+          </a:sp3d>
+        </p:spPr>
+        <p:style>
+          <a:lnRef idx="2">
+            <a:schemeClr val="accent1">
+              <a:shade val="50000"/>
+            </a:schemeClr>
+          </a:lnRef>
+          <a:fillRef idx="1">
+            <a:schemeClr val="accent1"/>
+          </a:fillRef>
+          <a:effectRef idx="0">
+            <a:schemeClr val="accent1"/>
+          </a:effectRef>
+          <a:fontRef idx="minor">
+            <a:schemeClr val="lt1"/>
+          </a:fontRef>
+        </p:style>
+        <p:txBody>
+          <a:bodyPr rtlCol="0" anchor="ctr"/>
+          <a:lstStyle/>
+          <a:p>
+            <a:pPr algn="ctr"/>
+            <a:endParaRPr lang="en-US"/>
+          </a:p>
+        </p:txBody>
+      </p:sp>
+      <p:sp>
+        <p:nvSpPr>
+          <p:cNvPr id="2" name="Parallelogram 1">
+            <a:extLst>
+              <a:ext uri="{FF2B5EF4-FFF2-40B4-BE49-F238E27FC236}">
+                <a16:creationId xmlns:a16="http://schemas.microsoft.com/office/drawing/2014/main" id="{32570EA2-02AB-4B42-89DA-5F85796BAA92}"/>
+              </a:ext>
+            </a:extLst>
+          </p:cNvPr>
+          <p:cNvSpPr/>
+          <p:nvPr/>
+        </p:nvSpPr>
+        <p:spPr>
+          <a:xfrm>
+            <a:off x="1228381" y="3076169"/>
+            <a:ext cx="6603413" cy="2821764"/>
+          </a:xfrm>
+          <a:prstGeom prst="parallelogram">
+            <a:avLst>
+              <a:gd name="adj" fmla="val 54591"/>
+            </a:avLst>
+          </a:prstGeom>
+          <a:solidFill>
+            <a:schemeClr val="bg1">
+              <a:lumMod val="85000"/>
+            </a:schemeClr>
+          </a:solidFill>
+          <a:ln>
+            <a:noFill/>
+          </a:ln>
+        </p:spPr>
+        <p:style>
+          <a:lnRef idx="2">
+            <a:schemeClr val="accent1">
+              <a:shade val="50000"/>
+            </a:schemeClr>
+          </a:lnRef>
+          <a:fillRef idx="1">
+            <a:schemeClr val="accent1"/>
+          </a:fillRef>
+          <a:effectRef idx="0">
+            <a:schemeClr val="accent1"/>
+          </a:effectRef>
+          <a:fontRef idx="minor">
+            <a:schemeClr val="lt1"/>
+          </a:fontRef>
+        </p:style>
+        <p:txBody>
+          <a:bodyPr rtlCol="0" anchor="ctr"/>
+          <a:lstStyle/>
+          <a:p>
+            <a:pPr algn="ctr"/>
+            <a:endParaRPr lang="en-US"/>
+          </a:p>
+        </p:txBody>
+      </p:sp>
+      <p:cxnSp>
+        <p:nvCxnSpPr>
+          <p:cNvPr id="4" name="Straight Connector 3">
+            <a:extLst>
+              <a:ext uri="{FF2B5EF4-FFF2-40B4-BE49-F238E27FC236}">
+                <a16:creationId xmlns:a16="http://schemas.microsoft.com/office/drawing/2014/main" id="{B388908E-6425-D149-8532-2027342BA12F}"/>
+              </a:ext>
+            </a:extLst>
+          </p:cNvPr>
+          <p:cNvCxnSpPr>
+            <a:cxnSpLocks/>
+            <a:stCxn id="35" idx="0"/>
+          </p:cNvCxnSpPr>
+          <p:nvPr/>
+        </p:nvCxnSpPr>
+        <p:spPr>
+          <a:xfrm flipV="1">
+            <a:off x="5891809" y="1196776"/>
+            <a:ext cx="1939984" cy="2177078"/>
+          </a:xfrm>
+          <a:prstGeom prst="line">
+            <a:avLst/>
+          </a:prstGeom>
+          <a:ln>
+            <a:solidFill>
+              <a:schemeClr val="tx1"/>
+            </a:solidFill>
+            <a:headEnd type="stealth" w="lg" len="lg"/>
+          </a:ln>
+        </p:spPr>
+        <p:style>
+          <a:lnRef idx="1">
+            <a:schemeClr val="accent1"/>
+          </a:lnRef>
+          <a:fillRef idx="0">
+            <a:schemeClr val="accent1"/>
+          </a:fillRef>
+          <a:effectRef idx="0">
+            <a:schemeClr val="accent1"/>
+          </a:effectRef>
+          <a:fontRef idx="minor">
+            <a:schemeClr val="tx1"/>
+          </a:fontRef>
+        </p:style>
+      </p:cxnSp>
+      <p:sp>
+        <p:nvSpPr>
+          <p:cNvPr id="16" name="Freeform 15">
+            <a:extLst>
+              <a:ext uri="{FF2B5EF4-FFF2-40B4-BE49-F238E27FC236}">
+                <a16:creationId xmlns:a16="http://schemas.microsoft.com/office/drawing/2014/main" id="{5D93A986-665D-2741-9820-AFD439B7CC20}"/>
+              </a:ext>
+            </a:extLst>
+          </p:cNvPr>
+          <p:cNvSpPr/>
+          <p:nvPr/>
+        </p:nvSpPr>
+        <p:spPr>
+          <a:xfrm>
+            <a:off x="3064440" y="3365939"/>
+            <a:ext cx="3425229" cy="1797269"/>
+          </a:xfrm>
+          <a:custGeom>
+            <a:avLst/>
+            <a:gdLst>
+              <a:gd name="connsiteX0" fmla="*/ 1403131 w 4146331"/>
+              <a:gd name="connsiteY0" fmla="*/ 0 h 2175642"/>
+              <a:gd name="connsiteX1" fmla="*/ 3389586 w 4146331"/>
+              <a:gd name="connsiteY1" fmla="*/ 63062 h 2175642"/>
+              <a:gd name="connsiteX2" fmla="*/ 4146331 w 4146331"/>
+              <a:gd name="connsiteY2" fmla="*/ 1434662 h 2175642"/>
+              <a:gd name="connsiteX3" fmla="*/ 2979683 w 4146331"/>
+              <a:gd name="connsiteY3" fmla="*/ 2175642 h 2175642"/>
+              <a:gd name="connsiteX4" fmla="*/ 1103586 w 4146331"/>
+              <a:gd name="connsiteY4" fmla="*/ 1986455 h 2175642"/>
+              <a:gd name="connsiteX5" fmla="*/ 0 w 4146331"/>
+              <a:gd name="connsiteY5" fmla="*/ 1135117 h 2175642"/>
+              <a:gd name="connsiteX6" fmla="*/ 1403131 w 4146331"/>
+              <a:gd name="connsiteY6" fmla="*/ 0 h 2175642"/>
+            </a:gdLst>
+            <a:ahLst/>
+            <a:cxnLst>
+              <a:cxn ang="0">
+                <a:pos x="connsiteX0" y="connsiteY0"/>
+              </a:cxn>
+              <a:cxn ang="0">
+                <a:pos x="connsiteX1" y="connsiteY1"/>
+              </a:cxn>
+              <a:cxn ang="0">
+                <a:pos x="connsiteX2" y="connsiteY2"/>
+              </a:cxn>
+              <a:cxn ang="0">
+                <a:pos x="connsiteX3" y="connsiteY3"/>
+              </a:cxn>
+              <a:cxn ang="0">
+                <a:pos x="connsiteX4" y="connsiteY4"/>
+              </a:cxn>
+              <a:cxn ang="0">
+                <a:pos x="connsiteX5" y="connsiteY5"/>
+              </a:cxn>
+              <a:cxn ang="0">
+                <a:pos x="connsiteX6" y="connsiteY6"/>
+              </a:cxn>
+            </a:cxnLst>
+            <a:rect l="l" t="t" r="r" b="b"/>
+            <a:pathLst>
+              <a:path w="4146331" h="2175642">
+                <a:moveTo>
+                  <a:pt x="1403131" y="0"/>
+                </a:moveTo>
+                <a:lnTo>
+                  <a:pt x="3389586" y="63062"/>
+                </a:lnTo>
+                <a:lnTo>
+                  <a:pt x="4146331" y="1434662"/>
+                </a:lnTo>
+                <a:lnTo>
+                  <a:pt x="2979683" y="2175642"/>
+                </a:lnTo>
+                <a:lnTo>
+                  <a:pt x="1103586" y="1986455"/>
+                </a:lnTo>
+                <a:lnTo>
+                  <a:pt x="0" y="1135117"/>
+                </a:lnTo>
+                <a:lnTo>
+                  <a:pt x="1403131" y="0"/>
+                </a:lnTo>
+                <a:close/>
+              </a:path>
+            </a:pathLst>
+          </a:custGeom>
+          <a:solidFill>
+            <a:srgbClr val="7030A0">
+              <a:alpha val="20000"/>
+            </a:srgbClr>
+          </a:solidFill>
+          <a:ln>
+            <a:solidFill>
+              <a:schemeClr val="tx1"/>
+            </a:solidFill>
+          </a:ln>
+        </p:spPr>
+        <p:style>
+          <a:lnRef idx="2">
+            <a:schemeClr val="accent1">
+              <a:shade val="50000"/>
+            </a:schemeClr>
+          </a:lnRef>
+          <a:fillRef idx="1">
+            <a:schemeClr val="accent1"/>
+          </a:fillRef>
+          <a:effectRef idx="0">
+            <a:schemeClr val="accent1"/>
+          </a:effectRef>
+          <a:fontRef idx="minor">
+            <a:schemeClr val="lt1"/>
+          </a:fontRef>
+        </p:style>
+        <p:txBody>
+          <a:bodyPr rtlCol="0" anchor="ctr"/>
+          <a:lstStyle/>
+          <a:p>
+            <a:pPr algn="ctr"/>
+            <a:endParaRPr lang="en-US"/>
+          </a:p>
+        </p:txBody>
+      </p:sp>
+      <p:cxnSp>
+        <p:nvCxnSpPr>
+          <p:cNvPr id="18" name="Straight Connector 17">
+            <a:extLst>
+              <a:ext uri="{FF2B5EF4-FFF2-40B4-BE49-F238E27FC236}">
+                <a16:creationId xmlns:a16="http://schemas.microsoft.com/office/drawing/2014/main" id="{4A88A17F-DBED-944E-9BC8-CD5C5A7B8385}"/>
+              </a:ext>
+            </a:extLst>
+          </p:cNvPr>
+          <p:cNvCxnSpPr>
+            <a:cxnSpLocks/>
+            <a:stCxn id="34" idx="7"/>
+          </p:cNvCxnSpPr>
+          <p:nvPr/>
+        </p:nvCxnSpPr>
+        <p:spPr>
+          <a:xfrm flipV="1">
+            <a:off x="6519409" y="1211517"/>
+            <a:ext cx="1312384" cy="3303110"/>
+          </a:xfrm>
+          <a:prstGeom prst="line">
+            <a:avLst/>
+          </a:prstGeom>
+          <a:ln>
+            <a:solidFill>
+              <a:schemeClr val="tx1"/>
+            </a:solidFill>
+            <a:headEnd type="stealth" w="lg" len="lg"/>
+          </a:ln>
+        </p:spPr>
+        <p:style>
+          <a:lnRef idx="1">
+            <a:schemeClr val="accent1"/>
+          </a:lnRef>
+          <a:fillRef idx="0">
+            <a:schemeClr val="accent1"/>
+          </a:fillRef>
+          <a:effectRef idx="0">
+            <a:schemeClr val="accent1"/>
+          </a:effectRef>
+          <a:fontRef idx="minor">
+            <a:schemeClr val="tx1"/>
+          </a:fontRef>
+        </p:style>
+      </p:cxnSp>
+      <p:sp>
+        <p:nvSpPr>
+          <p:cNvPr id="26" name="TextBox 25">
+            <a:extLst>
+              <a:ext uri="{FF2B5EF4-FFF2-40B4-BE49-F238E27FC236}">
+                <a16:creationId xmlns:a16="http://schemas.microsoft.com/office/drawing/2014/main" id="{2B8664DD-E6ED-644D-A4C6-B0801156E6E6}"/>
+              </a:ext>
+            </a:extLst>
+          </p:cNvPr>
+          <p:cNvSpPr txBox="1"/>
+          <p:nvPr/>
+        </p:nvSpPr>
+        <p:spPr>
+          <a:xfrm>
+            <a:off x="6389632" y="4576636"/>
+            <a:ext cx="425669" cy="369332"/>
+          </a:xfrm>
+          <a:prstGeom prst="rect">
+            <a:avLst/>
+          </a:prstGeom>
+          <a:noFill/>
+        </p:spPr>
+        <p:txBody>
+          <a:bodyPr wrap="square" rtlCol="0">
+            <a:spAutoFit/>
+          </a:bodyPr>
+          <a:lstStyle/>
+          <a:p>
+            <a:r>
+              <a:rPr lang="en-US" dirty="0" err="1"/>
+              <a:t>P</a:t>
+            </a:r>
+            <a:r>
+              <a:rPr lang="en-US" baseline="-25000" dirty="0" err="1"/>
+              <a:t>n</a:t>
+            </a:r>
+            <a:endParaRPr lang="en-US" baseline="-25000" dirty="0"/>
+          </a:p>
+        </p:txBody>
+      </p:sp>
+      <p:sp>
+        <p:nvSpPr>
+          <p:cNvPr id="27" name="TextBox 26">
+            <a:extLst>
+              <a:ext uri="{FF2B5EF4-FFF2-40B4-BE49-F238E27FC236}">
+                <a16:creationId xmlns:a16="http://schemas.microsoft.com/office/drawing/2014/main" id="{84D9025C-639B-3843-AFE5-142AD9BA4D88}"/>
+              </a:ext>
+            </a:extLst>
+          </p:cNvPr>
+          <p:cNvSpPr txBox="1"/>
+          <p:nvPr/>
+        </p:nvSpPr>
+        <p:spPr>
+          <a:xfrm>
+            <a:off x="5348514" y="3060403"/>
+            <a:ext cx="710012" cy="369332"/>
+          </a:xfrm>
+          <a:prstGeom prst="rect">
+            <a:avLst/>
+          </a:prstGeom>
+          <a:noFill/>
+        </p:spPr>
+        <p:txBody>
+          <a:bodyPr wrap="square" rtlCol="0">
+            <a:spAutoFit/>
+          </a:bodyPr>
+          <a:lstStyle/>
+          <a:p>
+            <a:r>
+              <a:rPr lang="en-US" dirty="0"/>
+              <a:t>P</a:t>
+            </a:r>
+            <a:r>
+              <a:rPr lang="en-US" baseline="-25000" dirty="0"/>
+              <a:t>n+1</a:t>
+            </a:r>
+          </a:p>
+        </p:txBody>
+      </p:sp>
+      <p:sp>
+        <p:nvSpPr>
+          <p:cNvPr id="28" name="TextBox 27">
+            <a:extLst>
+              <a:ext uri="{FF2B5EF4-FFF2-40B4-BE49-F238E27FC236}">
+                <a16:creationId xmlns:a16="http://schemas.microsoft.com/office/drawing/2014/main" id="{8DB416D3-9845-DB46-9E72-D9FB74918E75}"/>
+              </a:ext>
+            </a:extLst>
+          </p:cNvPr>
+          <p:cNvSpPr txBox="1"/>
+          <p:nvPr/>
+        </p:nvSpPr>
+        <p:spPr>
+          <a:xfrm>
+            <a:off x="7887548" y="855156"/>
+            <a:ext cx="425669" cy="369332"/>
+          </a:xfrm>
+          <a:prstGeom prst="rect">
+            <a:avLst/>
+          </a:prstGeom>
+          <a:noFill/>
+        </p:spPr>
+        <p:txBody>
+          <a:bodyPr wrap="square" rtlCol="0">
+            <a:spAutoFit/>
+          </a:bodyPr>
+          <a:lstStyle/>
+          <a:p>
+            <a:r>
+              <a:rPr lang="en-US" dirty="0"/>
+              <a:t>x</a:t>
+            </a:r>
+            <a:endParaRPr lang="en-US" baseline="-25000" dirty="0"/>
+          </a:p>
+        </p:txBody>
+      </p:sp>
+      <p:sp>
+        <p:nvSpPr>
+          <p:cNvPr id="29" name="Arc 28">
+            <a:extLst>
+              <a:ext uri="{FF2B5EF4-FFF2-40B4-BE49-F238E27FC236}">
+                <a16:creationId xmlns:a16="http://schemas.microsoft.com/office/drawing/2014/main" id="{CEAA55CD-0485-ED43-91A1-AB93DD15278F}"/>
+              </a:ext>
+            </a:extLst>
+          </p:cNvPr>
+          <p:cNvSpPr/>
+          <p:nvPr/>
+        </p:nvSpPr>
+        <p:spPr>
+          <a:xfrm rot="9298360">
+            <a:off x="7084504" y="827201"/>
+            <a:ext cx="1288208" cy="1251914"/>
+          </a:xfrm>
+          <a:prstGeom prst="arc">
+            <a:avLst>
+              <a:gd name="adj1" fmla="val 18875213"/>
+              <a:gd name="adj2" fmla="val 20629371"/>
+            </a:avLst>
+          </a:prstGeom>
+          <a:ln>
+            <a:solidFill>
+              <a:schemeClr val="tx1"/>
+            </a:solidFill>
+          </a:ln>
+        </p:spPr>
+        <p:style>
+          <a:lnRef idx="1">
+            <a:schemeClr val="accent1"/>
+          </a:lnRef>
+          <a:fillRef idx="0">
+            <a:schemeClr val="accent1"/>
+          </a:fillRef>
+          <a:effectRef idx="0">
+            <a:schemeClr val="accent1"/>
+          </a:effectRef>
+          <a:fontRef idx="minor">
+            <a:schemeClr val="tx1"/>
+          </a:fontRef>
+        </p:style>
+        <p:txBody>
+          <a:bodyPr rtlCol="0" anchor="ctr"/>
+          <a:lstStyle/>
+          <a:p>
+            <a:pPr algn="ctr"/>
+            <a:endParaRPr lang="en-US"/>
+          </a:p>
+        </p:txBody>
+      </p:sp>
+      <p:sp>
+        <p:nvSpPr>
+          <p:cNvPr id="30" name="Oval 29">
+            <a:extLst>
+              <a:ext uri="{FF2B5EF4-FFF2-40B4-BE49-F238E27FC236}">
+                <a16:creationId xmlns:a16="http://schemas.microsoft.com/office/drawing/2014/main" id="{C51AD848-C054-2F48-831A-AA7C2C0FEC33}"/>
+              </a:ext>
+            </a:extLst>
+          </p:cNvPr>
+          <p:cNvSpPr/>
+          <p:nvPr/>
+        </p:nvSpPr>
+        <p:spPr>
+          <a:xfrm>
+            <a:off x="7802068" y="1129895"/>
+            <a:ext cx="110359" cy="110359"/>
+          </a:xfrm>
+          <a:prstGeom prst="ellipse">
+            <a:avLst/>
+          </a:prstGeom>
+          <a:solidFill>
+            <a:schemeClr val="tx1"/>
+          </a:solidFill>
+          <a:ln>
+            <a:noFill/>
+          </a:ln>
+        </p:spPr>
+        <p:style>
+          <a:lnRef idx="2">
+            <a:schemeClr val="accent1">
+              <a:shade val="50000"/>
+            </a:schemeClr>
+          </a:lnRef>
+          <a:fillRef idx="1">
+            <a:schemeClr val="accent1"/>
+          </a:fillRef>
+          <a:effectRef idx="0">
+            <a:schemeClr val="accent1"/>
+          </a:effectRef>
+          <a:fontRef idx="minor">
+            <a:schemeClr val="lt1"/>
+          </a:fontRef>
+        </p:style>
+        <p:txBody>
+          <a:bodyPr rtlCol="0" anchor="ctr"/>
+          <a:lstStyle/>
+          <a:p>
+            <a:pPr algn="ctr"/>
+            <a:endParaRPr lang="en-US"/>
+          </a:p>
+        </p:txBody>
+      </p:sp>
+      <p:sp>
+        <p:nvSpPr>
+          <p:cNvPr id="34" name="Oval 33">
+            <a:extLst>
+              <a:ext uri="{FF2B5EF4-FFF2-40B4-BE49-F238E27FC236}">
+                <a16:creationId xmlns:a16="http://schemas.microsoft.com/office/drawing/2014/main" id="{C0A6A570-85C0-434E-8EDA-FC1E19DF0A02}"/>
+              </a:ext>
+            </a:extLst>
+          </p:cNvPr>
+          <p:cNvSpPr/>
+          <p:nvPr/>
+        </p:nvSpPr>
+        <p:spPr>
+          <a:xfrm>
+            <a:off x="6425212" y="4498465"/>
+            <a:ext cx="110359" cy="110359"/>
+          </a:xfrm>
+          <a:prstGeom prst="ellipse">
+            <a:avLst/>
+          </a:prstGeom>
+          <a:solidFill>
+            <a:schemeClr val="tx1"/>
+          </a:solidFill>
+          <a:ln>
+            <a:noFill/>
+          </a:ln>
+        </p:spPr>
+        <p:style>
+          <a:lnRef idx="2">
+            <a:schemeClr val="accent1">
+              <a:shade val="50000"/>
+            </a:schemeClr>
+          </a:lnRef>
+          <a:fillRef idx="1">
+            <a:schemeClr val="accent1"/>
+          </a:fillRef>
+          <a:effectRef idx="0">
+            <a:schemeClr val="accent1"/>
+          </a:effectRef>
+          <a:fontRef idx="minor">
+            <a:schemeClr val="lt1"/>
+          </a:fontRef>
+        </p:style>
+        <p:txBody>
+          <a:bodyPr rtlCol="0" anchor="ctr"/>
+          <a:lstStyle/>
+          <a:p>
+            <a:pPr algn="ctr"/>
+            <a:endParaRPr lang="en-US"/>
+          </a:p>
+        </p:txBody>
+      </p:sp>
+      <p:sp>
+        <p:nvSpPr>
+          <p:cNvPr id="35" name="Oval 34">
+            <a:extLst>
+              <a:ext uri="{FF2B5EF4-FFF2-40B4-BE49-F238E27FC236}">
+                <a16:creationId xmlns:a16="http://schemas.microsoft.com/office/drawing/2014/main" id="{BA21E675-0968-3B49-9ED9-C6D3646D3E9E}"/>
+              </a:ext>
+            </a:extLst>
+          </p:cNvPr>
+          <p:cNvSpPr/>
+          <p:nvPr/>
+        </p:nvSpPr>
+        <p:spPr>
+          <a:xfrm>
+            <a:off x="5836629" y="3373854"/>
+            <a:ext cx="110359" cy="110359"/>
+          </a:xfrm>
+          <a:prstGeom prst="ellipse">
+            <a:avLst/>
+          </a:prstGeom>
+          <a:solidFill>
+            <a:schemeClr val="tx1"/>
+          </a:solidFill>
+          <a:ln>
+            <a:noFill/>
+          </a:ln>
+        </p:spPr>
+        <p:style>
+          <a:lnRef idx="2">
+            <a:schemeClr val="accent1">
+              <a:shade val="50000"/>
+            </a:schemeClr>
+          </a:lnRef>
+          <a:fillRef idx="1">
+            <a:schemeClr val="accent1"/>
+          </a:fillRef>
+          <a:effectRef idx="0">
+            <a:schemeClr val="accent1"/>
+          </a:effectRef>
+          <a:fontRef idx="minor">
+            <a:schemeClr val="lt1"/>
+          </a:fontRef>
+        </p:style>
+        <p:txBody>
+          <a:bodyPr rtlCol="0" anchor="ctr"/>
+          <a:lstStyle/>
+          <a:p>
+            <a:pPr algn="ctr"/>
+            <a:endParaRPr lang="en-US"/>
+          </a:p>
+        </p:txBody>
+      </p:sp>
+      <p:sp>
+        <p:nvSpPr>
+          <p:cNvPr id="36" name="TextBox 35">
+            <a:extLst>
+              <a:ext uri="{FF2B5EF4-FFF2-40B4-BE49-F238E27FC236}">
+                <a16:creationId xmlns:a16="http://schemas.microsoft.com/office/drawing/2014/main" id="{49699138-D068-F44D-BAFB-DA29F2BCB36D}"/>
+              </a:ext>
+            </a:extLst>
+          </p:cNvPr>
+          <p:cNvSpPr txBox="1"/>
+          <p:nvPr/>
+        </p:nvSpPr>
+        <p:spPr>
+          <a:xfrm>
+            <a:off x="8848286" y="760563"/>
+            <a:ext cx="1466000" cy="646331"/>
+          </a:xfrm>
+          <a:prstGeom prst="rect">
+            <a:avLst/>
+          </a:prstGeom>
+          <a:noFill/>
+        </p:spPr>
+        <p:txBody>
+          <a:bodyPr wrap="square" rtlCol="0">
+            <a:spAutoFit/>
+          </a:bodyPr>
+          <a:lstStyle/>
+          <a:p>
+            <a:r>
+              <a:rPr lang="en-US" dirty="0"/>
+              <a:t>unit sphere</a:t>
+            </a:r>
+          </a:p>
+          <a:p>
+            <a:r>
+              <a:rPr lang="en-US" dirty="0"/>
+              <a:t>centered at x</a:t>
+            </a:r>
+          </a:p>
+        </p:txBody>
+      </p:sp>
+      <p:sp>
+        <p:nvSpPr>
+          <p:cNvPr id="38" name="TextBox 37">
+            <a:extLst>
+              <a:ext uri="{FF2B5EF4-FFF2-40B4-BE49-F238E27FC236}">
+                <a16:creationId xmlns:a16="http://schemas.microsoft.com/office/drawing/2014/main" id="{8C37807F-E9DE-784F-842B-9A43CAC16207}"/>
+              </a:ext>
+            </a:extLst>
+          </p:cNvPr>
+          <p:cNvSpPr txBox="1"/>
+          <p:nvPr/>
+        </p:nvSpPr>
+        <p:spPr>
+          <a:xfrm rot="17527505">
+            <a:off x="6939596" y="2390029"/>
+            <a:ext cx="1039661" cy="369332"/>
+          </a:xfrm>
+          <a:prstGeom prst="rect">
+            <a:avLst/>
+          </a:prstGeom>
+          <a:noFill/>
+        </p:spPr>
+        <p:txBody>
+          <a:bodyPr wrap="square" rtlCol="0">
+            <a:spAutoFit/>
+          </a:bodyPr>
+          <a:lstStyle/>
+          <a:p>
+            <a:r>
+              <a:rPr lang="en-US" dirty="0" err="1"/>
+              <a:t>Y</a:t>
+            </a:r>
+            <a:r>
+              <a:rPr lang="en-US" baseline="-25000" dirty="0" err="1"/>
+              <a:t>n</a:t>
+            </a:r>
+            <a:r>
+              <a:rPr lang="en-US" dirty="0"/>
+              <a:t>=-R</a:t>
+            </a:r>
+            <a:r>
+              <a:rPr lang="en-US" baseline="-25000" dirty="0"/>
+              <a:t>n</a:t>
+            </a:r>
+          </a:p>
+        </p:txBody>
+      </p:sp>
+      <p:cxnSp>
+        <p:nvCxnSpPr>
+          <p:cNvPr id="42" name="Straight Arrow Connector 41">
+            <a:extLst>
+              <a:ext uri="{FF2B5EF4-FFF2-40B4-BE49-F238E27FC236}">
+                <a16:creationId xmlns:a16="http://schemas.microsoft.com/office/drawing/2014/main" id="{67571221-3D6E-5B47-B550-287A41DF2B24}"/>
+              </a:ext>
+            </a:extLst>
+          </p:cNvPr>
+          <p:cNvCxnSpPr>
+            <a:cxnSpLocks/>
+          </p:cNvCxnSpPr>
+          <p:nvPr/>
+        </p:nvCxnSpPr>
+        <p:spPr>
+          <a:xfrm flipV="1">
+            <a:off x="4976057" y="2574695"/>
+            <a:ext cx="0" cy="1689879"/>
+          </a:xfrm>
+          <a:prstGeom prst="straightConnector1">
+            <a:avLst/>
+          </a:prstGeom>
+          <a:ln w="1270">
+            <a:solidFill>
+              <a:schemeClr val="tx1"/>
+            </a:solidFill>
+            <a:tailEnd type="stealth" w="lg" len="lg"/>
+          </a:ln>
+        </p:spPr>
+        <p:style>
+          <a:lnRef idx="1">
+            <a:schemeClr val="accent1"/>
+          </a:lnRef>
+          <a:fillRef idx="0">
+            <a:schemeClr val="accent1"/>
+          </a:fillRef>
+          <a:effectRef idx="0">
+            <a:schemeClr val="accent1"/>
+          </a:effectRef>
+          <a:fontRef idx="minor">
+            <a:schemeClr val="tx1"/>
+          </a:fontRef>
+        </p:style>
+      </p:cxnSp>
+      <p:sp>
+        <p:nvSpPr>
+          <p:cNvPr id="48" name="TextBox 47">
+            <a:extLst>
+              <a:ext uri="{FF2B5EF4-FFF2-40B4-BE49-F238E27FC236}">
+                <a16:creationId xmlns:a16="http://schemas.microsoft.com/office/drawing/2014/main" id="{2028305B-E486-2043-94E0-0525BF15A515}"/>
+              </a:ext>
+            </a:extLst>
+          </p:cNvPr>
+          <p:cNvSpPr txBox="1"/>
+          <p:nvPr/>
+        </p:nvSpPr>
+        <p:spPr>
+          <a:xfrm>
+            <a:off x="4131905" y="1984883"/>
+            <a:ext cx="1466000" cy="646331"/>
+          </a:xfrm>
+          <a:prstGeom prst="rect">
+            <a:avLst/>
+          </a:prstGeom>
+          <a:noFill/>
+        </p:spPr>
+        <p:txBody>
+          <a:bodyPr wrap="square" rtlCol="0">
+            <a:spAutoFit/>
+          </a:bodyPr>
+          <a:lstStyle/>
+          <a:p>
+            <a:r>
+              <a:rPr lang="en-US" dirty="0"/>
+              <a:t>right-handed loop normal</a:t>
+            </a:r>
+          </a:p>
+        </p:txBody>
+      </p:sp>
+    </p:spTree>
+    <p:extLst>
+      <p:ext uri="{BB962C8B-B14F-4D97-AF65-F5344CB8AC3E}">
+        <p14:creationId xmlns:p14="http://schemas.microsoft.com/office/powerpoint/2010/main" val="3736071530"/>
+      </p:ext>
+    </p:extLst>
+  </p:cSld>
+  <p:clrMapOvr>
+    <a:masterClrMapping/>
+  </p:clrMapOvr>
+</p:sld>
+</file>
+
 <file path=ppt/slides/slide2.xml><?xml version="1.0" encoding="utf-8"?>
 <p:sld xmlns:a="http://schemas.openxmlformats.org/drawingml/2006/main" xmlns:r="http://schemas.openxmlformats.org/officeDocument/2006/relationships" xmlns:p="http://schemas.openxmlformats.org/presentationml/2006/main">
   <p:cSld>

--- a/doxygen/dox/Figures.pptx
+++ b/doxygen/dox/Figures.pptx
@@ -271,7 +271,7 @@
           <a:p>
             <a:fld id="{D23F2A37-FA4E-404F-8684-2B916B73A0A7}" type="datetimeFigureOut">
               <a:rPr lang="en-US" smtClean="0"/>
-              <a:t>7/1/19</a:t>
+              <a:t>9/10/19</a:t>
             </a:fld>
             <a:endParaRPr lang="en-US"/>
           </a:p>
@@ -469,7 +469,7 @@
           <a:p>
             <a:fld id="{D23F2A37-FA4E-404F-8684-2B916B73A0A7}" type="datetimeFigureOut">
               <a:rPr lang="en-US" smtClean="0"/>
-              <a:t>7/1/19</a:t>
+              <a:t>9/10/19</a:t>
             </a:fld>
             <a:endParaRPr lang="en-US"/>
           </a:p>
@@ -677,7 +677,7 @@
           <a:p>
             <a:fld id="{D23F2A37-FA4E-404F-8684-2B916B73A0A7}" type="datetimeFigureOut">
               <a:rPr lang="en-US" smtClean="0"/>
-              <a:t>7/1/19</a:t>
+              <a:t>9/10/19</a:t>
             </a:fld>
             <a:endParaRPr lang="en-US"/>
           </a:p>
@@ -875,7 +875,7 @@
           <a:p>
             <a:fld id="{D23F2A37-FA4E-404F-8684-2B916B73A0A7}" type="datetimeFigureOut">
               <a:rPr lang="en-US" smtClean="0"/>
-              <a:t>7/1/19</a:t>
+              <a:t>9/10/19</a:t>
             </a:fld>
             <a:endParaRPr lang="en-US"/>
           </a:p>
@@ -1150,7 +1150,7 @@
           <a:p>
             <a:fld id="{D23F2A37-FA4E-404F-8684-2B916B73A0A7}" type="datetimeFigureOut">
               <a:rPr lang="en-US" smtClean="0"/>
-              <a:t>7/1/19</a:t>
+              <a:t>9/10/19</a:t>
             </a:fld>
             <a:endParaRPr lang="en-US"/>
           </a:p>
@@ -1415,7 +1415,7 @@
           <a:p>
             <a:fld id="{D23F2A37-FA4E-404F-8684-2B916B73A0A7}" type="datetimeFigureOut">
               <a:rPr lang="en-US" smtClean="0"/>
-              <a:t>7/1/19</a:t>
+              <a:t>9/10/19</a:t>
             </a:fld>
             <a:endParaRPr lang="en-US"/>
           </a:p>
@@ -1827,7 +1827,7 @@
           <a:p>
             <a:fld id="{D23F2A37-FA4E-404F-8684-2B916B73A0A7}" type="datetimeFigureOut">
               <a:rPr lang="en-US" smtClean="0"/>
-              <a:t>7/1/19</a:t>
+              <a:t>9/10/19</a:t>
             </a:fld>
             <a:endParaRPr lang="en-US"/>
           </a:p>
@@ -1968,7 +1968,7 @@
           <a:p>
             <a:fld id="{D23F2A37-FA4E-404F-8684-2B916B73A0A7}" type="datetimeFigureOut">
               <a:rPr lang="en-US" smtClean="0"/>
-              <a:t>7/1/19</a:t>
+              <a:t>9/10/19</a:t>
             </a:fld>
             <a:endParaRPr lang="en-US"/>
           </a:p>
@@ -2081,7 +2081,7 @@
           <a:p>
             <a:fld id="{D23F2A37-FA4E-404F-8684-2B916B73A0A7}" type="datetimeFigureOut">
               <a:rPr lang="en-US" smtClean="0"/>
-              <a:t>7/1/19</a:t>
+              <a:t>9/10/19</a:t>
             </a:fld>
             <a:endParaRPr lang="en-US"/>
           </a:p>
@@ -2392,7 +2392,7 @@
           <a:p>
             <a:fld id="{D23F2A37-FA4E-404F-8684-2B916B73A0A7}" type="datetimeFigureOut">
               <a:rPr lang="en-US" smtClean="0"/>
-              <a:t>7/1/19</a:t>
+              <a:t>9/10/19</a:t>
             </a:fld>
             <a:endParaRPr lang="en-US"/>
           </a:p>
@@ -2680,7 +2680,7 @@
           <a:p>
             <a:fld id="{D23F2A37-FA4E-404F-8684-2B916B73A0A7}" type="datetimeFigureOut">
               <a:rPr lang="en-US" smtClean="0"/>
-              <a:t>7/1/19</a:t>
+              <a:t>9/10/19</a:t>
             </a:fld>
             <a:endParaRPr lang="en-US"/>
           </a:p>
@@ -2921,7 +2921,7 @@
           <a:p>
             <a:fld id="{D23F2A37-FA4E-404F-8684-2B916B73A0A7}" type="datetimeFigureOut">
               <a:rPr lang="en-US" smtClean="0"/>
-              <a:t>7/1/19</a:t>
+              <a:t>9/10/19</a:t>
             </a:fld>
             <a:endParaRPr lang="en-US"/>
           </a:p>
@@ -14127,6 +14127,155 @@
       </p:grpSpPr>
       <p:sp>
         <p:nvSpPr>
+          <p:cNvPr id="36" name="Rectangle 35">
+            <a:extLst>
+              <a:ext uri="{FF2B5EF4-FFF2-40B4-BE49-F238E27FC236}">
+                <a16:creationId xmlns:a16="http://schemas.microsoft.com/office/drawing/2014/main" id="{C0CB295E-20B6-7545-BC0B-13817E49652A}"/>
+              </a:ext>
+            </a:extLst>
+          </p:cNvPr>
+          <p:cNvSpPr/>
+          <p:nvPr/>
+        </p:nvSpPr>
+        <p:spPr>
+          <a:xfrm>
+            <a:off x="243086" y="3757626"/>
+            <a:ext cx="11743016" cy="3039370"/>
+          </a:xfrm>
+          <a:prstGeom prst="rect">
+            <a:avLst/>
+          </a:prstGeom>
+          <a:solidFill>
+            <a:schemeClr val="bg2"/>
+          </a:solidFill>
+        </p:spPr>
+        <p:style>
+          <a:lnRef idx="2">
+            <a:schemeClr val="accent1">
+              <a:shade val="50000"/>
+            </a:schemeClr>
+          </a:lnRef>
+          <a:fillRef idx="1">
+            <a:schemeClr val="accent1"/>
+          </a:fillRef>
+          <a:effectRef idx="0">
+            <a:schemeClr val="accent1"/>
+          </a:effectRef>
+          <a:fontRef idx="minor">
+            <a:schemeClr val="lt1"/>
+          </a:fontRef>
+        </p:style>
+        <p:txBody>
+          <a:bodyPr rtlCol="0" anchor="ctr"/>
+          <a:lstStyle/>
+          <a:p>
+            <a:pPr algn="ctr"/>
+            <a:endParaRPr lang="en-US"/>
+          </a:p>
+        </p:txBody>
+      </p:sp>
+      <p:sp>
+        <p:nvSpPr>
+          <p:cNvPr id="35" name="Rectangle 34">
+            <a:extLst>
+              <a:ext uri="{FF2B5EF4-FFF2-40B4-BE49-F238E27FC236}">
+                <a16:creationId xmlns:a16="http://schemas.microsoft.com/office/drawing/2014/main" id="{DD407F2E-A595-644B-A1A6-B3B2A044B871}"/>
+              </a:ext>
+            </a:extLst>
+          </p:cNvPr>
+          <p:cNvSpPr/>
+          <p:nvPr/>
+        </p:nvSpPr>
+        <p:spPr>
+          <a:xfrm>
+            <a:off x="248280" y="1913456"/>
+            <a:ext cx="11743016" cy="1842308"/>
+          </a:xfrm>
+          <a:prstGeom prst="rect">
+            <a:avLst/>
+          </a:prstGeom>
+          <a:solidFill>
+            <a:schemeClr val="bg2">
+              <a:lumMod val="75000"/>
+            </a:schemeClr>
+          </a:solidFill>
+        </p:spPr>
+        <p:style>
+          <a:lnRef idx="2">
+            <a:schemeClr val="accent1">
+              <a:shade val="50000"/>
+            </a:schemeClr>
+          </a:lnRef>
+          <a:fillRef idx="1">
+            <a:schemeClr val="accent1"/>
+          </a:fillRef>
+          <a:effectRef idx="0">
+            <a:schemeClr val="accent1"/>
+          </a:effectRef>
+          <a:fontRef idx="minor">
+            <a:schemeClr val="lt1"/>
+          </a:fontRef>
+        </p:style>
+        <p:txBody>
+          <a:bodyPr rtlCol="0" anchor="ctr"/>
+          <a:lstStyle/>
+          <a:p>
+            <a:pPr algn="ctr"/>
+            <a:endParaRPr lang="en-US"/>
+          </a:p>
+        </p:txBody>
+      </p:sp>
+      <p:sp>
+        <p:nvSpPr>
+          <p:cNvPr id="2" name="Rectangle 1">
+            <a:extLst>
+              <a:ext uri="{FF2B5EF4-FFF2-40B4-BE49-F238E27FC236}">
+                <a16:creationId xmlns:a16="http://schemas.microsoft.com/office/drawing/2014/main" id="{8A9C84E2-6EDF-F941-B7CE-54195C85A149}"/>
+              </a:ext>
+            </a:extLst>
+          </p:cNvPr>
+          <p:cNvSpPr/>
+          <p:nvPr/>
+        </p:nvSpPr>
+        <p:spPr>
+          <a:xfrm>
+            <a:off x="243086" y="61004"/>
+            <a:ext cx="11743016" cy="1842308"/>
+          </a:xfrm>
+          <a:prstGeom prst="rect">
+            <a:avLst/>
+          </a:prstGeom>
+          <a:solidFill>
+            <a:schemeClr val="bg2"/>
+          </a:solidFill>
+        </p:spPr>
+        <p:style>
+          <a:lnRef idx="2">
+            <a:schemeClr val="accent1">
+              <a:shade val="50000"/>
+            </a:schemeClr>
+          </a:lnRef>
+          <a:fillRef idx="1">
+            <a:schemeClr val="accent1"/>
+          </a:fillRef>
+          <a:effectRef idx="0">
+            <a:schemeClr val="accent1"/>
+          </a:effectRef>
+          <a:fontRef idx="minor">
+            <a:schemeClr val="lt1"/>
+          </a:fontRef>
+        </p:style>
+        <p:txBody>
+          <a:bodyPr rtlCol="0" anchor="ctr"/>
+          <a:lstStyle/>
+          <a:p>
+            <a:pPr algn="ctr"/>
+            <a:endParaRPr lang="en-US"/>
+          </a:p>
+        </p:txBody>
+      </p:sp>
+      <p:sp>
+        <p:nvSpPr>
           <p:cNvPr id="44" name="TextBox 43">
             <a:extLst>
               <a:ext uri="{FF2B5EF4-FFF2-40B4-BE49-F238E27FC236}">
@@ -14175,88 +14324,6 @@
           </a:p>
         </p:txBody>
       </p:sp>
-      <p:cxnSp>
-        <p:nvCxnSpPr>
-          <p:cNvPr id="6" name="Straight Connector 5">
-            <a:extLst>
-              <a:ext uri="{FF2B5EF4-FFF2-40B4-BE49-F238E27FC236}">
-                <a16:creationId xmlns:a16="http://schemas.microsoft.com/office/drawing/2014/main" id="{2381AE1F-38FF-E546-ABDC-317E8B367E6B}"/>
-              </a:ext>
-            </a:extLst>
-          </p:cNvPr>
-          <p:cNvCxnSpPr/>
-          <p:nvPr/>
-        </p:nvCxnSpPr>
-        <p:spPr>
-          <a:xfrm>
-            <a:off x="0" y="1899138"/>
-            <a:ext cx="11774658" cy="0"/>
-          </a:xfrm>
-          <a:prstGeom prst="line">
-            <a:avLst/>
-          </a:prstGeom>
-          <a:ln w="22225">
-            <a:solidFill>
-              <a:schemeClr val="tx1"/>
-            </a:solidFill>
-          </a:ln>
-        </p:spPr>
-        <p:style>
-          <a:lnRef idx="1">
-            <a:schemeClr val="accent1"/>
-          </a:lnRef>
-          <a:fillRef idx="0">
-            <a:schemeClr val="accent1"/>
-          </a:fillRef>
-          <a:effectRef idx="0">
-            <a:schemeClr val="accent1"/>
-          </a:effectRef>
-          <a:fontRef idx="minor">
-            <a:schemeClr val="tx1"/>
-          </a:fontRef>
-        </p:style>
-      </p:cxnSp>
-      <p:cxnSp>
-        <p:nvCxnSpPr>
-          <p:cNvPr id="23" name="Straight Connector 22">
-            <a:extLst>
-              <a:ext uri="{FF2B5EF4-FFF2-40B4-BE49-F238E27FC236}">
-                <a16:creationId xmlns:a16="http://schemas.microsoft.com/office/drawing/2014/main" id="{E797A4AB-B19E-9246-AD02-A65C8FBAB9E5}"/>
-              </a:ext>
-            </a:extLst>
-          </p:cNvPr>
-          <p:cNvCxnSpPr/>
-          <p:nvPr/>
-        </p:nvCxnSpPr>
-        <p:spPr>
-          <a:xfrm>
-            <a:off x="0" y="4611858"/>
-            <a:ext cx="11774658" cy="0"/>
-          </a:xfrm>
-          <a:prstGeom prst="line">
-            <a:avLst/>
-          </a:prstGeom>
-          <a:ln w="22225">
-            <a:solidFill>
-              <a:schemeClr val="tx1"/>
-            </a:solidFill>
-          </a:ln>
-        </p:spPr>
-        <p:style>
-          <a:lnRef idx="1">
-            <a:schemeClr val="accent1"/>
-          </a:lnRef>
-          <a:fillRef idx="0">
-            <a:schemeClr val="accent1"/>
-          </a:fillRef>
-          <a:effectRef idx="0">
-            <a:schemeClr val="accent1"/>
-          </a:effectRef>
-          <a:fontRef idx="minor">
-            <a:schemeClr val="tx1"/>
-          </a:fontRef>
-        </p:style>
-      </p:cxnSp>
       <p:sp>
         <p:nvSpPr>
           <p:cNvPr id="9" name="TextBox 8">

--- a/doxygen/dox/Figures.pptx
+++ b/doxygen/dox/Figures.pptx
@@ -18,6 +18,7 @@
     <p:sldId id="265" r:id="rId12"/>
     <p:sldId id="266" r:id="rId13"/>
     <p:sldId id="267" r:id="rId14"/>
+    <p:sldId id="269" r:id="rId15"/>
   </p:sldIdLst>
   <p:sldSz cx="12192000" cy="6858000"/>
   <p:notesSz cx="6858000" cy="9144000"/>
@@ -271,7 +272,7 @@
           <a:p>
             <a:fld id="{D23F2A37-FA4E-404F-8684-2B916B73A0A7}" type="datetimeFigureOut">
               <a:rPr lang="en-US" smtClean="0"/>
-              <a:t>9/10/19</a:t>
+              <a:t>11/13/19</a:t>
             </a:fld>
             <a:endParaRPr lang="en-US"/>
           </a:p>
@@ -469,7 +470,7 @@
           <a:p>
             <a:fld id="{D23F2A37-FA4E-404F-8684-2B916B73A0A7}" type="datetimeFigureOut">
               <a:rPr lang="en-US" smtClean="0"/>
-              <a:t>9/10/19</a:t>
+              <a:t>11/13/19</a:t>
             </a:fld>
             <a:endParaRPr lang="en-US"/>
           </a:p>
@@ -677,7 +678,7 @@
           <a:p>
             <a:fld id="{D23F2A37-FA4E-404F-8684-2B916B73A0A7}" type="datetimeFigureOut">
               <a:rPr lang="en-US" smtClean="0"/>
-              <a:t>9/10/19</a:t>
+              <a:t>11/13/19</a:t>
             </a:fld>
             <a:endParaRPr lang="en-US"/>
           </a:p>
@@ -875,7 +876,7 @@
           <a:p>
             <a:fld id="{D23F2A37-FA4E-404F-8684-2B916B73A0A7}" type="datetimeFigureOut">
               <a:rPr lang="en-US" smtClean="0"/>
-              <a:t>9/10/19</a:t>
+              <a:t>11/13/19</a:t>
             </a:fld>
             <a:endParaRPr lang="en-US"/>
           </a:p>
@@ -1150,7 +1151,7 @@
           <a:p>
             <a:fld id="{D23F2A37-FA4E-404F-8684-2B916B73A0A7}" type="datetimeFigureOut">
               <a:rPr lang="en-US" smtClean="0"/>
-              <a:t>9/10/19</a:t>
+              <a:t>11/13/19</a:t>
             </a:fld>
             <a:endParaRPr lang="en-US"/>
           </a:p>
@@ -1415,7 +1416,7 @@
           <a:p>
             <a:fld id="{D23F2A37-FA4E-404F-8684-2B916B73A0A7}" type="datetimeFigureOut">
               <a:rPr lang="en-US" smtClean="0"/>
-              <a:t>9/10/19</a:t>
+              <a:t>11/13/19</a:t>
             </a:fld>
             <a:endParaRPr lang="en-US"/>
           </a:p>
@@ -1827,7 +1828,7 @@
           <a:p>
             <a:fld id="{D23F2A37-FA4E-404F-8684-2B916B73A0A7}" type="datetimeFigureOut">
               <a:rPr lang="en-US" smtClean="0"/>
-              <a:t>9/10/19</a:t>
+              <a:t>11/13/19</a:t>
             </a:fld>
             <a:endParaRPr lang="en-US"/>
           </a:p>
@@ -1968,7 +1969,7 @@
           <a:p>
             <a:fld id="{D23F2A37-FA4E-404F-8684-2B916B73A0A7}" type="datetimeFigureOut">
               <a:rPr lang="en-US" smtClean="0"/>
-              <a:t>9/10/19</a:t>
+              <a:t>11/13/19</a:t>
             </a:fld>
             <a:endParaRPr lang="en-US"/>
           </a:p>
@@ -2081,7 +2082,7 @@
           <a:p>
             <a:fld id="{D23F2A37-FA4E-404F-8684-2B916B73A0A7}" type="datetimeFigureOut">
               <a:rPr lang="en-US" smtClean="0"/>
-              <a:t>9/10/19</a:t>
+              <a:t>11/13/19</a:t>
             </a:fld>
             <a:endParaRPr lang="en-US"/>
           </a:p>
@@ -2392,7 +2393,7 @@
           <a:p>
             <a:fld id="{D23F2A37-FA4E-404F-8684-2B916B73A0A7}" type="datetimeFigureOut">
               <a:rPr lang="en-US" smtClean="0"/>
-              <a:t>9/10/19</a:t>
+              <a:t>11/13/19</a:t>
             </a:fld>
             <a:endParaRPr lang="en-US"/>
           </a:p>
@@ -2680,7 +2681,7 @@
           <a:p>
             <a:fld id="{D23F2A37-FA4E-404F-8684-2B916B73A0A7}" type="datetimeFigureOut">
               <a:rPr lang="en-US" smtClean="0"/>
-              <a:t>9/10/19</a:t>
+              <a:t>11/13/19</a:t>
             </a:fld>
             <a:endParaRPr lang="en-US"/>
           </a:p>
@@ -2921,7 +2922,7 @@
           <a:p>
             <a:fld id="{D23F2A37-FA4E-404F-8684-2B916B73A0A7}" type="datetimeFigureOut">
               <a:rPr lang="en-US" smtClean="0"/>
-              <a:t>9/10/19</a:t>
+              <a:t>11/13/19</a:t>
             </a:fld>
             <a:endParaRPr lang="en-US"/>
           </a:p>
@@ -6667,6 +6668,737 @@
 </p:sld>
 </file>
 
+<file path=ppt/slides/slide14.xml><?xml version="1.0" encoding="utf-8"?>
+<p:sld xmlns:a="http://schemas.openxmlformats.org/drawingml/2006/main" xmlns:r="http://schemas.openxmlformats.org/officeDocument/2006/relationships" xmlns:p="http://schemas.openxmlformats.org/presentationml/2006/main">
+  <p:cSld>
+    <p:spTree>
+      <p:nvGrpSpPr>
+        <p:cNvPr id="1" name=""/>
+        <p:cNvGrpSpPr/>
+        <p:nvPr/>
+      </p:nvGrpSpPr>
+      <p:grpSpPr>
+        <a:xfrm>
+          <a:off x="0" y="0"/>
+          <a:ext cx="0" cy="0"/>
+          <a:chOff x="0" y="0"/>
+          <a:chExt cx="0" cy="0"/>
+        </a:xfrm>
+      </p:grpSpPr>
+      <p:sp>
+        <p:nvSpPr>
+          <p:cNvPr id="2" name="TextBox 1">
+            <a:extLst>
+              <a:ext uri="{FF2B5EF4-FFF2-40B4-BE49-F238E27FC236}">
+                <a16:creationId xmlns:a16="http://schemas.microsoft.com/office/drawing/2014/main" id="{B3892EF9-C7EC-2A49-B7A7-31E3E0EFA269}"/>
+              </a:ext>
+            </a:extLst>
+          </p:cNvPr>
+          <p:cNvSpPr txBox="1"/>
+          <p:nvPr/>
+        </p:nvSpPr>
+        <p:spPr>
+          <a:xfrm>
+            <a:off x="4976949" y="1175657"/>
+            <a:ext cx="2403565" cy="313509"/>
+          </a:xfrm>
+          <a:prstGeom prst="rect">
+            <a:avLst/>
+          </a:prstGeom>
+          <a:solidFill>
+            <a:schemeClr val="accent1">
+              <a:lumMod val="40000"/>
+              <a:lumOff val="60000"/>
+            </a:schemeClr>
+          </a:solidFill>
+          <a:ln>
+            <a:solidFill>
+              <a:schemeClr val="accent1"/>
+            </a:solidFill>
+          </a:ln>
+        </p:spPr>
+        <p:txBody>
+          <a:bodyPr wrap="square" rtlCol="0">
+            <a:spAutoFit/>
+          </a:bodyPr>
+          <a:lstStyle/>
+          <a:p>
+            <a:r>
+              <a:rPr lang="en-US" sz="1400" dirty="0" err="1"/>
+              <a:t>TrialExpressionBase</a:t>
+            </a:r>
+            <a:r>
+              <a:rPr lang="en-US" sz="1400" dirty="0"/>
+              <a:t>&lt;Derived&gt;</a:t>
+            </a:r>
+          </a:p>
+        </p:txBody>
+      </p:sp>
+      <p:cxnSp>
+        <p:nvCxnSpPr>
+          <p:cNvPr id="4" name="Straight Arrow Connector 3">
+            <a:extLst>
+              <a:ext uri="{FF2B5EF4-FFF2-40B4-BE49-F238E27FC236}">
+                <a16:creationId xmlns:a16="http://schemas.microsoft.com/office/drawing/2014/main" id="{DE736D7A-FE24-1145-9E63-C4BFF129B3A8}"/>
+              </a:ext>
+            </a:extLst>
+          </p:cNvPr>
+          <p:cNvCxnSpPr>
+            <a:stCxn id="2" idx="3"/>
+          </p:cNvCxnSpPr>
+          <p:nvPr/>
+        </p:nvCxnSpPr>
+        <p:spPr>
+          <a:xfrm flipV="1">
+            <a:off x="7380514" y="1314450"/>
+            <a:ext cx="1363436" cy="17962"/>
+          </a:xfrm>
+          <a:prstGeom prst="straightConnector1">
+            <a:avLst/>
+          </a:prstGeom>
+          <a:ln>
+            <a:headEnd w="lg" len="lg"/>
+            <a:tailEnd type="triangle" w="lg" len="lg"/>
+          </a:ln>
+        </p:spPr>
+        <p:style>
+          <a:lnRef idx="1">
+            <a:schemeClr val="accent1"/>
+          </a:lnRef>
+          <a:fillRef idx="0">
+            <a:schemeClr val="accent1"/>
+          </a:fillRef>
+          <a:effectRef idx="0">
+            <a:schemeClr val="accent1"/>
+          </a:effectRef>
+          <a:fontRef idx="minor">
+            <a:schemeClr val="tx1"/>
+          </a:fontRef>
+        </p:style>
+      </p:cxnSp>
+      <p:sp>
+        <p:nvSpPr>
+          <p:cNvPr id="8" name="TextBox 7">
+            <a:extLst>
+              <a:ext uri="{FF2B5EF4-FFF2-40B4-BE49-F238E27FC236}">
+                <a16:creationId xmlns:a16="http://schemas.microsoft.com/office/drawing/2014/main" id="{39495BF0-F907-7B41-9C44-CE5AE9DD9DA4}"/>
+              </a:ext>
+            </a:extLst>
+          </p:cNvPr>
+          <p:cNvSpPr txBox="1"/>
+          <p:nvPr/>
+        </p:nvSpPr>
+        <p:spPr>
+          <a:xfrm>
+            <a:off x="7671707" y="954099"/>
+            <a:ext cx="781050" cy="369332"/>
+          </a:xfrm>
+          <a:prstGeom prst="rect">
+            <a:avLst/>
+          </a:prstGeom>
+          <a:noFill/>
+        </p:spPr>
+        <p:txBody>
+          <a:bodyPr wrap="square" rtlCol="0">
+            <a:spAutoFit/>
+          </a:bodyPr>
+          <a:lstStyle/>
+          <a:p>
+            <a:r>
+              <a:rPr lang="en-US" dirty="0"/>
+              <a:t>.eval()</a:t>
+            </a:r>
+          </a:p>
+        </p:txBody>
+      </p:sp>
+      <p:sp>
+        <p:nvSpPr>
+          <p:cNvPr id="16" name="TextBox 15">
+            <a:extLst>
+              <a:ext uri="{FF2B5EF4-FFF2-40B4-BE49-F238E27FC236}">
+                <a16:creationId xmlns:a16="http://schemas.microsoft.com/office/drawing/2014/main" id="{AD040D48-1CE3-5A4C-B029-7DD907C1F809}"/>
+              </a:ext>
+            </a:extLst>
+          </p:cNvPr>
+          <p:cNvSpPr txBox="1"/>
+          <p:nvPr/>
+        </p:nvSpPr>
+        <p:spPr>
+          <a:xfrm>
+            <a:off x="8743951" y="1184367"/>
+            <a:ext cx="2057400" cy="304800"/>
+          </a:xfrm>
+          <a:prstGeom prst="rect">
+            <a:avLst/>
+          </a:prstGeom>
+          <a:solidFill>
+            <a:schemeClr val="accent1">
+              <a:lumMod val="40000"/>
+              <a:lumOff val="60000"/>
+            </a:schemeClr>
+          </a:solidFill>
+          <a:ln>
+            <a:solidFill>
+              <a:schemeClr val="accent1"/>
+            </a:solidFill>
+          </a:ln>
+        </p:spPr>
+        <p:txBody>
+          <a:bodyPr wrap="square" rtlCol="0">
+            <a:spAutoFit/>
+          </a:bodyPr>
+          <a:lstStyle/>
+          <a:p>
+            <a:r>
+              <a:rPr lang="en-US" sz="1400" dirty="0" err="1"/>
+              <a:t>EvalExpression</a:t>
+            </a:r>
+            <a:r>
+              <a:rPr lang="en-US" sz="1400" dirty="0"/>
+              <a:t>&lt;Derived&gt;</a:t>
+            </a:r>
+          </a:p>
+        </p:txBody>
+      </p:sp>
+      <p:cxnSp>
+        <p:nvCxnSpPr>
+          <p:cNvPr id="17" name="Straight Arrow Connector 16">
+            <a:extLst>
+              <a:ext uri="{FF2B5EF4-FFF2-40B4-BE49-F238E27FC236}">
+                <a16:creationId xmlns:a16="http://schemas.microsoft.com/office/drawing/2014/main" id="{3B3345E0-70C6-FD4C-BE08-4669393DCBB6}"/>
+              </a:ext>
+            </a:extLst>
+          </p:cNvPr>
+          <p:cNvCxnSpPr/>
+          <p:nvPr/>
+        </p:nvCxnSpPr>
+        <p:spPr>
+          <a:xfrm flipV="1">
+            <a:off x="3613512" y="1332411"/>
+            <a:ext cx="1363436" cy="17962"/>
+          </a:xfrm>
+          <a:prstGeom prst="straightConnector1">
+            <a:avLst/>
+          </a:prstGeom>
+          <a:ln>
+            <a:headEnd type="triangle" w="lg" len="lg"/>
+            <a:tailEnd type="none"/>
+          </a:ln>
+        </p:spPr>
+        <p:style>
+          <a:lnRef idx="1">
+            <a:schemeClr val="accent1"/>
+          </a:lnRef>
+          <a:fillRef idx="0">
+            <a:schemeClr val="accent1"/>
+          </a:fillRef>
+          <a:effectRef idx="0">
+            <a:schemeClr val="accent1"/>
+          </a:effectRef>
+          <a:fontRef idx="minor">
+            <a:schemeClr val="tx1"/>
+          </a:fontRef>
+        </p:style>
+      </p:cxnSp>
+      <p:sp>
+        <p:nvSpPr>
+          <p:cNvPr id="18" name="TextBox 17">
+            <a:extLst>
+              <a:ext uri="{FF2B5EF4-FFF2-40B4-BE49-F238E27FC236}">
+                <a16:creationId xmlns:a16="http://schemas.microsoft.com/office/drawing/2014/main" id="{38241533-A0AC-894E-9B5F-98820A25B2AA}"/>
+              </a:ext>
+            </a:extLst>
+          </p:cNvPr>
+          <p:cNvSpPr txBox="1"/>
+          <p:nvPr/>
+        </p:nvSpPr>
+        <p:spPr>
+          <a:xfrm>
+            <a:off x="3950970" y="990991"/>
+            <a:ext cx="781050" cy="369332"/>
+          </a:xfrm>
+          <a:prstGeom prst="rect">
+            <a:avLst/>
+          </a:prstGeom>
+          <a:noFill/>
+        </p:spPr>
+        <p:txBody>
+          <a:bodyPr wrap="square" rtlCol="0">
+            <a:spAutoFit/>
+          </a:bodyPr>
+          <a:lstStyle/>
+          <a:p>
+            <a:r>
+              <a:rPr lang="en-US" dirty="0"/>
+              <a:t>.test()</a:t>
+            </a:r>
+          </a:p>
+        </p:txBody>
+      </p:sp>
+      <p:sp>
+        <p:nvSpPr>
+          <p:cNvPr id="19" name="TextBox 18">
+            <a:extLst>
+              <a:ext uri="{FF2B5EF4-FFF2-40B4-BE49-F238E27FC236}">
+                <a16:creationId xmlns:a16="http://schemas.microsoft.com/office/drawing/2014/main" id="{CBDE63CE-E392-2F40-A428-BF88F67EEC30}"/>
+              </a:ext>
+            </a:extLst>
+          </p:cNvPr>
+          <p:cNvSpPr txBox="1"/>
+          <p:nvPr/>
+        </p:nvSpPr>
+        <p:spPr>
+          <a:xfrm>
+            <a:off x="1556111" y="1184367"/>
+            <a:ext cx="2057400" cy="304800"/>
+          </a:xfrm>
+          <a:prstGeom prst="rect">
+            <a:avLst/>
+          </a:prstGeom>
+          <a:solidFill>
+            <a:schemeClr val="accent1">
+              <a:lumMod val="40000"/>
+              <a:lumOff val="60000"/>
+            </a:schemeClr>
+          </a:solidFill>
+          <a:ln>
+            <a:solidFill>
+              <a:schemeClr val="accent1"/>
+            </a:solidFill>
+          </a:ln>
+        </p:spPr>
+        <p:txBody>
+          <a:bodyPr wrap="square" rtlCol="0">
+            <a:spAutoFit/>
+          </a:bodyPr>
+          <a:lstStyle/>
+          <a:p>
+            <a:r>
+              <a:rPr lang="en-US" sz="1400" dirty="0" err="1"/>
+              <a:t>TestExpression</a:t>
+            </a:r>
+            <a:r>
+              <a:rPr lang="en-US" sz="1400" dirty="0"/>
+              <a:t>&lt;Derived&gt;</a:t>
+            </a:r>
+          </a:p>
+        </p:txBody>
+      </p:sp>
+      <p:sp>
+        <p:nvSpPr>
+          <p:cNvPr id="11" name="TextBox 10">
+            <a:extLst>
+              <a:ext uri="{FF2B5EF4-FFF2-40B4-BE49-F238E27FC236}">
+                <a16:creationId xmlns:a16="http://schemas.microsoft.com/office/drawing/2014/main" id="{E2FEFF57-97EF-0C46-887F-FCEB6DE615C6}"/>
+              </a:ext>
+            </a:extLst>
+          </p:cNvPr>
+          <p:cNvSpPr txBox="1"/>
+          <p:nvPr/>
+        </p:nvSpPr>
+        <p:spPr>
+          <a:xfrm>
+            <a:off x="4295230" y="2362200"/>
+            <a:ext cx="2048420" cy="369332"/>
+          </a:xfrm>
+          <a:prstGeom prst="rect">
+            <a:avLst/>
+          </a:prstGeom>
+          <a:solidFill>
+            <a:schemeClr val="accent6">
+              <a:lumMod val="60000"/>
+              <a:lumOff val="40000"/>
+            </a:schemeClr>
+          </a:solidFill>
+        </p:spPr>
+        <p:txBody>
+          <a:bodyPr wrap="square" rtlCol="0">
+            <a:spAutoFit/>
+          </a:bodyPr>
+          <a:lstStyle/>
+          <a:p>
+            <a:r>
+              <a:rPr lang="en-US" dirty="0"/>
+              <a:t>(</a:t>
+            </a:r>
+            <a:r>
+              <a:rPr lang="en-US" dirty="0" err="1"/>
+              <a:t>testExpr,trialExpr</a:t>
+            </a:r>
+            <a:r>
+              <a:rPr lang="en-US" dirty="0"/>
+              <a:t>)</a:t>
+            </a:r>
+          </a:p>
+        </p:txBody>
+      </p:sp>
+      <p:cxnSp>
+        <p:nvCxnSpPr>
+          <p:cNvPr id="21" name="Straight Arrow Connector 20">
+            <a:extLst>
+              <a:ext uri="{FF2B5EF4-FFF2-40B4-BE49-F238E27FC236}">
+                <a16:creationId xmlns:a16="http://schemas.microsoft.com/office/drawing/2014/main" id="{2485ADAD-218A-484A-86D7-C7C35A6A1172}"/>
+              </a:ext>
+            </a:extLst>
+          </p:cNvPr>
+          <p:cNvCxnSpPr/>
+          <p:nvPr/>
+        </p:nvCxnSpPr>
+        <p:spPr>
+          <a:xfrm flipV="1">
+            <a:off x="6343650" y="2534618"/>
+            <a:ext cx="1363436" cy="17962"/>
+          </a:xfrm>
+          <a:prstGeom prst="straightConnector1">
+            <a:avLst/>
+          </a:prstGeom>
+          <a:ln>
+            <a:solidFill>
+              <a:schemeClr val="accent6">
+                <a:lumMod val="75000"/>
+              </a:schemeClr>
+            </a:solidFill>
+            <a:headEnd w="lg" len="lg"/>
+            <a:tailEnd type="triangle" w="lg" len="lg"/>
+          </a:ln>
+        </p:spPr>
+        <p:style>
+          <a:lnRef idx="1">
+            <a:schemeClr val="accent1"/>
+          </a:lnRef>
+          <a:fillRef idx="0">
+            <a:schemeClr val="accent1"/>
+          </a:fillRef>
+          <a:effectRef idx="0">
+            <a:schemeClr val="accent1"/>
+          </a:effectRef>
+          <a:fontRef idx="minor">
+            <a:schemeClr val="tx1"/>
+          </a:fontRef>
+        </p:style>
+      </p:cxnSp>
+      <p:sp>
+        <p:nvSpPr>
+          <p:cNvPr id="22" name="TextBox 21">
+            <a:extLst>
+              <a:ext uri="{FF2B5EF4-FFF2-40B4-BE49-F238E27FC236}">
+                <a16:creationId xmlns:a16="http://schemas.microsoft.com/office/drawing/2014/main" id="{A9119176-4893-054C-A2C2-66D45DC8F0EC}"/>
+              </a:ext>
+            </a:extLst>
+          </p:cNvPr>
+          <p:cNvSpPr txBox="1"/>
+          <p:nvPr/>
+        </p:nvSpPr>
+        <p:spPr>
+          <a:xfrm>
+            <a:off x="7781381" y="2367914"/>
+            <a:ext cx="2048420" cy="369332"/>
+          </a:xfrm>
+          <a:prstGeom prst="rect">
+            <a:avLst/>
+          </a:prstGeom>
+          <a:solidFill>
+            <a:schemeClr val="accent6">
+              <a:lumMod val="60000"/>
+              <a:lumOff val="40000"/>
+            </a:schemeClr>
+          </a:solidFill>
+        </p:spPr>
+        <p:txBody>
+          <a:bodyPr wrap="square" rtlCol="0">
+            <a:spAutoFit/>
+          </a:bodyPr>
+          <a:lstStyle/>
+          <a:p>
+            <a:r>
+              <a:rPr lang="en-US" dirty="0" err="1"/>
+              <a:t>BilinearForm</a:t>
+            </a:r>
+            <a:endParaRPr lang="en-US" dirty="0"/>
+          </a:p>
+        </p:txBody>
+      </p:sp>
+      <p:sp>
+        <p:nvSpPr>
+          <p:cNvPr id="26" name="TextBox 25">
+            <a:extLst>
+              <a:ext uri="{FF2B5EF4-FFF2-40B4-BE49-F238E27FC236}">
+                <a16:creationId xmlns:a16="http://schemas.microsoft.com/office/drawing/2014/main" id="{149A1121-686E-D84C-A13B-5B98DD17DFF7}"/>
+              </a:ext>
+            </a:extLst>
+          </p:cNvPr>
+          <p:cNvSpPr txBox="1"/>
+          <p:nvPr/>
+        </p:nvSpPr>
+        <p:spPr>
+          <a:xfrm>
+            <a:off x="4295230" y="2903950"/>
+            <a:ext cx="2048420" cy="369332"/>
+          </a:xfrm>
+          <a:prstGeom prst="rect">
+            <a:avLst/>
+          </a:prstGeom>
+          <a:solidFill>
+            <a:schemeClr val="accent6">
+              <a:lumMod val="60000"/>
+              <a:lumOff val="40000"/>
+            </a:schemeClr>
+          </a:solidFill>
+        </p:spPr>
+        <p:txBody>
+          <a:bodyPr wrap="square" rtlCol="0">
+            <a:spAutoFit/>
+          </a:bodyPr>
+          <a:lstStyle/>
+          <a:p>
+            <a:r>
+              <a:rPr lang="en-US" dirty="0"/>
+              <a:t>(</a:t>
+            </a:r>
+            <a:r>
+              <a:rPr lang="en-US" dirty="0" err="1"/>
+              <a:t>testExpr,evalExpr</a:t>
+            </a:r>
+            <a:r>
+              <a:rPr lang="en-US" dirty="0"/>
+              <a:t>)</a:t>
+            </a:r>
+          </a:p>
+        </p:txBody>
+      </p:sp>
+      <p:cxnSp>
+        <p:nvCxnSpPr>
+          <p:cNvPr id="27" name="Straight Arrow Connector 26">
+            <a:extLst>
+              <a:ext uri="{FF2B5EF4-FFF2-40B4-BE49-F238E27FC236}">
+                <a16:creationId xmlns:a16="http://schemas.microsoft.com/office/drawing/2014/main" id="{6C3633F6-E3A1-C040-B70B-6D1E4D41D9E4}"/>
+              </a:ext>
+            </a:extLst>
+          </p:cNvPr>
+          <p:cNvCxnSpPr/>
+          <p:nvPr/>
+        </p:nvCxnSpPr>
+        <p:spPr>
+          <a:xfrm flipV="1">
+            <a:off x="6343650" y="3076368"/>
+            <a:ext cx="1363436" cy="17962"/>
+          </a:xfrm>
+          <a:prstGeom prst="straightConnector1">
+            <a:avLst/>
+          </a:prstGeom>
+          <a:ln>
+            <a:solidFill>
+              <a:schemeClr val="accent6">
+                <a:lumMod val="75000"/>
+              </a:schemeClr>
+            </a:solidFill>
+            <a:headEnd w="lg" len="lg"/>
+            <a:tailEnd type="triangle" w="lg" len="lg"/>
+          </a:ln>
+        </p:spPr>
+        <p:style>
+          <a:lnRef idx="1">
+            <a:schemeClr val="accent1"/>
+          </a:lnRef>
+          <a:fillRef idx="0">
+            <a:schemeClr val="accent1"/>
+          </a:fillRef>
+          <a:effectRef idx="0">
+            <a:schemeClr val="accent1"/>
+          </a:effectRef>
+          <a:fontRef idx="minor">
+            <a:schemeClr val="tx1"/>
+          </a:fontRef>
+        </p:style>
+      </p:cxnSp>
+      <p:sp>
+        <p:nvSpPr>
+          <p:cNvPr id="28" name="TextBox 27">
+            <a:extLst>
+              <a:ext uri="{FF2B5EF4-FFF2-40B4-BE49-F238E27FC236}">
+                <a16:creationId xmlns:a16="http://schemas.microsoft.com/office/drawing/2014/main" id="{4FC38688-4ED5-834E-81FE-EBBE248D90D8}"/>
+              </a:ext>
+            </a:extLst>
+          </p:cNvPr>
+          <p:cNvSpPr txBox="1"/>
+          <p:nvPr/>
+        </p:nvSpPr>
+        <p:spPr>
+          <a:xfrm>
+            <a:off x="7781381" y="2909664"/>
+            <a:ext cx="2048420" cy="369332"/>
+          </a:xfrm>
+          <a:prstGeom prst="rect">
+            <a:avLst/>
+          </a:prstGeom>
+          <a:solidFill>
+            <a:schemeClr val="accent6">
+              <a:lumMod val="60000"/>
+              <a:lumOff val="40000"/>
+            </a:schemeClr>
+          </a:solidFill>
+        </p:spPr>
+        <p:txBody>
+          <a:bodyPr wrap="square" rtlCol="0">
+            <a:spAutoFit/>
+          </a:bodyPr>
+          <a:lstStyle/>
+          <a:p>
+            <a:r>
+              <a:rPr lang="en-US" dirty="0" err="1"/>
+              <a:t>LinearForm</a:t>
+            </a:r>
+            <a:endParaRPr lang="en-US" dirty="0"/>
+          </a:p>
+        </p:txBody>
+      </p:sp>
+      <p:sp>
+        <p:nvSpPr>
+          <p:cNvPr id="29" name="TextBox 28">
+            <a:extLst>
+              <a:ext uri="{FF2B5EF4-FFF2-40B4-BE49-F238E27FC236}">
+                <a16:creationId xmlns:a16="http://schemas.microsoft.com/office/drawing/2014/main" id="{2426B4F1-CFD4-F049-8FED-CE4E3C4E0D91}"/>
+              </a:ext>
+            </a:extLst>
+          </p:cNvPr>
+          <p:cNvSpPr txBox="1"/>
+          <p:nvPr/>
+        </p:nvSpPr>
+        <p:spPr>
+          <a:xfrm>
+            <a:off x="4295230" y="3455940"/>
+            <a:ext cx="2048420" cy="369332"/>
+          </a:xfrm>
+          <a:prstGeom prst="rect">
+            <a:avLst/>
+          </a:prstGeom>
+          <a:solidFill>
+            <a:schemeClr val="accent6">
+              <a:lumMod val="60000"/>
+              <a:lumOff val="40000"/>
+            </a:schemeClr>
+          </a:solidFill>
+        </p:spPr>
+        <p:txBody>
+          <a:bodyPr wrap="square" rtlCol="0">
+            <a:spAutoFit/>
+          </a:bodyPr>
+          <a:lstStyle/>
+          <a:p>
+            <a:r>
+              <a:rPr lang="en-US" dirty="0"/>
+              <a:t>(</a:t>
+            </a:r>
+            <a:r>
+              <a:rPr lang="en-US" dirty="0" err="1"/>
+              <a:t>evalExpr,trialExpr</a:t>
+            </a:r>
+            <a:r>
+              <a:rPr lang="en-US" dirty="0"/>
+              <a:t>)</a:t>
+            </a:r>
+          </a:p>
+        </p:txBody>
+      </p:sp>
+      <p:cxnSp>
+        <p:nvCxnSpPr>
+          <p:cNvPr id="30" name="Straight Arrow Connector 29">
+            <a:extLst>
+              <a:ext uri="{FF2B5EF4-FFF2-40B4-BE49-F238E27FC236}">
+                <a16:creationId xmlns:a16="http://schemas.microsoft.com/office/drawing/2014/main" id="{57EBB8F1-914C-4842-82DD-CE2608DC28D4}"/>
+              </a:ext>
+            </a:extLst>
+          </p:cNvPr>
+          <p:cNvCxnSpPr/>
+          <p:nvPr/>
+        </p:nvCxnSpPr>
+        <p:spPr>
+          <a:xfrm flipV="1">
+            <a:off x="6343650" y="3628358"/>
+            <a:ext cx="1363436" cy="17962"/>
+          </a:xfrm>
+          <a:prstGeom prst="straightConnector1">
+            <a:avLst/>
+          </a:prstGeom>
+          <a:ln>
+            <a:solidFill>
+              <a:schemeClr val="accent6">
+                <a:lumMod val="75000"/>
+              </a:schemeClr>
+            </a:solidFill>
+            <a:headEnd w="lg" len="lg"/>
+            <a:tailEnd type="triangle" w="lg" len="lg"/>
+          </a:ln>
+        </p:spPr>
+        <p:style>
+          <a:lnRef idx="1">
+            <a:schemeClr val="accent1"/>
+          </a:lnRef>
+          <a:fillRef idx="0">
+            <a:schemeClr val="accent1"/>
+          </a:fillRef>
+          <a:effectRef idx="0">
+            <a:schemeClr val="accent1"/>
+          </a:effectRef>
+          <a:fontRef idx="minor">
+            <a:schemeClr val="tx1"/>
+          </a:fontRef>
+        </p:style>
+      </p:cxnSp>
+      <p:sp>
+        <p:nvSpPr>
+          <p:cNvPr id="33" name="TextBox 32">
+            <a:extLst>
+              <a:ext uri="{FF2B5EF4-FFF2-40B4-BE49-F238E27FC236}">
+                <a16:creationId xmlns:a16="http://schemas.microsoft.com/office/drawing/2014/main" id="{15C34FD5-A0C3-A944-974B-EE12F4697675}"/>
+              </a:ext>
+            </a:extLst>
+          </p:cNvPr>
+          <p:cNvSpPr txBox="1"/>
+          <p:nvPr/>
+        </p:nvSpPr>
+        <p:spPr>
+          <a:xfrm>
+            <a:off x="7781381" y="3461654"/>
+            <a:ext cx="2048420" cy="369332"/>
+          </a:xfrm>
+          <a:prstGeom prst="rect">
+            <a:avLst/>
+          </a:prstGeom>
+          <a:solidFill>
+            <a:schemeClr val="accent6">
+              <a:lumMod val="60000"/>
+              <a:lumOff val="40000"/>
+            </a:schemeClr>
+          </a:solidFill>
+        </p:spPr>
+        <p:txBody>
+          <a:bodyPr wrap="square" rtlCol="0">
+            <a:spAutoFit/>
+          </a:bodyPr>
+          <a:lstStyle/>
+          <a:p>
+            <a:r>
+              <a:rPr lang="en-US" dirty="0" err="1"/>
+              <a:t>LinearConstraint</a:t>
+            </a:r>
+            <a:endParaRPr lang="en-US" dirty="0"/>
+          </a:p>
+        </p:txBody>
+      </p:sp>
+    </p:spTree>
+    <p:extLst>
+      <p:ext uri="{BB962C8B-B14F-4D97-AF65-F5344CB8AC3E}">
+        <p14:creationId xmlns:p14="http://schemas.microsoft.com/office/powerpoint/2010/main" val="2539264858"/>
+      </p:ext>
+    </p:extLst>
+  </p:cSld>
+  <p:clrMapOvr>
+    <a:masterClrMapping/>
+  </p:clrMapOvr>
+</p:sld>
+</file>
+
 <file path=ppt/slides/slide2.xml><?xml version="1.0" encoding="utf-8"?>
 <p:sld xmlns:a="http://schemas.openxmlformats.org/drawingml/2006/main" xmlns:r="http://schemas.openxmlformats.org/officeDocument/2006/relationships" xmlns:p="http://schemas.openxmlformats.org/presentationml/2006/main">
   <p:cSld>
